--- a/Final Submission/Presidential Election Analysis_Final.pptx
+++ b/Final Submission/Presidential Election Analysis_Final.pptx
@@ -5,20 +5,21 @@
     <p:sldMasterId id="2147483661" r:id="rId1"/>
   </p:sldMasterIdLst>
   <p:notesMasterIdLst>
-    <p:notesMasterId r:id="rId13"/>
+    <p:notesMasterId r:id="rId14"/>
   </p:notesMasterIdLst>
   <p:sldIdLst>
     <p:sldId id="257" r:id="rId2"/>
     <p:sldId id="276" r:id="rId3"/>
     <p:sldId id="281" r:id="rId4"/>
     <p:sldId id="258" r:id="rId5"/>
-    <p:sldId id="290" r:id="rId6"/>
+    <p:sldId id="297" r:id="rId6"/>
     <p:sldId id="293" r:id="rId7"/>
     <p:sldId id="291" r:id="rId8"/>
     <p:sldId id="294" r:id="rId9"/>
     <p:sldId id="292" r:id="rId10"/>
     <p:sldId id="295" r:id="rId11"/>
     <p:sldId id="284" r:id="rId12"/>
+    <p:sldId id="296" r:id="rId13"/>
   </p:sldIdLst>
   <p:sldSz cx="9144000" cy="6858000" type="screen4x3"/>
   <p:notesSz cx="6858000" cy="9144000"/>
@@ -156,13 +157,14 @@
             <p14:sldId id="276"/>
             <p14:sldId id="281"/>
             <p14:sldId id="258"/>
-            <p14:sldId id="290"/>
+            <p14:sldId id="297"/>
             <p14:sldId id="293"/>
             <p14:sldId id="291"/>
             <p14:sldId id="294"/>
             <p14:sldId id="292"/>
             <p14:sldId id="295"/>
             <p14:sldId id="284"/>
+            <p14:sldId id="296"/>
           </p14:sldIdLst>
         </p14:section>
         <p14:section name="Appendix" id="{A4AAB954-8FEE-4714-9544-CAC247C59A44}">
@@ -10280,7 +10282,7 @@
           <a:p>
             <a:fld id="{7BEA590F-A513-42B1-89D4-B7C08C22AC93}" type="datetimeFigureOut">
               <a:rPr lang="en-US" smtClean="0"/>
-              <a:t>3/27/22</a:t>
+              <a:t>3/29/2022</a:t>
             </a:fld>
             <a:endParaRPr lang="en-US"/>
           </a:p>
@@ -10988,7 +10990,7 @@
             <a:fld id="{1210D201-B81E-470F-A152-87DB35E113A8}" type="datetimeFigureOut">
               <a:rPr lang="en-US" altLang="en-US"/>
               <a:pPr/>
-              <a:t>3/27/22</a:t>
+              <a:t>3/29/2022</a:t>
             </a:fld>
             <a:endParaRPr lang="en-US" altLang="en-US"/>
           </a:p>
@@ -11352,7 +11354,7 @@
             <a:fld id="{065B2143-4885-47E3-A9EB-607A302E185E}" type="datetimeFigureOut">
               <a:rPr lang="en-US" altLang="en-US"/>
               <a:pPr/>
-              <a:t>3/27/22</a:t>
+              <a:t>3/29/2022</a:t>
             </a:fld>
             <a:endParaRPr lang="en-US" altLang="en-US"/>
           </a:p>
@@ -11635,7 +11637,7 @@
             <a:fld id="{FE7ACBF5-1757-4FA1-8770-7D42E8AB3403}" type="datetimeFigureOut">
               <a:rPr lang="en-US" altLang="en-US"/>
               <a:pPr/>
-              <a:t>3/27/22</a:t>
+              <a:t>3/29/2022</a:t>
             </a:fld>
             <a:endParaRPr lang="en-US" altLang="en-US"/>
           </a:p>
@@ -11966,7 +11968,7 @@
             <a:fld id="{31EC4CDC-1D50-43D9-92DD-EC1F6918FC5E}" type="datetimeFigureOut">
               <a:rPr lang="en-US" altLang="en-US"/>
               <a:pPr/>
-              <a:t>3/27/22</a:t>
+              <a:t>3/29/2022</a:t>
             </a:fld>
             <a:endParaRPr lang="en-US" altLang="en-US"/>
           </a:p>
@@ -12428,7 +12430,7 @@
             <a:fld id="{B29945B5-1676-4A4A-9769-87262D092169}" type="datetimeFigureOut">
               <a:rPr lang="en-US" altLang="en-US"/>
               <a:pPr/>
-              <a:t>3/27/22</a:t>
+              <a:t>3/29/2022</a:t>
             </a:fld>
             <a:endParaRPr lang="en-US" altLang="en-US"/>
           </a:p>
@@ -12594,7 +12596,7 @@
             <a:fld id="{15EA8BE1-029F-4049-94C0-3048ABCECBF1}" type="datetimeFigureOut">
               <a:rPr lang="en-US" altLang="en-US"/>
               <a:pPr/>
-              <a:t>3/27/22</a:t>
+              <a:t>3/29/2022</a:t>
             </a:fld>
             <a:endParaRPr lang="en-US" altLang="en-US"/>
           </a:p>
@@ -12724,7 +12726,7 @@
             <a:fld id="{AE94213C-83F6-4CB9-84A6-5E06AF59783F}" type="datetimeFigureOut">
               <a:rPr lang="en-US" altLang="en-US"/>
               <a:pPr/>
-              <a:t>3/27/22</a:t>
+              <a:t>3/29/2022</a:t>
             </a:fld>
             <a:endParaRPr lang="en-US" altLang="en-US"/>
           </a:p>
@@ -13037,7 +13039,7 @@
             <a:fld id="{923DF63F-B3A0-44E6-BDF4-2B9B8EC924BB}" type="datetimeFigureOut">
               <a:rPr lang="en-US" altLang="en-US"/>
               <a:pPr/>
-              <a:t>3/27/22</a:t>
+              <a:t>3/29/2022</a:t>
             </a:fld>
             <a:endParaRPr lang="en-US" altLang="en-US"/>
           </a:p>
@@ -13333,7 +13335,7 @@
             <a:fld id="{B151E1F3-2510-46B4-B4CA-F46EB747AB32}" type="datetimeFigureOut">
               <a:rPr lang="en-US" altLang="en-US"/>
               <a:pPr/>
-              <a:t>3/27/22</a:t>
+              <a:t>3/29/2022</a:t>
             </a:fld>
             <a:endParaRPr lang="en-US" altLang="en-US"/>
           </a:p>
@@ -13580,7 +13582,7 @@
             <a:fld id="{C11C1CF1-2F3A-4423-90F7-0EB150F19318}" type="datetimeFigureOut">
               <a:rPr lang="en-US" altLang="en-US"/>
               <a:pPr/>
-              <a:t>3/27/22</a:t>
+              <a:t>3/29/2022</a:t>
             </a:fld>
             <a:endParaRPr lang="en-US" altLang="en-US"/>
           </a:p>
@@ -15032,6 +15034,302 @@
 </p:sld>
 </file>
 
+<file path=ppt/slides/slide12.xml><?xml version="1.0" encoding="utf-8"?>
+<p:sld xmlns:a="http://schemas.openxmlformats.org/drawingml/2006/main" xmlns:r="http://schemas.openxmlformats.org/officeDocument/2006/relationships" xmlns:p="http://schemas.openxmlformats.org/presentationml/2006/main">
+  <p:cSld>
+    <p:spTree>
+      <p:nvGrpSpPr>
+        <p:cNvPr id="1" name=""/>
+        <p:cNvGrpSpPr/>
+        <p:nvPr/>
+      </p:nvGrpSpPr>
+      <p:grpSpPr>
+        <a:xfrm>
+          <a:off x="0" y="0"/>
+          <a:ext cx="0" cy="0"/>
+          <a:chOff x="0" y="0"/>
+          <a:chExt cx="0" cy="0"/>
+        </a:xfrm>
+      </p:grpSpPr>
+      <p:sp>
+        <p:nvSpPr>
+          <p:cNvPr id="5" name="Content Placeholder 1">
+            <a:extLst>
+              <a:ext uri="{FF2B5EF4-FFF2-40B4-BE49-F238E27FC236}">
+                <a16:creationId xmlns:a16="http://schemas.microsoft.com/office/drawing/2014/main" id="{500581A0-6AB4-4AB8-A1A3-1AC7BDEA079C}"/>
+              </a:ext>
+            </a:extLst>
+          </p:cNvPr>
+          <p:cNvSpPr txBox="1">
+            <a:spLocks/>
+          </p:cNvSpPr>
+          <p:nvPr/>
+        </p:nvSpPr>
+        <p:spPr bwMode="auto">
+          <a:xfrm>
+            <a:off x="609600" y="1752600"/>
+            <a:ext cx="8229600" cy="4525963"/>
+          </a:xfrm>
+          <a:prstGeom prst="rect">
+            <a:avLst/>
+          </a:prstGeom>
+          <a:noFill/>
+          <a:ln>
+            <a:noFill/>
+          </a:ln>
+          <a:extLst>
+            <a:ext uri="{909E8E84-426E-40DD-AFC4-6F175D3DCCD1}">
+              <a14:hiddenFill xmlns:a14="http://schemas.microsoft.com/office/drawing/2010/main">
+                <a:solidFill>
+                  <a:srgbClr val="FFFFFF"/>
+                </a:solidFill>
+              </a14:hiddenFill>
+            </a:ext>
+            <a:ext uri="{91240B29-F687-4F45-9708-019B960494DF}">
+              <a14:hiddenLine xmlns:a14="http://schemas.microsoft.com/office/drawing/2010/main" w="9525">
+                <a:solidFill>
+                  <a:srgbClr val="000000"/>
+                </a:solidFill>
+                <a:miter lim="800000"/>
+                <a:headEnd/>
+                <a:tailEnd/>
+              </a14:hiddenLine>
+            </a:ext>
+          </a:extLst>
+        </p:spPr>
+        <p:txBody>
+          <a:bodyPr vert="horz" wrap="square" lIns="91440" tIns="45720" rIns="91440" bIns="45720" numCol="1" anchor="t" anchorCtr="0" compatLnSpc="1">
+            <a:prstTxWarp prst="textNoShape">
+              <a:avLst/>
+            </a:prstTxWarp>
+          </a:bodyPr>
+          <a:lstStyle>
+            <a:lvl1pPr marL="342900" indent="-342900" algn="l" defTabSz="457200" rtl="0" eaLnBrk="0" fontAlgn="base" hangingPunct="0">
+              <a:spcBef>
+                <a:spcPct val="20000"/>
+              </a:spcBef>
+              <a:spcAft>
+                <a:spcPct val="0"/>
+              </a:spcAft>
+              <a:buFont typeface="Arial" panose="020B0604020202020204" pitchFamily="34" charset="0"/>
+              <a:buChar char="•"/>
+              <a:defRPr sz="3200" kern="1200">
+                <a:solidFill>
+                  <a:schemeClr val="tx1"/>
+                </a:solidFill>
+                <a:latin typeface="Helvetica"/>
+                <a:ea typeface="ＭＳ Ｐゴシック" charset="0"/>
+                <a:cs typeface="ＭＳ Ｐゴシック" charset="0"/>
+              </a:defRPr>
+            </a:lvl1pPr>
+            <a:lvl2pPr marL="742950" indent="-285750" algn="l" defTabSz="457200" rtl="0" eaLnBrk="0" fontAlgn="base" hangingPunct="0">
+              <a:spcBef>
+                <a:spcPct val="20000"/>
+              </a:spcBef>
+              <a:spcAft>
+                <a:spcPct val="0"/>
+              </a:spcAft>
+              <a:buFont typeface="Arial" panose="020B0604020202020204" pitchFamily="34" charset="0"/>
+              <a:buChar char="–"/>
+              <a:defRPr sz="2800" kern="1200">
+                <a:solidFill>
+                  <a:schemeClr val="tx1"/>
+                </a:solidFill>
+                <a:latin typeface="Helvetica"/>
+                <a:ea typeface="ＭＳ Ｐゴシック" charset="0"/>
+                <a:cs typeface="+mn-cs"/>
+              </a:defRPr>
+            </a:lvl2pPr>
+            <a:lvl3pPr marL="1143000" indent="-228600" algn="l" defTabSz="457200" rtl="0" eaLnBrk="0" fontAlgn="base" hangingPunct="0">
+              <a:spcBef>
+                <a:spcPct val="20000"/>
+              </a:spcBef>
+              <a:spcAft>
+                <a:spcPct val="0"/>
+              </a:spcAft>
+              <a:buFont typeface="Arial" panose="020B0604020202020204" pitchFamily="34" charset="0"/>
+              <a:buChar char="•"/>
+              <a:defRPr sz="2400" kern="1200">
+                <a:solidFill>
+                  <a:schemeClr val="tx1"/>
+                </a:solidFill>
+                <a:latin typeface="Helvetica"/>
+                <a:ea typeface="ＭＳ Ｐゴシック" charset="0"/>
+                <a:cs typeface="+mn-cs"/>
+              </a:defRPr>
+            </a:lvl3pPr>
+            <a:lvl4pPr marL="1600200" indent="-228600" algn="l" defTabSz="457200" rtl="0" eaLnBrk="0" fontAlgn="base" hangingPunct="0">
+              <a:spcBef>
+                <a:spcPct val="20000"/>
+              </a:spcBef>
+              <a:spcAft>
+                <a:spcPct val="0"/>
+              </a:spcAft>
+              <a:buFont typeface="Arial" panose="020B0604020202020204" pitchFamily="34" charset="0"/>
+              <a:buChar char="–"/>
+              <a:defRPr sz="2000" kern="1200">
+                <a:solidFill>
+                  <a:schemeClr val="tx1"/>
+                </a:solidFill>
+                <a:latin typeface="Helvetica"/>
+                <a:ea typeface="ＭＳ Ｐゴシック" charset="0"/>
+                <a:cs typeface="+mn-cs"/>
+              </a:defRPr>
+            </a:lvl4pPr>
+            <a:lvl5pPr marL="2057400" indent="-228600" algn="l" defTabSz="457200" rtl="0" eaLnBrk="0" fontAlgn="base" hangingPunct="0">
+              <a:spcBef>
+                <a:spcPct val="20000"/>
+              </a:spcBef>
+              <a:spcAft>
+                <a:spcPct val="0"/>
+              </a:spcAft>
+              <a:buFont typeface="Arial" panose="020B0604020202020204" pitchFamily="34" charset="0"/>
+              <a:buChar char="»"/>
+              <a:defRPr sz="2000" kern="1200">
+                <a:solidFill>
+                  <a:schemeClr val="tx1"/>
+                </a:solidFill>
+                <a:latin typeface="Helvetica"/>
+                <a:ea typeface="ＭＳ Ｐゴシック" charset="0"/>
+                <a:cs typeface="+mn-cs"/>
+              </a:defRPr>
+            </a:lvl5pPr>
+            <a:lvl6pPr marL="2514600" indent="-228600" algn="l" defTabSz="457200" rtl="0" eaLnBrk="1" latinLnBrk="0" hangingPunct="1">
+              <a:spcBef>
+                <a:spcPct val="20000"/>
+              </a:spcBef>
+              <a:buFont typeface="Arial"/>
+              <a:buChar char="•"/>
+              <a:defRPr sz="2000" kern="1200">
+                <a:solidFill>
+                  <a:schemeClr val="tx1"/>
+                </a:solidFill>
+                <a:latin typeface="+mn-lt"/>
+                <a:ea typeface="+mn-ea"/>
+                <a:cs typeface="+mn-cs"/>
+              </a:defRPr>
+            </a:lvl6pPr>
+            <a:lvl7pPr marL="2971800" indent="-228600" algn="l" defTabSz="457200" rtl="0" eaLnBrk="1" latinLnBrk="0" hangingPunct="1">
+              <a:spcBef>
+                <a:spcPct val="20000"/>
+              </a:spcBef>
+              <a:buFont typeface="Arial"/>
+              <a:buChar char="•"/>
+              <a:defRPr sz="2000" kern="1200">
+                <a:solidFill>
+                  <a:schemeClr val="tx1"/>
+                </a:solidFill>
+                <a:latin typeface="+mn-lt"/>
+                <a:ea typeface="+mn-ea"/>
+                <a:cs typeface="+mn-cs"/>
+              </a:defRPr>
+            </a:lvl7pPr>
+            <a:lvl8pPr marL="3429000" indent="-228600" algn="l" defTabSz="457200" rtl="0" eaLnBrk="1" latinLnBrk="0" hangingPunct="1">
+              <a:spcBef>
+                <a:spcPct val="20000"/>
+              </a:spcBef>
+              <a:buFont typeface="Arial"/>
+              <a:buChar char="•"/>
+              <a:defRPr sz="2000" kern="1200">
+                <a:solidFill>
+                  <a:schemeClr val="tx1"/>
+                </a:solidFill>
+                <a:latin typeface="+mn-lt"/>
+                <a:ea typeface="+mn-ea"/>
+                <a:cs typeface="+mn-cs"/>
+              </a:defRPr>
+            </a:lvl8pPr>
+            <a:lvl9pPr marL="3886200" indent="-228600" algn="l" defTabSz="457200" rtl="0" eaLnBrk="1" latinLnBrk="0" hangingPunct="1">
+              <a:spcBef>
+                <a:spcPct val="20000"/>
+              </a:spcBef>
+              <a:buFont typeface="Arial"/>
+              <a:buChar char="•"/>
+              <a:defRPr sz="2000" kern="1200">
+                <a:solidFill>
+                  <a:schemeClr val="tx1"/>
+                </a:solidFill>
+                <a:latin typeface="+mn-lt"/>
+                <a:ea typeface="+mn-ea"/>
+                <a:cs typeface="+mn-cs"/>
+              </a:defRPr>
+            </a:lvl9pPr>
+          </a:lstStyle>
+          <a:p>
+            <a:r>
+              <a:rPr lang="en-US" sz="2000" dirty="0"/>
+              <a:t>The number of cars sold from 1983 till 2000 were very less and most of them were manual cars.</a:t>
+            </a:r>
+          </a:p>
+          <a:p>
+            <a:r>
+              <a:rPr lang="en-US" sz="2000" dirty="0"/>
+              <a:t>After 2005, the demand of automatic cars increased.</a:t>
+            </a:r>
+          </a:p>
+          <a:p>
+            <a:r>
+              <a:rPr lang="en-US" sz="2000" dirty="0"/>
+              <a:t>Linear Regression is a good choice to model the selling price variable as it is linearly depended on some of the other independent variables.</a:t>
+            </a:r>
+          </a:p>
+          <a:p>
+            <a:r>
+              <a:rPr lang="en-US" sz="2000" dirty="0"/>
+              <a:t>The Coefficient of Determination (r</a:t>
+            </a:r>
+            <a:r>
+              <a:rPr lang="en-US" sz="2000" baseline="30000" dirty="0"/>
+              <a:t>2</a:t>
+            </a:r>
+            <a:r>
+              <a:rPr lang="en-US" sz="2000" dirty="0"/>
+              <a:t>) is around 91%, which means that 91% variance of price variable is explained by independent variables.</a:t>
+            </a:r>
+          </a:p>
+        </p:txBody>
+      </p:sp>
+      <p:sp>
+        <p:nvSpPr>
+          <p:cNvPr id="2" name="Title 1">
+            <a:extLst>
+              <a:ext uri="{FF2B5EF4-FFF2-40B4-BE49-F238E27FC236}">
+                <a16:creationId xmlns:a16="http://schemas.microsoft.com/office/drawing/2014/main" id="{28BEB936-80C7-1B46-9BEC-5B3D10E85DCB}"/>
+              </a:ext>
+            </a:extLst>
+          </p:cNvPr>
+          <p:cNvSpPr>
+            <a:spLocks noGrp="1"/>
+          </p:cNvSpPr>
+          <p:nvPr>
+            <p:ph type="ctrTitle"/>
+          </p:nvPr>
+        </p:nvSpPr>
+        <p:spPr/>
+        <p:txBody>
+          <a:bodyPr/>
+          <a:lstStyle/>
+          <a:p>
+            <a:r>
+              <a:rPr lang="en-US" dirty="0"/>
+              <a:t>Further Improvements</a:t>
+            </a:r>
+          </a:p>
+        </p:txBody>
+      </p:sp>
+    </p:spTree>
+    <p:extLst>
+      <p:ext uri="{BB962C8B-B14F-4D97-AF65-F5344CB8AC3E}">
+        <p14:creationId xmlns:p14="http://schemas.microsoft.com/office/powerpoint/2010/main" val="402406314"/>
+      </p:ext>
+    </p:extLst>
+  </p:cSld>
+  <p:clrMapOvr>
+    <a:masterClrMapping/>
+  </p:clrMapOvr>
+</p:sld>
+</file>
+
 <file path=ppt/slides/slide2.xml><?xml version="1.0" encoding="utf-8"?>
 <p:sld xmlns:a="http://schemas.openxmlformats.org/drawingml/2006/main" xmlns:r="http://schemas.openxmlformats.org/officeDocument/2006/relationships" xmlns:p="http://schemas.openxmlformats.org/presentationml/2006/main">
   <p:cSld>
@@ -15342,41 +15640,6 @@
       </p:grpSpPr>
       <p:sp>
         <p:nvSpPr>
-          <p:cNvPr id="4" name="Title 3">
-            <a:extLst>
-              <a:ext uri="{FF2B5EF4-FFF2-40B4-BE49-F238E27FC236}">
-                <a16:creationId xmlns:a16="http://schemas.microsoft.com/office/drawing/2014/main" id="{00AA3AEB-8C50-544C-A193-57AC857A7DB8}"/>
-              </a:ext>
-            </a:extLst>
-          </p:cNvPr>
-          <p:cNvSpPr>
-            <a:spLocks noGrp="1"/>
-          </p:cNvSpPr>
-          <p:nvPr>
-            <p:ph type="ctrTitle"/>
-          </p:nvPr>
-        </p:nvSpPr>
-        <p:spPr>
-          <a:xfrm>
-            <a:off x="457200" y="838201"/>
-            <a:ext cx="8229600" cy="762000"/>
-          </a:xfrm>
-        </p:spPr>
-        <p:txBody>
-          <a:bodyPr wrap="square" anchor="t">
-            <a:normAutofit/>
-          </a:bodyPr>
-          <a:lstStyle/>
-          <a:p>
-            <a:r>
-              <a:rPr lang="en-US" dirty="0"/>
-              <a:t>Scope of Project</a:t>
-            </a:r>
-          </a:p>
-        </p:txBody>
-      </p:sp>
-      <p:sp>
-        <p:nvSpPr>
           <p:cNvPr id="3" name="Content Placeholder 2">
             <a:extLst>
               <a:ext uri="{FF2B5EF4-FFF2-40B4-BE49-F238E27FC236}">
@@ -15393,26 +15656,32 @@
         </p:nvSpPr>
         <p:spPr>
           <a:xfrm>
-            <a:off x="457200" y="1600200"/>
-            <a:ext cx="8229600" cy="1752599"/>
+            <a:off x="1371600" y="1600200"/>
+            <a:ext cx="7315200" cy="1752599"/>
           </a:xfrm>
         </p:spPr>
         <p:txBody>
           <a:bodyPr/>
           <a:lstStyle/>
           <a:p>
+            <a:pPr marL="0" indent="0">
+              <a:buNone/>
+            </a:pPr>
             <a:r>
-              <a:rPr lang="en-US" sz="2400" dirty="0"/>
-              <a:t>Factors and attributes of a county that influence the results of presidential election?</a:t>
+              <a:rPr lang="en-US" sz="1800" dirty="0"/>
+              <a:t>What factors and attributes of a county influence the results of presidential election?</a:t>
             </a:r>
           </a:p>
           <a:p>
-            <a:endParaRPr lang="en-US" sz="2400" dirty="0"/>
+            <a:endParaRPr lang="en-US" sz="1800" dirty="0"/>
           </a:p>
           <a:p>
+            <a:pPr marL="0" indent="0">
+              <a:buNone/>
+            </a:pPr>
             <a:r>
-              <a:rPr lang="en-US" sz="2400" dirty="0"/>
-              <a:t>Prediction of the winning party in each county</a:t>
+              <a:rPr lang="en-US" sz="1800" dirty="0"/>
+              <a:t>Can we predict which party will win the 2016 presidential election in each county?</a:t>
             </a:r>
           </a:p>
         </p:txBody>
@@ -15447,6 +15716,125 @@
           </a:prstGeom>
         </p:spPr>
       </p:pic>
+      <p:pic>
+        <p:nvPicPr>
+          <p:cNvPr id="5" name="Picture 4" descr="Icon&#10;&#10;Description automatically generated">
+            <a:extLst>
+              <a:ext uri="{FF2B5EF4-FFF2-40B4-BE49-F238E27FC236}">
+                <a16:creationId xmlns:a16="http://schemas.microsoft.com/office/drawing/2014/main" id="{47D56D3C-0C47-4E70-BE50-058AEE35A63E}"/>
+              </a:ext>
+            </a:extLst>
+          </p:cNvPr>
+          <p:cNvPicPr>
+            <a:picLocks noChangeAspect="1"/>
+          </p:cNvPicPr>
+          <p:nvPr/>
+        </p:nvPicPr>
+        <p:blipFill>
+          <a:blip r:embed="rId3">
+            <a:extLst>
+              <a:ext uri="{BEBA8EAE-BF5A-486C-A8C5-ECC9F3942E4B}">
+                <a14:imgProps xmlns:a14="http://schemas.microsoft.com/office/drawing/2010/main">
+                  <a14:imgLayer r:embed="rId4">
+                    <a14:imgEffect>
+                      <a14:backgroundRemoval t="10000" b="90000" l="10000" r="90000"/>
+                    </a14:imgEffect>
+                  </a14:imgLayer>
+                </a14:imgProps>
+              </a:ext>
+            </a:extLst>
+          </a:blip>
+          <a:stretch>
+            <a:fillRect/>
+          </a:stretch>
+        </p:blipFill>
+        <p:spPr>
+          <a:xfrm>
+            <a:off x="723900" y="1666467"/>
+            <a:ext cx="647700" cy="390933"/>
+          </a:xfrm>
+          <a:prstGeom prst="rect">
+            <a:avLst/>
+          </a:prstGeom>
+        </p:spPr>
+      </p:pic>
+      <p:pic>
+        <p:nvPicPr>
+          <p:cNvPr id="7" name="Picture 6" descr="Icon&#10;&#10;Description automatically generated">
+            <a:extLst>
+              <a:ext uri="{FF2B5EF4-FFF2-40B4-BE49-F238E27FC236}">
+                <a16:creationId xmlns:a16="http://schemas.microsoft.com/office/drawing/2014/main" id="{D94FD9C7-1476-4855-AA80-0778142B4B09}"/>
+              </a:ext>
+            </a:extLst>
+          </p:cNvPr>
+          <p:cNvPicPr>
+            <a:picLocks noChangeAspect="1"/>
+          </p:cNvPicPr>
+          <p:nvPr/>
+        </p:nvPicPr>
+        <p:blipFill>
+          <a:blip r:embed="rId3">
+            <a:extLst>
+              <a:ext uri="{BEBA8EAE-BF5A-486C-A8C5-ECC9F3942E4B}">
+                <a14:imgProps xmlns:a14="http://schemas.microsoft.com/office/drawing/2010/main">
+                  <a14:imgLayer r:embed="rId4">
+                    <a14:imgEffect>
+                      <a14:backgroundRemoval t="10000" b="90000" l="10000" r="90000"/>
+                    </a14:imgEffect>
+                  </a14:imgLayer>
+                </a14:imgProps>
+              </a:ext>
+            </a:extLst>
+          </a:blip>
+          <a:stretch>
+            <a:fillRect/>
+          </a:stretch>
+        </p:blipFill>
+        <p:spPr>
+          <a:xfrm>
+            <a:off x="723900" y="2504667"/>
+            <a:ext cx="647700" cy="390933"/>
+          </a:xfrm>
+          <a:prstGeom prst="rect">
+            <a:avLst/>
+          </a:prstGeom>
+        </p:spPr>
+      </p:pic>
+      <p:sp>
+        <p:nvSpPr>
+          <p:cNvPr id="9" name="Title 2">
+            <a:extLst>
+              <a:ext uri="{FF2B5EF4-FFF2-40B4-BE49-F238E27FC236}">
+                <a16:creationId xmlns:a16="http://schemas.microsoft.com/office/drawing/2014/main" id="{7F31E320-460E-4881-B25D-64F1C9F0F836}"/>
+              </a:ext>
+            </a:extLst>
+          </p:cNvPr>
+          <p:cNvSpPr>
+            <a:spLocks noGrp="1"/>
+          </p:cNvSpPr>
+          <p:nvPr>
+            <p:ph type="ctrTitle"/>
+          </p:nvPr>
+        </p:nvSpPr>
+        <p:spPr>
+          <a:xfrm>
+            <a:off x="457200" y="685800"/>
+            <a:ext cx="8229600" cy="762000"/>
+          </a:xfrm>
+        </p:spPr>
+        <p:txBody>
+          <a:bodyPr wrap="square" anchor="t">
+            <a:normAutofit/>
+          </a:bodyPr>
+          <a:lstStyle/>
+          <a:p>
+            <a:r>
+              <a:rPr lang="en-US" dirty="0"/>
+              <a:t>Scope of the project</a:t>
+            </a:r>
+          </a:p>
+        </p:txBody>
+      </p:sp>
     </p:spTree>
     <p:extLst>
       <p:ext uri="{BB962C8B-B14F-4D97-AF65-F5344CB8AC3E}">
@@ -15479,10 +15867,45 @@
       </p:grpSpPr>
       <p:sp>
         <p:nvSpPr>
-          <p:cNvPr id="13" name="Content Placeholder 1">
+          <p:cNvPr id="9" name="Title 2">
             <a:extLst>
               <a:ext uri="{FF2B5EF4-FFF2-40B4-BE49-F238E27FC236}">
-                <a16:creationId xmlns:a16="http://schemas.microsoft.com/office/drawing/2014/main" id="{9FB9B86D-0837-48FB-87A1-A251CE2A466E}"/>
+                <a16:creationId xmlns:a16="http://schemas.microsoft.com/office/drawing/2014/main" id="{7F31E320-460E-4881-B25D-64F1C9F0F836}"/>
+              </a:ext>
+            </a:extLst>
+          </p:cNvPr>
+          <p:cNvSpPr>
+            <a:spLocks noGrp="1"/>
+          </p:cNvSpPr>
+          <p:nvPr>
+            <p:ph type="ctrTitle"/>
+          </p:nvPr>
+        </p:nvSpPr>
+        <p:spPr>
+          <a:xfrm>
+            <a:off x="457200" y="685800"/>
+            <a:ext cx="8229600" cy="762000"/>
+          </a:xfrm>
+        </p:spPr>
+        <p:txBody>
+          <a:bodyPr wrap="square" anchor="t">
+            <a:normAutofit/>
+          </a:bodyPr>
+          <a:lstStyle/>
+          <a:p>
+            <a:r>
+              <a:rPr lang="en-US" dirty="0"/>
+              <a:t>Exploratory Data Analysis</a:t>
+            </a:r>
+          </a:p>
+        </p:txBody>
+      </p:sp>
+      <p:sp>
+        <p:nvSpPr>
+          <p:cNvPr id="12" name="Content Placeholder 11">
+            <a:extLst>
+              <a:ext uri="{FF2B5EF4-FFF2-40B4-BE49-F238E27FC236}">
+                <a16:creationId xmlns:a16="http://schemas.microsoft.com/office/drawing/2014/main" id="{FA47CDB3-A286-4522-B1C0-EA6C8CCD80A2}"/>
               </a:ext>
             </a:extLst>
           </p:cNvPr>
@@ -15493,16 +15916,14 @@
             <p:ph idx="1"/>
           </p:nvPr>
         </p:nvSpPr>
-        <p:spPr>
-          <a:xfrm>
-            <a:off x="457200" y="1828800"/>
-            <a:ext cx="8229600" cy="4800600"/>
-          </a:xfrm>
-        </p:spPr>
+        <p:spPr/>
         <p:txBody>
           <a:bodyPr/>
           <a:lstStyle/>
           <a:p>
+            <a:pPr marL="0" indent="0">
+              <a:buNone/>
+            </a:pPr>
             <a:r>
               <a:rPr lang="en-US" sz="1600" dirty="0">
                 <a:latin typeface="+mn-lt"/>
@@ -15611,107 +16032,12 @@
               <a:t>Poverty</a:t>
             </a:r>
           </a:p>
-          <a:p>
-            <a:pPr marL="0" indent="0">
-              <a:buNone/>
-            </a:pPr>
-            <a:endParaRPr lang="en-US" sz="1600" dirty="0">
-              <a:latin typeface="+mn-lt"/>
-            </a:endParaRPr>
-          </a:p>
-          <a:p>
-            <a:endParaRPr lang="en-US" sz="1600" dirty="0">
-              <a:latin typeface="+mn-lt"/>
-            </a:endParaRPr>
-          </a:p>
-          <a:p>
-            <a:endParaRPr lang="en-US" sz="1600" dirty="0">
-              <a:latin typeface="+mn-lt"/>
-            </a:endParaRPr>
-          </a:p>
-          <a:p>
-            <a:endParaRPr lang="en-US" sz="1600" dirty="0">
-              <a:latin typeface="+mn-lt"/>
-            </a:endParaRPr>
-          </a:p>
-          <a:p>
-            <a:endParaRPr lang="en-US" sz="1600" dirty="0">
-              <a:latin typeface="+mn-lt"/>
-            </a:endParaRPr>
-          </a:p>
-          <a:p>
-            <a:endParaRPr lang="en-US" sz="1600" dirty="0">
-              <a:latin typeface="+mn-lt"/>
-            </a:endParaRPr>
-          </a:p>
-          <a:p>
-            <a:endParaRPr lang="en-US" sz="1600" dirty="0">
-              <a:latin typeface="+mn-lt"/>
-            </a:endParaRPr>
-          </a:p>
-          <a:p>
-            <a:endParaRPr lang="en-US" sz="1600" dirty="0">
-              <a:latin typeface="+mn-lt"/>
-            </a:endParaRPr>
-          </a:p>
-          <a:p>
-            <a:r>
-              <a:rPr lang="en-US" sz="1600" dirty="0">
-                <a:latin typeface="+mn-lt"/>
-              </a:rPr>
-              <a:t>Univariate Analysis includes descriptive statistics and univariate plots like histogram and box plot to understand the distribution of the data</a:t>
-            </a:r>
-          </a:p>
-          <a:p>
-            <a:r>
-              <a:rPr lang="en-US" sz="1600" dirty="0">
-                <a:latin typeface="+mn-lt"/>
-              </a:rPr>
-              <a:t>Multivariate Analysis is used to determine empirical relationship between more than 2 variables using charts like scatter plot and pair plot.</a:t>
-            </a:r>
-          </a:p>
-          <a:p>
-            <a:r>
-              <a:rPr lang="en-US" sz="1600" dirty="0">
-                <a:latin typeface="+mn-lt"/>
-              </a:rPr>
-              <a:t>Based on the assumptions framed from the univariate and multivariate analysis, correlation and hypothesis testing is used to validate those assumptions</a:t>
-            </a:r>
-          </a:p>
-        </p:txBody>
-      </p:sp>
-      <p:sp>
-        <p:nvSpPr>
-          <p:cNvPr id="2" name="Title 1">
-            <a:extLst>
-              <a:ext uri="{FF2B5EF4-FFF2-40B4-BE49-F238E27FC236}">
-                <a16:creationId xmlns:a16="http://schemas.microsoft.com/office/drawing/2014/main" id="{88ECD6E7-4088-0241-B5EF-8003AE98E457}"/>
-              </a:ext>
-            </a:extLst>
-          </p:cNvPr>
-          <p:cNvSpPr>
-            <a:spLocks noGrp="1"/>
-          </p:cNvSpPr>
-          <p:nvPr>
-            <p:ph type="ctrTitle"/>
-          </p:nvPr>
-        </p:nvSpPr>
-        <p:spPr/>
-        <p:txBody>
-          <a:bodyPr/>
-          <a:lstStyle/>
-          <a:p>
-            <a:r>
-              <a:rPr lang="en-US" dirty="0"/>
-              <a:t>Exploratory Data Analysis</a:t>
-            </a:r>
-          </a:p>
         </p:txBody>
       </p:sp>
     </p:spTree>
     <p:extLst>
       <p:ext uri="{BB962C8B-B14F-4D97-AF65-F5344CB8AC3E}">
-        <p14:creationId xmlns:p14="http://schemas.microsoft.com/office/powerpoint/2010/main" val="3348350007"/>
+        <p14:creationId xmlns:p14="http://schemas.microsoft.com/office/powerpoint/2010/main" val="1616643668"/>
       </p:ext>
     </p:extLst>
   </p:cSld>
@@ -15740,31 +16066,6 @@
       </p:grpSpPr>
       <p:sp>
         <p:nvSpPr>
-          <p:cNvPr id="2" name="Content Placeholder 1">
-            <a:extLst>
-              <a:ext uri="{FF2B5EF4-FFF2-40B4-BE49-F238E27FC236}">
-                <a16:creationId xmlns:a16="http://schemas.microsoft.com/office/drawing/2014/main" id="{8A85D0C9-0D09-E644-A9B5-C51FF9E4DE7D}"/>
-              </a:ext>
-            </a:extLst>
-          </p:cNvPr>
-          <p:cNvSpPr>
-            <a:spLocks noGrp="1"/>
-          </p:cNvSpPr>
-          <p:nvPr>
-            <p:ph idx="1"/>
-          </p:nvPr>
-        </p:nvSpPr>
-        <p:spPr/>
-        <p:txBody>
-          <a:bodyPr/>
-          <a:lstStyle/>
-          <a:p>
-            <a:endParaRPr lang="en-US"/>
-          </a:p>
-        </p:txBody>
-      </p:sp>
-      <p:sp>
-        <p:nvSpPr>
           <p:cNvPr id="4" name="Title 1">
             <a:extLst>
               <a:ext uri="{FF2B5EF4-FFF2-40B4-BE49-F238E27FC236}">
@@ -15787,6 +16088,2084 @@
             <a:r>
               <a:rPr lang="en-US" dirty="0"/>
               <a:t>Exploratory Data Analysis</a:t>
+            </a:r>
+          </a:p>
+        </p:txBody>
+      </p:sp>
+      <p:sp>
+        <p:nvSpPr>
+          <p:cNvPr id="5" name="Oval 4">
+            <a:extLst>
+              <a:ext uri="{FF2B5EF4-FFF2-40B4-BE49-F238E27FC236}">
+                <a16:creationId xmlns:a16="http://schemas.microsoft.com/office/drawing/2014/main" id="{51B27B55-9FDE-4C69-9935-99C211C6FFFB}"/>
+              </a:ext>
+            </a:extLst>
+          </p:cNvPr>
+          <p:cNvSpPr/>
+          <p:nvPr/>
+        </p:nvSpPr>
+        <p:spPr>
+          <a:xfrm>
+            <a:off x="3151303" y="2386003"/>
+            <a:ext cx="1008975" cy="870539"/>
+          </a:xfrm>
+          <a:prstGeom prst="ellipse">
+            <a:avLst/>
+          </a:prstGeom>
+          <a:solidFill>
+            <a:schemeClr val="bg1"/>
+          </a:solidFill>
+          <a:ln w="38100">
+            <a:solidFill>
+              <a:schemeClr val="accent5"/>
+            </a:solidFill>
+          </a:ln>
+        </p:spPr>
+        <p:style>
+          <a:lnRef idx="2">
+            <a:schemeClr val="accent1">
+              <a:shade val="50000"/>
+            </a:schemeClr>
+          </a:lnRef>
+          <a:fillRef idx="1">
+            <a:schemeClr val="accent1"/>
+          </a:fillRef>
+          <a:effectRef idx="0">
+            <a:schemeClr val="accent1"/>
+          </a:effectRef>
+          <a:fontRef idx="minor">
+            <a:schemeClr val="lt1"/>
+          </a:fontRef>
+        </p:style>
+        <p:txBody>
+          <a:bodyPr rtlCol="0" anchor="ctr"/>
+          <a:lstStyle/>
+          <a:p>
+            <a:pPr algn="ctr"/>
+            <a:r>
+              <a:rPr lang="en-US" sz="1200" dirty="0">
+                <a:solidFill>
+                  <a:schemeClr val="accent5"/>
+                </a:solidFill>
+              </a:rPr>
+              <a:t>Q2</a:t>
+            </a:r>
+          </a:p>
+        </p:txBody>
+      </p:sp>
+      <p:sp>
+        <p:nvSpPr>
+          <p:cNvPr id="6" name="Oval 5">
+            <a:extLst>
+              <a:ext uri="{FF2B5EF4-FFF2-40B4-BE49-F238E27FC236}">
+                <a16:creationId xmlns:a16="http://schemas.microsoft.com/office/drawing/2014/main" id="{8844D1DB-1C58-48AC-8782-432D606278DD}"/>
+              </a:ext>
+            </a:extLst>
+          </p:cNvPr>
+          <p:cNvSpPr/>
+          <p:nvPr/>
+        </p:nvSpPr>
+        <p:spPr>
+          <a:xfrm>
+            <a:off x="5150118" y="2386003"/>
+            <a:ext cx="1008975" cy="870539"/>
+          </a:xfrm>
+          <a:prstGeom prst="ellipse">
+            <a:avLst/>
+          </a:prstGeom>
+          <a:solidFill>
+            <a:schemeClr val="bg1"/>
+          </a:solidFill>
+          <a:ln w="38100">
+            <a:solidFill>
+              <a:srgbClr val="00B0F0"/>
+            </a:solidFill>
+          </a:ln>
+        </p:spPr>
+        <p:style>
+          <a:lnRef idx="2">
+            <a:schemeClr val="accent1">
+              <a:shade val="50000"/>
+            </a:schemeClr>
+          </a:lnRef>
+          <a:fillRef idx="1">
+            <a:schemeClr val="accent1"/>
+          </a:fillRef>
+          <a:effectRef idx="0">
+            <a:schemeClr val="accent1"/>
+          </a:effectRef>
+          <a:fontRef idx="minor">
+            <a:schemeClr val="lt1"/>
+          </a:fontRef>
+        </p:style>
+        <p:txBody>
+          <a:bodyPr rtlCol="0" anchor="ctr"/>
+          <a:lstStyle/>
+          <a:p>
+            <a:pPr algn="ctr"/>
+            <a:r>
+              <a:rPr lang="en-US" sz="1200" dirty="0">
+                <a:solidFill>
+                  <a:srgbClr val="00B0F0"/>
+                </a:solidFill>
+              </a:rPr>
+              <a:t>Var</a:t>
+            </a:r>
+          </a:p>
+        </p:txBody>
+      </p:sp>
+      <p:sp>
+        <p:nvSpPr>
+          <p:cNvPr id="7" name="Oval 6">
+            <a:extLst>
+              <a:ext uri="{FF2B5EF4-FFF2-40B4-BE49-F238E27FC236}">
+                <a16:creationId xmlns:a16="http://schemas.microsoft.com/office/drawing/2014/main" id="{DC89D8A3-ACA0-4532-A474-8A46A55947ED}"/>
+              </a:ext>
+            </a:extLst>
+          </p:cNvPr>
+          <p:cNvSpPr/>
+          <p:nvPr/>
+        </p:nvSpPr>
+        <p:spPr>
+          <a:xfrm>
+            <a:off x="7148934" y="2386003"/>
+            <a:ext cx="1008975" cy="870539"/>
+          </a:xfrm>
+          <a:prstGeom prst="ellipse">
+            <a:avLst/>
+          </a:prstGeom>
+          <a:solidFill>
+            <a:schemeClr val="bg1"/>
+          </a:solidFill>
+          <a:ln w="38100">
+            <a:solidFill>
+              <a:schemeClr val="accent3"/>
+            </a:solidFill>
+          </a:ln>
+        </p:spPr>
+        <p:style>
+          <a:lnRef idx="2">
+            <a:schemeClr val="accent1">
+              <a:shade val="50000"/>
+            </a:schemeClr>
+          </a:lnRef>
+          <a:fillRef idx="1">
+            <a:schemeClr val="accent1"/>
+          </a:fillRef>
+          <a:effectRef idx="0">
+            <a:schemeClr val="accent1"/>
+          </a:effectRef>
+          <a:fontRef idx="minor">
+            <a:schemeClr val="lt1"/>
+          </a:fontRef>
+        </p:style>
+        <p:txBody>
+          <a:bodyPr rtlCol="0" anchor="ctr"/>
+          <a:lstStyle/>
+          <a:p>
+            <a:pPr algn="ctr"/>
+            <a:r>
+              <a:rPr lang="en-US" sz="1200" dirty="0">
+                <a:solidFill>
+                  <a:schemeClr val="accent3"/>
+                </a:solidFill>
+              </a:rPr>
+              <a:t>Q4</a:t>
+            </a:r>
+          </a:p>
+        </p:txBody>
+      </p:sp>
+      <p:sp>
+        <p:nvSpPr>
+          <p:cNvPr id="8" name="Oval 7">
+            <a:extLst>
+              <a:ext uri="{FF2B5EF4-FFF2-40B4-BE49-F238E27FC236}">
+                <a16:creationId xmlns:a16="http://schemas.microsoft.com/office/drawing/2014/main" id="{6E520C9B-C091-4B83-A2EE-7F6F0FB78A8B}"/>
+              </a:ext>
+            </a:extLst>
+          </p:cNvPr>
+          <p:cNvSpPr/>
+          <p:nvPr/>
+        </p:nvSpPr>
+        <p:spPr>
+          <a:xfrm>
+            <a:off x="1152487" y="2386003"/>
+            <a:ext cx="1008975" cy="870539"/>
+          </a:xfrm>
+          <a:prstGeom prst="ellipse">
+            <a:avLst/>
+          </a:prstGeom>
+          <a:solidFill>
+            <a:schemeClr val="bg1"/>
+          </a:solidFill>
+          <a:ln w="38100">
+            <a:solidFill>
+              <a:schemeClr val="accent4"/>
+            </a:solidFill>
+          </a:ln>
+        </p:spPr>
+        <p:style>
+          <a:lnRef idx="2">
+            <a:schemeClr val="accent1">
+              <a:shade val="50000"/>
+            </a:schemeClr>
+          </a:lnRef>
+          <a:fillRef idx="1">
+            <a:schemeClr val="accent1"/>
+          </a:fillRef>
+          <a:effectRef idx="0">
+            <a:schemeClr val="accent1"/>
+          </a:effectRef>
+          <a:fontRef idx="minor">
+            <a:schemeClr val="lt1"/>
+          </a:fontRef>
+        </p:style>
+        <p:txBody>
+          <a:bodyPr rtlCol="0" anchor="ctr"/>
+          <a:lstStyle/>
+          <a:p>
+            <a:pPr algn="ctr"/>
+            <a:r>
+              <a:rPr lang="en-US" sz="1400" dirty="0">
+                <a:solidFill>
+                  <a:schemeClr val="accent4"/>
+                </a:solidFill>
+              </a:rPr>
+              <a:t>Var</a:t>
+            </a:r>
+          </a:p>
+        </p:txBody>
+      </p:sp>
+      <p:sp>
+        <p:nvSpPr>
+          <p:cNvPr id="9" name="Freeform: Shape 8" descr="timeline ">
+            <a:extLst>
+              <a:ext uri="{FF2B5EF4-FFF2-40B4-BE49-F238E27FC236}">
+                <a16:creationId xmlns:a16="http://schemas.microsoft.com/office/drawing/2014/main" id="{3638F773-89F2-4B4E-8A4E-4FBE32D90D19}"/>
+              </a:ext>
+            </a:extLst>
+          </p:cNvPr>
+          <p:cNvSpPr/>
+          <p:nvPr/>
+        </p:nvSpPr>
+        <p:spPr>
+          <a:xfrm flipH="1" flipV="1">
+            <a:off x="641370" y="1905000"/>
+            <a:ext cx="8043680" cy="1807859"/>
+          </a:xfrm>
+          <a:custGeom>
+            <a:avLst/>
+            <a:gdLst>
+              <a:gd name="connsiteX0" fmla="*/ 1192508 w 9252295"/>
+              <a:gd name="connsiteY0" fmla="*/ 2410190 h 2410190"/>
+              <a:gd name="connsiteX1" fmla="*/ 0 w 9252295"/>
+              <a:gd name="connsiteY1" fmla="*/ 1217682 h 2410190"/>
+              <a:gd name="connsiteX2" fmla="*/ 1107 w 9252295"/>
+              <a:gd name="connsiteY2" fmla="*/ 1206703 h 2410190"/>
+              <a:gd name="connsiteX3" fmla="*/ 96158 w 9252295"/>
+              <a:gd name="connsiteY3" fmla="*/ 1206703 h 2410190"/>
+              <a:gd name="connsiteX4" fmla="*/ 95051 w 9252295"/>
+              <a:gd name="connsiteY4" fmla="*/ 1217682 h 2410190"/>
+              <a:gd name="connsiteX5" fmla="*/ 1192508 w 9252295"/>
+              <a:gd name="connsiteY5" fmla="*/ 2315139 h 2410190"/>
+              <a:gd name="connsiteX6" fmla="*/ 2289965 w 9252295"/>
+              <a:gd name="connsiteY6" fmla="*/ 1217682 h 2410190"/>
+              <a:gd name="connsiteX7" fmla="*/ 2289554 w 9252295"/>
+              <a:gd name="connsiteY7" fmla="*/ 1209531 h 2410190"/>
+              <a:gd name="connsiteX8" fmla="*/ 2290085 w 9252295"/>
+              <a:gd name="connsiteY8" fmla="*/ 1209531 h 2410190"/>
+              <a:gd name="connsiteX9" fmla="*/ 2295831 w 9252295"/>
+              <a:gd name="connsiteY9" fmla="*/ 1095755 h 2410190"/>
+              <a:gd name="connsiteX10" fmla="*/ 3482182 w 9252295"/>
+              <a:gd name="connsiteY10" fmla="*/ 25174 h 2410190"/>
+              <a:gd name="connsiteX11" fmla="*/ 4668533 w 9252295"/>
+              <a:gd name="connsiteY11" fmla="*/ 1095755 h 2410190"/>
+              <a:gd name="connsiteX12" fmla="*/ 4674278 w 9252295"/>
+              <a:gd name="connsiteY12" fmla="*/ 1209531 h 2410190"/>
+              <a:gd name="connsiteX13" fmla="*/ 4673516 w 9252295"/>
+              <a:gd name="connsiteY13" fmla="*/ 1209531 h 2410190"/>
+              <a:gd name="connsiteX14" fmla="*/ 4678322 w 9252295"/>
+              <a:gd name="connsiteY14" fmla="*/ 1304717 h 2410190"/>
+              <a:gd name="connsiteX15" fmla="*/ 5770114 w 9252295"/>
+              <a:gd name="connsiteY15" fmla="*/ 2289966 h 2410190"/>
+              <a:gd name="connsiteX16" fmla="*/ 6861904 w 9252295"/>
+              <a:gd name="connsiteY16" fmla="*/ 1304717 h 2410190"/>
+              <a:gd name="connsiteX17" fmla="*/ 6867159 w 9252295"/>
+              <a:gd name="connsiteY17" fmla="*/ 1200660 h 2410190"/>
+              <a:gd name="connsiteX18" fmla="*/ 6867690 w 9252295"/>
+              <a:gd name="connsiteY18" fmla="*/ 1200660 h 2410190"/>
+              <a:gd name="connsiteX19" fmla="*/ 6867279 w 9252295"/>
+              <a:gd name="connsiteY19" fmla="*/ 1192508 h 2410190"/>
+              <a:gd name="connsiteX20" fmla="*/ 8059787 w 9252295"/>
+              <a:gd name="connsiteY20" fmla="*/ 0 h 2410190"/>
+              <a:gd name="connsiteX21" fmla="*/ 9252295 w 9252295"/>
+              <a:gd name="connsiteY21" fmla="*/ 1192508 h 2410190"/>
+              <a:gd name="connsiteX22" fmla="*/ 9251964 w 9252295"/>
+              <a:gd name="connsiteY22" fmla="*/ 1195794 h 2410190"/>
+              <a:gd name="connsiteX23" fmla="*/ 9156913 w 9252295"/>
+              <a:gd name="connsiteY23" fmla="*/ 1195794 h 2410190"/>
+              <a:gd name="connsiteX24" fmla="*/ 9157244 w 9252295"/>
+              <a:gd name="connsiteY24" fmla="*/ 1192508 h 2410190"/>
+              <a:gd name="connsiteX25" fmla="*/ 8059787 w 9252295"/>
+              <a:gd name="connsiteY25" fmla="*/ 95051 h 2410190"/>
+              <a:gd name="connsiteX26" fmla="*/ 6962330 w 9252295"/>
+              <a:gd name="connsiteY26" fmla="*/ 1192508 h 2410190"/>
+              <a:gd name="connsiteX27" fmla="*/ 6962741 w 9252295"/>
+              <a:gd name="connsiteY27" fmla="*/ 1200660 h 2410190"/>
+              <a:gd name="connsiteX28" fmla="*/ 6962209 w 9252295"/>
+              <a:gd name="connsiteY28" fmla="*/ 1200660 h 2410190"/>
+              <a:gd name="connsiteX29" fmla="*/ 6956464 w 9252295"/>
+              <a:gd name="connsiteY29" fmla="*/ 1314435 h 2410190"/>
+              <a:gd name="connsiteX30" fmla="*/ 5770114 w 9252295"/>
+              <a:gd name="connsiteY30" fmla="*/ 2385016 h 2410190"/>
+              <a:gd name="connsiteX31" fmla="*/ 4583763 w 9252295"/>
+              <a:gd name="connsiteY31" fmla="*/ 1314435 h 2410190"/>
+              <a:gd name="connsiteX32" fmla="*/ 4578017 w 9252295"/>
+              <a:gd name="connsiteY32" fmla="*/ 1200660 h 2410190"/>
+              <a:gd name="connsiteX33" fmla="*/ 4578780 w 9252295"/>
+              <a:gd name="connsiteY33" fmla="*/ 1200660 h 2410190"/>
+              <a:gd name="connsiteX34" fmla="*/ 4573974 w 9252295"/>
+              <a:gd name="connsiteY34" fmla="*/ 1105474 h 2410190"/>
+              <a:gd name="connsiteX35" fmla="*/ 3482182 w 9252295"/>
+              <a:gd name="connsiteY35" fmla="*/ 120225 h 2410190"/>
+              <a:gd name="connsiteX36" fmla="*/ 2390391 w 9252295"/>
+              <a:gd name="connsiteY36" fmla="*/ 1105474 h 2410190"/>
+              <a:gd name="connsiteX37" fmla="*/ 2385136 w 9252295"/>
+              <a:gd name="connsiteY37" fmla="*/ 1209531 h 2410190"/>
+              <a:gd name="connsiteX38" fmla="*/ 2384604 w 9252295"/>
+              <a:gd name="connsiteY38" fmla="*/ 1209531 h 2410190"/>
+              <a:gd name="connsiteX39" fmla="*/ 2385016 w 9252295"/>
+              <a:gd name="connsiteY39" fmla="*/ 1217682 h 2410190"/>
+              <a:gd name="connsiteX40" fmla="*/ 1192508 w 9252295"/>
+              <a:gd name="connsiteY40" fmla="*/ 2410190 h 2410190"/>
+            </a:gdLst>
+            <a:ahLst/>
+            <a:cxnLst>
+              <a:cxn ang="0">
+                <a:pos x="connsiteX0" y="connsiteY0"/>
+              </a:cxn>
+              <a:cxn ang="0">
+                <a:pos x="connsiteX1" y="connsiteY1"/>
+              </a:cxn>
+              <a:cxn ang="0">
+                <a:pos x="connsiteX2" y="connsiteY2"/>
+              </a:cxn>
+              <a:cxn ang="0">
+                <a:pos x="connsiteX3" y="connsiteY3"/>
+              </a:cxn>
+              <a:cxn ang="0">
+                <a:pos x="connsiteX4" y="connsiteY4"/>
+              </a:cxn>
+              <a:cxn ang="0">
+                <a:pos x="connsiteX5" y="connsiteY5"/>
+              </a:cxn>
+              <a:cxn ang="0">
+                <a:pos x="connsiteX6" y="connsiteY6"/>
+              </a:cxn>
+              <a:cxn ang="0">
+                <a:pos x="connsiteX7" y="connsiteY7"/>
+              </a:cxn>
+              <a:cxn ang="0">
+                <a:pos x="connsiteX8" y="connsiteY8"/>
+              </a:cxn>
+              <a:cxn ang="0">
+                <a:pos x="connsiteX9" y="connsiteY9"/>
+              </a:cxn>
+              <a:cxn ang="0">
+                <a:pos x="connsiteX10" y="connsiteY10"/>
+              </a:cxn>
+              <a:cxn ang="0">
+                <a:pos x="connsiteX11" y="connsiteY11"/>
+              </a:cxn>
+              <a:cxn ang="0">
+                <a:pos x="connsiteX12" y="connsiteY12"/>
+              </a:cxn>
+              <a:cxn ang="0">
+                <a:pos x="connsiteX13" y="connsiteY13"/>
+              </a:cxn>
+              <a:cxn ang="0">
+                <a:pos x="connsiteX14" y="connsiteY14"/>
+              </a:cxn>
+              <a:cxn ang="0">
+                <a:pos x="connsiteX15" y="connsiteY15"/>
+              </a:cxn>
+              <a:cxn ang="0">
+                <a:pos x="connsiteX16" y="connsiteY16"/>
+              </a:cxn>
+              <a:cxn ang="0">
+                <a:pos x="connsiteX17" y="connsiteY17"/>
+              </a:cxn>
+              <a:cxn ang="0">
+                <a:pos x="connsiteX18" y="connsiteY18"/>
+              </a:cxn>
+              <a:cxn ang="0">
+                <a:pos x="connsiteX19" y="connsiteY19"/>
+              </a:cxn>
+              <a:cxn ang="0">
+                <a:pos x="connsiteX20" y="connsiteY20"/>
+              </a:cxn>
+              <a:cxn ang="0">
+                <a:pos x="connsiteX21" y="connsiteY21"/>
+              </a:cxn>
+              <a:cxn ang="0">
+                <a:pos x="connsiteX22" y="connsiteY22"/>
+              </a:cxn>
+              <a:cxn ang="0">
+                <a:pos x="connsiteX23" y="connsiteY23"/>
+              </a:cxn>
+              <a:cxn ang="0">
+                <a:pos x="connsiteX24" y="connsiteY24"/>
+              </a:cxn>
+              <a:cxn ang="0">
+                <a:pos x="connsiteX25" y="connsiteY25"/>
+              </a:cxn>
+              <a:cxn ang="0">
+                <a:pos x="connsiteX26" y="connsiteY26"/>
+              </a:cxn>
+              <a:cxn ang="0">
+                <a:pos x="connsiteX27" y="connsiteY27"/>
+              </a:cxn>
+              <a:cxn ang="0">
+                <a:pos x="connsiteX28" y="connsiteY28"/>
+              </a:cxn>
+              <a:cxn ang="0">
+                <a:pos x="connsiteX29" y="connsiteY29"/>
+              </a:cxn>
+              <a:cxn ang="0">
+                <a:pos x="connsiteX30" y="connsiteY30"/>
+              </a:cxn>
+              <a:cxn ang="0">
+                <a:pos x="connsiteX31" y="connsiteY31"/>
+              </a:cxn>
+              <a:cxn ang="0">
+                <a:pos x="connsiteX32" y="connsiteY32"/>
+              </a:cxn>
+              <a:cxn ang="0">
+                <a:pos x="connsiteX33" y="connsiteY33"/>
+              </a:cxn>
+              <a:cxn ang="0">
+                <a:pos x="connsiteX34" y="connsiteY34"/>
+              </a:cxn>
+              <a:cxn ang="0">
+                <a:pos x="connsiteX35" y="connsiteY35"/>
+              </a:cxn>
+              <a:cxn ang="0">
+                <a:pos x="connsiteX36" y="connsiteY36"/>
+              </a:cxn>
+              <a:cxn ang="0">
+                <a:pos x="connsiteX37" y="connsiteY37"/>
+              </a:cxn>
+              <a:cxn ang="0">
+                <a:pos x="connsiteX38" y="connsiteY38"/>
+              </a:cxn>
+              <a:cxn ang="0">
+                <a:pos x="connsiteX39" y="connsiteY39"/>
+              </a:cxn>
+              <a:cxn ang="0">
+                <a:pos x="connsiteX40" y="connsiteY40"/>
+              </a:cxn>
+            </a:cxnLst>
+            <a:rect l="l" t="t" r="r" b="b"/>
+            <a:pathLst>
+              <a:path w="9252295" h="2410190">
+                <a:moveTo>
+                  <a:pt x="1192508" y="2410190"/>
+                </a:moveTo>
+                <a:cubicBezTo>
+                  <a:pt x="533904" y="2410190"/>
+                  <a:pt x="0" y="1876286"/>
+                  <a:pt x="0" y="1217682"/>
+                </a:cubicBezTo>
+                <a:lnTo>
+                  <a:pt x="1107" y="1206703"/>
+                </a:lnTo>
+                <a:lnTo>
+                  <a:pt x="96158" y="1206703"/>
+                </a:lnTo>
+                <a:lnTo>
+                  <a:pt x="95051" y="1217682"/>
+                </a:lnTo>
+                <a:cubicBezTo>
+                  <a:pt x="95051" y="1823791"/>
+                  <a:pt x="586400" y="2315139"/>
+                  <a:pt x="1192508" y="2315139"/>
+                </a:cubicBezTo>
+                <a:cubicBezTo>
+                  <a:pt x="1798616" y="2315139"/>
+                  <a:pt x="2289965" y="1823791"/>
+                  <a:pt x="2289965" y="1217682"/>
+                </a:cubicBezTo>
+                <a:lnTo>
+                  <a:pt x="2289554" y="1209531"/>
+                </a:lnTo>
+                <a:lnTo>
+                  <a:pt x="2290085" y="1209531"/>
+                </a:lnTo>
+                <a:lnTo>
+                  <a:pt x="2295831" y="1095755"/>
+                </a:lnTo>
+                <a:cubicBezTo>
+                  <a:pt x="2356899" y="494427"/>
+                  <a:pt x="2864742" y="25174"/>
+                  <a:pt x="3482182" y="25174"/>
+                </a:cubicBezTo>
+                <a:cubicBezTo>
+                  <a:pt x="4099623" y="25174"/>
+                  <a:pt x="4607465" y="494427"/>
+                  <a:pt x="4668533" y="1095755"/>
+                </a:cubicBezTo>
+                <a:lnTo>
+                  <a:pt x="4674278" y="1209531"/>
+                </a:lnTo>
+                <a:lnTo>
+                  <a:pt x="4673516" y="1209531"/>
+                </a:lnTo>
+                <a:lnTo>
+                  <a:pt x="4678322" y="1304717"/>
+                </a:lnTo>
+                <a:cubicBezTo>
+                  <a:pt x="4734523" y="1858116"/>
+                  <a:pt x="5201886" y="2289966"/>
+                  <a:pt x="5770114" y="2289966"/>
+                </a:cubicBezTo>
+                <a:cubicBezTo>
+                  <a:pt x="6338340" y="2289966"/>
+                  <a:pt x="6805704" y="1858116"/>
+                  <a:pt x="6861904" y="1304717"/>
+                </a:cubicBezTo>
+                <a:lnTo>
+                  <a:pt x="6867159" y="1200660"/>
+                </a:lnTo>
+                <a:lnTo>
+                  <a:pt x="6867690" y="1200660"/>
+                </a:lnTo>
+                <a:lnTo>
+                  <a:pt x="6867279" y="1192508"/>
+                </a:lnTo>
+                <a:cubicBezTo>
+                  <a:pt x="6867279" y="533905"/>
+                  <a:pt x="7401183" y="0"/>
+                  <a:pt x="8059787" y="0"/>
+                </a:cubicBezTo>
+                <a:cubicBezTo>
+                  <a:pt x="8718390" y="0"/>
+                  <a:pt x="9252295" y="533905"/>
+                  <a:pt x="9252295" y="1192508"/>
+                </a:cubicBezTo>
+                <a:lnTo>
+                  <a:pt x="9251964" y="1195794"/>
+                </a:lnTo>
+                <a:lnTo>
+                  <a:pt x="9156913" y="1195794"/>
+                </a:lnTo>
+                <a:lnTo>
+                  <a:pt x="9157244" y="1192508"/>
+                </a:lnTo>
+                <a:cubicBezTo>
+                  <a:pt x="9157244" y="586400"/>
+                  <a:pt x="8665895" y="95051"/>
+                  <a:pt x="8059787" y="95051"/>
+                </a:cubicBezTo>
+                <a:cubicBezTo>
+                  <a:pt x="7453679" y="95051"/>
+                  <a:pt x="6962330" y="586400"/>
+                  <a:pt x="6962330" y="1192508"/>
+                </a:cubicBezTo>
+                <a:lnTo>
+                  <a:pt x="6962741" y="1200660"/>
+                </a:lnTo>
+                <a:lnTo>
+                  <a:pt x="6962209" y="1200660"/>
+                </a:lnTo>
+                <a:lnTo>
+                  <a:pt x="6956464" y="1314435"/>
+                </a:lnTo>
+                <a:cubicBezTo>
+                  <a:pt x="6895396" y="1915764"/>
+                  <a:pt x="6387554" y="2385016"/>
+                  <a:pt x="5770114" y="2385016"/>
+                </a:cubicBezTo>
+                <a:cubicBezTo>
+                  <a:pt x="5152672" y="2385016"/>
+                  <a:pt x="4644831" y="1915764"/>
+                  <a:pt x="4583763" y="1314435"/>
+                </a:cubicBezTo>
+                <a:lnTo>
+                  <a:pt x="4578017" y="1200660"/>
+                </a:lnTo>
+                <a:lnTo>
+                  <a:pt x="4578780" y="1200660"/>
+                </a:lnTo>
+                <a:lnTo>
+                  <a:pt x="4573974" y="1105474"/>
+                </a:lnTo>
+                <a:cubicBezTo>
+                  <a:pt x="4517772" y="552075"/>
+                  <a:pt x="4050409" y="120225"/>
+                  <a:pt x="3482182" y="120225"/>
+                </a:cubicBezTo>
+                <a:cubicBezTo>
+                  <a:pt x="2913956" y="120225"/>
+                  <a:pt x="2446592" y="552075"/>
+                  <a:pt x="2390391" y="1105474"/>
+                </a:cubicBezTo>
+                <a:lnTo>
+                  <a:pt x="2385136" y="1209531"/>
+                </a:lnTo>
+                <a:lnTo>
+                  <a:pt x="2384604" y="1209531"/>
+                </a:lnTo>
+                <a:lnTo>
+                  <a:pt x="2385016" y="1217682"/>
+                </a:lnTo>
+                <a:cubicBezTo>
+                  <a:pt x="2385016" y="1876286"/>
+                  <a:pt x="1851111" y="2410190"/>
+                  <a:pt x="1192508" y="2410190"/>
+                </a:cubicBezTo>
+                <a:close/>
+              </a:path>
+            </a:pathLst>
+          </a:custGeom>
+          <a:gradFill flip="none" rotWithShape="1">
+            <a:gsLst>
+              <a:gs pos="61000">
+                <a:srgbClr val="00B0F0"/>
+              </a:gs>
+              <a:gs pos="39000">
+                <a:schemeClr val="accent5"/>
+              </a:gs>
+              <a:gs pos="18000">
+                <a:schemeClr val="accent4"/>
+              </a:gs>
+              <a:gs pos="92000">
+                <a:schemeClr val="accent3"/>
+              </a:gs>
+            </a:gsLst>
+            <a:lin ang="10800000" scaled="0"/>
+            <a:tileRect/>
+          </a:gradFill>
+          <a:ln w="38100">
+            <a:noFill/>
+          </a:ln>
+        </p:spPr>
+        <p:style>
+          <a:lnRef idx="2">
+            <a:schemeClr val="accent1">
+              <a:shade val="50000"/>
+            </a:schemeClr>
+          </a:lnRef>
+          <a:fillRef idx="1">
+            <a:schemeClr val="accent1"/>
+          </a:fillRef>
+          <a:effectRef idx="0">
+            <a:schemeClr val="accent1"/>
+          </a:effectRef>
+          <a:fontRef idx="minor">
+            <a:schemeClr val="lt1"/>
+          </a:fontRef>
+        </p:style>
+        <p:txBody>
+          <a:bodyPr wrap="square" rtlCol="0" anchor="ctr">
+            <a:noAutofit/>
+          </a:bodyPr>
+          <a:lstStyle/>
+          <a:p>
+            <a:pPr algn="ctr"/>
+            <a:endParaRPr lang="en-US" sz="4000" dirty="0">
+              <a:solidFill>
+                <a:schemeClr val="accent2"/>
+              </a:solidFill>
+            </a:endParaRPr>
+          </a:p>
+        </p:txBody>
+      </p:sp>
+      <p:sp>
+        <p:nvSpPr>
+          <p:cNvPr id="10" name="Oval 9" descr="timeline endpoints">
+            <a:extLst>
+              <a:ext uri="{FF2B5EF4-FFF2-40B4-BE49-F238E27FC236}">
+                <a16:creationId xmlns:a16="http://schemas.microsoft.com/office/drawing/2014/main" id="{04E3AB52-4250-40C6-88CD-4A95D33E6EFE}"/>
+              </a:ext>
+            </a:extLst>
+          </p:cNvPr>
+          <p:cNvSpPr/>
+          <p:nvPr/>
+        </p:nvSpPr>
+        <p:spPr>
+          <a:xfrm>
+            <a:off x="578498" y="2752136"/>
+            <a:ext cx="189603" cy="163589"/>
+          </a:xfrm>
+          <a:prstGeom prst="ellipse">
+            <a:avLst/>
+          </a:prstGeom>
+          <a:solidFill>
+            <a:schemeClr val="accent4"/>
+          </a:solidFill>
+          <a:ln w="76200">
+            <a:solidFill>
+              <a:schemeClr val="accent4"/>
+            </a:solidFill>
+          </a:ln>
+        </p:spPr>
+        <p:style>
+          <a:lnRef idx="2">
+            <a:schemeClr val="accent1">
+              <a:shade val="50000"/>
+            </a:schemeClr>
+          </a:lnRef>
+          <a:fillRef idx="1">
+            <a:schemeClr val="accent1"/>
+          </a:fillRef>
+          <a:effectRef idx="0">
+            <a:schemeClr val="accent1"/>
+          </a:effectRef>
+          <a:fontRef idx="minor">
+            <a:schemeClr val="lt1"/>
+          </a:fontRef>
+        </p:style>
+        <p:txBody>
+          <a:bodyPr rtlCol="0" anchor="ctr"/>
+          <a:lstStyle/>
+          <a:p>
+            <a:pPr algn="ctr"/>
+            <a:endParaRPr lang="en-US"/>
+          </a:p>
+        </p:txBody>
+      </p:sp>
+      <p:sp>
+        <p:nvSpPr>
+          <p:cNvPr id="11" name="Oval 10" descr="timeline endpoints">
+            <a:extLst>
+              <a:ext uri="{FF2B5EF4-FFF2-40B4-BE49-F238E27FC236}">
+                <a16:creationId xmlns:a16="http://schemas.microsoft.com/office/drawing/2014/main" id="{C67CF6F6-47EC-418F-BBCD-AD7D387F0101}"/>
+              </a:ext>
+            </a:extLst>
+          </p:cNvPr>
+          <p:cNvSpPr/>
+          <p:nvPr/>
+        </p:nvSpPr>
+        <p:spPr>
+          <a:xfrm>
+            <a:off x="8542295" y="2752136"/>
+            <a:ext cx="189603" cy="163589"/>
+          </a:xfrm>
+          <a:prstGeom prst="ellipse">
+            <a:avLst/>
+          </a:prstGeom>
+          <a:solidFill>
+            <a:srgbClr val="20A472"/>
+          </a:solidFill>
+          <a:ln w="76200">
+            <a:solidFill>
+              <a:srgbClr val="20A472"/>
+            </a:solidFill>
+          </a:ln>
+        </p:spPr>
+        <p:style>
+          <a:lnRef idx="2">
+            <a:schemeClr val="accent1">
+              <a:shade val="50000"/>
+            </a:schemeClr>
+          </a:lnRef>
+          <a:fillRef idx="1">
+            <a:schemeClr val="accent1"/>
+          </a:fillRef>
+          <a:effectRef idx="0">
+            <a:schemeClr val="accent1"/>
+          </a:effectRef>
+          <a:fontRef idx="minor">
+            <a:schemeClr val="lt1"/>
+          </a:fontRef>
+        </p:style>
+        <p:txBody>
+          <a:bodyPr rtlCol="0" anchor="ctr"/>
+          <a:lstStyle/>
+          <a:p>
+            <a:pPr algn="ctr"/>
+            <a:endParaRPr lang="en-US">
+              <a:solidFill>
+                <a:srgbClr val="20A472"/>
+              </a:solidFill>
+            </a:endParaRPr>
+          </a:p>
+        </p:txBody>
+      </p:sp>
+      <p:sp>
+        <p:nvSpPr>
+          <p:cNvPr id="13" name="Text Placeholder 16">
+            <a:extLst>
+              <a:ext uri="{FF2B5EF4-FFF2-40B4-BE49-F238E27FC236}">
+                <a16:creationId xmlns:a16="http://schemas.microsoft.com/office/drawing/2014/main" id="{D4D82E40-3305-44C5-B6FA-6E1FE6E903A7}"/>
+              </a:ext>
+            </a:extLst>
+          </p:cNvPr>
+          <p:cNvSpPr txBox="1">
+            <a:spLocks/>
+          </p:cNvSpPr>
+          <p:nvPr/>
+        </p:nvSpPr>
+        <p:spPr>
+          <a:xfrm>
+            <a:off x="768101" y="4270292"/>
+            <a:ext cx="1813567" cy="1292307"/>
+          </a:xfrm>
+          <a:prstGeom prst="rect">
+            <a:avLst/>
+          </a:prstGeom>
+        </p:spPr>
+        <p:txBody>
+          <a:bodyPr vert="horz" lIns="91440" tIns="45720" rIns="91440" bIns="45720" rtlCol="0" anchor="ctr"/>
+          <a:lstStyle>
+            <a:defPPr>
+              <a:defRPr lang="en-US"/>
+            </a:defPPr>
+            <a:lvl1pPr algn="ctr" defTabSz="457200" rtl="0" fontAlgn="auto">
+              <a:spcBef>
+                <a:spcPts val="0"/>
+              </a:spcBef>
+              <a:spcAft>
+                <a:spcPts val="0"/>
+              </a:spcAft>
+              <a:defRPr sz="1200" kern="1200">
+                <a:solidFill>
+                  <a:schemeClr val="tx1">
+                    <a:tint val="75000"/>
+                  </a:schemeClr>
+                </a:solidFill>
+                <a:latin typeface="+mn-lt"/>
+                <a:ea typeface="+mn-ea"/>
+                <a:cs typeface="+mn-cs"/>
+              </a:defRPr>
+            </a:lvl1pPr>
+            <a:lvl2pPr marL="457200" algn="l" defTabSz="457200" rtl="0" fontAlgn="base">
+              <a:spcBef>
+                <a:spcPct val="0"/>
+              </a:spcBef>
+              <a:spcAft>
+                <a:spcPct val="0"/>
+              </a:spcAft>
+              <a:defRPr kern="1200">
+                <a:solidFill>
+                  <a:schemeClr val="tx1"/>
+                </a:solidFill>
+                <a:latin typeface="Arial" panose="020B0604020202020204" pitchFamily="34" charset="0"/>
+                <a:ea typeface="ＭＳ Ｐゴシック" panose="020B0600070205080204" pitchFamily="34" charset="-128"/>
+                <a:cs typeface="+mn-cs"/>
+              </a:defRPr>
+            </a:lvl2pPr>
+            <a:lvl3pPr marL="914400" algn="l" defTabSz="457200" rtl="0" fontAlgn="base">
+              <a:spcBef>
+                <a:spcPct val="0"/>
+              </a:spcBef>
+              <a:spcAft>
+                <a:spcPct val="0"/>
+              </a:spcAft>
+              <a:defRPr kern="1200">
+                <a:solidFill>
+                  <a:schemeClr val="tx1"/>
+                </a:solidFill>
+                <a:latin typeface="Arial" panose="020B0604020202020204" pitchFamily="34" charset="0"/>
+                <a:ea typeface="ＭＳ Ｐゴシック" panose="020B0600070205080204" pitchFamily="34" charset="-128"/>
+                <a:cs typeface="+mn-cs"/>
+              </a:defRPr>
+            </a:lvl3pPr>
+            <a:lvl4pPr marL="1371600" algn="l" defTabSz="457200" rtl="0" fontAlgn="base">
+              <a:spcBef>
+                <a:spcPct val="0"/>
+              </a:spcBef>
+              <a:spcAft>
+                <a:spcPct val="0"/>
+              </a:spcAft>
+              <a:defRPr kern="1200">
+                <a:solidFill>
+                  <a:schemeClr val="tx1"/>
+                </a:solidFill>
+                <a:latin typeface="Arial" panose="020B0604020202020204" pitchFamily="34" charset="0"/>
+                <a:ea typeface="ＭＳ Ｐゴシック" panose="020B0600070205080204" pitchFamily="34" charset="-128"/>
+                <a:cs typeface="+mn-cs"/>
+              </a:defRPr>
+            </a:lvl4pPr>
+            <a:lvl5pPr marL="1828800" algn="l" defTabSz="457200" rtl="0" fontAlgn="base">
+              <a:spcBef>
+                <a:spcPct val="0"/>
+              </a:spcBef>
+              <a:spcAft>
+                <a:spcPct val="0"/>
+              </a:spcAft>
+              <a:defRPr kern="1200">
+                <a:solidFill>
+                  <a:schemeClr val="tx1"/>
+                </a:solidFill>
+                <a:latin typeface="Arial" panose="020B0604020202020204" pitchFamily="34" charset="0"/>
+                <a:ea typeface="ＭＳ Ｐゴシック" panose="020B0600070205080204" pitchFamily="34" charset="-128"/>
+                <a:cs typeface="+mn-cs"/>
+              </a:defRPr>
+            </a:lvl5pPr>
+            <a:lvl6pPr marL="2286000" algn="l" defTabSz="914400" rtl="0" eaLnBrk="1" latinLnBrk="0" hangingPunct="1">
+              <a:defRPr kern="1200">
+                <a:solidFill>
+                  <a:schemeClr val="tx1"/>
+                </a:solidFill>
+                <a:latin typeface="Arial" panose="020B0604020202020204" pitchFamily="34" charset="0"/>
+                <a:ea typeface="ＭＳ Ｐゴシック" panose="020B0600070205080204" pitchFamily="34" charset="-128"/>
+                <a:cs typeface="+mn-cs"/>
+              </a:defRPr>
+            </a:lvl6pPr>
+            <a:lvl7pPr marL="2743200" algn="l" defTabSz="914400" rtl="0" eaLnBrk="1" latinLnBrk="0" hangingPunct="1">
+              <a:defRPr kern="1200">
+                <a:solidFill>
+                  <a:schemeClr val="tx1"/>
+                </a:solidFill>
+                <a:latin typeface="Arial" panose="020B0604020202020204" pitchFamily="34" charset="0"/>
+                <a:ea typeface="ＭＳ Ｐゴシック" panose="020B0600070205080204" pitchFamily="34" charset="-128"/>
+                <a:cs typeface="+mn-cs"/>
+              </a:defRPr>
+            </a:lvl7pPr>
+            <a:lvl8pPr marL="3200400" algn="l" defTabSz="914400" rtl="0" eaLnBrk="1" latinLnBrk="0" hangingPunct="1">
+              <a:defRPr kern="1200">
+                <a:solidFill>
+                  <a:schemeClr val="tx1"/>
+                </a:solidFill>
+                <a:latin typeface="Arial" panose="020B0604020202020204" pitchFamily="34" charset="0"/>
+                <a:ea typeface="ＭＳ Ｐゴシック" panose="020B0600070205080204" pitchFamily="34" charset="-128"/>
+                <a:cs typeface="+mn-cs"/>
+              </a:defRPr>
+            </a:lvl8pPr>
+            <a:lvl9pPr marL="3657600" algn="l" defTabSz="914400" rtl="0" eaLnBrk="1" latinLnBrk="0" hangingPunct="1">
+              <a:defRPr kern="1200">
+                <a:solidFill>
+                  <a:schemeClr val="tx1"/>
+                </a:solidFill>
+                <a:latin typeface="Arial" panose="020B0604020202020204" pitchFamily="34" charset="0"/>
+                <a:ea typeface="ＭＳ Ｐゴシック" panose="020B0600070205080204" pitchFamily="34" charset="-128"/>
+                <a:cs typeface="+mn-cs"/>
+              </a:defRPr>
+            </a:lvl9pPr>
+          </a:lstStyle>
+          <a:p>
+            <a:pPr algn="l"/>
+            <a:r>
+              <a:rPr lang="en-US" dirty="0">
+                <a:solidFill>
+                  <a:schemeClr val="bg1">
+                    <a:lumMod val="50000"/>
+                  </a:schemeClr>
+                </a:solidFill>
+              </a:rPr>
+              <a:t>Lorem ipsum dolor sit </a:t>
+            </a:r>
+            <a:r>
+              <a:rPr lang="en-US" dirty="0" err="1">
+                <a:solidFill>
+                  <a:schemeClr val="bg1">
+                    <a:lumMod val="50000"/>
+                  </a:schemeClr>
+                </a:solidFill>
+              </a:rPr>
+              <a:t>amet</a:t>
+            </a:r>
+            <a:r>
+              <a:rPr lang="en-US" dirty="0">
+                <a:solidFill>
+                  <a:schemeClr val="bg1">
+                    <a:lumMod val="50000"/>
+                  </a:schemeClr>
+                </a:solidFill>
+              </a:rPr>
+              <a:t>, </a:t>
+            </a:r>
+            <a:r>
+              <a:rPr lang="en-US" dirty="0" err="1">
+                <a:solidFill>
+                  <a:schemeClr val="bg1">
+                    <a:lumMod val="50000"/>
+                  </a:schemeClr>
+                </a:solidFill>
+              </a:rPr>
+              <a:t>consectetur</a:t>
+            </a:r>
+            <a:r>
+              <a:rPr lang="en-US" dirty="0">
+                <a:solidFill>
+                  <a:schemeClr val="bg1">
+                    <a:lumMod val="50000"/>
+                  </a:schemeClr>
+                </a:solidFill>
+              </a:rPr>
+              <a:t> </a:t>
+            </a:r>
+            <a:r>
+              <a:rPr lang="en-US" dirty="0" err="1">
+                <a:solidFill>
+                  <a:schemeClr val="bg1">
+                    <a:lumMod val="50000"/>
+                  </a:schemeClr>
+                </a:solidFill>
+              </a:rPr>
+              <a:t>adipiscing</a:t>
+            </a:r>
+            <a:r>
+              <a:rPr lang="en-US" dirty="0">
+                <a:solidFill>
+                  <a:schemeClr val="bg1">
+                    <a:lumMod val="50000"/>
+                  </a:schemeClr>
+                </a:solidFill>
+              </a:rPr>
+              <a:t> </a:t>
+            </a:r>
+            <a:r>
+              <a:rPr lang="en-US" dirty="0" err="1">
+                <a:solidFill>
+                  <a:schemeClr val="bg1">
+                    <a:lumMod val="50000"/>
+                  </a:schemeClr>
+                </a:solidFill>
+              </a:rPr>
+              <a:t>elit</a:t>
+            </a:r>
+            <a:r>
+              <a:rPr lang="en-US" dirty="0">
+                <a:solidFill>
+                  <a:schemeClr val="bg1">
+                    <a:lumMod val="50000"/>
+                  </a:schemeClr>
+                </a:solidFill>
+              </a:rPr>
+              <a:t>. </a:t>
+            </a:r>
+            <a:r>
+              <a:rPr lang="en-US" dirty="0" err="1">
+                <a:solidFill>
+                  <a:schemeClr val="bg1">
+                    <a:lumMod val="50000"/>
+                  </a:schemeClr>
+                </a:solidFill>
+              </a:rPr>
+              <a:t>Aliquam</a:t>
+            </a:r>
+            <a:r>
+              <a:rPr lang="en-US" dirty="0">
+                <a:solidFill>
+                  <a:schemeClr val="bg1">
+                    <a:lumMod val="50000"/>
+                  </a:schemeClr>
+                </a:solidFill>
+              </a:rPr>
+              <a:t> non </a:t>
+            </a:r>
+            <a:r>
+              <a:rPr lang="en-US" dirty="0" err="1">
+                <a:solidFill>
+                  <a:schemeClr val="bg1">
+                    <a:lumMod val="50000"/>
+                  </a:schemeClr>
+                </a:solidFill>
+              </a:rPr>
+              <a:t>varius</a:t>
+            </a:r>
+            <a:r>
+              <a:rPr lang="en-US" dirty="0">
+                <a:solidFill>
+                  <a:schemeClr val="bg1">
+                    <a:lumMod val="50000"/>
+                  </a:schemeClr>
+                </a:solidFill>
+              </a:rPr>
+              <a:t> ipsum.</a:t>
+            </a:r>
+          </a:p>
+          <a:p>
+            <a:pPr algn="l"/>
+            <a:endParaRPr lang="en-US" dirty="0">
+              <a:solidFill>
+                <a:schemeClr val="bg1">
+                  <a:lumMod val="50000"/>
+                </a:schemeClr>
+              </a:solidFill>
+            </a:endParaRPr>
+          </a:p>
+        </p:txBody>
+      </p:sp>
+      <p:sp>
+        <p:nvSpPr>
+          <p:cNvPr id="15" name="Text Placeholder 19">
+            <a:extLst>
+              <a:ext uri="{FF2B5EF4-FFF2-40B4-BE49-F238E27FC236}">
+                <a16:creationId xmlns:a16="http://schemas.microsoft.com/office/drawing/2014/main" id="{018396E2-30F5-46C3-9AF6-8BACEEA2263F}"/>
+              </a:ext>
+            </a:extLst>
+          </p:cNvPr>
+          <p:cNvSpPr txBox="1">
+            <a:spLocks/>
+          </p:cNvSpPr>
+          <p:nvPr/>
+        </p:nvSpPr>
+        <p:spPr>
+          <a:xfrm>
+            <a:off x="2849643" y="4270293"/>
+            <a:ext cx="1813567" cy="1292306"/>
+          </a:xfrm>
+          <a:prstGeom prst="rect">
+            <a:avLst/>
+          </a:prstGeom>
+        </p:spPr>
+        <p:txBody>
+          <a:bodyPr anchor="ctr"/>
+          <a:lstStyle>
+            <a:lvl1pPr marL="342900" indent="-342900" algn="l" defTabSz="457200" rtl="0" eaLnBrk="0" fontAlgn="base" hangingPunct="0">
+              <a:spcBef>
+                <a:spcPct val="20000"/>
+              </a:spcBef>
+              <a:spcAft>
+                <a:spcPct val="0"/>
+              </a:spcAft>
+              <a:buFont typeface="Arial" panose="020B0604020202020204" pitchFamily="34" charset="0"/>
+              <a:buChar char="•"/>
+              <a:defRPr sz="3200" kern="1200">
+                <a:solidFill>
+                  <a:schemeClr val="tx1"/>
+                </a:solidFill>
+                <a:latin typeface="Helvetica"/>
+                <a:ea typeface="ＭＳ Ｐゴシック" charset="0"/>
+                <a:cs typeface="ＭＳ Ｐゴシック" charset="0"/>
+              </a:defRPr>
+            </a:lvl1pPr>
+            <a:lvl2pPr marL="742950" indent="-285750" algn="l" defTabSz="457200" rtl="0" eaLnBrk="0" fontAlgn="base" hangingPunct="0">
+              <a:spcBef>
+                <a:spcPct val="20000"/>
+              </a:spcBef>
+              <a:spcAft>
+                <a:spcPct val="0"/>
+              </a:spcAft>
+              <a:buFont typeface="Arial" panose="020B0604020202020204" pitchFamily="34" charset="0"/>
+              <a:buChar char="–"/>
+              <a:defRPr sz="2800" kern="1200">
+                <a:solidFill>
+                  <a:schemeClr val="tx1"/>
+                </a:solidFill>
+                <a:latin typeface="Helvetica"/>
+                <a:ea typeface="ＭＳ Ｐゴシック" charset="0"/>
+                <a:cs typeface="+mn-cs"/>
+              </a:defRPr>
+            </a:lvl2pPr>
+            <a:lvl3pPr marL="1143000" indent="-228600" algn="l" defTabSz="457200" rtl="0" eaLnBrk="0" fontAlgn="base" hangingPunct="0">
+              <a:spcBef>
+                <a:spcPct val="20000"/>
+              </a:spcBef>
+              <a:spcAft>
+                <a:spcPct val="0"/>
+              </a:spcAft>
+              <a:buFont typeface="Arial" panose="020B0604020202020204" pitchFamily="34" charset="0"/>
+              <a:buChar char="•"/>
+              <a:defRPr sz="2400" kern="1200">
+                <a:solidFill>
+                  <a:schemeClr val="tx1"/>
+                </a:solidFill>
+                <a:latin typeface="Helvetica"/>
+                <a:ea typeface="ＭＳ Ｐゴシック" charset="0"/>
+                <a:cs typeface="+mn-cs"/>
+              </a:defRPr>
+            </a:lvl3pPr>
+            <a:lvl4pPr marL="1600200" indent="-228600" algn="l" defTabSz="457200" rtl="0" eaLnBrk="0" fontAlgn="base" hangingPunct="0">
+              <a:spcBef>
+                <a:spcPct val="20000"/>
+              </a:spcBef>
+              <a:spcAft>
+                <a:spcPct val="0"/>
+              </a:spcAft>
+              <a:buFont typeface="Arial" panose="020B0604020202020204" pitchFamily="34" charset="0"/>
+              <a:buChar char="–"/>
+              <a:defRPr sz="2000" kern="1200">
+                <a:solidFill>
+                  <a:schemeClr val="tx1"/>
+                </a:solidFill>
+                <a:latin typeface="Helvetica"/>
+                <a:ea typeface="ＭＳ Ｐゴシック" charset="0"/>
+                <a:cs typeface="+mn-cs"/>
+              </a:defRPr>
+            </a:lvl4pPr>
+            <a:lvl5pPr marL="2057400" indent="-228600" algn="l" defTabSz="457200" rtl="0" eaLnBrk="0" fontAlgn="base" hangingPunct="0">
+              <a:spcBef>
+                <a:spcPct val="20000"/>
+              </a:spcBef>
+              <a:spcAft>
+                <a:spcPct val="0"/>
+              </a:spcAft>
+              <a:buFont typeface="Arial" panose="020B0604020202020204" pitchFamily="34" charset="0"/>
+              <a:buChar char="»"/>
+              <a:defRPr sz="2000" kern="1200">
+                <a:solidFill>
+                  <a:schemeClr val="tx1"/>
+                </a:solidFill>
+                <a:latin typeface="Helvetica"/>
+                <a:ea typeface="ＭＳ Ｐゴシック" charset="0"/>
+                <a:cs typeface="+mn-cs"/>
+              </a:defRPr>
+            </a:lvl5pPr>
+            <a:lvl6pPr marL="2514600" indent="-228600" algn="l" defTabSz="457200" rtl="0" eaLnBrk="1" latinLnBrk="0" hangingPunct="1">
+              <a:spcBef>
+                <a:spcPct val="20000"/>
+              </a:spcBef>
+              <a:buFont typeface="Arial"/>
+              <a:buChar char="•"/>
+              <a:defRPr sz="2000" kern="1200">
+                <a:solidFill>
+                  <a:schemeClr val="tx1"/>
+                </a:solidFill>
+                <a:latin typeface="+mn-lt"/>
+                <a:ea typeface="+mn-ea"/>
+                <a:cs typeface="+mn-cs"/>
+              </a:defRPr>
+            </a:lvl6pPr>
+            <a:lvl7pPr marL="2971800" indent="-228600" algn="l" defTabSz="457200" rtl="0" eaLnBrk="1" latinLnBrk="0" hangingPunct="1">
+              <a:spcBef>
+                <a:spcPct val="20000"/>
+              </a:spcBef>
+              <a:buFont typeface="Arial"/>
+              <a:buChar char="•"/>
+              <a:defRPr sz="2000" kern="1200">
+                <a:solidFill>
+                  <a:schemeClr val="tx1"/>
+                </a:solidFill>
+                <a:latin typeface="+mn-lt"/>
+                <a:ea typeface="+mn-ea"/>
+                <a:cs typeface="+mn-cs"/>
+              </a:defRPr>
+            </a:lvl7pPr>
+            <a:lvl8pPr marL="3429000" indent="-228600" algn="l" defTabSz="457200" rtl="0" eaLnBrk="1" latinLnBrk="0" hangingPunct="1">
+              <a:spcBef>
+                <a:spcPct val="20000"/>
+              </a:spcBef>
+              <a:buFont typeface="Arial"/>
+              <a:buChar char="•"/>
+              <a:defRPr sz="2000" kern="1200">
+                <a:solidFill>
+                  <a:schemeClr val="tx1"/>
+                </a:solidFill>
+                <a:latin typeface="+mn-lt"/>
+                <a:ea typeface="+mn-ea"/>
+                <a:cs typeface="+mn-cs"/>
+              </a:defRPr>
+            </a:lvl8pPr>
+            <a:lvl9pPr marL="3886200" indent="-228600" algn="l" defTabSz="457200" rtl="0" eaLnBrk="1" latinLnBrk="0" hangingPunct="1">
+              <a:spcBef>
+                <a:spcPct val="20000"/>
+              </a:spcBef>
+              <a:buFont typeface="Arial"/>
+              <a:buChar char="•"/>
+              <a:defRPr sz="2000" kern="1200">
+                <a:solidFill>
+                  <a:schemeClr val="tx1"/>
+                </a:solidFill>
+                <a:latin typeface="+mn-lt"/>
+                <a:ea typeface="+mn-ea"/>
+                <a:cs typeface="+mn-cs"/>
+              </a:defRPr>
+            </a:lvl9pPr>
+          </a:lstStyle>
+          <a:p>
+            <a:pPr marL="0" indent="0">
+              <a:buNone/>
+            </a:pPr>
+            <a:r>
+              <a:rPr lang="en-US" sz="1200" dirty="0">
+                <a:solidFill>
+                  <a:schemeClr val="bg1">
+                    <a:lumMod val="50000"/>
+                  </a:schemeClr>
+                </a:solidFill>
+                <a:latin typeface="+mj-lt"/>
+              </a:rPr>
+              <a:t>Lorem ipsum dolor sit </a:t>
+            </a:r>
+            <a:r>
+              <a:rPr lang="en-US" sz="1200" dirty="0" err="1">
+                <a:solidFill>
+                  <a:schemeClr val="bg1">
+                    <a:lumMod val="50000"/>
+                  </a:schemeClr>
+                </a:solidFill>
+                <a:latin typeface="+mj-lt"/>
+              </a:rPr>
+              <a:t>amet</a:t>
+            </a:r>
+            <a:r>
+              <a:rPr lang="en-US" sz="1200" dirty="0">
+                <a:solidFill>
+                  <a:schemeClr val="bg1">
+                    <a:lumMod val="50000"/>
+                  </a:schemeClr>
+                </a:solidFill>
+                <a:latin typeface="+mj-lt"/>
+              </a:rPr>
+              <a:t>, </a:t>
+            </a:r>
+            <a:r>
+              <a:rPr lang="en-US" sz="1200" dirty="0" err="1">
+                <a:solidFill>
+                  <a:schemeClr val="bg1">
+                    <a:lumMod val="50000"/>
+                  </a:schemeClr>
+                </a:solidFill>
+                <a:latin typeface="+mj-lt"/>
+              </a:rPr>
+              <a:t>consectetur</a:t>
+            </a:r>
+            <a:r>
+              <a:rPr lang="en-US" sz="1200" dirty="0">
+                <a:solidFill>
+                  <a:schemeClr val="bg1">
+                    <a:lumMod val="50000"/>
+                  </a:schemeClr>
+                </a:solidFill>
+                <a:latin typeface="+mj-lt"/>
+              </a:rPr>
+              <a:t> </a:t>
+            </a:r>
+            <a:r>
+              <a:rPr lang="en-US" sz="1200" dirty="0" err="1">
+                <a:solidFill>
+                  <a:schemeClr val="bg1">
+                    <a:lumMod val="50000"/>
+                  </a:schemeClr>
+                </a:solidFill>
+                <a:latin typeface="+mj-lt"/>
+              </a:rPr>
+              <a:t>adipiscing</a:t>
+            </a:r>
+            <a:r>
+              <a:rPr lang="en-US" sz="1200" dirty="0">
+                <a:solidFill>
+                  <a:schemeClr val="bg1">
+                    <a:lumMod val="50000"/>
+                  </a:schemeClr>
+                </a:solidFill>
+                <a:latin typeface="+mj-lt"/>
+              </a:rPr>
+              <a:t> </a:t>
+            </a:r>
+            <a:r>
+              <a:rPr lang="en-US" sz="1200" dirty="0" err="1">
+                <a:solidFill>
+                  <a:schemeClr val="bg1">
+                    <a:lumMod val="50000"/>
+                  </a:schemeClr>
+                </a:solidFill>
+                <a:latin typeface="+mj-lt"/>
+              </a:rPr>
+              <a:t>elit</a:t>
+            </a:r>
+            <a:r>
+              <a:rPr lang="en-US" sz="1200" dirty="0">
+                <a:solidFill>
+                  <a:schemeClr val="bg1">
+                    <a:lumMod val="50000"/>
+                  </a:schemeClr>
+                </a:solidFill>
+                <a:latin typeface="+mj-lt"/>
+              </a:rPr>
+              <a:t>. </a:t>
+            </a:r>
+            <a:r>
+              <a:rPr lang="en-US" sz="1200" dirty="0" err="1">
+                <a:solidFill>
+                  <a:schemeClr val="bg1">
+                    <a:lumMod val="50000"/>
+                  </a:schemeClr>
+                </a:solidFill>
+                <a:latin typeface="+mj-lt"/>
+              </a:rPr>
+              <a:t>Aliquam</a:t>
+            </a:r>
+            <a:r>
+              <a:rPr lang="en-US" sz="1200" dirty="0">
+                <a:solidFill>
+                  <a:schemeClr val="bg1">
+                    <a:lumMod val="50000"/>
+                  </a:schemeClr>
+                </a:solidFill>
+                <a:latin typeface="+mj-lt"/>
+              </a:rPr>
+              <a:t> non </a:t>
+            </a:r>
+            <a:r>
+              <a:rPr lang="en-US" sz="1200" dirty="0" err="1">
+                <a:solidFill>
+                  <a:schemeClr val="bg1">
+                    <a:lumMod val="50000"/>
+                  </a:schemeClr>
+                </a:solidFill>
+                <a:latin typeface="+mj-lt"/>
+              </a:rPr>
+              <a:t>varius</a:t>
+            </a:r>
+            <a:r>
+              <a:rPr lang="en-US" sz="1200" dirty="0">
+                <a:solidFill>
+                  <a:schemeClr val="bg1">
+                    <a:lumMod val="50000"/>
+                  </a:schemeClr>
+                </a:solidFill>
+                <a:latin typeface="+mj-lt"/>
+              </a:rPr>
+              <a:t> ipsum.</a:t>
+            </a:r>
+          </a:p>
+        </p:txBody>
+      </p:sp>
+      <p:sp>
+        <p:nvSpPr>
+          <p:cNvPr id="21" name="Text Placeholder 19">
+            <a:extLst>
+              <a:ext uri="{FF2B5EF4-FFF2-40B4-BE49-F238E27FC236}">
+                <a16:creationId xmlns:a16="http://schemas.microsoft.com/office/drawing/2014/main" id="{E9E40618-C382-4BC7-BF3D-BE8579B8799A}"/>
+              </a:ext>
+            </a:extLst>
+          </p:cNvPr>
+          <p:cNvSpPr txBox="1">
+            <a:spLocks/>
+          </p:cNvSpPr>
+          <p:nvPr/>
+        </p:nvSpPr>
+        <p:spPr>
+          <a:xfrm>
+            <a:off x="4931185" y="4270292"/>
+            <a:ext cx="1813567" cy="1292305"/>
+          </a:xfrm>
+          <a:prstGeom prst="rect">
+            <a:avLst/>
+          </a:prstGeom>
+        </p:spPr>
+        <p:txBody>
+          <a:bodyPr anchor="ctr"/>
+          <a:lstStyle>
+            <a:lvl1pPr marL="342900" indent="-342900" algn="l" defTabSz="457200" rtl="0" eaLnBrk="0" fontAlgn="base" hangingPunct="0">
+              <a:spcBef>
+                <a:spcPct val="20000"/>
+              </a:spcBef>
+              <a:spcAft>
+                <a:spcPct val="0"/>
+              </a:spcAft>
+              <a:buFont typeface="Arial" panose="020B0604020202020204" pitchFamily="34" charset="0"/>
+              <a:buChar char="•"/>
+              <a:defRPr sz="3200" kern="1200">
+                <a:solidFill>
+                  <a:schemeClr val="tx1"/>
+                </a:solidFill>
+                <a:latin typeface="Helvetica"/>
+                <a:ea typeface="ＭＳ Ｐゴシック" charset="0"/>
+                <a:cs typeface="ＭＳ Ｐゴシック" charset="0"/>
+              </a:defRPr>
+            </a:lvl1pPr>
+            <a:lvl2pPr marL="742950" indent="-285750" algn="l" defTabSz="457200" rtl="0" eaLnBrk="0" fontAlgn="base" hangingPunct="0">
+              <a:spcBef>
+                <a:spcPct val="20000"/>
+              </a:spcBef>
+              <a:spcAft>
+                <a:spcPct val="0"/>
+              </a:spcAft>
+              <a:buFont typeface="Arial" panose="020B0604020202020204" pitchFamily="34" charset="0"/>
+              <a:buChar char="–"/>
+              <a:defRPr sz="2800" kern="1200">
+                <a:solidFill>
+                  <a:schemeClr val="tx1"/>
+                </a:solidFill>
+                <a:latin typeface="Helvetica"/>
+                <a:ea typeface="ＭＳ Ｐゴシック" charset="0"/>
+                <a:cs typeface="+mn-cs"/>
+              </a:defRPr>
+            </a:lvl2pPr>
+            <a:lvl3pPr marL="1143000" indent="-228600" algn="l" defTabSz="457200" rtl="0" eaLnBrk="0" fontAlgn="base" hangingPunct="0">
+              <a:spcBef>
+                <a:spcPct val="20000"/>
+              </a:spcBef>
+              <a:spcAft>
+                <a:spcPct val="0"/>
+              </a:spcAft>
+              <a:buFont typeface="Arial" panose="020B0604020202020204" pitchFamily="34" charset="0"/>
+              <a:buChar char="•"/>
+              <a:defRPr sz="2400" kern="1200">
+                <a:solidFill>
+                  <a:schemeClr val="tx1"/>
+                </a:solidFill>
+                <a:latin typeface="Helvetica"/>
+                <a:ea typeface="ＭＳ Ｐゴシック" charset="0"/>
+                <a:cs typeface="+mn-cs"/>
+              </a:defRPr>
+            </a:lvl3pPr>
+            <a:lvl4pPr marL="1600200" indent="-228600" algn="l" defTabSz="457200" rtl="0" eaLnBrk="0" fontAlgn="base" hangingPunct="0">
+              <a:spcBef>
+                <a:spcPct val="20000"/>
+              </a:spcBef>
+              <a:spcAft>
+                <a:spcPct val="0"/>
+              </a:spcAft>
+              <a:buFont typeface="Arial" panose="020B0604020202020204" pitchFamily="34" charset="0"/>
+              <a:buChar char="–"/>
+              <a:defRPr sz="2000" kern="1200">
+                <a:solidFill>
+                  <a:schemeClr val="tx1"/>
+                </a:solidFill>
+                <a:latin typeface="Helvetica"/>
+                <a:ea typeface="ＭＳ Ｐゴシック" charset="0"/>
+                <a:cs typeface="+mn-cs"/>
+              </a:defRPr>
+            </a:lvl4pPr>
+            <a:lvl5pPr marL="2057400" indent="-228600" algn="l" defTabSz="457200" rtl="0" eaLnBrk="0" fontAlgn="base" hangingPunct="0">
+              <a:spcBef>
+                <a:spcPct val="20000"/>
+              </a:spcBef>
+              <a:spcAft>
+                <a:spcPct val="0"/>
+              </a:spcAft>
+              <a:buFont typeface="Arial" panose="020B0604020202020204" pitchFamily="34" charset="0"/>
+              <a:buChar char="»"/>
+              <a:defRPr sz="2000" kern="1200">
+                <a:solidFill>
+                  <a:schemeClr val="tx1"/>
+                </a:solidFill>
+                <a:latin typeface="Helvetica"/>
+                <a:ea typeface="ＭＳ Ｐゴシック" charset="0"/>
+                <a:cs typeface="+mn-cs"/>
+              </a:defRPr>
+            </a:lvl5pPr>
+            <a:lvl6pPr marL="2514600" indent="-228600" algn="l" defTabSz="457200" rtl="0" eaLnBrk="1" latinLnBrk="0" hangingPunct="1">
+              <a:spcBef>
+                <a:spcPct val="20000"/>
+              </a:spcBef>
+              <a:buFont typeface="Arial"/>
+              <a:buChar char="•"/>
+              <a:defRPr sz="2000" kern="1200">
+                <a:solidFill>
+                  <a:schemeClr val="tx1"/>
+                </a:solidFill>
+                <a:latin typeface="+mn-lt"/>
+                <a:ea typeface="+mn-ea"/>
+                <a:cs typeface="+mn-cs"/>
+              </a:defRPr>
+            </a:lvl6pPr>
+            <a:lvl7pPr marL="2971800" indent="-228600" algn="l" defTabSz="457200" rtl="0" eaLnBrk="1" latinLnBrk="0" hangingPunct="1">
+              <a:spcBef>
+                <a:spcPct val="20000"/>
+              </a:spcBef>
+              <a:buFont typeface="Arial"/>
+              <a:buChar char="•"/>
+              <a:defRPr sz="2000" kern="1200">
+                <a:solidFill>
+                  <a:schemeClr val="tx1"/>
+                </a:solidFill>
+                <a:latin typeface="+mn-lt"/>
+                <a:ea typeface="+mn-ea"/>
+                <a:cs typeface="+mn-cs"/>
+              </a:defRPr>
+            </a:lvl7pPr>
+            <a:lvl8pPr marL="3429000" indent="-228600" algn="l" defTabSz="457200" rtl="0" eaLnBrk="1" latinLnBrk="0" hangingPunct="1">
+              <a:spcBef>
+                <a:spcPct val="20000"/>
+              </a:spcBef>
+              <a:buFont typeface="Arial"/>
+              <a:buChar char="•"/>
+              <a:defRPr sz="2000" kern="1200">
+                <a:solidFill>
+                  <a:schemeClr val="tx1"/>
+                </a:solidFill>
+                <a:latin typeface="+mn-lt"/>
+                <a:ea typeface="+mn-ea"/>
+                <a:cs typeface="+mn-cs"/>
+              </a:defRPr>
+            </a:lvl8pPr>
+            <a:lvl9pPr marL="3886200" indent="-228600" algn="l" defTabSz="457200" rtl="0" eaLnBrk="1" latinLnBrk="0" hangingPunct="1">
+              <a:spcBef>
+                <a:spcPct val="20000"/>
+              </a:spcBef>
+              <a:buFont typeface="Arial"/>
+              <a:buChar char="•"/>
+              <a:defRPr sz="2000" kern="1200">
+                <a:solidFill>
+                  <a:schemeClr val="tx1"/>
+                </a:solidFill>
+                <a:latin typeface="+mn-lt"/>
+                <a:ea typeface="+mn-ea"/>
+                <a:cs typeface="+mn-cs"/>
+              </a:defRPr>
+            </a:lvl9pPr>
+          </a:lstStyle>
+          <a:p>
+            <a:pPr marL="0" indent="0">
+              <a:buNone/>
+            </a:pPr>
+            <a:r>
+              <a:rPr lang="en-US" sz="1200" dirty="0">
+                <a:solidFill>
+                  <a:schemeClr val="bg1">
+                    <a:lumMod val="50000"/>
+                  </a:schemeClr>
+                </a:solidFill>
+                <a:latin typeface="+mj-lt"/>
+              </a:rPr>
+              <a:t>Lorem ipsum dolor sit </a:t>
+            </a:r>
+            <a:r>
+              <a:rPr lang="en-US" sz="1200" dirty="0" err="1">
+                <a:solidFill>
+                  <a:schemeClr val="bg1">
+                    <a:lumMod val="50000"/>
+                  </a:schemeClr>
+                </a:solidFill>
+                <a:latin typeface="+mj-lt"/>
+              </a:rPr>
+              <a:t>amet</a:t>
+            </a:r>
+            <a:r>
+              <a:rPr lang="en-US" sz="1200" dirty="0">
+                <a:solidFill>
+                  <a:schemeClr val="bg1">
+                    <a:lumMod val="50000"/>
+                  </a:schemeClr>
+                </a:solidFill>
+                <a:latin typeface="+mj-lt"/>
+              </a:rPr>
+              <a:t>, </a:t>
+            </a:r>
+            <a:r>
+              <a:rPr lang="en-US" sz="1200" dirty="0" err="1">
+                <a:solidFill>
+                  <a:schemeClr val="bg1">
+                    <a:lumMod val="50000"/>
+                  </a:schemeClr>
+                </a:solidFill>
+                <a:latin typeface="+mj-lt"/>
+              </a:rPr>
+              <a:t>consectetur</a:t>
+            </a:r>
+            <a:r>
+              <a:rPr lang="en-US" sz="1200" dirty="0">
+                <a:solidFill>
+                  <a:schemeClr val="bg1">
+                    <a:lumMod val="50000"/>
+                  </a:schemeClr>
+                </a:solidFill>
+                <a:latin typeface="+mj-lt"/>
+              </a:rPr>
+              <a:t> </a:t>
+            </a:r>
+            <a:r>
+              <a:rPr lang="en-US" sz="1200" dirty="0" err="1">
+                <a:solidFill>
+                  <a:schemeClr val="bg1">
+                    <a:lumMod val="50000"/>
+                  </a:schemeClr>
+                </a:solidFill>
+                <a:latin typeface="+mj-lt"/>
+              </a:rPr>
+              <a:t>adipiscing</a:t>
+            </a:r>
+            <a:r>
+              <a:rPr lang="en-US" sz="1200" dirty="0">
+                <a:solidFill>
+                  <a:schemeClr val="bg1">
+                    <a:lumMod val="50000"/>
+                  </a:schemeClr>
+                </a:solidFill>
+                <a:latin typeface="+mj-lt"/>
+              </a:rPr>
+              <a:t> </a:t>
+            </a:r>
+            <a:r>
+              <a:rPr lang="en-US" sz="1200" dirty="0" err="1">
+                <a:solidFill>
+                  <a:schemeClr val="bg1">
+                    <a:lumMod val="50000"/>
+                  </a:schemeClr>
+                </a:solidFill>
+                <a:latin typeface="+mj-lt"/>
+              </a:rPr>
+              <a:t>elit</a:t>
+            </a:r>
+            <a:r>
+              <a:rPr lang="en-US" sz="1200" dirty="0">
+                <a:solidFill>
+                  <a:schemeClr val="bg1">
+                    <a:lumMod val="50000"/>
+                  </a:schemeClr>
+                </a:solidFill>
+                <a:latin typeface="+mj-lt"/>
+              </a:rPr>
+              <a:t>. </a:t>
+            </a:r>
+            <a:r>
+              <a:rPr lang="en-US" sz="1200" dirty="0" err="1">
+                <a:solidFill>
+                  <a:schemeClr val="bg1">
+                    <a:lumMod val="50000"/>
+                  </a:schemeClr>
+                </a:solidFill>
+                <a:latin typeface="+mj-lt"/>
+              </a:rPr>
+              <a:t>Aliquam</a:t>
+            </a:r>
+            <a:r>
+              <a:rPr lang="en-US" sz="1200" dirty="0">
+                <a:solidFill>
+                  <a:schemeClr val="bg1">
+                    <a:lumMod val="50000"/>
+                  </a:schemeClr>
+                </a:solidFill>
+                <a:latin typeface="+mj-lt"/>
+              </a:rPr>
+              <a:t> non </a:t>
+            </a:r>
+            <a:r>
+              <a:rPr lang="en-US" sz="1200" dirty="0" err="1">
+                <a:solidFill>
+                  <a:schemeClr val="bg1">
+                    <a:lumMod val="50000"/>
+                  </a:schemeClr>
+                </a:solidFill>
+                <a:latin typeface="+mj-lt"/>
+              </a:rPr>
+              <a:t>varius</a:t>
+            </a:r>
+            <a:r>
+              <a:rPr lang="en-US" sz="1200" dirty="0">
+                <a:solidFill>
+                  <a:schemeClr val="bg1">
+                    <a:lumMod val="50000"/>
+                  </a:schemeClr>
+                </a:solidFill>
+                <a:latin typeface="+mj-lt"/>
+              </a:rPr>
+              <a:t> ipsum.</a:t>
+            </a:r>
+          </a:p>
+        </p:txBody>
+      </p:sp>
+      <p:sp>
+        <p:nvSpPr>
+          <p:cNvPr id="22" name="Text Placeholder 19">
+            <a:extLst>
+              <a:ext uri="{FF2B5EF4-FFF2-40B4-BE49-F238E27FC236}">
+                <a16:creationId xmlns:a16="http://schemas.microsoft.com/office/drawing/2014/main" id="{095083C0-F528-482E-ADB6-6AF7FA6A90C9}"/>
+              </a:ext>
+            </a:extLst>
+          </p:cNvPr>
+          <p:cNvSpPr txBox="1">
+            <a:spLocks/>
+          </p:cNvSpPr>
+          <p:nvPr/>
+        </p:nvSpPr>
+        <p:spPr>
+          <a:xfrm>
+            <a:off x="7012727" y="4270293"/>
+            <a:ext cx="1813567" cy="1292304"/>
+          </a:xfrm>
+          <a:prstGeom prst="rect">
+            <a:avLst/>
+          </a:prstGeom>
+        </p:spPr>
+        <p:txBody>
+          <a:bodyPr anchor="ctr"/>
+          <a:lstStyle>
+            <a:lvl1pPr marL="342900" indent="-342900" algn="l" defTabSz="457200" rtl="0" eaLnBrk="0" fontAlgn="base" hangingPunct="0">
+              <a:spcBef>
+                <a:spcPct val="20000"/>
+              </a:spcBef>
+              <a:spcAft>
+                <a:spcPct val="0"/>
+              </a:spcAft>
+              <a:buFont typeface="Arial" panose="020B0604020202020204" pitchFamily="34" charset="0"/>
+              <a:buChar char="•"/>
+              <a:defRPr sz="3200" kern="1200">
+                <a:solidFill>
+                  <a:schemeClr val="tx1"/>
+                </a:solidFill>
+                <a:latin typeface="Helvetica"/>
+                <a:ea typeface="ＭＳ Ｐゴシック" charset="0"/>
+                <a:cs typeface="ＭＳ Ｐゴシック" charset="0"/>
+              </a:defRPr>
+            </a:lvl1pPr>
+            <a:lvl2pPr marL="742950" indent="-285750" algn="l" defTabSz="457200" rtl="0" eaLnBrk="0" fontAlgn="base" hangingPunct="0">
+              <a:spcBef>
+                <a:spcPct val="20000"/>
+              </a:spcBef>
+              <a:spcAft>
+                <a:spcPct val="0"/>
+              </a:spcAft>
+              <a:buFont typeface="Arial" panose="020B0604020202020204" pitchFamily="34" charset="0"/>
+              <a:buChar char="–"/>
+              <a:defRPr sz="2800" kern="1200">
+                <a:solidFill>
+                  <a:schemeClr val="tx1"/>
+                </a:solidFill>
+                <a:latin typeface="Helvetica"/>
+                <a:ea typeface="ＭＳ Ｐゴシック" charset="0"/>
+                <a:cs typeface="+mn-cs"/>
+              </a:defRPr>
+            </a:lvl2pPr>
+            <a:lvl3pPr marL="1143000" indent="-228600" algn="l" defTabSz="457200" rtl="0" eaLnBrk="0" fontAlgn="base" hangingPunct="0">
+              <a:spcBef>
+                <a:spcPct val="20000"/>
+              </a:spcBef>
+              <a:spcAft>
+                <a:spcPct val="0"/>
+              </a:spcAft>
+              <a:buFont typeface="Arial" panose="020B0604020202020204" pitchFamily="34" charset="0"/>
+              <a:buChar char="•"/>
+              <a:defRPr sz="2400" kern="1200">
+                <a:solidFill>
+                  <a:schemeClr val="tx1"/>
+                </a:solidFill>
+                <a:latin typeface="Helvetica"/>
+                <a:ea typeface="ＭＳ Ｐゴシック" charset="0"/>
+                <a:cs typeface="+mn-cs"/>
+              </a:defRPr>
+            </a:lvl3pPr>
+            <a:lvl4pPr marL="1600200" indent="-228600" algn="l" defTabSz="457200" rtl="0" eaLnBrk="0" fontAlgn="base" hangingPunct="0">
+              <a:spcBef>
+                <a:spcPct val="20000"/>
+              </a:spcBef>
+              <a:spcAft>
+                <a:spcPct val="0"/>
+              </a:spcAft>
+              <a:buFont typeface="Arial" panose="020B0604020202020204" pitchFamily="34" charset="0"/>
+              <a:buChar char="–"/>
+              <a:defRPr sz="2000" kern="1200">
+                <a:solidFill>
+                  <a:schemeClr val="tx1"/>
+                </a:solidFill>
+                <a:latin typeface="Helvetica"/>
+                <a:ea typeface="ＭＳ Ｐゴシック" charset="0"/>
+                <a:cs typeface="+mn-cs"/>
+              </a:defRPr>
+            </a:lvl4pPr>
+            <a:lvl5pPr marL="2057400" indent="-228600" algn="l" defTabSz="457200" rtl="0" eaLnBrk="0" fontAlgn="base" hangingPunct="0">
+              <a:spcBef>
+                <a:spcPct val="20000"/>
+              </a:spcBef>
+              <a:spcAft>
+                <a:spcPct val="0"/>
+              </a:spcAft>
+              <a:buFont typeface="Arial" panose="020B0604020202020204" pitchFamily="34" charset="0"/>
+              <a:buChar char="»"/>
+              <a:defRPr sz="2000" kern="1200">
+                <a:solidFill>
+                  <a:schemeClr val="tx1"/>
+                </a:solidFill>
+                <a:latin typeface="Helvetica"/>
+                <a:ea typeface="ＭＳ Ｐゴシック" charset="0"/>
+                <a:cs typeface="+mn-cs"/>
+              </a:defRPr>
+            </a:lvl5pPr>
+            <a:lvl6pPr marL="2514600" indent="-228600" algn="l" defTabSz="457200" rtl="0" eaLnBrk="1" latinLnBrk="0" hangingPunct="1">
+              <a:spcBef>
+                <a:spcPct val="20000"/>
+              </a:spcBef>
+              <a:buFont typeface="Arial"/>
+              <a:buChar char="•"/>
+              <a:defRPr sz="2000" kern="1200">
+                <a:solidFill>
+                  <a:schemeClr val="tx1"/>
+                </a:solidFill>
+                <a:latin typeface="+mn-lt"/>
+                <a:ea typeface="+mn-ea"/>
+                <a:cs typeface="+mn-cs"/>
+              </a:defRPr>
+            </a:lvl6pPr>
+            <a:lvl7pPr marL="2971800" indent="-228600" algn="l" defTabSz="457200" rtl="0" eaLnBrk="1" latinLnBrk="0" hangingPunct="1">
+              <a:spcBef>
+                <a:spcPct val="20000"/>
+              </a:spcBef>
+              <a:buFont typeface="Arial"/>
+              <a:buChar char="•"/>
+              <a:defRPr sz="2000" kern="1200">
+                <a:solidFill>
+                  <a:schemeClr val="tx1"/>
+                </a:solidFill>
+                <a:latin typeface="+mn-lt"/>
+                <a:ea typeface="+mn-ea"/>
+                <a:cs typeface="+mn-cs"/>
+              </a:defRPr>
+            </a:lvl7pPr>
+            <a:lvl8pPr marL="3429000" indent="-228600" algn="l" defTabSz="457200" rtl="0" eaLnBrk="1" latinLnBrk="0" hangingPunct="1">
+              <a:spcBef>
+                <a:spcPct val="20000"/>
+              </a:spcBef>
+              <a:buFont typeface="Arial"/>
+              <a:buChar char="•"/>
+              <a:defRPr sz="2000" kern="1200">
+                <a:solidFill>
+                  <a:schemeClr val="tx1"/>
+                </a:solidFill>
+                <a:latin typeface="+mn-lt"/>
+                <a:ea typeface="+mn-ea"/>
+                <a:cs typeface="+mn-cs"/>
+              </a:defRPr>
+            </a:lvl8pPr>
+            <a:lvl9pPr marL="3886200" indent="-228600" algn="l" defTabSz="457200" rtl="0" eaLnBrk="1" latinLnBrk="0" hangingPunct="1">
+              <a:spcBef>
+                <a:spcPct val="20000"/>
+              </a:spcBef>
+              <a:buFont typeface="Arial"/>
+              <a:buChar char="•"/>
+              <a:defRPr sz="2000" kern="1200">
+                <a:solidFill>
+                  <a:schemeClr val="tx1"/>
+                </a:solidFill>
+                <a:latin typeface="+mn-lt"/>
+                <a:ea typeface="+mn-ea"/>
+                <a:cs typeface="+mn-cs"/>
+              </a:defRPr>
+            </a:lvl9pPr>
+          </a:lstStyle>
+          <a:p>
+            <a:pPr marL="0" indent="0">
+              <a:buNone/>
+            </a:pPr>
+            <a:r>
+              <a:rPr lang="en-US" sz="1200" dirty="0">
+                <a:solidFill>
+                  <a:schemeClr val="bg1">
+                    <a:lumMod val="50000"/>
+                  </a:schemeClr>
+                </a:solidFill>
+                <a:latin typeface="+mj-lt"/>
+              </a:rPr>
+              <a:t>Lorem ipsum dolor sit </a:t>
+            </a:r>
+            <a:r>
+              <a:rPr lang="en-US" sz="1200" dirty="0" err="1">
+                <a:solidFill>
+                  <a:schemeClr val="bg1">
+                    <a:lumMod val="50000"/>
+                  </a:schemeClr>
+                </a:solidFill>
+                <a:latin typeface="+mj-lt"/>
+              </a:rPr>
+              <a:t>amet</a:t>
+            </a:r>
+            <a:r>
+              <a:rPr lang="en-US" sz="1200" dirty="0">
+                <a:solidFill>
+                  <a:schemeClr val="bg1">
+                    <a:lumMod val="50000"/>
+                  </a:schemeClr>
+                </a:solidFill>
+                <a:latin typeface="+mj-lt"/>
+              </a:rPr>
+              <a:t>, </a:t>
+            </a:r>
+            <a:r>
+              <a:rPr lang="en-US" sz="1200" dirty="0" err="1">
+                <a:solidFill>
+                  <a:schemeClr val="bg1">
+                    <a:lumMod val="50000"/>
+                  </a:schemeClr>
+                </a:solidFill>
+                <a:latin typeface="+mj-lt"/>
+              </a:rPr>
+              <a:t>consectetur</a:t>
+            </a:r>
+            <a:r>
+              <a:rPr lang="en-US" sz="1200" dirty="0">
+                <a:solidFill>
+                  <a:schemeClr val="bg1">
+                    <a:lumMod val="50000"/>
+                  </a:schemeClr>
+                </a:solidFill>
+                <a:latin typeface="+mj-lt"/>
+              </a:rPr>
+              <a:t> </a:t>
+            </a:r>
+            <a:r>
+              <a:rPr lang="en-US" sz="1200" dirty="0" err="1">
+                <a:solidFill>
+                  <a:schemeClr val="bg1">
+                    <a:lumMod val="50000"/>
+                  </a:schemeClr>
+                </a:solidFill>
+                <a:latin typeface="+mj-lt"/>
+              </a:rPr>
+              <a:t>adipiscing</a:t>
+            </a:r>
+            <a:r>
+              <a:rPr lang="en-US" sz="1200" dirty="0">
+                <a:solidFill>
+                  <a:schemeClr val="bg1">
+                    <a:lumMod val="50000"/>
+                  </a:schemeClr>
+                </a:solidFill>
+                <a:latin typeface="+mj-lt"/>
+              </a:rPr>
+              <a:t> </a:t>
+            </a:r>
+            <a:r>
+              <a:rPr lang="en-US" sz="1200" dirty="0" err="1">
+                <a:solidFill>
+                  <a:schemeClr val="bg1">
+                    <a:lumMod val="50000"/>
+                  </a:schemeClr>
+                </a:solidFill>
+                <a:latin typeface="+mj-lt"/>
+              </a:rPr>
+              <a:t>elit</a:t>
+            </a:r>
+            <a:r>
+              <a:rPr lang="en-US" sz="1200" dirty="0">
+                <a:solidFill>
+                  <a:schemeClr val="bg1">
+                    <a:lumMod val="50000"/>
+                  </a:schemeClr>
+                </a:solidFill>
+                <a:latin typeface="+mj-lt"/>
+              </a:rPr>
+              <a:t>. </a:t>
+            </a:r>
+            <a:r>
+              <a:rPr lang="en-US" sz="1200" dirty="0" err="1">
+                <a:solidFill>
+                  <a:schemeClr val="bg1">
+                    <a:lumMod val="50000"/>
+                  </a:schemeClr>
+                </a:solidFill>
+                <a:latin typeface="+mj-lt"/>
+              </a:rPr>
+              <a:t>Aliquam</a:t>
+            </a:r>
+            <a:r>
+              <a:rPr lang="en-US" sz="1200" dirty="0">
+                <a:solidFill>
+                  <a:schemeClr val="bg1">
+                    <a:lumMod val="50000"/>
+                  </a:schemeClr>
+                </a:solidFill>
+                <a:latin typeface="+mj-lt"/>
+              </a:rPr>
+              <a:t> non </a:t>
+            </a:r>
+            <a:r>
+              <a:rPr lang="en-US" sz="1200" dirty="0" err="1">
+                <a:solidFill>
+                  <a:schemeClr val="bg1">
+                    <a:lumMod val="50000"/>
+                  </a:schemeClr>
+                </a:solidFill>
+                <a:latin typeface="+mj-lt"/>
+              </a:rPr>
+              <a:t>varius</a:t>
+            </a:r>
+            <a:r>
+              <a:rPr lang="en-US" sz="1200" dirty="0">
+                <a:solidFill>
+                  <a:schemeClr val="bg1">
+                    <a:lumMod val="50000"/>
+                  </a:schemeClr>
+                </a:solidFill>
+                <a:latin typeface="+mj-lt"/>
+              </a:rPr>
+              <a:t> ipsum.</a:t>
             </a:r>
           </a:p>
         </p:txBody>

--- a/Final Submission/Presidential Election Analysis_Final.pptx
+++ b/Final Submission/Presidential Election Analysis_Final.pptx
@@ -5,7 +5,7 @@
     <p:sldMasterId id="2147483661" r:id="rId1"/>
   </p:sldMasterIdLst>
   <p:notesMasterIdLst>
-    <p:notesMasterId r:id="rId17"/>
+    <p:notesMasterId r:id="rId16"/>
   </p:notesMasterIdLst>
   <p:sldIdLst>
     <p:sldId id="257" r:id="rId2"/>
@@ -18,11 +18,10 @@
     <p:sldId id="300" r:id="rId9"/>
     <p:sldId id="294" r:id="rId10"/>
     <p:sldId id="291" r:id="rId11"/>
-    <p:sldId id="298" r:id="rId12"/>
-    <p:sldId id="292" r:id="rId13"/>
-    <p:sldId id="295" r:id="rId14"/>
-    <p:sldId id="284" r:id="rId15"/>
-    <p:sldId id="296" r:id="rId16"/>
+    <p:sldId id="292" r:id="rId12"/>
+    <p:sldId id="295" r:id="rId13"/>
+    <p:sldId id="284" r:id="rId14"/>
+    <p:sldId id="296" r:id="rId15"/>
   </p:sldIdLst>
   <p:sldSz cx="9144000" cy="6858000" type="screen4x3"/>
   <p:notesSz cx="6858000" cy="9144000"/>
@@ -166,7 +165,6 @@
             <p14:sldId id="300"/>
             <p14:sldId id="294"/>
             <p14:sldId id="291"/>
-            <p14:sldId id="298"/>
             <p14:sldId id="292"/>
             <p14:sldId id="295"/>
             <p14:sldId id="284"/>
@@ -943,753 +941,6 @@
 </dgm:colorsDef>
 </file>
 
-<file path=ppt/diagrams/colors2.xml><?xml version="1.0" encoding="utf-8"?>
-<dgm:colorsDef xmlns:dgm="http://schemas.openxmlformats.org/drawingml/2006/diagram" xmlns:a="http://schemas.openxmlformats.org/drawingml/2006/main" uniqueId="urn:microsoft.com/office/officeart/2005/8/colors/accent1_2">
-  <dgm:title val=""/>
-  <dgm:desc val=""/>
-  <dgm:catLst>
-    <dgm:cat type="accent1" pri="11200"/>
-  </dgm:catLst>
-  <dgm:styleLbl name="node0">
-    <dgm:fillClrLst meth="repeat">
-      <a:schemeClr val="accent1"/>
-    </dgm:fillClrLst>
-    <dgm:linClrLst meth="repeat">
-      <a:schemeClr val="lt1"/>
-    </dgm:linClrLst>
-    <dgm:effectClrLst/>
-    <dgm:txLinClrLst/>
-    <dgm:txFillClrLst/>
-    <dgm:txEffectClrLst/>
-  </dgm:styleLbl>
-  <dgm:styleLbl name="alignNode1">
-    <dgm:fillClrLst meth="repeat">
-      <a:schemeClr val="accent1"/>
-    </dgm:fillClrLst>
-    <dgm:linClrLst meth="repeat">
-      <a:schemeClr val="accent1"/>
-    </dgm:linClrLst>
-    <dgm:effectClrLst/>
-    <dgm:txLinClrLst/>
-    <dgm:txFillClrLst/>
-    <dgm:txEffectClrLst/>
-  </dgm:styleLbl>
-  <dgm:styleLbl name="node1">
-    <dgm:fillClrLst meth="repeat">
-      <a:schemeClr val="accent1"/>
-    </dgm:fillClrLst>
-    <dgm:linClrLst meth="repeat">
-      <a:schemeClr val="lt1"/>
-    </dgm:linClrLst>
-    <dgm:effectClrLst/>
-    <dgm:txLinClrLst/>
-    <dgm:txFillClrLst/>
-    <dgm:txEffectClrLst/>
-  </dgm:styleLbl>
-  <dgm:styleLbl name="lnNode1">
-    <dgm:fillClrLst meth="repeat">
-      <a:schemeClr val="accent1"/>
-    </dgm:fillClrLst>
-    <dgm:linClrLst meth="repeat">
-      <a:schemeClr val="lt1"/>
-    </dgm:linClrLst>
-    <dgm:effectClrLst/>
-    <dgm:txLinClrLst/>
-    <dgm:txFillClrLst/>
-    <dgm:txEffectClrLst/>
-  </dgm:styleLbl>
-  <dgm:styleLbl name="vennNode1">
-    <dgm:fillClrLst meth="repeat">
-      <a:schemeClr val="accent1">
-        <a:alpha val="50000"/>
-      </a:schemeClr>
-    </dgm:fillClrLst>
-    <dgm:linClrLst meth="repeat">
-      <a:schemeClr val="lt1"/>
-    </dgm:linClrLst>
-    <dgm:effectClrLst/>
-    <dgm:txLinClrLst/>
-    <dgm:txFillClrLst/>
-    <dgm:txEffectClrLst/>
-  </dgm:styleLbl>
-  <dgm:styleLbl name="node2">
-    <dgm:fillClrLst meth="repeat">
-      <a:schemeClr val="accent1"/>
-    </dgm:fillClrLst>
-    <dgm:linClrLst meth="repeat">
-      <a:schemeClr val="lt1"/>
-    </dgm:linClrLst>
-    <dgm:effectClrLst/>
-    <dgm:txLinClrLst/>
-    <dgm:txFillClrLst/>
-    <dgm:txEffectClrLst/>
-  </dgm:styleLbl>
-  <dgm:styleLbl name="node3">
-    <dgm:fillClrLst meth="repeat">
-      <a:schemeClr val="accent1"/>
-    </dgm:fillClrLst>
-    <dgm:linClrLst meth="repeat">
-      <a:schemeClr val="lt1"/>
-    </dgm:linClrLst>
-    <dgm:effectClrLst/>
-    <dgm:txLinClrLst/>
-    <dgm:txFillClrLst/>
-    <dgm:txEffectClrLst/>
-  </dgm:styleLbl>
-  <dgm:styleLbl name="node4">
-    <dgm:fillClrLst meth="repeat">
-      <a:schemeClr val="accent1"/>
-    </dgm:fillClrLst>
-    <dgm:linClrLst meth="repeat">
-      <a:schemeClr val="lt1"/>
-    </dgm:linClrLst>
-    <dgm:effectClrLst/>
-    <dgm:txLinClrLst/>
-    <dgm:txFillClrLst/>
-    <dgm:txEffectClrLst/>
-  </dgm:styleLbl>
-  <dgm:styleLbl name="fgImgPlace1">
-    <dgm:fillClrLst meth="repeat">
-      <a:schemeClr val="accent1">
-        <a:tint val="50000"/>
-      </a:schemeClr>
-    </dgm:fillClrLst>
-    <dgm:linClrLst meth="repeat">
-      <a:schemeClr val="lt1"/>
-    </dgm:linClrLst>
-    <dgm:effectClrLst/>
-    <dgm:txLinClrLst/>
-    <dgm:txFillClrLst meth="repeat">
-      <a:schemeClr val="lt1"/>
-    </dgm:txFillClrLst>
-    <dgm:txEffectClrLst/>
-  </dgm:styleLbl>
-  <dgm:styleLbl name="alignImgPlace1">
-    <dgm:fillClrLst meth="repeat">
-      <a:schemeClr val="accent1">
-        <a:tint val="50000"/>
-      </a:schemeClr>
-    </dgm:fillClrLst>
-    <dgm:linClrLst meth="repeat">
-      <a:schemeClr val="lt1"/>
-    </dgm:linClrLst>
-    <dgm:effectClrLst/>
-    <dgm:txLinClrLst/>
-    <dgm:txFillClrLst meth="repeat">
-      <a:schemeClr val="lt1"/>
-    </dgm:txFillClrLst>
-    <dgm:txEffectClrLst/>
-  </dgm:styleLbl>
-  <dgm:styleLbl name="bgImgPlace1">
-    <dgm:fillClrLst meth="repeat">
-      <a:schemeClr val="accent1">
-        <a:tint val="50000"/>
-      </a:schemeClr>
-    </dgm:fillClrLst>
-    <dgm:linClrLst meth="repeat">
-      <a:schemeClr val="lt1"/>
-    </dgm:linClrLst>
-    <dgm:effectClrLst/>
-    <dgm:txLinClrLst/>
-    <dgm:txFillClrLst meth="repeat">
-      <a:schemeClr val="lt1"/>
-    </dgm:txFillClrLst>
-    <dgm:txEffectClrLst/>
-  </dgm:styleLbl>
-  <dgm:styleLbl name="sibTrans2D1">
-    <dgm:fillClrLst meth="repeat">
-      <a:schemeClr val="accent1">
-        <a:tint val="60000"/>
-      </a:schemeClr>
-    </dgm:fillClrLst>
-    <dgm:linClrLst meth="repeat">
-      <a:schemeClr val="accent1">
-        <a:tint val="60000"/>
-      </a:schemeClr>
-    </dgm:linClrLst>
-    <dgm:effectClrLst/>
-    <dgm:txLinClrLst/>
-    <dgm:txFillClrLst/>
-    <dgm:txEffectClrLst/>
-  </dgm:styleLbl>
-  <dgm:styleLbl name="fgSibTrans2D1">
-    <dgm:fillClrLst meth="repeat">
-      <a:schemeClr val="accent1">
-        <a:tint val="60000"/>
-      </a:schemeClr>
-    </dgm:fillClrLst>
-    <dgm:linClrLst meth="repeat">
-      <a:schemeClr val="accent1">
-        <a:tint val="60000"/>
-      </a:schemeClr>
-    </dgm:linClrLst>
-    <dgm:effectClrLst/>
-    <dgm:txLinClrLst/>
-    <dgm:txFillClrLst/>
-    <dgm:txEffectClrLst/>
-  </dgm:styleLbl>
-  <dgm:styleLbl name="bgSibTrans2D1">
-    <dgm:fillClrLst meth="repeat">
-      <a:schemeClr val="accent1">
-        <a:tint val="60000"/>
-      </a:schemeClr>
-    </dgm:fillClrLst>
-    <dgm:linClrLst meth="repeat">
-      <a:schemeClr val="accent1">
-        <a:tint val="60000"/>
-      </a:schemeClr>
-    </dgm:linClrLst>
-    <dgm:effectClrLst/>
-    <dgm:txLinClrLst/>
-    <dgm:txFillClrLst/>
-    <dgm:txEffectClrLst/>
-  </dgm:styleLbl>
-  <dgm:styleLbl name="sibTrans1D1">
-    <dgm:fillClrLst meth="repeat">
-      <a:schemeClr val="accent1"/>
-    </dgm:fillClrLst>
-    <dgm:linClrLst meth="repeat">
-      <a:schemeClr val="accent1"/>
-    </dgm:linClrLst>
-    <dgm:effectClrLst/>
-    <dgm:txLinClrLst/>
-    <dgm:txFillClrLst meth="repeat">
-      <a:schemeClr val="tx1"/>
-    </dgm:txFillClrLst>
-    <dgm:txEffectClrLst/>
-  </dgm:styleLbl>
-  <dgm:styleLbl name="callout">
-    <dgm:fillClrLst meth="repeat">
-      <a:schemeClr val="accent1"/>
-    </dgm:fillClrLst>
-    <dgm:linClrLst meth="repeat">
-      <a:schemeClr val="accent1">
-        <a:tint val="50000"/>
-      </a:schemeClr>
-    </dgm:linClrLst>
-    <dgm:effectClrLst/>
-    <dgm:txLinClrLst/>
-    <dgm:txFillClrLst meth="repeat">
-      <a:schemeClr val="tx1"/>
-    </dgm:txFillClrLst>
-    <dgm:txEffectClrLst/>
-  </dgm:styleLbl>
-  <dgm:styleLbl name="asst0">
-    <dgm:fillClrLst meth="repeat">
-      <a:schemeClr val="accent1"/>
-    </dgm:fillClrLst>
-    <dgm:linClrLst meth="repeat">
-      <a:schemeClr val="lt1"/>
-    </dgm:linClrLst>
-    <dgm:effectClrLst/>
-    <dgm:txLinClrLst/>
-    <dgm:txFillClrLst/>
-    <dgm:txEffectClrLst/>
-  </dgm:styleLbl>
-  <dgm:styleLbl name="asst1">
-    <dgm:fillClrLst meth="repeat">
-      <a:schemeClr val="accent1"/>
-    </dgm:fillClrLst>
-    <dgm:linClrLst meth="repeat">
-      <a:schemeClr val="lt1"/>
-    </dgm:linClrLst>
-    <dgm:effectClrLst/>
-    <dgm:txLinClrLst/>
-    <dgm:txFillClrLst/>
-    <dgm:txEffectClrLst/>
-  </dgm:styleLbl>
-  <dgm:styleLbl name="asst2">
-    <dgm:fillClrLst meth="repeat">
-      <a:schemeClr val="accent1"/>
-    </dgm:fillClrLst>
-    <dgm:linClrLst meth="repeat">
-      <a:schemeClr val="lt1"/>
-    </dgm:linClrLst>
-    <dgm:effectClrLst/>
-    <dgm:txLinClrLst/>
-    <dgm:txFillClrLst/>
-    <dgm:txEffectClrLst/>
-  </dgm:styleLbl>
-  <dgm:styleLbl name="asst3">
-    <dgm:fillClrLst meth="repeat">
-      <a:schemeClr val="accent1"/>
-    </dgm:fillClrLst>
-    <dgm:linClrLst meth="repeat">
-      <a:schemeClr val="lt1"/>
-    </dgm:linClrLst>
-    <dgm:effectClrLst/>
-    <dgm:txLinClrLst/>
-    <dgm:txFillClrLst/>
-    <dgm:txEffectClrLst/>
-  </dgm:styleLbl>
-  <dgm:styleLbl name="asst4">
-    <dgm:fillClrLst meth="repeat">
-      <a:schemeClr val="accent1"/>
-    </dgm:fillClrLst>
-    <dgm:linClrLst meth="repeat">
-      <a:schemeClr val="lt1"/>
-    </dgm:linClrLst>
-    <dgm:effectClrLst/>
-    <dgm:txLinClrLst/>
-    <dgm:txFillClrLst/>
-    <dgm:txEffectClrLst/>
-  </dgm:styleLbl>
-  <dgm:styleLbl name="parChTrans2D1">
-    <dgm:fillClrLst meth="repeat">
-      <a:schemeClr val="accent1">
-        <a:tint val="60000"/>
-      </a:schemeClr>
-    </dgm:fillClrLst>
-    <dgm:linClrLst meth="repeat">
-      <a:schemeClr val="accent1">
-        <a:tint val="60000"/>
-      </a:schemeClr>
-    </dgm:linClrLst>
-    <dgm:effectClrLst/>
-    <dgm:txLinClrLst/>
-    <dgm:txFillClrLst meth="repeat">
-      <a:schemeClr val="lt1"/>
-    </dgm:txFillClrLst>
-    <dgm:txEffectClrLst/>
-  </dgm:styleLbl>
-  <dgm:styleLbl name="parChTrans2D2">
-    <dgm:fillClrLst meth="repeat">
-      <a:schemeClr val="accent1"/>
-    </dgm:fillClrLst>
-    <dgm:linClrLst meth="repeat">
-      <a:schemeClr val="accent1"/>
-    </dgm:linClrLst>
-    <dgm:effectClrLst/>
-    <dgm:txLinClrLst/>
-    <dgm:txFillClrLst meth="repeat">
-      <a:schemeClr val="lt1"/>
-    </dgm:txFillClrLst>
-    <dgm:txEffectClrLst/>
-  </dgm:styleLbl>
-  <dgm:styleLbl name="parChTrans2D3">
-    <dgm:fillClrLst meth="repeat">
-      <a:schemeClr val="accent1"/>
-    </dgm:fillClrLst>
-    <dgm:linClrLst meth="repeat">
-      <a:schemeClr val="accent1"/>
-    </dgm:linClrLst>
-    <dgm:effectClrLst/>
-    <dgm:txLinClrLst/>
-    <dgm:txFillClrLst meth="repeat">
-      <a:schemeClr val="lt1"/>
-    </dgm:txFillClrLst>
-    <dgm:txEffectClrLst/>
-  </dgm:styleLbl>
-  <dgm:styleLbl name="parChTrans2D4">
-    <dgm:fillClrLst meth="repeat">
-      <a:schemeClr val="accent1"/>
-    </dgm:fillClrLst>
-    <dgm:linClrLst meth="repeat">
-      <a:schemeClr val="accent1"/>
-    </dgm:linClrLst>
-    <dgm:effectClrLst/>
-    <dgm:txLinClrLst/>
-    <dgm:txFillClrLst meth="repeat">
-      <a:schemeClr val="lt1"/>
-    </dgm:txFillClrLst>
-    <dgm:txEffectClrLst/>
-  </dgm:styleLbl>
-  <dgm:styleLbl name="parChTrans1D1">
-    <dgm:fillClrLst meth="repeat">
-      <a:schemeClr val="accent1"/>
-    </dgm:fillClrLst>
-    <dgm:linClrLst meth="repeat">
-      <a:schemeClr val="accent1">
-        <a:shade val="60000"/>
-      </a:schemeClr>
-    </dgm:linClrLst>
-    <dgm:effectClrLst/>
-    <dgm:txLinClrLst/>
-    <dgm:txFillClrLst meth="repeat">
-      <a:schemeClr val="tx1"/>
-    </dgm:txFillClrLst>
-    <dgm:txEffectClrLst/>
-  </dgm:styleLbl>
-  <dgm:styleLbl name="parChTrans1D2">
-    <dgm:fillClrLst meth="repeat">
-      <a:schemeClr val="accent1"/>
-    </dgm:fillClrLst>
-    <dgm:linClrLst meth="repeat">
-      <a:schemeClr val="accent1">
-        <a:shade val="60000"/>
-      </a:schemeClr>
-    </dgm:linClrLst>
-    <dgm:effectClrLst/>
-    <dgm:txLinClrLst/>
-    <dgm:txFillClrLst meth="repeat">
-      <a:schemeClr val="tx1"/>
-    </dgm:txFillClrLst>
-    <dgm:txEffectClrLst/>
-  </dgm:styleLbl>
-  <dgm:styleLbl name="parChTrans1D3">
-    <dgm:fillClrLst meth="repeat">
-      <a:schemeClr val="accent1"/>
-    </dgm:fillClrLst>
-    <dgm:linClrLst meth="repeat">
-      <a:schemeClr val="accent1">
-        <a:shade val="80000"/>
-      </a:schemeClr>
-    </dgm:linClrLst>
-    <dgm:effectClrLst/>
-    <dgm:txLinClrLst/>
-    <dgm:txFillClrLst meth="repeat">
-      <a:schemeClr val="tx1"/>
-    </dgm:txFillClrLst>
-    <dgm:txEffectClrLst/>
-  </dgm:styleLbl>
-  <dgm:styleLbl name="parChTrans1D4">
-    <dgm:fillClrLst meth="repeat">
-      <a:schemeClr val="accent1"/>
-    </dgm:fillClrLst>
-    <dgm:linClrLst meth="repeat">
-      <a:schemeClr val="accent1">
-        <a:shade val="80000"/>
-      </a:schemeClr>
-    </dgm:linClrLst>
-    <dgm:effectClrLst/>
-    <dgm:txLinClrLst/>
-    <dgm:txFillClrLst meth="repeat">
-      <a:schemeClr val="tx1"/>
-    </dgm:txFillClrLst>
-    <dgm:txEffectClrLst/>
-  </dgm:styleLbl>
-  <dgm:styleLbl name="fgAcc1">
-    <dgm:fillClrLst meth="repeat">
-      <a:schemeClr val="lt1">
-        <a:alpha val="90000"/>
-      </a:schemeClr>
-    </dgm:fillClrLst>
-    <dgm:linClrLst meth="repeat">
-      <a:schemeClr val="accent1"/>
-    </dgm:linClrLst>
-    <dgm:effectClrLst/>
-    <dgm:txLinClrLst/>
-    <dgm:txFillClrLst meth="repeat">
-      <a:schemeClr val="dk1"/>
-    </dgm:txFillClrLst>
-    <dgm:txEffectClrLst/>
-  </dgm:styleLbl>
-  <dgm:styleLbl name="conFgAcc1">
-    <dgm:fillClrLst meth="repeat">
-      <a:schemeClr val="lt1">
-        <a:alpha val="90000"/>
-      </a:schemeClr>
-    </dgm:fillClrLst>
-    <dgm:linClrLst meth="repeat">
-      <a:schemeClr val="accent1"/>
-    </dgm:linClrLst>
-    <dgm:effectClrLst/>
-    <dgm:txLinClrLst/>
-    <dgm:txFillClrLst meth="repeat">
-      <a:schemeClr val="dk1"/>
-    </dgm:txFillClrLst>
-    <dgm:txEffectClrLst/>
-  </dgm:styleLbl>
-  <dgm:styleLbl name="alignAcc1">
-    <dgm:fillClrLst meth="repeat">
-      <a:schemeClr val="lt1">
-        <a:alpha val="90000"/>
-      </a:schemeClr>
-    </dgm:fillClrLst>
-    <dgm:linClrLst meth="repeat">
-      <a:schemeClr val="accent1"/>
-    </dgm:linClrLst>
-    <dgm:effectClrLst/>
-    <dgm:txLinClrLst/>
-    <dgm:txFillClrLst meth="repeat">
-      <a:schemeClr val="dk1"/>
-    </dgm:txFillClrLst>
-    <dgm:txEffectClrLst/>
-  </dgm:styleLbl>
-  <dgm:styleLbl name="trAlignAcc1">
-    <dgm:fillClrLst meth="repeat">
-      <a:schemeClr val="lt1">
-        <a:alpha val="40000"/>
-      </a:schemeClr>
-    </dgm:fillClrLst>
-    <dgm:linClrLst meth="repeat">
-      <a:schemeClr val="accent1"/>
-    </dgm:linClrLst>
-    <dgm:effectClrLst/>
-    <dgm:txLinClrLst/>
-    <dgm:txFillClrLst meth="repeat">
-      <a:schemeClr val="dk1"/>
-    </dgm:txFillClrLst>
-    <dgm:txEffectClrLst/>
-  </dgm:styleLbl>
-  <dgm:styleLbl name="bgAcc1">
-    <dgm:fillClrLst meth="repeat">
-      <a:schemeClr val="lt1">
-        <a:alpha val="90000"/>
-      </a:schemeClr>
-    </dgm:fillClrLst>
-    <dgm:linClrLst meth="repeat">
-      <a:schemeClr val="accent1"/>
-    </dgm:linClrLst>
-    <dgm:effectClrLst/>
-    <dgm:txLinClrLst/>
-    <dgm:txFillClrLst meth="repeat">
-      <a:schemeClr val="dk1"/>
-    </dgm:txFillClrLst>
-    <dgm:txEffectClrLst/>
-  </dgm:styleLbl>
-  <dgm:styleLbl name="solidFgAcc1">
-    <dgm:fillClrLst meth="repeat">
-      <a:schemeClr val="lt1"/>
-    </dgm:fillClrLst>
-    <dgm:linClrLst meth="repeat">
-      <a:schemeClr val="accent1"/>
-    </dgm:linClrLst>
-    <dgm:effectClrLst/>
-    <dgm:txLinClrLst/>
-    <dgm:txFillClrLst meth="repeat">
-      <a:schemeClr val="dk1"/>
-    </dgm:txFillClrLst>
-    <dgm:txEffectClrLst/>
-  </dgm:styleLbl>
-  <dgm:styleLbl name="solidAlignAcc1">
-    <dgm:fillClrLst meth="repeat">
-      <a:schemeClr val="lt1"/>
-    </dgm:fillClrLst>
-    <dgm:linClrLst meth="repeat">
-      <a:schemeClr val="accent1"/>
-    </dgm:linClrLst>
-    <dgm:effectClrLst/>
-    <dgm:txLinClrLst/>
-    <dgm:txFillClrLst meth="repeat">
-      <a:schemeClr val="dk1"/>
-    </dgm:txFillClrLst>
-    <dgm:txEffectClrLst/>
-  </dgm:styleLbl>
-  <dgm:styleLbl name="solidBgAcc1">
-    <dgm:fillClrLst meth="repeat">
-      <a:schemeClr val="lt1"/>
-    </dgm:fillClrLst>
-    <dgm:linClrLst meth="repeat">
-      <a:schemeClr val="accent1"/>
-    </dgm:linClrLst>
-    <dgm:effectClrLst/>
-    <dgm:txLinClrLst/>
-    <dgm:txFillClrLst meth="repeat">
-      <a:schemeClr val="dk1"/>
-    </dgm:txFillClrLst>
-    <dgm:txEffectClrLst/>
-  </dgm:styleLbl>
-  <dgm:styleLbl name="fgAccFollowNode1">
-    <dgm:fillClrLst meth="repeat">
-      <a:schemeClr val="accent1">
-        <a:alpha val="90000"/>
-        <a:tint val="40000"/>
-      </a:schemeClr>
-    </dgm:fillClrLst>
-    <dgm:linClrLst meth="repeat">
-      <a:schemeClr val="accent1">
-        <a:alpha val="90000"/>
-        <a:tint val="40000"/>
-      </a:schemeClr>
-    </dgm:linClrLst>
-    <dgm:effectClrLst/>
-    <dgm:txLinClrLst/>
-    <dgm:txFillClrLst meth="repeat">
-      <a:schemeClr val="dk1"/>
-    </dgm:txFillClrLst>
-    <dgm:txEffectClrLst/>
-  </dgm:styleLbl>
-  <dgm:styleLbl name="alignAccFollowNode1">
-    <dgm:fillClrLst meth="repeat">
-      <a:schemeClr val="accent1">
-        <a:alpha val="90000"/>
-        <a:tint val="40000"/>
-      </a:schemeClr>
-    </dgm:fillClrLst>
-    <dgm:linClrLst meth="repeat">
-      <a:schemeClr val="accent1">
-        <a:alpha val="90000"/>
-        <a:tint val="40000"/>
-      </a:schemeClr>
-    </dgm:linClrLst>
-    <dgm:effectClrLst/>
-    <dgm:txLinClrLst/>
-    <dgm:txFillClrLst meth="repeat">
-      <a:schemeClr val="dk1"/>
-    </dgm:txFillClrLst>
-    <dgm:txEffectClrLst/>
-  </dgm:styleLbl>
-  <dgm:styleLbl name="bgAccFollowNode1">
-    <dgm:fillClrLst meth="repeat">
-      <a:schemeClr val="accent1">
-        <a:alpha val="90000"/>
-        <a:tint val="40000"/>
-      </a:schemeClr>
-    </dgm:fillClrLst>
-    <dgm:linClrLst meth="repeat">
-      <a:schemeClr val="accent1">
-        <a:alpha val="90000"/>
-        <a:tint val="40000"/>
-      </a:schemeClr>
-    </dgm:linClrLst>
-    <dgm:effectClrLst/>
-    <dgm:txLinClrLst/>
-    <dgm:txFillClrLst meth="repeat">
-      <a:schemeClr val="dk1"/>
-    </dgm:txFillClrLst>
-    <dgm:txEffectClrLst/>
-  </dgm:styleLbl>
-  <dgm:styleLbl name="fgAcc0">
-    <dgm:fillClrLst meth="repeat">
-      <a:schemeClr val="lt1">
-        <a:alpha val="90000"/>
-      </a:schemeClr>
-    </dgm:fillClrLst>
-    <dgm:linClrLst meth="repeat">
-      <a:schemeClr val="accent1"/>
-    </dgm:linClrLst>
-    <dgm:effectClrLst/>
-    <dgm:txLinClrLst/>
-    <dgm:txFillClrLst meth="repeat">
-      <a:schemeClr val="dk1"/>
-    </dgm:txFillClrLst>
-    <dgm:txEffectClrLst/>
-  </dgm:styleLbl>
-  <dgm:styleLbl name="fgAcc2">
-    <dgm:fillClrLst meth="repeat">
-      <a:schemeClr val="lt1">
-        <a:alpha val="90000"/>
-      </a:schemeClr>
-    </dgm:fillClrLst>
-    <dgm:linClrLst meth="repeat">
-      <a:schemeClr val="accent1"/>
-    </dgm:linClrLst>
-    <dgm:effectClrLst/>
-    <dgm:txLinClrLst/>
-    <dgm:txFillClrLst meth="repeat">
-      <a:schemeClr val="dk1"/>
-    </dgm:txFillClrLst>
-    <dgm:txEffectClrLst/>
-  </dgm:styleLbl>
-  <dgm:styleLbl name="fgAcc3">
-    <dgm:fillClrLst meth="repeat">
-      <a:schemeClr val="lt1">
-        <a:alpha val="90000"/>
-      </a:schemeClr>
-    </dgm:fillClrLst>
-    <dgm:linClrLst meth="repeat">
-      <a:schemeClr val="accent1"/>
-    </dgm:linClrLst>
-    <dgm:effectClrLst/>
-    <dgm:txLinClrLst/>
-    <dgm:txFillClrLst meth="repeat">
-      <a:schemeClr val="dk1"/>
-    </dgm:txFillClrLst>
-    <dgm:txEffectClrLst/>
-  </dgm:styleLbl>
-  <dgm:styleLbl name="fgAcc4">
-    <dgm:fillClrLst meth="repeat">
-      <a:schemeClr val="lt1">
-        <a:alpha val="90000"/>
-      </a:schemeClr>
-    </dgm:fillClrLst>
-    <dgm:linClrLst meth="repeat">
-      <a:schemeClr val="accent1"/>
-    </dgm:linClrLst>
-    <dgm:effectClrLst/>
-    <dgm:txLinClrLst/>
-    <dgm:txFillClrLst meth="repeat">
-      <a:schemeClr val="dk1"/>
-    </dgm:txFillClrLst>
-    <dgm:txEffectClrLst/>
-  </dgm:styleLbl>
-  <dgm:styleLbl name="bgShp">
-    <dgm:fillClrLst meth="repeat">
-      <a:schemeClr val="accent1">
-        <a:tint val="40000"/>
-      </a:schemeClr>
-    </dgm:fillClrLst>
-    <dgm:linClrLst meth="repeat">
-      <a:schemeClr val="accent1"/>
-    </dgm:linClrLst>
-    <dgm:effectClrLst/>
-    <dgm:txLinClrLst/>
-    <dgm:txFillClrLst meth="repeat">
-      <a:schemeClr val="dk1"/>
-    </dgm:txFillClrLst>
-    <dgm:txEffectClrLst/>
-  </dgm:styleLbl>
-  <dgm:styleLbl name="dkBgShp">
-    <dgm:fillClrLst meth="repeat">
-      <a:schemeClr val="accent1">
-        <a:shade val="80000"/>
-      </a:schemeClr>
-    </dgm:fillClrLst>
-    <dgm:linClrLst meth="repeat">
-      <a:schemeClr val="accent1"/>
-    </dgm:linClrLst>
-    <dgm:effectClrLst/>
-    <dgm:txLinClrLst/>
-    <dgm:txFillClrLst meth="repeat">
-      <a:schemeClr val="lt1"/>
-    </dgm:txFillClrLst>
-    <dgm:txEffectClrLst/>
-  </dgm:styleLbl>
-  <dgm:styleLbl name="trBgShp">
-    <dgm:fillClrLst meth="repeat">
-      <a:schemeClr val="accent1">
-        <a:tint val="50000"/>
-        <a:alpha val="40000"/>
-      </a:schemeClr>
-    </dgm:fillClrLst>
-    <dgm:linClrLst meth="repeat">
-      <a:schemeClr val="accent1"/>
-    </dgm:linClrLst>
-    <dgm:effectClrLst/>
-    <dgm:txLinClrLst/>
-    <dgm:txFillClrLst meth="repeat">
-      <a:schemeClr val="lt1"/>
-    </dgm:txFillClrLst>
-    <dgm:txEffectClrLst/>
-  </dgm:styleLbl>
-  <dgm:styleLbl name="fgShp">
-    <dgm:fillClrLst meth="repeat">
-      <a:schemeClr val="accent1">
-        <a:tint val="60000"/>
-      </a:schemeClr>
-    </dgm:fillClrLst>
-    <dgm:linClrLst meth="repeat">
-      <a:schemeClr val="lt1"/>
-    </dgm:linClrLst>
-    <dgm:effectClrLst/>
-    <dgm:txLinClrLst/>
-    <dgm:txFillClrLst meth="repeat">
-      <a:schemeClr val="dk1"/>
-    </dgm:txFillClrLst>
-    <dgm:txEffectClrLst/>
-  </dgm:styleLbl>
-  <dgm:styleLbl name="revTx">
-    <dgm:fillClrLst meth="repeat">
-      <a:schemeClr val="lt1">
-        <a:alpha val="0"/>
-      </a:schemeClr>
-    </dgm:fillClrLst>
-    <dgm:linClrLst meth="repeat">
-      <a:schemeClr val="dk1">
-        <a:alpha val="0"/>
-      </a:schemeClr>
-    </dgm:linClrLst>
-    <dgm:effectClrLst/>
-    <dgm:txLinClrLst/>
-    <dgm:txFillClrLst meth="repeat">
-      <a:schemeClr val="tx1"/>
-    </dgm:txFillClrLst>
-    <dgm:txEffectClrLst/>
-  </dgm:styleLbl>
-</dgm:colorsDef>
-</file>
-
 <file path=ppt/diagrams/data1.xml><?xml version="1.0" encoding="utf-8"?>
 <dgm:dataModel xmlns:dgm="http://schemas.openxmlformats.org/drawingml/2006/diagram" xmlns:a="http://schemas.openxmlformats.org/drawingml/2006/main">
   <dgm:ptLst>
@@ -2094,307 +1345,6 @@
     <dgm:cxn modelId="{03ACFAE2-F947-B144-B788-AB34987CABE5}" type="presParOf" srcId="{7FE310FB-DB64-B14C-8E9C-EF6543436C0A}" destId="{C0851E2E-DA18-394B-A093-F1C7406A2B36}" srcOrd="9" destOrd="0" presId="urn:microsoft.com/office/officeart/2016/7/layout/RepeatingBendingProcessNew"/>
     <dgm:cxn modelId="{4D77E74D-7652-8C45-81D5-3CC2BB9900E4}" type="presParOf" srcId="{C0851E2E-DA18-394B-A093-F1C7406A2B36}" destId="{7ED985E8-6EB8-0648-976D-F25F9C5BE848}" srcOrd="0" destOrd="0" presId="urn:microsoft.com/office/officeart/2016/7/layout/RepeatingBendingProcessNew"/>
     <dgm:cxn modelId="{EA170070-6C3F-3D43-95B6-4B28B9B6B396}" type="presParOf" srcId="{7FE310FB-DB64-B14C-8E9C-EF6543436C0A}" destId="{22E97A90-0766-144C-9045-E6A092D5D2DA}" srcOrd="10" destOrd="0" presId="urn:microsoft.com/office/officeart/2016/7/layout/RepeatingBendingProcessNew"/>
-  </dgm:cxnLst>
-  <dgm:bg/>
-  <dgm:whole/>
-  <dgm:extLst>
-    <a:ext uri="http://schemas.microsoft.com/office/drawing/2008/diagram">
-      <dsp:dataModelExt xmlns:dsp="http://schemas.microsoft.com/office/drawing/2008/diagram" relId="rId6" minVer="http://schemas.openxmlformats.org/drawingml/2006/diagram"/>
-    </a:ext>
-  </dgm:extLst>
-</dgm:dataModel>
-</file>
-
-<file path=ppt/diagrams/data2.xml><?xml version="1.0" encoding="utf-8"?>
-<dgm:dataModel xmlns:dgm="http://schemas.openxmlformats.org/drawingml/2006/diagram" xmlns:a="http://schemas.openxmlformats.org/drawingml/2006/main">
-  <dgm:ptLst>
-    <dgm:pt modelId="{A9F720D1-138C-7349-ABAC-EECC5D89F3AE}" type="doc">
-      <dgm:prSet loTypeId="urn:microsoft.com/office/officeart/2005/8/layout/process1" loCatId="" qsTypeId="urn:microsoft.com/office/officeart/2005/8/quickstyle/simple1" qsCatId="simple" csTypeId="urn:microsoft.com/office/officeart/2005/8/colors/accent1_2" csCatId="accent1" phldr="1"/>
-      <dgm:spPr/>
-    </dgm:pt>
-    <dgm:pt modelId="{E5E2D958-B9AC-BB4D-8669-3C1E563F3D51}">
-      <dgm:prSet/>
-      <dgm:spPr>
-        <a:solidFill>
-          <a:schemeClr val="accent2">
-            <a:lumMod val="60000"/>
-            <a:lumOff val="40000"/>
-          </a:schemeClr>
-        </a:solidFill>
-      </dgm:spPr>
-      <dgm:t>
-        <a:bodyPr/>
-        <a:lstStyle/>
-        <a:p>
-          <a:r>
-            <a:rPr lang="en-US"/>
-            <a:t>Linear Regression</a:t>
-          </a:r>
-          <a:endParaRPr lang="en-GB" dirty="0"/>
-        </a:p>
-      </dgm:t>
-    </dgm:pt>
-    <dgm:pt modelId="{6C2D021A-3A03-8240-957B-8271714DF0DF}" type="parTrans" cxnId="{C4EAE2D0-ED35-114E-B891-AD4D13123FD5}">
-      <dgm:prSet/>
-      <dgm:spPr/>
-      <dgm:t>
-        <a:bodyPr/>
-        <a:lstStyle/>
-        <a:p>
-          <a:endParaRPr lang="en-GB"/>
-        </a:p>
-      </dgm:t>
-    </dgm:pt>
-    <dgm:pt modelId="{5F229188-CA87-424B-A955-B8167AC167B2}" type="sibTrans" cxnId="{C4EAE2D0-ED35-114E-B891-AD4D13123FD5}">
-      <dgm:prSet/>
-      <dgm:spPr>
-        <a:solidFill>
-          <a:schemeClr val="accent4">
-            <a:lumMod val="75000"/>
-          </a:schemeClr>
-        </a:solidFill>
-      </dgm:spPr>
-      <dgm:t>
-        <a:bodyPr/>
-        <a:lstStyle/>
-        <a:p>
-          <a:endParaRPr lang="en-GB"/>
-        </a:p>
-      </dgm:t>
-    </dgm:pt>
-    <dgm:pt modelId="{318DF580-A53E-A446-AD69-9FD2786DC86B}">
-      <dgm:prSet/>
-      <dgm:spPr>
-        <a:solidFill>
-          <a:schemeClr val="accent2">
-            <a:lumMod val="60000"/>
-            <a:lumOff val="40000"/>
-          </a:schemeClr>
-        </a:solidFill>
-      </dgm:spPr>
-      <dgm:t>
-        <a:bodyPr/>
-        <a:lstStyle/>
-        <a:p>
-          <a:r>
-            <a:rPr lang="en-US" dirty="0"/>
-            <a:t>Additional of New Data sets related to Race, Age, and Gender.</a:t>
-          </a:r>
-        </a:p>
-      </dgm:t>
-    </dgm:pt>
-    <dgm:pt modelId="{B8F489B8-FB92-7B4C-AC93-AADF07E2E33F}" type="parTrans" cxnId="{4531A701-3A53-744A-A4D9-B52816FA74E6}">
-      <dgm:prSet/>
-      <dgm:spPr/>
-      <dgm:t>
-        <a:bodyPr/>
-        <a:lstStyle/>
-        <a:p>
-          <a:endParaRPr lang="en-GB"/>
-        </a:p>
-      </dgm:t>
-    </dgm:pt>
-    <dgm:pt modelId="{0649CC4D-6B5B-2E45-A6F4-4A6FAEF29FBD}" type="sibTrans" cxnId="{4531A701-3A53-744A-A4D9-B52816FA74E6}">
-      <dgm:prSet/>
-      <dgm:spPr>
-        <a:solidFill>
-          <a:schemeClr val="accent4">
-            <a:lumMod val="75000"/>
-          </a:schemeClr>
-        </a:solidFill>
-      </dgm:spPr>
-      <dgm:t>
-        <a:bodyPr/>
-        <a:lstStyle/>
-        <a:p>
-          <a:endParaRPr lang="en-GB"/>
-        </a:p>
-      </dgm:t>
-    </dgm:pt>
-    <dgm:pt modelId="{30B53938-C724-1C4D-B7E6-EEEA4E23F3A9}">
-      <dgm:prSet/>
-      <dgm:spPr>
-        <a:solidFill>
-          <a:schemeClr val="accent2">
-            <a:lumMod val="60000"/>
-            <a:lumOff val="40000"/>
-          </a:schemeClr>
-        </a:solidFill>
-      </dgm:spPr>
-      <dgm:t>
-        <a:bodyPr/>
-        <a:lstStyle/>
-        <a:p>
-          <a:r>
-            <a:rPr lang="en-US" dirty="0"/>
-            <a:t>Stepwise Selection Method (Bidirectional)</a:t>
-          </a:r>
-        </a:p>
-      </dgm:t>
-    </dgm:pt>
-    <dgm:pt modelId="{A41529CD-7D1F-4143-BFF6-5F071B2C0B7B}" type="parTrans" cxnId="{F643772B-85A3-7048-BFB9-6BFF54B8D5EF}">
-      <dgm:prSet/>
-      <dgm:spPr/>
-      <dgm:t>
-        <a:bodyPr/>
-        <a:lstStyle/>
-        <a:p>
-          <a:endParaRPr lang="en-GB"/>
-        </a:p>
-      </dgm:t>
-    </dgm:pt>
-    <dgm:pt modelId="{8F5AE8B4-C170-584B-9BC2-912C6BC8D29D}" type="sibTrans" cxnId="{F643772B-85A3-7048-BFB9-6BFF54B8D5EF}">
-      <dgm:prSet/>
-      <dgm:spPr>
-        <a:solidFill>
-          <a:schemeClr val="accent4">
-            <a:lumMod val="75000"/>
-          </a:schemeClr>
-        </a:solidFill>
-      </dgm:spPr>
-      <dgm:t>
-        <a:bodyPr/>
-        <a:lstStyle/>
-        <a:p>
-          <a:endParaRPr lang="en-GB"/>
-        </a:p>
-      </dgm:t>
-    </dgm:pt>
-    <dgm:pt modelId="{8D1900ED-CE20-AC4E-B065-D423A659A485}">
-      <dgm:prSet/>
-      <dgm:spPr>
-        <a:solidFill>
-          <a:schemeClr val="accent2">
-            <a:lumMod val="60000"/>
-            <a:lumOff val="40000"/>
-          </a:schemeClr>
-        </a:solidFill>
-      </dgm:spPr>
-      <dgm:t>
-        <a:bodyPr/>
-        <a:lstStyle/>
-        <a:p>
-          <a:r>
-            <a:rPr lang="en-US" dirty="0"/>
-            <a:t>Final Linear Regression</a:t>
-          </a:r>
-        </a:p>
-      </dgm:t>
-    </dgm:pt>
-    <dgm:pt modelId="{D3D4BFC2-70F9-F643-B210-C4641C99282E}" type="parTrans" cxnId="{EA7A530B-C593-FE4F-A8FE-7456CCA5E346}">
-      <dgm:prSet/>
-      <dgm:spPr/>
-      <dgm:t>
-        <a:bodyPr/>
-        <a:lstStyle/>
-        <a:p>
-          <a:endParaRPr lang="en-GB"/>
-        </a:p>
-      </dgm:t>
-    </dgm:pt>
-    <dgm:pt modelId="{CCFA7910-FE09-A44F-93C5-46E15668F4F4}" type="sibTrans" cxnId="{EA7A530B-C593-FE4F-A8FE-7456CCA5E346}">
-      <dgm:prSet/>
-      <dgm:spPr/>
-      <dgm:t>
-        <a:bodyPr/>
-        <a:lstStyle/>
-        <a:p>
-          <a:endParaRPr lang="en-GB"/>
-        </a:p>
-      </dgm:t>
-    </dgm:pt>
-    <dgm:pt modelId="{47910EFD-43E8-C140-A4E8-09E313D1B014}" type="pres">
-      <dgm:prSet presAssocID="{A9F720D1-138C-7349-ABAC-EECC5D89F3AE}" presName="Name0" presStyleCnt="0">
-        <dgm:presLayoutVars>
-          <dgm:dir/>
-          <dgm:resizeHandles val="exact"/>
-        </dgm:presLayoutVars>
-      </dgm:prSet>
-      <dgm:spPr/>
-    </dgm:pt>
-    <dgm:pt modelId="{7E6D9F28-BD9A-114C-B2BD-D6AC5AB84821}" type="pres">
-      <dgm:prSet presAssocID="{E5E2D958-B9AC-BB4D-8669-3C1E563F3D51}" presName="node" presStyleLbl="node1" presStyleIdx="0" presStyleCnt="4" custLinFactY="-2014" custLinFactNeighborX="-572" custLinFactNeighborY="-100000">
-        <dgm:presLayoutVars>
-          <dgm:bulletEnabled val="1"/>
-        </dgm:presLayoutVars>
-      </dgm:prSet>
-      <dgm:spPr/>
-    </dgm:pt>
-    <dgm:pt modelId="{E3AE2101-2013-3B4D-8C95-69A6DB1AEEC7}" type="pres">
-      <dgm:prSet presAssocID="{5F229188-CA87-424B-A955-B8167AC167B2}" presName="sibTrans" presStyleLbl="sibTrans2D1" presStyleIdx="0" presStyleCnt="3"/>
-      <dgm:spPr/>
-    </dgm:pt>
-    <dgm:pt modelId="{22C6E0BD-5AE1-DC46-91B0-B8A940490BF7}" type="pres">
-      <dgm:prSet presAssocID="{5F229188-CA87-424B-A955-B8167AC167B2}" presName="connectorText" presStyleLbl="sibTrans2D1" presStyleIdx="0" presStyleCnt="3"/>
-      <dgm:spPr/>
-    </dgm:pt>
-    <dgm:pt modelId="{5AA5027B-5E9B-4247-AD0F-DC2BD7C7E6A8}" type="pres">
-      <dgm:prSet presAssocID="{318DF580-A53E-A446-AD69-9FD2786DC86B}" presName="node" presStyleLbl="node1" presStyleIdx="1" presStyleCnt="4" custLinFactNeighborX="-1191" custLinFactNeighborY="-29289">
-        <dgm:presLayoutVars>
-          <dgm:bulletEnabled val="1"/>
-        </dgm:presLayoutVars>
-      </dgm:prSet>
-      <dgm:spPr/>
-    </dgm:pt>
-    <dgm:pt modelId="{D67B162D-A2DC-0A48-8936-87F540208C24}" type="pres">
-      <dgm:prSet presAssocID="{0649CC4D-6B5B-2E45-A6F4-4A6FAEF29FBD}" presName="sibTrans" presStyleLbl="sibTrans2D1" presStyleIdx="1" presStyleCnt="3"/>
-      <dgm:spPr/>
-    </dgm:pt>
-    <dgm:pt modelId="{6BC26A07-991F-384C-8699-F8AD577E0B41}" type="pres">
-      <dgm:prSet presAssocID="{0649CC4D-6B5B-2E45-A6F4-4A6FAEF29FBD}" presName="connectorText" presStyleLbl="sibTrans2D1" presStyleIdx="1" presStyleCnt="3"/>
-      <dgm:spPr/>
-    </dgm:pt>
-    <dgm:pt modelId="{DC3034D1-DC66-F941-A8C2-197800E8392C}" type="pres">
-      <dgm:prSet presAssocID="{30B53938-C724-1C4D-B7E6-EEEA4E23F3A9}" presName="node" presStyleLbl="node1" presStyleIdx="2" presStyleCnt="4" custLinFactNeighborX="-1809" custLinFactNeighborY="20390">
-        <dgm:presLayoutVars>
-          <dgm:bulletEnabled val="1"/>
-        </dgm:presLayoutVars>
-      </dgm:prSet>
-      <dgm:spPr/>
-    </dgm:pt>
-    <dgm:pt modelId="{E75C3460-DC4C-E54D-90CE-923DAC2A60DB}" type="pres">
-      <dgm:prSet presAssocID="{8F5AE8B4-C170-584B-9BC2-912C6BC8D29D}" presName="sibTrans" presStyleLbl="sibTrans2D1" presStyleIdx="2" presStyleCnt="3"/>
-      <dgm:spPr/>
-    </dgm:pt>
-    <dgm:pt modelId="{F11735E8-1BBA-474A-8779-E6AA948F2C97}" type="pres">
-      <dgm:prSet presAssocID="{8F5AE8B4-C170-584B-9BC2-912C6BC8D29D}" presName="connectorText" presStyleLbl="sibTrans2D1" presStyleIdx="2" presStyleCnt="3"/>
-      <dgm:spPr/>
-    </dgm:pt>
-    <dgm:pt modelId="{4B393AB1-720C-6047-99F5-CCC63FA4408C}" type="pres">
-      <dgm:prSet presAssocID="{8D1900ED-CE20-AC4E-B065-D423A659A485}" presName="node" presStyleLbl="node1" presStyleIdx="3" presStyleCnt="4" custLinFactNeighborX="1325" custLinFactNeighborY="95482">
-        <dgm:presLayoutVars>
-          <dgm:bulletEnabled val="1"/>
-        </dgm:presLayoutVars>
-      </dgm:prSet>
-      <dgm:spPr/>
-    </dgm:pt>
-  </dgm:ptLst>
-  <dgm:cxnLst>
-    <dgm:cxn modelId="{4531A701-3A53-744A-A4D9-B52816FA74E6}" srcId="{A9F720D1-138C-7349-ABAC-EECC5D89F3AE}" destId="{318DF580-A53E-A446-AD69-9FD2786DC86B}" srcOrd="1" destOrd="0" parTransId="{B8F489B8-FB92-7B4C-AC93-AADF07E2E33F}" sibTransId="{0649CC4D-6B5B-2E45-A6F4-4A6FAEF29FBD}"/>
-    <dgm:cxn modelId="{EA7A530B-C593-FE4F-A8FE-7456CCA5E346}" srcId="{A9F720D1-138C-7349-ABAC-EECC5D89F3AE}" destId="{8D1900ED-CE20-AC4E-B065-D423A659A485}" srcOrd="3" destOrd="0" parTransId="{D3D4BFC2-70F9-F643-B210-C4641C99282E}" sibTransId="{CCFA7910-FE09-A44F-93C5-46E15668F4F4}"/>
-    <dgm:cxn modelId="{959EAB27-2BD3-864E-A413-3C3140DAA379}" type="presOf" srcId="{E5E2D958-B9AC-BB4D-8669-3C1E563F3D51}" destId="{7E6D9F28-BD9A-114C-B2BD-D6AC5AB84821}" srcOrd="0" destOrd="0" presId="urn:microsoft.com/office/officeart/2005/8/layout/process1"/>
-    <dgm:cxn modelId="{BA761A29-0D0E-BE42-A528-DDB0A92123D9}" type="presOf" srcId="{8D1900ED-CE20-AC4E-B065-D423A659A485}" destId="{4B393AB1-720C-6047-99F5-CCC63FA4408C}" srcOrd="0" destOrd="0" presId="urn:microsoft.com/office/officeart/2005/8/layout/process1"/>
-    <dgm:cxn modelId="{F643772B-85A3-7048-BFB9-6BFF54B8D5EF}" srcId="{A9F720D1-138C-7349-ABAC-EECC5D89F3AE}" destId="{30B53938-C724-1C4D-B7E6-EEEA4E23F3A9}" srcOrd="2" destOrd="0" parTransId="{A41529CD-7D1F-4143-BFF6-5F071B2C0B7B}" sibTransId="{8F5AE8B4-C170-584B-9BC2-912C6BC8D29D}"/>
-    <dgm:cxn modelId="{5A08F12F-6C9F-7443-B4C9-F9A3E98ED1FF}" type="presOf" srcId="{0649CC4D-6B5B-2E45-A6F4-4A6FAEF29FBD}" destId="{D67B162D-A2DC-0A48-8936-87F540208C24}" srcOrd="0" destOrd="0" presId="urn:microsoft.com/office/officeart/2005/8/layout/process1"/>
-    <dgm:cxn modelId="{A4E40235-D4A8-594F-9757-91D17BE6D923}" type="presOf" srcId="{30B53938-C724-1C4D-B7E6-EEEA4E23F3A9}" destId="{DC3034D1-DC66-F941-A8C2-197800E8392C}" srcOrd="0" destOrd="0" presId="urn:microsoft.com/office/officeart/2005/8/layout/process1"/>
-    <dgm:cxn modelId="{98745E59-9A13-7F45-AC64-A767FB98063E}" type="presOf" srcId="{A9F720D1-138C-7349-ABAC-EECC5D89F3AE}" destId="{47910EFD-43E8-C140-A4E8-09E313D1B014}" srcOrd="0" destOrd="0" presId="urn:microsoft.com/office/officeart/2005/8/layout/process1"/>
-    <dgm:cxn modelId="{AB99EF95-E885-9A4F-8681-8BEBF380CF43}" type="presOf" srcId="{8F5AE8B4-C170-584B-9BC2-912C6BC8D29D}" destId="{E75C3460-DC4C-E54D-90CE-923DAC2A60DB}" srcOrd="0" destOrd="0" presId="urn:microsoft.com/office/officeart/2005/8/layout/process1"/>
-    <dgm:cxn modelId="{C3F63E9E-A15F-3045-AF5E-E28B3906047E}" type="presOf" srcId="{0649CC4D-6B5B-2E45-A6F4-4A6FAEF29FBD}" destId="{6BC26A07-991F-384C-8699-F8AD577E0B41}" srcOrd="1" destOrd="0" presId="urn:microsoft.com/office/officeart/2005/8/layout/process1"/>
-    <dgm:cxn modelId="{55AEEAA8-4E84-4446-A718-88C642940D1F}" type="presOf" srcId="{5F229188-CA87-424B-A955-B8167AC167B2}" destId="{22C6E0BD-5AE1-DC46-91B0-B8A940490BF7}" srcOrd="1" destOrd="0" presId="urn:microsoft.com/office/officeart/2005/8/layout/process1"/>
-    <dgm:cxn modelId="{434E10C3-C18E-3F4B-84E0-48E79F57C477}" type="presOf" srcId="{8F5AE8B4-C170-584B-9BC2-912C6BC8D29D}" destId="{F11735E8-1BBA-474A-8779-E6AA948F2C97}" srcOrd="1" destOrd="0" presId="urn:microsoft.com/office/officeart/2005/8/layout/process1"/>
-    <dgm:cxn modelId="{5850A7C3-D526-664F-A244-D5A61E69374D}" type="presOf" srcId="{318DF580-A53E-A446-AD69-9FD2786DC86B}" destId="{5AA5027B-5E9B-4247-AD0F-DC2BD7C7E6A8}" srcOrd="0" destOrd="0" presId="urn:microsoft.com/office/officeart/2005/8/layout/process1"/>
-    <dgm:cxn modelId="{C4EAE2D0-ED35-114E-B891-AD4D13123FD5}" srcId="{A9F720D1-138C-7349-ABAC-EECC5D89F3AE}" destId="{E5E2D958-B9AC-BB4D-8669-3C1E563F3D51}" srcOrd="0" destOrd="0" parTransId="{6C2D021A-3A03-8240-957B-8271714DF0DF}" sibTransId="{5F229188-CA87-424B-A955-B8167AC167B2}"/>
-    <dgm:cxn modelId="{BB6F04F4-02D6-5D47-8D28-92B1C6F4C6DB}" type="presOf" srcId="{5F229188-CA87-424B-A955-B8167AC167B2}" destId="{E3AE2101-2013-3B4D-8C95-69A6DB1AEEC7}" srcOrd="0" destOrd="0" presId="urn:microsoft.com/office/officeart/2005/8/layout/process1"/>
-    <dgm:cxn modelId="{9CA3775B-4F87-BC48-AA6E-C0B63E835586}" type="presParOf" srcId="{47910EFD-43E8-C140-A4E8-09E313D1B014}" destId="{7E6D9F28-BD9A-114C-B2BD-D6AC5AB84821}" srcOrd="0" destOrd="0" presId="urn:microsoft.com/office/officeart/2005/8/layout/process1"/>
-    <dgm:cxn modelId="{772603F3-A90A-F440-89CD-B74A80F3B86E}" type="presParOf" srcId="{47910EFD-43E8-C140-A4E8-09E313D1B014}" destId="{E3AE2101-2013-3B4D-8C95-69A6DB1AEEC7}" srcOrd="1" destOrd="0" presId="urn:microsoft.com/office/officeart/2005/8/layout/process1"/>
-    <dgm:cxn modelId="{7F75C51D-6D6C-6A41-8F6C-81D3930A8E3E}" type="presParOf" srcId="{E3AE2101-2013-3B4D-8C95-69A6DB1AEEC7}" destId="{22C6E0BD-5AE1-DC46-91B0-B8A940490BF7}" srcOrd="0" destOrd="0" presId="urn:microsoft.com/office/officeart/2005/8/layout/process1"/>
-    <dgm:cxn modelId="{E116AF75-09DE-1F45-BA10-D451E122558A}" type="presParOf" srcId="{47910EFD-43E8-C140-A4E8-09E313D1B014}" destId="{5AA5027B-5E9B-4247-AD0F-DC2BD7C7E6A8}" srcOrd="2" destOrd="0" presId="urn:microsoft.com/office/officeart/2005/8/layout/process1"/>
-    <dgm:cxn modelId="{F532C8C2-46DF-CF48-8221-3C7975022910}" type="presParOf" srcId="{47910EFD-43E8-C140-A4E8-09E313D1B014}" destId="{D67B162D-A2DC-0A48-8936-87F540208C24}" srcOrd="3" destOrd="0" presId="urn:microsoft.com/office/officeart/2005/8/layout/process1"/>
-    <dgm:cxn modelId="{72DD1468-9116-664B-B9F6-5A1B2422FCC7}" type="presParOf" srcId="{D67B162D-A2DC-0A48-8936-87F540208C24}" destId="{6BC26A07-991F-384C-8699-F8AD577E0B41}" srcOrd="0" destOrd="0" presId="urn:microsoft.com/office/officeart/2005/8/layout/process1"/>
-    <dgm:cxn modelId="{B3315F1B-95AC-564F-AD92-544F625F2D3E}" type="presParOf" srcId="{47910EFD-43E8-C140-A4E8-09E313D1B014}" destId="{DC3034D1-DC66-F941-A8C2-197800E8392C}" srcOrd="4" destOrd="0" presId="urn:microsoft.com/office/officeart/2005/8/layout/process1"/>
-    <dgm:cxn modelId="{87A2E833-1C7B-FC47-8C2C-BEF3887224FE}" type="presParOf" srcId="{47910EFD-43E8-C140-A4E8-09E313D1B014}" destId="{E75C3460-DC4C-E54D-90CE-923DAC2A60DB}" srcOrd="5" destOrd="0" presId="urn:microsoft.com/office/officeart/2005/8/layout/process1"/>
-    <dgm:cxn modelId="{06F57C12-617D-EF48-B275-1D2D047C0320}" type="presParOf" srcId="{E75C3460-DC4C-E54D-90CE-923DAC2A60DB}" destId="{F11735E8-1BBA-474A-8779-E6AA948F2C97}" srcOrd="0" destOrd="0" presId="urn:microsoft.com/office/officeart/2005/8/layout/process1"/>
-    <dgm:cxn modelId="{86C8F9F1-69E5-9446-AC7E-9074D364157D}" type="presParOf" srcId="{47910EFD-43E8-C140-A4E8-09E313D1B014}" destId="{4B393AB1-720C-6047-99F5-CCC63FA4408C}" srcOrd="6" destOrd="0" presId="urn:microsoft.com/office/officeart/2005/8/layout/process1"/>
   </dgm:cxnLst>
   <dgm:bg/>
   <dgm:whole/>
@@ -3358,525 +2308,6 @@
 </dsp:drawing>
 </file>
 
-<file path=ppt/diagrams/drawing2.xml><?xml version="1.0" encoding="utf-8"?>
-<dsp:drawing xmlns:dgm="http://schemas.openxmlformats.org/drawingml/2006/diagram" xmlns:dsp="http://schemas.microsoft.com/office/drawing/2008/diagram" xmlns:a="http://schemas.openxmlformats.org/drawingml/2006/main">
-  <dsp:spTree>
-    <dsp:nvGrpSpPr>
-      <dsp:cNvPr id="0" name=""/>
-      <dsp:cNvGrpSpPr/>
-    </dsp:nvGrpSpPr>
-    <dsp:grpSpPr/>
-    <dsp:sp modelId="{7E6D9F28-BD9A-114C-B2BD-D6AC5AB84821}">
-      <dsp:nvSpPr>
-        <dsp:cNvPr id="0" name=""/>
-        <dsp:cNvSpPr/>
-      </dsp:nvSpPr>
-      <dsp:spPr>
-        <a:xfrm>
-          <a:off x="0" y="9529"/>
-          <a:ext cx="1581224" cy="1482397"/>
-        </a:xfrm>
-        <a:prstGeom prst="roundRect">
-          <a:avLst>
-            <a:gd name="adj" fmla="val 10000"/>
-          </a:avLst>
-        </a:prstGeom>
-        <a:solidFill>
-          <a:schemeClr val="accent2">
-            <a:lumMod val="60000"/>
-            <a:lumOff val="40000"/>
-          </a:schemeClr>
-        </a:solidFill>
-        <a:ln w="25400" cap="flat" cmpd="sng" algn="ctr">
-          <a:solidFill>
-            <a:schemeClr val="lt1">
-              <a:hueOff val="0"/>
-              <a:satOff val="0"/>
-              <a:lumOff val="0"/>
-              <a:alphaOff val="0"/>
-            </a:schemeClr>
-          </a:solidFill>
-          <a:prstDash val="solid"/>
-        </a:ln>
-        <a:effectLst/>
-      </dsp:spPr>
-      <dsp:style>
-        <a:lnRef idx="2">
-          <a:scrgbClr r="0" g="0" b="0"/>
-        </a:lnRef>
-        <a:fillRef idx="1">
-          <a:scrgbClr r="0" g="0" b="0"/>
-        </a:fillRef>
-        <a:effectRef idx="0">
-          <a:scrgbClr r="0" g="0" b="0"/>
-        </a:effectRef>
-        <a:fontRef idx="minor">
-          <a:schemeClr val="lt1"/>
-        </a:fontRef>
-      </dsp:style>
-      <dsp:txBody>
-        <a:bodyPr spcFirstLastPara="0" vert="horz" wrap="square" lIns="68580" tIns="68580" rIns="68580" bIns="68580" numCol="1" spcCol="1270" anchor="ctr" anchorCtr="0">
-          <a:noAutofit/>
-        </a:bodyPr>
-        <a:lstStyle/>
-        <a:p>
-          <a:pPr marL="0" lvl="0" indent="0" algn="ctr" defTabSz="800100">
-            <a:lnSpc>
-              <a:spcPct val="90000"/>
-            </a:lnSpc>
-            <a:spcBef>
-              <a:spcPct val="0"/>
-            </a:spcBef>
-            <a:spcAft>
-              <a:spcPct val="35000"/>
-            </a:spcAft>
-            <a:buNone/>
-          </a:pPr>
-          <a:r>
-            <a:rPr lang="en-US" sz="1800" kern="1200"/>
-            <a:t>Linear Regression</a:t>
-          </a:r>
-          <a:endParaRPr lang="en-GB" sz="1800" kern="1200" dirty="0"/>
-        </a:p>
-      </dsp:txBody>
-      <dsp:txXfrm>
-        <a:off x="43418" y="52947"/>
-        <a:ext cx="1494388" cy="1395561"/>
-      </dsp:txXfrm>
-    </dsp:sp>
-    <dsp:sp modelId="{E3AE2101-2013-3B4D-8C95-69A6DB1AEEC7}">
-      <dsp:nvSpPr>
-        <dsp:cNvPr id="0" name=""/>
-        <dsp:cNvSpPr/>
-      </dsp:nvSpPr>
-      <dsp:spPr>
-        <a:xfrm rot="1560356">
-          <a:off x="1719602" y="1098293"/>
-          <a:ext cx="370675" cy="392143"/>
-        </a:xfrm>
-        <a:prstGeom prst="rightArrow">
-          <a:avLst>
-            <a:gd name="adj1" fmla="val 60000"/>
-            <a:gd name="adj2" fmla="val 50000"/>
-          </a:avLst>
-        </a:prstGeom>
-        <a:solidFill>
-          <a:schemeClr val="accent4">
-            <a:lumMod val="75000"/>
-          </a:schemeClr>
-        </a:solidFill>
-        <a:ln>
-          <a:noFill/>
-        </a:ln>
-        <a:effectLst/>
-      </dsp:spPr>
-      <dsp:style>
-        <a:lnRef idx="0">
-          <a:scrgbClr r="0" g="0" b="0"/>
-        </a:lnRef>
-        <a:fillRef idx="1">
-          <a:scrgbClr r="0" g="0" b="0"/>
-        </a:fillRef>
-        <a:effectRef idx="0">
-          <a:scrgbClr r="0" g="0" b="0"/>
-        </a:effectRef>
-        <a:fontRef idx="minor">
-          <a:schemeClr val="lt1"/>
-        </a:fontRef>
-      </dsp:style>
-      <dsp:txBody>
-        <a:bodyPr spcFirstLastPara="0" vert="horz" wrap="square" lIns="0" tIns="0" rIns="0" bIns="0" numCol="1" spcCol="1270" anchor="ctr" anchorCtr="0">
-          <a:noAutofit/>
-        </a:bodyPr>
-        <a:lstStyle/>
-        <a:p>
-          <a:pPr marL="0" lvl="0" indent="0" algn="ctr" defTabSz="622300">
-            <a:lnSpc>
-              <a:spcPct val="90000"/>
-            </a:lnSpc>
-            <a:spcBef>
-              <a:spcPct val="0"/>
-            </a:spcBef>
-            <a:spcAft>
-              <a:spcPct val="35000"/>
-            </a:spcAft>
-            <a:buNone/>
-          </a:pPr>
-          <a:endParaRPr lang="en-GB" sz="1400" kern="1200"/>
-        </a:p>
-      </dsp:txBody>
-      <dsp:txXfrm>
-        <a:off x="1725232" y="1152343"/>
-        <a:ext cx="259473" cy="235285"/>
-      </dsp:txXfrm>
-    </dsp:sp>
-    <dsp:sp modelId="{5AA5027B-5E9B-4247-AD0F-DC2BD7C7E6A8}">
-      <dsp:nvSpPr>
-        <dsp:cNvPr id="0" name=""/>
-        <dsp:cNvSpPr/>
-      </dsp:nvSpPr>
-      <dsp:spPr>
-        <a:xfrm>
-          <a:off x="2209797" y="1087603"/>
-          <a:ext cx="1581224" cy="1482397"/>
-        </a:xfrm>
-        <a:prstGeom prst="roundRect">
-          <a:avLst>
-            <a:gd name="adj" fmla="val 10000"/>
-          </a:avLst>
-        </a:prstGeom>
-        <a:solidFill>
-          <a:schemeClr val="accent2">
-            <a:lumMod val="60000"/>
-            <a:lumOff val="40000"/>
-          </a:schemeClr>
-        </a:solidFill>
-        <a:ln w="25400" cap="flat" cmpd="sng" algn="ctr">
-          <a:solidFill>
-            <a:schemeClr val="lt1">
-              <a:hueOff val="0"/>
-              <a:satOff val="0"/>
-              <a:lumOff val="0"/>
-              <a:alphaOff val="0"/>
-            </a:schemeClr>
-          </a:solidFill>
-          <a:prstDash val="solid"/>
-        </a:ln>
-        <a:effectLst/>
-      </dsp:spPr>
-      <dsp:style>
-        <a:lnRef idx="2">
-          <a:scrgbClr r="0" g="0" b="0"/>
-        </a:lnRef>
-        <a:fillRef idx="1">
-          <a:scrgbClr r="0" g="0" b="0"/>
-        </a:fillRef>
-        <a:effectRef idx="0">
-          <a:scrgbClr r="0" g="0" b="0"/>
-        </a:effectRef>
-        <a:fontRef idx="minor">
-          <a:schemeClr val="lt1"/>
-        </a:fontRef>
-      </dsp:style>
-      <dsp:txBody>
-        <a:bodyPr spcFirstLastPara="0" vert="horz" wrap="square" lIns="68580" tIns="68580" rIns="68580" bIns="68580" numCol="1" spcCol="1270" anchor="ctr" anchorCtr="0">
-          <a:noAutofit/>
-        </a:bodyPr>
-        <a:lstStyle/>
-        <a:p>
-          <a:pPr marL="0" lvl="0" indent="0" algn="ctr" defTabSz="800100">
-            <a:lnSpc>
-              <a:spcPct val="90000"/>
-            </a:lnSpc>
-            <a:spcBef>
-              <a:spcPct val="0"/>
-            </a:spcBef>
-            <a:spcAft>
-              <a:spcPct val="35000"/>
-            </a:spcAft>
-            <a:buNone/>
-          </a:pPr>
-          <a:r>
-            <a:rPr lang="en-US" sz="1800" kern="1200" dirty="0"/>
-            <a:t>Additional of New Data sets related to Race, Age, and Gender.</a:t>
-          </a:r>
-        </a:p>
-      </dsp:txBody>
-      <dsp:txXfrm>
-        <a:off x="2253215" y="1131021"/>
-        <a:ext cx="1494388" cy="1395561"/>
-      </dsp:txXfrm>
-    </dsp:sp>
-    <dsp:sp modelId="{D67B162D-A2DC-0A48-8936-87F540208C24}">
-      <dsp:nvSpPr>
-        <dsp:cNvPr id="0" name=""/>
-        <dsp:cNvSpPr/>
-      </dsp:nvSpPr>
-      <dsp:spPr>
-        <a:xfrm rot="1105871">
-          <a:off x="3939160" y="2004092"/>
-          <a:ext cx="351161" cy="392143"/>
-        </a:xfrm>
-        <a:prstGeom prst="rightArrow">
-          <a:avLst>
-            <a:gd name="adj1" fmla="val 60000"/>
-            <a:gd name="adj2" fmla="val 50000"/>
-          </a:avLst>
-        </a:prstGeom>
-        <a:solidFill>
-          <a:schemeClr val="accent4">
-            <a:lumMod val="75000"/>
-          </a:schemeClr>
-        </a:solidFill>
-        <a:ln>
-          <a:noFill/>
-        </a:ln>
-        <a:effectLst/>
-      </dsp:spPr>
-      <dsp:style>
-        <a:lnRef idx="0">
-          <a:scrgbClr r="0" g="0" b="0"/>
-        </a:lnRef>
-        <a:fillRef idx="1">
-          <a:scrgbClr r="0" g="0" b="0"/>
-        </a:fillRef>
-        <a:effectRef idx="0">
-          <a:scrgbClr r="0" g="0" b="0"/>
-        </a:effectRef>
-        <a:fontRef idx="minor">
-          <a:schemeClr val="lt1"/>
-        </a:fontRef>
-      </dsp:style>
-      <dsp:txBody>
-        <a:bodyPr spcFirstLastPara="0" vert="horz" wrap="square" lIns="0" tIns="0" rIns="0" bIns="0" numCol="1" spcCol="1270" anchor="ctr" anchorCtr="0">
-          <a:noAutofit/>
-        </a:bodyPr>
-        <a:lstStyle/>
-        <a:p>
-          <a:pPr marL="0" lvl="0" indent="0" algn="ctr" defTabSz="622300">
-            <a:lnSpc>
-              <a:spcPct val="90000"/>
-            </a:lnSpc>
-            <a:spcBef>
-              <a:spcPct val="0"/>
-            </a:spcBef>
-            <a:spcAft>
-              <a:spcPct val="35000"/>
-            </a:spcAft>
-            <a:buNone/>
-          </a:pPr>
-          <a:endParaRPr lang="en-GB" sz="1400" kern="1200"/>
-        </a:p>
-      </dsp:txBody>
-      <dsp:txXfrm>
-        <a:off x="3941862" y="2065867"/>
-        <a:ext cx="245813" cy="235285"/>
-      </dsp:txXfrm>
-    </dsp:sp>
-    <dsp:sp modelId="{DC3034D1-DC66-F941-A8C2-197800E8392C}">
-      <dsp:nvSpPr>
-        <dsp:cNvPr id="0" name=""/>
-        <dsp:cNvSpPr/>
-      </dsp:nvSpPr>
-      <dsp:spPr>
-        <a:xfrm>
-          <a:off x="4419603" y="1824043"/>
-          <a:ext cx="1581224" cy="1482397"/>
-        </a:xfrm>
-        <a:prstGeom prst="roundRect">
-          <a:avLst>
-            <a:gd name="adj" fmla="val 10000"/>
-          </a:avLst>
-        </a:prstGeom>
-        <a:solidFill>
-          <a:schemeClr val="accent2">
-            <a:lumMod val="60000"/>
-            <a:lumOff val="40000"/>
-          </a:schemeClr>
-        </a:solidFill>
-        <a:ln w="25400" cap="flat" cmpd="sng" algn="ctr">
-          <a:solidFill>
-            <a:schemeClr val="lt1">
-              <a:hueOff val="0"/>
-              <a:satOff val="0"/>
-              <a:lumOff val="0"/>
-              <a:alphaOff val="0"/>
-            </a:schemeClr>
-          </a:solidFill>
-          <a:prstDash val="solid"/>
-        </a:ln>
-        <a:effectLst/>
-      </dsp:spPr>
-      <dsp:style>
-        <a:lnRef idx="2">
-          <a:scrgbClr r="0" g="0" b="0"/>
-        </a:lnRef>
-        <a:fillRef idx="1">
-          <a:scrgbClr r="0" g="0" b="0"/>
-        </a:fillRef>
-        <a:effectRef idx="0">
-          <a:scrgbClr r="0" g="0" b="0"/>
-        </a:effectRef>
-        <a:fontRef idx="minor">
-          <a:schemeClr val="lt1"/>
-        </a:fontRef>
-      </dsp:style>
-      <dsp:txBody>
-        <a:bodyPr spcFirstLastPara="0" vert="horz" wrap="square" lIns="68580" tIns="68580" rIns="68580" bIns="68580" numCol="1" spcCol="1270" anchor="ctr" anchorCtr="0">
-          <a:noAutofit/>
-        </a:bodyPr>
-        <a:lstStyle/>
-        <a:p>
-          <a:pPr marL="0" lvl="0" indent="0" algn="ctr" defTabSz="800100">
-            <a:lnSpc>
-              <a:spcPct val="90000"/>
-            </a:lnSpc>
-            <a:spcBef>
-              <a:spcPct val="0"/>
-            </a:spcBef>
-            <a:spcAft>
-              <a:spcPct val="35000"/>
-            </a:spcAft>
-            <a:buNone/>
-          </a:pPr>
-          <a:r>
-            <a:rPr lang="en-US" sz="1800" kern="1200" dirty="0"/>
-            <a:t>Stepwise Selection Method (Bidirectional)</a:t>
-          </a:r>
-        </a:p>
-      </dsp:txBody>
-      <dsp:txXfrm>
-        <a:off x="4463021" y="1867461"/>
-        <a:ext cx="1494388" cy="1395561"/>
-      </dsp:txXfrm>
-    </dsp:sp>
-    <dsp:sp modelId="{E75C3460-DC4C-E54D-90CE-923DAC2A60DB}">
-      <dsp:nvSpPr>
-        <dsp:cNvPr id="0" name=""/>
-        <dsp:cNvSpPr/>
-      </dsp:nvSpPr>
-      <dsp:spPr>
-        <a:xfrm rot="1592392">
-          <a:off x="6142502" y="2930602"/>
-          <a:ext cx="383625" cy="392143"/>
-        </a:xfrm>
-        <a:prstGeom prst="rightArrow">
-          <a:avLst>
-            <a:gd name="adj1" fmla="val 60000"/>
-            <a:gd name="adj2" fmla="val 50000"/>
-          </a:avLst>
-        </a:prstGeom>
-        <a:solidFill>
-          <a:schemeClr val="accent4">
-            <a:lumMod val="75000"/>
-          </a:schemeClr>
-        </a:solidFill>
-        <a:ln>
-          <a:noFill/>
-        </a:ln>
-        <a:effectLst/>
-      </dsp:spPr>
-      <dsp:style>
-        <a:lnRef idx="0">
-          <a:scrgbClr r="0" g="0" b="0"/>
-        </a:lnRef>
-        <a:fillRef idx="1">
-          <a:scrgbClr r="0" g="0" b="0"/>
-        </a:fillRef>
-        <a:effectRef idx="0">
-          <a:scrgbClr r="0" g="0" b="0"/>
-        </a:effectRef>
-        <a:fontRef idx="minor">
-          <a:schemeClr val="lt1"/>
-        </a:fontRef>
-      </dsp:style>
-      <dsp:txBody>
-        <a:bodyPr spcFirstLastPara="0" vert="horz" wrap="square" lIns="0" tIns="0" rIns="0" bIns="0" numCol="1" spcCol="1270" anchor="ctr" anchorCtr="0">
-          <a:noAutofit/>
-        </a:bodyPr>
-        <a:lstStyle/>
-        <a:p>
-          <a:pPr marL="0" lvl="0" indent="0" algn="ctr" defTabSz="622300">
-            <a:lnSpc>
-              <a:spcPct val="90000"/>
-            </a:lnSpc>
-            <a:spcBef>
-              <a:spcPct val="0"/>
-            </a:spcBef>
-            <a:spcAft>
-              <a:spcPct val="35000"/>
-            </a:spcAft>
-            <a:buNone/>
-          </a:pPr>
-          <a:endParaRPr lang="en-GB" sz="1400" kern="1200"/>
-        </a:p>
-      </dsp:txBody>
-      <dsp:txXfrm>
-        <a:off x="6148566" y="2983319"/>
-        <a:ext cx="268538" cy="235285"/>
-      </dsp:txXfrm>
-    </dsp:sp>
-    <dsp:sp modelId="{4B393AB1-720C-6047-99F5-CCC63FA4408C}">
-      <dsp:nvSpPr>
-        <dsp:cNvPr id="0" name=""/>
-        <dsp:cNvSpPr/>
-      </dsp:nvSpPr>
-      <dsp:spPr>
-        <a:xfrm>
-          <a:off x="6648375" y="2937205"/>
-          <a:ext cx="1581224" cy="1482397"/>
-        </a:xfrm>
-        <a:prstGeom prst="roundRect">
-          <a:avLst>
-            <a:gd name="adj" fmla="val 10000"/>
-          </a:avLst>
-        </a:prstGeom>
-        <a:solidFill>
-          <a:schemeClr val="accent2">
-            <a:lumMod val="60000"/>
-            <a:lumOff val="40000"/>
-          </a:schemeClr>
-        </a:solidFill>
-        <a:ln w="25400" cap="flat" cmpd="sng" algn="ctr">
-          <a:solidFill>
-            <a:schemeClr val="lt1">
-              <a:hueOff val="0"/>
-              <a:satOff val="0"/>
-              <a:lumOff val="0"/>
-              <a:alphaOff val="0"/>
-            </a:schemeClr>
-          </a:solidFill>
-          <a:prstDash val="solid"/>
-        </a:ln>
-        <a:effectLst/>
-      </dsp:spPr>
-      <dsp:style>
-        <a:lnRef idx="2">
-          <a:scrgbClr r="0" g="0" b="0"/>
-        </a:lnRef>
-        <a:fillRef idx="1">
-          <a:scrgbClr r="0" g="0" b="0"/>
-        </a:fillRef>
-        <a:effectRef idx="0">
-          <a:scrgbClr r="0" g="0" b="0"/>
-        </a:effectRef>
-        <a:fontRef idx="minor">
-          <a:schemeClr val="lt1"/>
-        </a:fontRef>
-      </dsp:style>
-      <dsp:txBody>
-        <a:bodyPr spcFirstLastPara="0" vert="horz" wrap="square" lIns="68580" tIns="68580" rIns="68580" bIns="68580" numCol="1" spcCol="1270" anchor="ctr" anchorCtr="0">
-          <a:noAutofit/>
-        </a:bodyPr>
-        <a:lstStyle/>
-        <a:p>
-          <a:pPr marL="0" lvl="0" indent="0" algn="ctr" defTabSz="800100">
-            <a:lnSpc>
-              <a:spcPct val="90000"/>
-            </a:lnSpc>
-            <a:spcBef>
-              <a:spcPct val="0"/>
-            </a:spcBef>
-            <a:spcAft>
-              <a:spcPct val="35000"/>
-            </a:spcAft>
-            <a:buNone/>
-          </a:pPr>
-          <a:r>
-            <a:rPr lang="en-US" sz="1800" kern="1200" dirty="0"/>
-            <a:t>Final Linear Regression</a:t>
-          </a:r>
-        </a:p>
-      </dsp:txBody>
-      <dsp:txXfrm>
-        <a:off x="6691793" y="2980623"/>
-        <a:ext cx="1494388" cy="1395561"/>
-      </dsp:txXfrm>
-    </dsp:sp>
-  </dsp:spTree>
-</dsp:drawing>
-</file>
-
 <file path=ppt/diagrams/layout1.xml><?xml version="1.0" encoding="utf-8"?>
 <dgm:layoutDef xmlns:dgm="http://schemas.openxmlformats.org/drawingml/2006/diagram" xmlns:a="http://schemas.openxmlformats.org/drawingml/2006/main" uniqueId="urn:microsoft.com/office/officeart/2016/7/layout/RepeatingBendingProcessNew">
   <dgm:title val="Repeating Bending Process New"/>
@@ -4059,152 +2490,6 @@
             <dgm:ruleLst>
               <dgm:rule type="w" val="NaN" fact="0.6" max="NaN"/>
               <dgm:rule type="h" val="NaN" fact="0.6" max="NaN"/>
-              <dgm:rule type="primFontSz" val="5" fact="NaN" max="NaN"/>
-            </dgm:ruleLst>
-          </dgm:layoutNode>
-        </dgm:layoutNode>
-      </dgm:forEach>
-    </dgm:forEach>
-  </dgm:layoutNode>
-</dgm:layoutDef>
-</file>
-
-<file path=ppt/diagrams/layout2.xml><?xml version="1.0" encoding="utf-8"?>
-<dgm:layoutDef xmlns:dgm="http://schemas.openxmlformats.org/drawingml/2006/diagram" xmlns:a="http://schemas.openxmlformats.org/drawingml/2006/main" uniqueId="urn:microsoft.com/office/officeart/2005/8/layout/process1">
-  <dgm:title val=""/>
-  <dgm:desc val=""/>
-  <dgm:catLst>
-    <dgm:cat type="process" pri="1000"/>
-    <dgm:cat type="convert" pri="15000"/>
-  </dgm:catLst>
-  <dgm:sampData useDef="1">
-    <dgm:dataModel>
-      <dgm:ptLst/>
-      <dgm:bg/>
-      <dgm:whole/>
-    </dgm:dataModel>
-  </dgm:sampData>
-  <dgm:styleData>
-    <dgm:dataModel>
-      <dgm:ptLst>
-        <dgm:pt modelId="0" type="doc"/>
-        <dgm:pt modelId="1"/>
-        <dgm:pt modelId="2"/>
-      </dgm:ptLst>
-      <dgm:cxnLst>
-        <dgm:cxn modelId="3" srcId="0" destId="1" srcOrd="0" destOrd="0"/>
-        <dgm:cxn modelId="4" srcId="0" destId="2" srcOrd="1" destOrd="0"/>
-      </dgm:cxnLst>
-      <dgm:bg/>
-      <dgm:whole/>
-    </dgm:dataModel>
-  </dgm:styleData>
-  <dgm:clrData>
-    <dgm:dataModel>
-      <dgm:ptLst>
-        <dgm:pt modelId="0" type="doc"/>
-        <dgm:pt modelId="1"/>
-        <dgm:pt modelId="2"/>
-        <dgm:pt modelId="3"/>
-        <dgm:pt modelId="4"/>
-      </dgm:ptLst>
-      <dgm:cxnLst>
-        <dgm:cxn modelId="5" srcId="0" destId="1" srcOrd="0" destOrd="0"/>
-        <dgm:cxn modelId="6" srcId="0" destId="2" srcOrd="1" destOrd="0"/>
-        <dgm:cxn modelId="7" srcId="0" destId="3" srcOrd="2" destOrd="0"/>
-        <dgm:cxn modelId="8" srcId="0" destId="4" srcOrd="3" destOrd="0"/>
-      </dgm:cxnLst>
-      <dgm:bg/>
-      <dgm:whole/>
-    </dgm:dataModel>
-  </dgm:clrData>
-  <dgm:layoutNode name="Name0">
-    <dgm:varLst>
-      <dgm:dir/>
-      <dgm:resizeHandles val="exact"/>
-    </dgm:varLst>
-    <dgm:choose name="Name1">
-      <dgm:if name="Name2" func="var" arg="dir" op="equ" val="norm">
-        <dgm:alg type="lin"/>
-      </dgm:if>
-      <dgm:else name="Name3">
-        <dgm:alg type="lin">
-          <dgm:param type="linDir" val="fromR"/>
-        </dgm:alg>
-      </dgm:else>
-    </dgm:choose>
-    <dgm:shape xmlns:r="http://schemas.openxmlformats.org/officeDocument/2006/relationships" r:blip="">
-      <dgm:adjLst/>
-    </dgm:shape>
-    <dgm:presOf/>
-    <dgm:constrLst>
-      <dgm:constr type="w" for="ch" ptType="node" refType="w"/>
-      <dgm:constr type="h" for="ch" ptType="node" op="equ"/>
-      <dgm:constr type="primFontSz" for="ch" ptType="node" op="equ" val="65"/>
-      <dgm:constr type="w" for="ch" ptType="sibTrans" refType="w" refFor="ch" refPtType="node" op="equ" fact="0.4"/>
-      <dgm:constr type="h" for="ch" ptType="sibTrans" op="equ"/>
-      <dgm:constr type="primFontSz" for="des" forName="connectorText" op="equ" val="55"/>
-      <dgm:constr type="primFontSz" for="des" forName="connectorText" refType="primFontSz" refFor="ch" refPtType="node" op="lte" fact="0.8"/>
-    </dgm:constrLst>
-    <dgm:ruleLst/>
-    <dgm:forEach name="nodesForEach" axis="ch" ptType="node">
-      <dgm:layoutNode name="node">
-        <dgm:varLst>
-          <dgm:bulletEnabled val="1"/>
-        </dgm:varLst>
-        <dgm:alg type="tx"/>
-        <dgm:shape xmlns:r="http://schemas.openxmlformats.org/officeDocument/2006/relationships" type="roundRect" r:blip="">
-          <dgm:adjLst>
-            <dgm:adj idx="1" val="0.1"/>
-          </dgm:adjLst>
-        </dgm:shape>
-        <dgm:presOf axis="desOrSelf" ptType="node"/>
-        <dgm:constrLst>
-          <dgm:constr type="h" refType="w" fact="0.6"/>
-          <dgm:constr type="tMarg" refType="primFontSz" fact="0.3"/>
-          <dgm:constr type="bMarg" refType="primFontSz" fact="0.3"/>
-          <dgm:constr type="lMarg" refType="primFontSz" fact="0.3"/>
-          <dgm:constr type="rMarg" refType="primFontSz" fact="0.3"/>
-        </dgm:constrLst>
-        <dgm:ruleLst>
-          <dgm:rule type="primFontSz" val="18" fact="NaN" max="NaN"/>
-          <dgm:rule type="h" val="NaN" fact="1.5" max="NaN"/>
-          <dgm:rule type="primFontSz" val="5" fact="NaN" max="NaN"/>
-          <dgm:rule type="h" val="INF" fact="NaN" max="NaN"/>
-        </dgm:ruleLst>
-      </dgm:layoutNode>
-      <dgm:forEach name="sibTransForEach" axis="followSib" ptType="sibTrans" cnt="1">
-        <dgm:layoutNode name="sibTrans">
-          <dgm:alg type="conn">
-            <dgm:param type="begPts" val="auto"/>
-            <dgm:param type="endPts" val="auto"/>
-          </dgm:alg>
-          <dgm:shape xmlns:r="http://schemas.openxmlformats.org/officeDocument/2006/relationships" type="conn" r:blip="">
-            <dgm:adjLst/>
-          </dgm:shape>
-          <dgm:presOf axis="self"/>
-          <dgm:constrLst>
-            <dgm:constr type="h" refType="w" fact="0.62"/>
-            <dgm:constr type="connDist"/>
-            <dgm:constr type="begPad" refType="connDist" fact="0.25"/>
-            <dgm:constr type="endPad" refType="connDist" fact="0.22"/>
-          </dgm:constrLst>
-          <dgm:ruleLst/>
-          <dgm:layoutNode name="connectorText">
-            <dgm:alg type="tx">
-              <dgm:param type="autoTxRot" val="grav"/>
-            </dgm:alg>
-            <dgm:shape xmlns:r="http://schemas.openxmlformats.org/officeDocument/2006/relationships" type="conn" r:blip="" hideGeom="1">
-              <dgm:adjLst/>
-            </dgm:shape>
-            <dgm:presOf axis="self"/>
-            <dgm:constrLst>
-              <dgm:constr type="lMarg"/>
-              <dgm:constr type="rMarg"/>
-              <dgm:constr type="tMarg"/>
-              <dgm:constr type="bMarg"/>
-            </dgm:constrLst>
-            <dgm:ruleLst>
               <dgm:rule type="primFontSz" val="5" fact="NaN" max="NaN"/>
             </dgm:ruleLst>
           </dgm:layoutNode>
@@ -5249,1040 +3534,6 @@
 </dgm:styleDef>
 </file>
 
-<file path=ppt/diagrams/quickStyle2.xml><?xml version="1.0" encoding="utf-8"?>
-<dgm:styleDef xmlns:dgm="http://schemas.openxmlformats.org/drawingml/2006/diagram" xmlns:a="http://schemas.openxmlformats.org/drawingml/2006/main" uniqueId="urn:microsoft.com/office/officeart/2005/8/quickstyle/simple1">
-  <dgm:title val=""/>
-  <dgm:desc val=""/>
-  <dgm:catLst>
-    <dgm:cat type="simple" pri="10100"/>
-  </dgm:catLst>
-  <dgm:scene3d>
-    <a:camera prst="orthographicFront"/>
-    <a:lightRig rig="threePt" dir="t"/>
-  </dgm:scene3d>
-  <dgm:styleLbl name="node0">
-    <dgm:scene3d>
-      <a:camera prst="orthographicFront"/>
-      <a:lightRig rig="threePt" dir="t"/>
-    </dgm:scene3d>
-    <dgm:sp3d/>
-    <dgm:txPr/>
-    <dgm:style>
-      <a:lnRef idx="2">
-        <a:scrgbClr r="0" g="0" b="0"/>
-      </a:lnRef>
-      <a:fillRef idx="1">
-        <a:scrgbClr r="0" g="0" b="0"/>
-      </a:fillRef>
-      <a:effectRef idx="0">
-        <a:scrgbClr r="0" g="0" b="0"/>
-      </a:effectRef>
-      <a:fontRef idx="minor">
-        <a:schemeClr val="lt1"/>
-      </a:fontRef>
-    </dgm:style>
-  </dgm:styleLbl>
-  <dgm:styleLbl name="lnNode1">
-    <dgm:scene3d>
-      <a:camera prst="orthographicFront"/>
-      <a:lightRig rig="threePt" dir="t"/>
-    </dgm:scene3d>
-    <dgm:sp3d/>
-    <dgm:txPr/>
-    <dgm:style>
-      <a:lnRef idx="2">
-        <a:scrgbClr r="0" g="0" b="0"/>
-      </a:lnRef>
-      <a:fillRef idx="1">
-        <a:scrgbClr r="0" g="0" b="0"/>
-      </a:fillRef>
-      <a:effectRef idx="0">
-        <a:scrgbClr r="0" g="0" b="0"/>
-      </a:effectRef>
-      <a:fontRef idx="minor">
-        <a:schemeClr val="lt1"/>
-      </a:fontRef>
-    </dgm:style>
-  </dgm:styleLbl>
-  <dgm:styleLbl name="vennNode1">
-    <dgm:scene3d>
-      <a:camera prst="orthographicFront"/>
-      <a:lightRig rig="threePt" dir="t"/>
-    </dgm:scene3d>
-    <dgm:sp3d/>
-    <dgm:txPr/>
-    <dgm:style>
-      <a:lnRef idx="2">
-        <a:scrgbClr r="0" g="0" b="0"/>
-      </a:lnRef>
-      <a:fillRef idx="1">
-        <a:scrgbClr r="0" g="0" b="0"/>
-      </a:fillRef>
-      <a:effectRef idx="0">
-        <a:scrgbClr r="0" g="0" b="0"/>
-      </a:effectRef>
-      <a:fontRef idx="minor">
-        <a:schemeClr val="tx1"/>
-      </a:fontRef>
-    </dgm:style>
-  </dgm:styleLbl>
-  <dgm:styleLbl name="alignNode1">
-    <dgm:scene3d>
-      <a:camera prst="orthographicFront"/>
-      <a:lightRig rig="threePt" dir="t"/>
-    </dgm:scene3d>
-    <dgm:sp3d/>
-    <dgm:txPr/>
-    <dgm:style>
-      <a:lnRef idx="2">
-        <a:scrgbClr r="0" g="0" b="0"/>
-      </a:lnRef>
-      <a:fillRef idx="1">
-        <a:scrgbClr r="0" g="0" b="0"/>
-      </a:fillRef>
-      <a:effectRef idx="0">
-        <a:scrgbClr r="0" g="0" b="0"/>
-      </a:effectRef>
-      <a:fontRef idx="minor">
-        <a:schemeClr val="lt1"/>
-      </a:fontRef>
-    </dgm:style>
-  </dgm:styleLbl>
-  <dgm:styleLbl name="node1">
-    <dgm:scene3d>
-      <a:camera prst="orthographicFront"/>
-      <a:lightRig rig="threePt" dir="t"/>
-    </dgm:scene3d>
-    <dgm:sp3d/>
-    <dgm:txPr/>
-    <dgm:style>
-      <a:lnRef idx="2">
-        <a:scrgbClr r="0" g="0" b="0"/>
-      </a:lnRef>
-      <a:fillRef idx="1">
-        <a:scrgbClr r="0" g="0" b="0"/>
-      </a:fillRef>
-      <a:effectRef idx="0">
-        <a:scrgbClr r="0" g="0" b="0"/>
-      </a:effectRef>
-      <a:fontRef idx="minor">
-        <a:schemeClr val="lt1"/>
-      </a:fontRef>
-    </dgm:style>
-  </dgm:styleLbl>
-  <dgm:styleLbl name="node2">
-    <dgm:scene3d>
-      <a:camera prst="orthographicFront"/>
-      <a:lightRig rig="threePt" dir="t"/>
-    </dgm:scene3d>
-    <dgm:sp3d/>
-    <dgm:txPr/>
-    <dgm:style>
-      <a:lnRef idx="2">
-        <a:scrgbClr r="0" g="0" b="0"/>
-      </a:lnRef>
-      <a:fillRef idx="1">
-        <a:scrgbClr r="0" g="0" b="0"/>
-      </a:fillRef>
-      <a:effectRef idx="0">
-        <a:scrgbClr r="0" g="0" b="0"/>
-      </a:effectRef>
-      <a:fontRef idx="minor">
-        <a:schemeClr val="lt1"/>
-      </a:fontRef>
-    </dgm:style>
-  </dgm:styleLbl>
-  <dgm:styleLbl name="node3">
-    <dgm:scene3d>
-      <a:camera prst="orthographicFront"/>
-      <a:lightRig rig="threePt" dir="t"/>
-    </dgm:scene3d>
-    <dgm:sp3d/>
-    <dgm:txPr/>
-    <dgm:style>
-      <a:lnRef idx="2">
-        <a:scrgbClr r="0" g="0" b="0"/>
-      </a:lnRef>
-      <a:fillRef idx="1">
-        <a:scrgbClr r="0" g="0" b="0"/>
-      </a:fillRef>
-      <a:effectRef idx="0">
-        <a:scrgbClr r="0" g="0" b="0"/>
-      </a:effectRef>
-      <a:fontRef idx="minor">
-        <a:schemeClr val="lt1"/>
-      </a:fontRef>
-    </dgm:style>
-  </dgm:styleLbl>
-  <dgm:styleLbl name="node4">
-    <dgm:scene3d>
-      <a:camera prst="orthographicFront"/>
-      <a:lightRig rig="threePt" dir="t"/>
-    </dgm:scene3d>
-    <dgm:sp3d/>
-    <dgm:txPr/>
-    <dgm:style>
-      <a:lnRef idx="2">
-        <a:scrgbClr r="0" g="0" b="0"/>
-      </a:lnRef>
-      <a:fillRef idx="1">
-        <a:scrgbClr r="0" g="0" b="0"/>
-      </a:fillRef>
-      <a:effectRef idx="0">
-        <a:scrgbClr r="0" g="0" b="0"/>
-      </a:effectRef>
-      <a:fontRef idx="minor">
-        <a:schemeClr val="lt1"/>
-      </a:fontRef>
-    </dgm:style>
-  </dgm:styleLbl>
-  <dgm:styleLbl name="fgImgPlace1">
-    <dgm:scene3d>
-      <a:camera prst="orthographicFront"/>
-      <a:lightRig rig="threePt" dir="t"/>
-    </dgm:scene3d>
-    <dgm:sp3d/>
-    <dgm:txPr/>
-    <dgm:style>
-      <a:lnRef idx="2">
-        <a:scrgbClr r="0" g="0" b="0"/>
-      </a:lnRef>
-      <a:fillRef idx="1">
-        <a:scrgbClr r="0" g="0" b="0"/>
-      </a:fillRef>
-      <a:effectRef idx="0">
-        <a:scrgbClr r="0" g="0" b="0"/>
-      </a:effectRef>
-      <a:fontRef idx="minor"/>
-    </dgm:style>
-  </dgm:styleLbl>
-  <dgm:styleLbl name="alignImgPlace1">
-    <dgm:scene3d>
-      <a:camera prst="orthographicFront"/>
-      <a:lightRig rig="threePt" dir="t"/>
-    </dgm:scene3d>
-    <dgm:sp3d/>
-    <dgm:txPr/>
-    <dgm:style>
-      <a:lnRef idx="2">
-        <a:scrgbClr r="0" g="0" b="0"/>
-      </a:lnRef>
-      <a:fillRef idx="1">
-        <a:scrgbClr r="0" g="0" b="0"/>
-      </a:fillRef>
-      <a:effectRef idx="0">
-        <a:scrgbClr r="0" g="0" b="0"/>
-      </a:effectRef>
-      <a:fontRef idx="minor"/>
-    </dgm:style>
-  </dgm:styleLbl>
-  <dgm:styleLbl name="bgImgPlace1">
-    <dgm:scene3d>
-      <a:camera prst="orthographicFront"/>
-      <a:lightRig rig="threePt" dir="t"/>
-    </dgm:scene3d>
-    <dgm:sp3d/>
-    <dgm:txPr/>
-    <dgm:style>
-      <a:lnRef idx="2">
-        <a:scrgbClr r="0" g="0" b="0"/>
-      </a:lnRef>
-      <a:fillRef idx="1">
-        <a:scrgbClr r="0" g="0" b="0"/>
-      </a:fillRef>
-      <a:effectRef idx="0">
-        <a:scrgbClr r="0" g="0" b="0"/>
-      </a:effectRef>
-      <a:fontRef idx="minor"/>
-    </dgm:style>
-  </dgm:styleLbl>
-  <dgm:styleLbl name="sibTrans2D1">
-    <dgm:scene3d>
-      <a:camera prst="orthographicFront"/>
-      <a:lightRig rig="threePt" dir="t"/>
-    </dgm:scene3d>
-    <dgm:sp3d/>
-    <dgm:txPr/>
-    <dgm:style>
-      <a:lnRef idx="0">
-        <a:scrgbClr r="0" g="0" b="0"/>
-      </a:lnRef>
-      <a:fillRef idx="1">
-        <a:scrgbClr r="0" g="0" b="0"/>
-      </a:fillRef>
-      <a:effectRef idx="0">
-        <a:scrgbClr r="0" g="0" b="0"/>
-      </a:effectRef>
-      <a:fontRef idx="minor">
-        <a:schemeClr val="lt1"/>
-      </a:fontRef>
-    </dgm:style>
-  </dgm:styleLbl>
-  <dgm:styleLbl name="fgSibTrans2D1">
-    <dgm:scene3d>
-      <a:camera prst="orthographicFront"/>
-      <a:lightRig rig="threePt" dir="t"/>
-    </dgm:scene3d>
-    <dgm:sp3d/>
-    <dgm:txPr/>
-    <dgm:style>
-      <a:lnRef idx="0">
-        <a:scrgbClr r="0" g="0" b="0"/>
-      </a:lnRef>
-      <a:fillRef idx="1">
-        <a:scrgbClr r="0" g="0" b="0"/>
-      </a:fillRef>
-      <a:effectRef idx="0">
-        <a:scrgbClr r="0" g="0" b="0"/>
-      </a:effectRef>
-      <a:fontRef idx="minor">
-        <a:schemeClr val="lt1"/>
-      </a:fontRef>
-    </dgm:style>
-  </dgm:styleLbl>
-  <dgm:styleLbl name="bgSibTrans2D1">
-    <dgm:scene3d>
-      <a:camera prst="orthographicFront"/>
-      <a:lightRig rig="threePt" dir="t"/>
-    </dgm:scene3d>
-    <dgm:sp3d/>
-    <dgm:txPr/>
-    <dgm:style>
-      <a:lnRef idx="0">
-        <a:scrgbClr r="0" g="0" b="0"/>
-      </a:lnRef>
-      <a:fillRef idx="1">
-        <a:scrgbClr r="0" g="0" b="0"/>
-      </a:fillRef>
-      <a:effectRef idx="0">
-        <a:scrgbClr r="0" g="0" b="0"/>
-      </a:effectRef>
-      <a:fontRef idx="minor">
-        <a:schemeClr val="lt1"/>
-      </a:fontRef>
-    </dgm:style>
-  </dgm:styleLbl>
-  <dgm:styleLbl name="sibTrans1D1">
-    <dgm:scene3d>
-      <a:camera prst="orthographicFront"/>
-      <a:lightRig rig="threePt" dir="t"/>
-    </dgm:scene3d>
-    <dgm:sp3d/>
-    <dgm:txPr/>
-    <dgm:style>
-      <a:lnRef idx="1">
-        <a:scrgbClr r="0" g="0" b="0"/>
-      </a:lnRef>
-      <a:fillRef idx="0">
-        <a:scrgbClr r="0" g="0" b="0"/>
-      </a:fillRef>
-      <a:effectRef idx="0">
-        <a:scrgbClr r="0" g="0" b="0"/>
-      </a:effectRef>
-      <a:fontRef idx="minor"/>
-    </dgm:style>
-  </dgm:styleLbl>
-  <dgm:styleLbl name="callout">
-    <dgm:scene3d>
-      <a:camera prst="orthographicFront"/>
-      <a:lightRig rig="threePt" dir="t"/>
-    </dgm:scene3d>
-    <dgm:sp3d/>
-    <dgm:txPr/>
-    <dgm:style>
-      <a:lnRef idx="2">
-        <a:scrgbClr r="0" g="0" b="0"/>
-      </a:lnRef>
-      <a:fillRef idx="1">
-        <a:scrgbClr r="0" g="0" b="0"/>
-      </a:fillRef>
-      <a:effectRef idx="0">
-        <a:scrgbClr r="0" g="0" b="0"/>
-      </a:effectRef>
-      <a:fontRef idx="minor"/>
-    </dgm:style>
-  </dgm:styleLbl>
-  <dgm:styleLbl name="asst0">
-    <dgm:scene3d>
-      <a:camera prst="orthographicFront"/>
-      <a:lightRig rig="threePt" dir="t"/>
-    </dgm:scene3d>
-    <dgm:sp3d/>
-    <dgm:txPr/>
-    <dgm:style>
-      <a:lnRef idx="2">
-        <a:scrgbClr r="0" g="0" b="0"/>
-      </a:lnRef>
-      <a:fillRef idx="1">
-        <a:scrgbClr r="0" g="0" b="0"/>
-      </a:fillRef>
-      <a:effectRef idx="0">
-        <a:scrgbClr r="0" g="0" b="0"/>
-      </a:effectRef>
-      <a:fontRef idx="minor">
-        <a:schemeClr val="lt1"/>
-      </a:fontRef>
-    </dgm:style>
-  </dgm:styleLbl>
-  <dgm:styleLbl name="asst1">
-    <dgm:scene3d>
-      <a:camera prst="orthographicFront"/>
-      <a:lightRig rig="threePt" dir="t"/>
-    </dgm:scene3d>
-    <dgm:sp3d/>
-    <dgm:txPr/>
-    <dgm:style>
-      <a:lnRef idx="2">
-        <a:scrgbClr r="0" g="0" b="0"/>
-      </a:lnRef>
-      <a:fillRef idx="1">
-        <a:scrgbClr r="0" g="0" b="0"/>
-      </a:fillRef>
-      <a:effectRef idx="0">
-        <a:scrgbClr r="0" g="0" b="0"/>
-      </a:effectRef>
-      <a:fontRef idx="minor">
-        <a:schemeClr val="lt1"/>
-      </a:fontRef>
-    </dgm:style>
-  </dgm:styleLbl>
-  <dgm:styleLbl name="asst2">
-    <dgm:scene3d>
-      <a:camera prst="orthographicFront"/>
-      <a:lightRig rig="threePt" dir="t"/>
-    </dgm:scene3d>
-    <dgm:sp3d/>
-    <dgm:txPr/>
-    <dgm:style>
-      <a:lnRef idx="2">
-        <a:scrgbClr r="0" g="0" b="0"/>
-      </a:lnRef>
-      <a:fillRef idx="1">
-        <a:scrgbClr r="0" g="0" b="0"/>
-      </a:fillRef>
-      <a:effectRef idx="0">
-        <a:scrgbClr r="0" g="0" b="0"/>
-      </a:effectRef>
-      <a:fontRef idx="minor">
-        <a:schemeClr val="lt1"/>
-      </a:fontRef>
-    </dgm:style>
-  </dgm:styleLbl>
-  <dgm:styleLbl name="asst3">
-    <dgm:scene3d>
-      <a:camera prst="orthographicFront"/>
-      <a:lightRig rig="threePt" dir="t"/>
-    </dgm:scene3d>
-    <dgm:sp3d/>
-    <dgm:txPr/>
-    <dgm:style>
-      <a:lnRef idx="2">
-        <a:scrgbClr r="0" g="0" b="0"/>
-      </a:lnRef>
-      <a:fillRef idx="1">
-        <a:scrgbClr r="0" g="0" b="0"/>
-      </a:fillRef>
-      <a:effectRef idx="0">
-        <a:scrgbClr r="0" g="0" b="0"/>
-      </a:effectRef>
-      <a:fontRef idx="minor">
-        <a:schemeClr val="lt1"/>
-      </a:fontRef>
-    </dgm:style>
-  </dgm:styleLbl>
-  <dgm:styleLbl name="asst4">
-    <dgm:scene3d>
-      <a:camera prst="orthographicFront"/>
-      <a:lightRig rig="threePt" dir="t"/>
-    </dgm:scene3d>
-    <dgm:sp3d/>
-    <dgm:txPr/>
-    <dgm:style>
-      <a:lnRef idx="2">
-        <a:scrgbClr r="0" g="0" b="0"/>
-      </a:lnRef>
-      <a:fillRef idx="1">
-        <a:scrgbClr r="0" g="0" b="0"/>
-      </a:fillRef>
-      <a:effectRef idx="0">
-        <a:scrgbClr r="0" g="0" b="0"/>
-      </a:effectRef>
-      <a:fontRef idx="minor">
-        <a:schemeClr val="lt1"/>
-      </a:fontRef>
-    </dgm:style>
-  </dgm:styleLbl>
-  <dgm:styleLbl name="parChTrans2D1">
-    <dgm:scene3d>
-      <a:camera prst="orthographicFront"/>
-      <a:lightRig rig="threePt" dir="t"/>
-    </dgm:scene3d>
-    <dgm:sp3d/>
-    <dgm:txPr/>
-    <dgm:style>
-      <a:lnRef idx="2">
-        <a:scrgbClr r="0" g="0" b="0"/>
-      </a:lnRef>
-      <a:fillRef idx="1">
-        <a:scrgbClr r="0" g="0" b="0"/>
-      </a:fillRef>
-      <a:effectRef idx="0">
-        <a:scrgbClr r="0" g="0" b="0"/>
-      </a:effectRef>
-      <a:fontRef idx="minor">
-        <a:schemeClr val="lt1"/>
-      </a:fontRef>
-    </dgm:style>
-  </dgm:styleLbl>
-  <dgm:styleLbl name="parChTrans2D2">
-    <dgm:scene3d>
-      <a:camera prst="orthographicFront"/>
-      <a:lightRig rig="threePt" dir="t"/>
-    </dgm:scene3d>
-    <dgm:sp3d/>
-    <dgm:txPr/>
-    <dgm:style>
-      <a:lnRef idx="2">
-        <a:scrgbClr r="0" g="0" b="0"/>
-      </a:lnRef>
-      <a:fillRef idx="1">
-        <a:scrgbClr r="0" g="0" b="0"/>
-      </a:fillRef>
-      <a:effectRef idx="0">
-        <a:scrgbClr r="0" g="0" b="0"/>
-      </a:effectRef>
-      <a:fontRef idx="minor">
-        <a:schemeClr val="lt1"/>
-      </a:fontRef>
-    </dgm:style>
-  </dgm:styleLbl>
-  <dgm:styleLbl name="parChTrans2D3">
-    <dgm:scene3d>
-      <a:camera prst="orthographicFront"/>
-      <a:lightRig rig="threePt" dir="t"/>
-    </dgm:scene3d>
-    <dgm:sp3d/>
-    <dgm:txPr/>
-    <dgm:style>
-      <a:lnRef idx="2">
-        <a:scrgbClr r="0" g="0" b="0"/>
-      </a:lnRef>
-      <a:fillRef idx="1">
-        <a:scrgbClr r="0" g="0" b="0"/>
-      </a:fillRef>
-      <a:effectRef idx="0">
-        <a:scrgbClr r="0" g="0" b="0"/>
-      </a:effectRef>
-      <a:fontRef idx="minor">
-        <a:schemeClr val="lt1"/>
-      </a:fontRef>
-    </dgm:style>
-  </dgm:styleLbl>
-  <dgm:styleLbl name="parChTrans2D4">
-    <dgm:scene3d>
-      <a:camera prst="orthographicFront"/>
-      <a:lightRig rig="threePt" dir="t"/>
-    </dgm:scene3d>
-    <dgm:sp3d/>
-    <dgm:txPr/>
-    <dgm:style>
-      <a:lnRef idx="2">
-        <a:scrgbClr r="0" g="0" b="0"/>
-      </a:lnRef>
-      <a:fillRef idx="1">
-        <a:scrgbClr r="0" g="0" b="0"/>
-      </a:fillRef>
-      <a:effectRef idx="0">
-        <a:scrgbClr r="0" g="0" b="0"/>
-      </a:effectRef>
-      <a:fontRef idx="minor">
-        <a:schemeClr val="lt1"/>
-      </a:fontRef>
-    </dgm:style>
-  </dgm:styleLbl>
-  <dgm:styleLbl name="parChTrans1D1">
-    <dgm:scene3d>
-      <a:camera prst="orthographicFront"/>
-      <a:lightRig rig="threePt" dir="t"/>
-    </dgm:scene3d>
-    <dgm:sp3d/>
-    <dgm:txPr/>
-    <dgm:style>
-      <a:lnRef idx="2">
-        <a:scrgbClr r="0" g="0" b="0"/>
-      </a:lnRef>
-      <a:fillRef idx="0">
-        <a:scrgbClr r="0" g="0" b="0"/>
-      </a:fillRef>
-      <a:effectRef idx="0">
-        <a:scrgbClr r="0" g="0" b="0"/>
-      </a:effectRef>
-      <a:fontRef idx="minor"/>
-    </dgm:style>
-  </dgm:styleLbl>
-  <dgm:styleLbl name="parChTrans1D2">
-    <dgm:scene3d>
-      <a:camera prst="orthographicFront"/>
-      <a:lightRig rig="threePt" dir="t"/>
-    </dgm:scene3d>
-    <dgm:sp3d/>
-    <dgm:txPr/>
-    <dgm:style>
-      <a:lnRef idx="2">
-        <a:scrgbClr r="0" g="0" b="0"/>
-      </a:lnRef>
-      <a:fillRef idx="0">
-        <a:scrgbClr r="0" g="0" b="0"/>
-      </a:fillRef>
-      <a:effectRef idx="0">
-        <a:scrgbClr r="0" g="0" b="0"/>
-      </a:effectRef>
-      <a:fontRef idx="minor"/>
-    </dgm:style>
-  </dgm:styleLbl>
-  <dgm:styleLbl name="parChTrans1D3">
-    <dgm:scene3d>
-      <a:camera prst="orthographicFront"/>
-      <a:lightRig rig="threePt" dir="t"/>
-    </dgm:scene3d>
-    <dgm:sp3d/>
-    <dgm:txPr/>
-    <dgm:style>
-      <a:lnRef idx="2">
-        <a:scrgbClr r="0" g="0" b="0"/>
-      </a:lnRef>
-      <a:fillRef idx="0">
-        <a:scrgbClr r="0" g="0" b="0"/>
-      </a:fillRef>
-      <a:effectRef idx="0">
-        <a:scrgbClr r="0" g="0" b="0"/>
-      </a:effectRef>
-      <a:fontRef idx="minor"/>
-    </dgm:style>
-  </dgm:styleLbl>
-  <dgm:styleLbl name="parChTrans1D4">
-    <dgm:scene3d>
-      <a:camera prst="orthographicFront"/>
-      <a:lightRig rig="threePt" dir="t"/>
-    </dgm:scene3d>
-    <dgm:sp3d/>
-    <dgm:txPr/>
-    <dgm:style>
-      <a:lnRef idx="2">
-        <a:scrgbClr r="0" g="0" b="0"/>
-      </a:lnRef>
-      <a:fillRef idx="0">
-        <a:scrgbClr r="0" g="0" b="0"/>
-      </a:fillRef>
-      <a:effectRef idx="0">
-        <a:scrgbClr r="0" g="0" b="0"/>
-      </a:effectRef>
-      <a:fontRef idx="minor"/>
-    </dgm:style>
-  </dgm:styleLbl>
-  <dgm:styleLbl name="fgAcc1">
-    <dgm:scene3d>
-      <a:camera prst="orthographicFront"/>
-      <a:lightRig rig="threePt" dir="t"/>
-    </dgm:scene3d>
-    <dgm:sp3d/>
-    <dgm:txPr/>
-    <dgm:style>
-      <a:lnRef idx="2">
-        <a:scrgbClr r="0" g="0" b="0"/>
-      </a:lnRef>
-      <a:fillRef idx="1">
-        <a:scrgbClr r="0" g="0" b="0"/>
-      </a:fillRef>
-      <a:effectRef idx="0">
-        <a:scrgbClr r="0" g="0" b="0"/>
-      </a:effectRef>
-      <a:fontRef idx="minor"/>
-    </dgm:style>
-  </dgm:styleLbl>
-  <dgm:styleLbl name="conFgAcc1">
-    <dgm:scene3d>
-      <a:camera prst="orthographicFront"/>
-      <a:lightRig rig="threePt" dir="t"/>
-    </dgm:scene3d>
-    <dgm:sp3d/>
-    <dgm:txPr/>
-    <dgm:style>
-      <a:lnRef idx="2">
-        <a:scrgbClr r="0" g="0" b="0"/>
-      </a:lnRef>
-      <a:fillRef idx="1">
-        <a:scrgbClr r="0" g="0" b="0"/>
-      </a:fillRef>
-      <a:effectRef idx="0">
-        <a:scrgbClr r="0" g="0" b="0"/>
-      </a:effectRef>
-      <a:fontRef idx="minor"/>
-    </dgm:style>
-  </dgm:styleLbl>
-  <dgm:styleLbl name="alignAcc1">
-    <dgm:scene3d>
-      <a:camera prst="orthographicFront"/>
-      <a:lightRig rig="threePt" dir="t"/>
-    </dgm:scene3d>
-    <dgm:sp3d/>
-    <dgm:txPr/>
-    <dgm:style>
-      <a:lnRef idx="2">
-        <a:scrgbClr r="0" g="0" b="0"/>
-      </a:lnRef>
-      <a:fillRef idx="1">
-        <a:scrgbClr r="0" g="0" b="0"/>
-      </a:fillRef>
-      <a:effectRef idx="0">
-        <a:scrgbClr r="0" g="0" b="0"/>
-      </a:effectRef>
-      <a:fontRef idx="minor"/>
-    </dgm:style>
-  </dgm:styleLbl>
-  <dgm:styleLbl name="trAlignAcc1">
-    <dgm:scene3d>
-      <a:camera prst="orthographicFront"/>
-      <a:lightRig rig="threePt" dir="t"/>
-    </dgm:scene3d>
-    <dgm:sp3d/>
-    <dgm:txPr/>
-    <dgm:style>
-      <a:lnRef idx="1">
-        <a:scrgbClr r="0" g="0" b="0"/>
-      </a:lnRef>
-      <a:fillRef idx="1">
-        <a:scrgbClr r="0" g="0" b="0"/>
-      </a:fillRef>
-      <a:effectRef idx="0">
-        <a:scrgbClr r="0" g="0" b="0"/>
-      </a:effectRef>
-      <a:fontRef idx="minor"/>
-    </dgm:style>
-  </dgm:styleLbl>
-  <dgm:styleLbl name="bgAcc1">
-    <dgm:scene3d>
-      <a:camera prst="orthographicFront"/>
-      <a:lightRig rig="threePt" dir="t"/>
-    </dgm:scene3d>
-    <dgm:sp3d/>
-    <dgm:txPr/>
-    <dgm:style>
-      <a:lnRef idx="2">
-        <a:scrgbClr r="0" g="0" b="0"/>
-      </a:lnRef>
-      <a:fillRef idx="1">
-        <a:scrgbClr r="0" g="0" b="0"/>
-      </a:fillRef>
-      <a:effectRef idx="0">
-        <a:scrgbClr r="0" g="0" b="0"/>
-      </a:effectRef>
-      <a:fontRef idx="minor"/>
-    </dgm:style>
-  </dgm:styleLbl>
-  <dgm:styleLbl name="solidFgAcc1">
-    <dgm:scene3d>
-      <a:camera prst="orthographicFront"/>
-      <a:lightRig rig="threePt" dir="t"/>
-    </dgm:scene3d>
-    <dgm:sp3d/>
-    <dgm:txPr/>
-    <dgm:style>
-      <a:lnRef idx="2">
-        <a:scrgbClr r="0" g="0" b="0"/>
-      </a:lnRef>
-      <a:fillRef idx="1">
-        <a:scrgbClr r="0" g="0" b="0"/>
-      </a:fillRef>
-      <a:effectRef idx="0">
-        <a:scrgbClr r="0" g="0" b="0"/>
-      </a:effectRef>
-      <a:fontRef idx="minor"/>
-    </dgm:style>
-  </dgm:styleLbl>
-  <dgm:styleLbl name="solidAlignAcc1">
-    <dgm:scene3d>
-      <a:camera prst="orthographicFront"/>
-      <a:lightRig rig="threePt" dir="t"/>
-    </dgm:scene3d>
-    <dgm:sp3d/>
-    <dgm:txPr/>
-    <dgm:style>
-      <a:lnRef idx="2">
-        <a:scrgbClr r="0" g="0" b="0"/>
-      </a:lnRef>
-      <a:fillRef idx="1">
-        <a:scrgbClr r="0" g="0" b="0"/>
-      </a:fillRef>
-      <a:effectRef idx="0">
-        <a:scrgbClr r="0" g="0" b="0"/>
-      </a:effectRef>
-      <a:fontRef idx="minor"/>
-    </dgm:style>
-  </dgm:styleLbl>
-  <dgm:styleLbl name="solidBgAcc1">
-    <dgm:scene3d>
-      <a:camera prst="orthographicFront"/>
-      <a:lightRig rig="threePt" dir="t"/>
-    </dgm:scene3d>
-    <dgm:sp3d/>
-    <dgm:txPr/>
-    <dgm:style>
-      <a:lnRef idx="2">
-        <a:scrgbClr r="0" g="0" b="0"/>
-      </a:lnRef>
-      <a:fillRef idx="1">
-        <a:scrgbClr r="0" g="0" b="0"/>
-      </a:fillRef>
-      <a:effectRef idx="0">
-        <a:scrgbClr r="0" g="0" b="0"/>
-      </a:effectRef>
-      <a:fontRef idx="minor"/>
-    </dgm:style>
-  </dgm:styleLbl>
-  <dgm:styleLbl name="fgAccFollowNode1">
-    <dgm:scene3d>
-      <a:camera prst="orthographicFront"/>
-      <a:lightRig rig="threePt" dir="t"/>
-    </dgm:scene3d>
-    <dgm:sp3d/>
-    <dgm:txPr/>
-    <dgm:style>
-      <a:lnRef idx="2">
-        <a:scrgbClr r="0" g="0" b="0"/>
-      </a:lnRef>
-      <a:fillRef idx="1">
-        <a:scrgbClr r="0" g="0" b="0"/>
-      </a:fillRef>
-      <a:effectRef idx="0">
-        <a:scrgbClr r="0" g="0" b="0"/>
-      </a:effectRef>
-      <a:fontRef idx="minor"/>
-    </dgm:style>
-  </dgm:styleLbl>
-  <dgm:styleLbl name="alignAccFollowNode1">
-    <dgm:scene3d>
-      <a:camera prst="orthographicFront"/>
-      <a:lightRig rig="threePt" dir="t"/>
-    </dgm:scene3d>
-    <dgm:sp3d/>
-    <dgm:txPr/>
-    <dgm:style>
-      <a:lnRef idx="2">
-        <a:scrgbClr r="0" g="0" b="0"/>
-      </a:lnRef>
-      <a:fillRef idx="1">
-        <a:scrgbClr r="0" g="0" b="0"/>
-      </a:fillRef>
-      <a:effectRef idx="0">
-        <a:scrgbClr r="0" g="0" b="0"/>
-      </a:effectRef>
-      <a:fontRef idx="minor"/>
-    </dgm:style>
-  </dgm:styleLbl>
-  <dgm:styleLbl name="bgAccFollowNode1">
-    <dgm:scene3d>
-      <a:camera prst="orthographicFront"/>
-      <a:lightRig rig="threePt" dir="t"/>
-    </dgm:scene3d>
-    <dgm:sp3d/>
-    <dgm:txPr/>
-    <dgm:style>
-      <a:lnRef idx="2">
-        <a:scrgbClr r="0" g="0" b="0"/>
-      </a:lnRef>
-      <a:fillRef idx="1">
-        <a:scrgbClr r="0" g="0" b="0"/>
-      </a:fillRef>
-      <a:effectRef idx="0">
-        <a:scrgbClr r="0" g="0" b="0"/>
-      </a:effectRef>
-      <a:fontRef idx="minor"/>
-    </dgm:style>
-  </dgm:styleLbl>
-  <dgm:styleLbl name="fgAcc0">
-    <dgm:scene3d>
-      <a:camera prst="orthographicFront"/>
-      <a:lightRig rig="threePt" dir="t"/>
-    </dgm:scene3d>
-    <dgm:sp3d/>
-    <dgm:txPr/>
-    <dgm:style>
-      <a:lnRef idx="2">
-        <a:scrgbClr r="0" g="0" b="0"/>
-      </a:lnRef>
-      <a:fillRef idx="1">
-        <a:scrgbClr r="0" g="0" b="0"/>
-      </a:fillRef>
-      <a:effectRef idx="0">
-        <a:scrgbClr r="0" g="0" b="0"/>
-      </a:effectRef>
-      <a:fontRef idx="minor"/>
-    </dgm:style>
-  </dgm:styleLbl>
-  <dgm:styleLbl name="fgAcc2">
-    <dgm:scene3d>
-      <a:camera prst="orthographicFront"/>
-      <a:lightRig rig="threePt" dir="t"/>
-    </dgm:scene3d>
-    <dgm:sp3d/>
-    <dgm:txPr/>
-    <dgm:style>
-      <a:lnRef idx="2">
-        <a:scrgbClr r="0" g="0" b="0"/>
-      </a:lnRef>
-      <a:fillRef idx="1">
-        <a:scrgbClr r="0" g="0" b="0"/>
-      </a:fillRef>
-      <a:effectRef idx="0">
-        <a:scrgbClr r="0" g="0" b="0"/>
-      </a:effectRef>
-      <a:fontRef idx="minor"/>
-    </dgm:style>
-  </dgm:styleLbl>
-  <dgm:styleLbl name="fgAcc3">
-    <dgm:scene3d>
-      <a:camera prst="orthographicFront"/>
-      <a:lightRig rig="threePt" dir="t"/>
-    </dgm:scene3d>
-    <dgm:sp3d/>
-    <dgm:txPr/>
-    <dgm:style>
-      <a:lnRef idx="2">
-        <a:scrgbClr r="0" g="0" b="0"/>
-      </a:lnRef>
-      <a:fillRef idx="1">
-        <a:scrgbClr r="0" g="0" b="0"/>
-      </a:fillRef>
-      <a:effectRef idx="0">
-        <a:scrgbClr r="0" g="0" b="0"/>
-      </a:effectRef>
-      <a:fontRef idx="minor"/>
-    </dgm:style>
-  </dgm:styleLbl>
-  <dgm:styleLbl name="fgAcc4">
-    <dgm:scene3d>
-      <a:camera prst="orthographicFront"/>
-      <a:lightRig rig="threePt" dir="t"/>
-    </dgm:scene3d>
-    <dgm:sp3d/>
-    <dgm:txPr/>
-    <dgm:style>
-      <a:lnRef idx="2">
-        <a:scrgbClr r="0" g="0" b="0"/>
-      </a:lnRef>
-      <a:fillRef idx="1">
-        <a:scrgbClr r="0" g="0" b="0"/>
-      </a:fillRef>
-      <a:effectRef idx="0">
-        <a:scrgbClr r="0" g="0" b="0"/>
-      </a:effectRef>
-      <a:fontRef idx="minor"/>
-    </dgm:style>
-  </dgm:styleLbl>
-  <dgm:styleLbl name="bgShp">
-    <dgm:scene3d>
-      <a:camera prst="orthographicFront"/>
-      <a:lightRig rig="threePt" dir="t"/>
-    </dgm:scene3d>
-    <dgm:sp3d/>
-    <dgm:txPr/>
-    <dgm:style>
-      <a:lnRef idx="0">
-        <a:scrgbClr r="0" g="0" b="0"/>
-      </a:lnRef>
-      <a:fillRef idx="1">
-        <a:scrgbClr r="0" g="0" b="0"/>
-      </a:fillRef>
-      <a:effectRef idx="0">
-        <a:scrgbClr r="0" g="0" b="0"/>
-      </a:effectRef>
-      <a:fontRef idx="minor"/>
-    </dgm:style>
-  </dgm:styleLbl>
-  <dgm:styleLbl name="dkBgShp">
-    <dgm:scene3d>
-      <a:camera prst="orthographicFront"/>
-      <a:lightRig rig="threePt" dir="t"/>
-    </dgm:scene3d>
-    <dgm:sp3d/>
-    <dgm:txPr/>
-    <dgm:style>
-      <a:lnRef idx="0">
-        <a:scrgbClr r="0" g="0" b="0"/>
-      </a:lnRef>
-      <a:fillRef idx="1">
-        <a:scrgbClr r="0" g="0" b="0"/>
-      </a:fillRef>
-      <a:effectRef idx="0">
-        <a:scrgbClr r="0" g="0" b="0"/>
-      </a:effectRef>
-      <a:fontRef idx="minor"/>
-    </dgm:style>
-  </dgm:styleLbl>
-  <dgm:styleLbl name="trBgShp">
-    <dgm:scene3d>
-      <a:camera prst="orthographicFront"/>
-      <a:lightRig rig="threePt" dir="t"/>
-    </dgm:scene3d>
-    <dgm:sp3d/>
-    <dgm:txPr/>
-    <dgm:style>
-      <a:lnRef idx="0">
-        <a:scrgbClr r="0" g="0" b="0"/>
-      </a:lnRef>
-      <a:fillRef idx="1">
-        <a:scrgbClr r="0" g="0" b="0"/>
-      </a:fillRef>
-      <a:effectRef idx="0">
-        <a:scrgbClr r="0" g="0" b="0"/>
-      </a:effectRef>
-      <a:fontRef idx="minor"/>
-    </dgm:style>
-  </dgm:styleLbl>
-  <dgm:styleLbl name="fgShp">
-    <dgm:scene3d>
-      <a:camera prst="orthographicFront"/>
-      <a:lightRig rig="threePt" dir="t"/>
-    </dgm:scene3d>
-    <dgm:sp3d/>
-    <dgm:txPr/>
-    <dgm:style>
-      <a:lnRef idx="2">
-        <a:scrgbClr r="0" g="0" b="0"/>
-      </a:lnRef>
-      <a:fillRef idx="1">
-        <a:scrgbClr r="0" g="0" b="0"/>
-      </a:fillRef>
-      <a:effectRef idx="0">
-        <a:scrgbClr r="0" g="0" b="0"/>
-      </a:effectRef>
-      <a:fontRef idx="minor"/>
-    </dgm:style>
-  </dgm:styleLbl>
-  <dgm:styleLbl name="revTx">
-    <dgm:scene3d>
-      <a:camera prst="orthographicFront"/>
-      <a:lightRig rig="threePt" dir="t"/>
-    </dgm:scene3d>
-    <dgm:sp3d/>
-    <dgm:txPr/>
-    <dgm:style>
-      <a:lnRef idx="0">
-        <a:scrgbClr r="0" g="0" b="0"/>
-      </a:lnRef>
-      <a:fillRef idx="0">
-        <a:scrgbClr r="0" g="0" b="0"/>
-      </a:fillRef>
-      <a:effectRef idx="0">
-        <a:scrgbClr r="0" g="0" b="0"/>
-      </a:effectRef>
-      <a:fontRef idx="minor"/>
-    </dgm:style>
-  </dgm:styleLbl>
-</dgm:styleDef>
-</file>
-
 <file path=ppt/notesMasters/notesMaster1.xml><?xml version="1.0" encoding="utf-8"?>
 <p:notesMaster xmlns:a="http://schemas.openxmlformats.org/drawingml/2006/main" xmlns:r="http://schemas.openxmlformats.org/officeDocument/2006/relationships" xmlns:p="http://schemas.openxmlformats.org/presentationml/2006/main">
   <p:cSld>
@@ -10702,6 +7953,59 @@
           <a:chExt cx="0" cy="0"/>
         </a:xfrm>
       </p:grpSpPr>
+      <p:sp>
+        <p:nvSpPr>
+          <p:cNvPr id="25" name="Rectangle: Rounded Corners 24">
+            <a:extLst>
+              <a:ext uri="{FF2B5EF4-FFF2-40B4-BE49-F238E27FC236}">
+                <a16:creationId xmlns:a16="http://schemas.microsoft.com/office/drawing/2014/main" id="{182AF2A2-2D86-42E6-83FF-C772A0A50C4A}"/>
+              </a:ext>
+            </a:extLst>
+          </p:cNvPr>
+          <p:cNvSpPr/>
+          <p:nvPr/>
+        </p:nvSpPr>
+        <p:spPr>
+          <a:xfrm>
+            <a:off x="411481" y="1546995"/>
+            <a:ext cx="3474719" cy="4885964"/>
+          </a:xfrm>
+          <a:prstGeom prst="roundRect">
+            <a:avLst/>
+          </a:prstGeom>
+          <a:noFill/>
+          <a:ln w="6350">
+            <a:solidFill>
+              <a:schemeClr val="bg1">
+                <a:lumMod val="85000"/>
+              </a:schemeClr>
+            </a:solidFill>
+          </a:ln>
+          <a:effectLst/>
+        </p:spPr>
+        <p:style>
+          <a:lnRef idx="1">
+            <a:schemeClr val="accent1"/>
+          </a:lnRef>
+          <a:fillRef idx="3">
+            <a:schemeClr val="accent1"/>
+          </a:fillRef>
+          <a:effectRef idx="2">
+            <a:schemeClr val="accent1"/>
+          </a:effectRef>
+          <a:fontRef idx="minor">
+            <a:schemeClr val="lt1"/>
+          </a:fontRef>
+        </p:style>
+        <p:txBody>
+          <a:bodyPr rtlCol="0" anchor="ctr"/>
+          <a:lstStyle/>
+          <a:p>
+            <a:pPr algn="ctr"/>
+            <a:endParaRPr lang="en-US"/>
+          </a:p>
+        </p:txBody>
+      </p:sp>
       <p:pic>
         <p:nvPicPr>
           <p:cNvPr id="3" name="Picture 2" descr="Chart, bubble chart&#10;&#10;Description automatically generated">
@@ -10723,8 +8027,8 @@
         </p:blipFill>
         <p:spPr>
           <a:xfrm>
-            <a:off x="3657600" y="1524000"/>
-            <a:ext cx="5105400" cy="5008154"/>
+            <a:off x="4024543" y="1600200"/>
+            <a:ext cx="4738457" cy="4648200"/>
           </a:xfrm>
           <a:prstGeom prst="rect">
             <a:avLst/>
@@ -10766,6 +8070,588 @@
           </a:p>
         </p:txBody>
       </p:sp>
+      <p:pic>
+        <p:nvPicPr>
+          <p:cNvPr id="4" name="Picture 3" descr="Icon&#10;&#10;Description automatically generated">
+            <a:extLst>
+              <a:ext uri="{FF2B5EF4-FFF2-40B4-BE49-F238E27FC236}">
+                <a16:creationId xmlns:a16="http://schemas.microsoft.com/office/drawing/2014/main" id="{16F2B7EA-4211-46CF-B443-BBFA7C8EB74D}"/>
+              </a:ext>
+            </a:extLst>
+          </p:cNvPr>
+          <p:cNvPicPr>
+            <a:picLocks noChangeAspect="1"/>
+          </p:cNvPicPr>
+          <p:nvPr/>
+        </p:nvPicPr>
+        <p:blipFill rotWithShape="1">
+          <a:blip r:embed="rId3"/>
+          <a:srcRect l="5000" t="5000" r="5000" b="5000"/>
+          <a:stretch/>
+        </p:blipFill>
+        <p:spPr>
+          <a:xfrm>
+            <a:off x="2930717" y="3446790"/>
+            <a:ext cx="585952" cy="585952"/>
+          </a:xfrm>
+          <a:prstGeom prst="rect">
+            <a:avLst/>
+          </a:prstGeom>
+        </p:spPr>
+      </p:pic>
+      <p:sp>
+        <p:nvSpPr>
+          <p:cNvPr id="6" name="8-point Star 4">
+            <a:extLst>
+              <a:ext uri="{FF2B5EF4-FFF2-40B4-BE49-F238E27FC236}">
+                <a16:creationId xmlns:a16="http://schemas.microsoft.com/office/drawing/2014/main" id="{9E63825A-F432-4897-AF03-4C74D19ADE54}"/>
+              </a:ext>
+            </a:extLst>
+          </p:cNvPr>
+          <p:cNvSpPr/>
+          <p:nvPr/>
+        </p:nvSpPr>
+        <p:spPr>
+          <a:xfrm>
+            <a:off x="1869979" y="1814861"/>
+            <a:ext cx="533400" cy="472722"/>
+          </a:xfrm>
+          <a:prstGeom prst="star8">
+            <a:avLst/>
+          </a:prstGeom>
+          <a:solidFill>
+            <a:srgbClr val="88B0E2"/>
+          </a:solidFill>
+          <a:effectLst/>
+        </p:spPr>
+        <p:style>
+          <a:lnRef idx="1">
+            <a:schemeClr val="accent1"/>
+          </a:lnRef>
+          <a:fillRef idx="3">
+            <a:schemeClr val="accent1"/>
+          </a:fillRef>
+          <a:effectRef idx="2">
+            <a:schemeClr val="accent1"/>
+          </a:effectRef>
+          <a:fontRef idx="minor">
+            <a:schemeClr val="lt1"/>
+          </a:fontRef>
+        </p:style>
+        <p:txBody>
+          <a:bodyPr rtlCol="0" anchor="ctr"/>
+          <a:lstStyle/>
+          <a:p>
+            <a:pPr algn="ctr"/>
+            <a:r>
+              <a:rPr lang="en-US" dirty="0"/>
+              <a:t>8</a:t>
+            </a:r>
+          </a:p>
+        </p:txBody>
+      </p:sp>
+      <p:sp>
+        <p:nvSpPr>
+          <p:cNvPr id="7" name="TextBox 6">
+            <a:extLst>
+              <a:ext uri="{FF2B5EF4-FFF2-40B4-BE49-F238E27FC236}">
+                <a16:creationId xmlns:a16="http://schemas.microsoft.com/office/drawing/2014/main" id="{F50C9B26-0A40-4E0B-8D0C-163F88A91D94}"/>
+              </a:ext>
+            </a:extLst>
+          </p:cNvPr>
+          <p:cNvSpPr txBox="1"/>
+          <p:nvPr/>
+        </p:nvSpPr>
+        <p:spPr>
+          <a:xfrm>
+            <a:off x="738352" y="2362200"/>
+            <a:ext cx="2919248" cy="461665"/>
+          </a:xfrm>
+          <a:prstGeom prst="rect">
+            <a:avLst/>
+          </a:prstGeom>
+          <a:noFill/>
+        </p:spPr>
+        <p:txBody>
+          <a:bodyPr wrap="square" rtlCol="0">
+            <a:spAutoFit/>
+          </a:bodyPr>
+          <a:lstStyle/>
+          <a:p>
+            <a:r>
+              <a:rPr lang="en-US" sz="1200" b="1" dirty="0">
+                <a:solidFill>
+                  <a:schemeClr val="tx2">
+                    <a:lumMod val="60000"/>
+                    <a:lumOff val="40000"/>
+                  </a:schemeClr>
+                </a:solidFill>
+                <a:latin typeface="+mn-lt"/>
+              </a:rPr>
+              <a:t>Poverty estimators are highly correlated with crime rate.</a:t>
+            </a:r>
+          </a:p>
+        </p:txBody>
+      </p:sp>
+      <p:pic>
+        <p:nvPicPr>
+          <p:cNvPr id="9" name="Picture 8" descr="A picture containing scissors, brass knucks, tool&#10;&#10;Description automatically generated">
+            <a:extLst>
+              <a:ext uri="{FF2B5EF4-FFF2-40B4-BE49-F238E27FC236}">
+                <a16:creationId xmlns:a16="http://schemas.microsoft.com/office/drawing/2014/main" id="{846DCDD7-B8AF-430E-B34A-8C5640944929}"/>
+              </a:ext>
+            </a:extLst>
+          </p:cNvPr>
+          <p:cNvPicPr>
+            <a:picLocks noChangeAspect="1"/>
+          </p:cNvPicPr>
+          <p:nvPr/>
+        </p:nvPicPr>
+        <p:blipFill>
+          <a:blip r:embed="rId4"/>
+          <a:stretch>
+            <a:fillRect/>
+          </a:stretch>
+        </p:blipFill>
+        <p:spPr>
+          <a:xfrm>
+            <a:off x="2884698" y="1814861"/>
+            <a:ext cx="681077" cy="536464"/>
+          </a:xfrm>
+          <a:prstGeom prst="rect">
+            <a:avLst/>
+          </a:prstGeom>
+        </p:spPr>
+      </p:pic>
+      <p:sp>
+        <p:nvSpPr>
+          <p:cNvPr id="10" name="8-point Star 24">
+            <a:extLst>
+              <a:ext uri="{FF2B5EF4-FFF2-40B4-BE49-F238E27FC236}">
+                <a16:creationId xmlns:a16="http://schemas.microsoft.com/office/drawing/2014/main" id="{C616C240-F217-4495-9866-63EC2730BFEB}"/>
+              </a:ext>
+            </a:extLst>
+          </p:cNvPr>
+          <p:cNvSpPr/>
+          <p:nvPr/>
+        </p:nvSpPr>
+        <p:spPr>
+          <a:xfrm>
+            <a:off x="1875292" y="3525598"/>
+            <a:ext cx="533400" cy="472722"/>
+          </a:xfrm>
+          <a:prstGeom prst="star8">
+            <a:avLst/>
+          </a:prstGeom>
+          <a:solidFill>
+            <a:srgbClr val="88B0E2"/>
+          </a:solidFill>
+          <a:effectLst/>
+        </p:spPr>
+        <p:style>
+          <a:lnRef idx="1">
+            <a:schemeClr val="accent1"/>
+          </a:lnRef>
+          <a:fillRef idx="3">
+            <a:schemeClr val="accent1"/>
+          </a:fillRef>
+          <a:effectRef idx="2">
+            <a:schemeClr val="accent1"/>
+          </a:effectRef>
+          <a:fontRef idx="minor">
+            <a:schemeClr val="lt1"/>
+          </a:fontRef>
+        </p:style>
+        <p:txBody>
+          <a:bodyPr rtlCol="0" anchor="ctr"/>
+          <a:lstStyle/>
+          <a:p>
+            <a:pPr algn="ctr"/>
+            <a:r>
+              <a:rPr lang="en-US" dirty="0"/>
+              <a:t>6</a:t>
+            </a:r>
+          </a:p>
+        </p:txBody>
+      </p:sp>
+      <p:sp>
+        <p:nvSpPr>
+          <p:cNvPr id="11" name="TextBox 10">
+            <a:extLst>
+              <a:ext uri="{FF2B5EF4-FFF2-40B4-BE49-F238E27FC236}">
+                <a16:creationId xmlns:a16="http://schemas.microsoft.com/office/drawing/2014/main" id="{15209C80-9491-4DB1-BCD9-DF96E32C4337}"/>
+              </a:ext>
+            </a:extLst>
+          </p:cNvPr>
+          <p:cNvSpPr txBox="1"/>
+          <p:nvPr/>
+        </p:nvSpPr>
+        <p:spPr>
+          <a:xfrm>
+            <a:off x="738352" y="4110335"/>
+            <a:ext cx="3147848" cy="461665"/>
+          </a:xfrm>
+          <a:prstGeom prst="rect">
+            <a:avLst/>
+          </a:prstGeom>
+          <a:noFill/>
+        </p:spPr>
+        <p:txBody>
+          <a:bodyPr wrap="square" rtlCol="0">
+            <a:spAutoFit/>
+          </a:bodyPr>
+          <a:lstStyle/>
+          <a:p>
+            <a:r>
+              <a:rPr lang="en-US" sz="1200" b="1" dirty="0">
+                <a:solidFill>
+                  <a:schemeClr val="tx2">
+                    <a:lumMod val="60000"/>
+                    <a:lumOff val="40000"/>
+                  </a:schemeClr>
+                </a:solidFill>
+                <a:latin typeface="+mn-lt"/>
+              </a:rPr>
+              <a:t>Vote percentage is significantly correlated with population demography</a:t>
+            </a:r>
+          </a:p>
+        </p:txBody>
+      </p:sp>
+      <p:sp>
+        <p:nvSpPr>
+          <p:cNvPr id="13" name="8-point Star 32">
+            <a:extLst>
+              <a:ext uri="{FF2B5EF4-FFF2-40B4-BE49-F238E27FC236}">
+                <a16:creationId xmlns:a16="http://schemas.microsoft.com/office/drawing/2014/main" id="{0A85302D-B525-46CA-A338-E9A10531A3A8}"/>
+              </a:ext>
+            </a:extLst>
+          </p:cNvPr>
+          <p:cNvSpPr/>
+          <p:nvPr/>
+        </p:nvSpPr>
+        <p:spPr>
+          <a:xfrm>
+            <a:off x="1869979" y="5320061"/>
+            <a:ext cx="533400" cy="472722"/>
+          </a:xfrm>
+          <a:prstGeom prst="star8">
+            <a:avLst/>
+          </a:prstGeom>
+          <a:solidFill>
+            <a:srgbClr val="88B0E2"/>
+          </a:solidFill>
+          <a:effectLst/>
+        </p:spPr>
+        <p:style>
+          <a:lnRef idx="1">
+            <a:schemeClr val="accent1"/>
+          </a:lnRef>
+          <a:fillRef idx="3">
+            <a:schemeClr val="accent1"/>
+          </a:fillRef>
+          <a:effectRef idx="2">
+            <a:schemeClr val="accent1"/>
+          </a:effectRef>
+          <a:fontRef idx="minor">
+            <a:schemeClr val="lt1"/>
+          </a:fontRef>
+        </p:style>
+        <p:txBody>
+          <a:bodyPr rtlCol="0" anchor="ctr"/>
+          <a:lstStyle/>
+          <a:p>
+            <a:pPr algn="ctr"/>
+            <a:r>
+              <a:rPr lang="en-US" dirty="0"/>
+              <a:t>9</a:t>
+            </a:r>
+          </a:p>
+        </p:txBody>
+      </p:sp>
+      <p:sp>
+        <p:nvSpPr>
+          <p:cNvPr id="14" name="TextBox 13">
+            <a:extLst>
+              <a:ext uri="{FF2B5EF4-FFF2-40B4-BE49-F238E27FC236}">
+                <a16:creationId xmlns:a16="http://schemas.microsoft.com/office/drawing/2014/main" id="{A3461A6A-F162-4001-B06B-8D9C4FEB6A55}"/>
+              </a:ext>
+            </a:extLst>
+          </p:cNvPr>
+          <p:cNvSpPr txBox="1"/>
+          <p:nvPr/>
+        </p:nvSpPr>
+        <p:spPr>
+          <a:xfrm>
+            <a:off x="685800" y="5867400"/>
+            <a:ext cx="3200400" cy="461665"/>
+          </a:xfrm>
+          <a:prstGeom prst="rect">
+            <a:avLst/>
+          </a:prstGeom>
+          <a:noFill/>
+        </p:spPr>
+        <p:txBody>
+          <a:bodyPr wrap="square" rtlCol="0">
+            <a:spAutoFit/>
+          </a:bodyPr>
+          <a:lstStyle/>
+          <a:p>
+            <a:r>
+              <a:rPr lang="en-US" sz="1200" b="1" dirty="0">
+                <a:solidFill>
+                  <a:schemeClr val="tx2">
+                    <a:lumMod val="60000"/>
+                    <a:lumOff val="40000"/>
+                  </a:schemeClr>
+                </a:solidFill>
+                <a:latin typeface="+mn-lt"/>
+              </a:rPr>
+              <a:t>Employment indicators are highly correlated with the household income attributes</a:t>
+            </a:r>
+          </a:p>
+        </p:txBody>
+      </p:sp>
+      <p:pic>
+        <p:nvPicPr>
+          <p:cNvPr id="15" name="Picture 14" descr="Icon&#10;&#10;Description automatically generated">
+            <a:extLst>
+              <a:ext uri="{FF2B5EF4-FFF2-40B4-BE49-F238E27FC236}">
+                <a16:creationId xmlns:a16="http://schemas.microsoft.com/office/drawing/2014/main" id="{DB05643C-B952-43EC-AD81-DA9E25EC08E8}"/>
+              </a:ext>
+            </a:extLst>
+          </p:cNvPr>
+          <p:cNvPicPr>
+            <a:picLocks noChangeAspect="1"/>
+          </p:cNvPicPr>
+          <p:nvPr/>
+        </p:nvPicPr>
+        <p:blipFill rotWithShape="1">
+          <a:blip r:embed="rId5"/>
+          <a:srcRect l="12300" t="12488" r="10000" b="12677"/>
+          <a:stretch/>
+        </p:blipFill>
+        <p:spPr>
+          <a:xfrm>
+            <a:off x="775346" y="5238688"/>
+            <a:ext cx="697475" cy="671751"/>
+          </a:xfrm>
+          <a:prstGeom prst="rect">
+            <a:avLst/>
+          </a:prstGeom>
+        </p:spPr>
+      </p:pic>
+      <p:pic>
+        <p:nvPicPr>
+          <p:cNvPr id="17" name="Picture 16" descr="Icon&#10;&#10;Description automatically generated">
+            <a:extLst>
+              <a:ext uri="{FF2B5EF4-FFF2-40B4-BE49-F238E27FC236}">
+                <a16:creationId xmlns:a16="http://schemas.microsoft.com/office/drawing/2014/main" id="{1E3839C7-2AD5-4010-878C-1D441D90C543}"/>
+              </a:ext>
+            </a:extLst>
+          </p:cNvPr>
+          <p:cNvPicPr>
+            <a:picLocks noChangeAspect="1"/>
+          </p:cNvPicPr>
+          <p:nvPr/>
+        </p:nvPicPr>
+        <p:blipFill>
+          <a:blip r:embed="rId6">
+            <a:extLst>
+              <a:ext uri="{BEBA8EAE-BF5A-486C-A8C5-ECC9F3942E4B}">
+                <a14:imgProps xmlns:a14="http://schemas.microsoft.com/office/drawing/2010/main">
+                  <a14:imgLayer r:embed="rId7">
+                    <a14:imgEffect>
+                      <a14:backgroundRemoval t="10000" b="90000" l="10000" r="90000">
+                        <a14:foregroundMark x1="66204" y1="29185" x2="66204" y2="29185"/>
+                        <a14:foregroundMark x1="22222" y1="82403" x2="22222" y2="82403"/>
+                        <a14:foregroundMark x1="51852" y1="73391" x2="51852" y2="73391"/>
+                        <a14:foregroundMark x1="75463" y1="63948" x2="75463" y2="63948"/>
+                      </a14:backgroundRemoval>
+                    </a14:imgEffect>
+                  </a14:imgLayer>
+                </a14:imgProps>
+              </a:ext>
+            </a:extLst>
+          </a:blip>
+          <a:stretch>
+            <a:fillRect/>
+          </a:stretch>
+        </p:blipFill>
+        <p:spPr>
+          <a:xfrm>
+            <a:off x="708447" y="1725506"/>
+            <a:ext cx="652852" cy="704234"/>
+          </a:xfrm>
+          <a:prstGeom prst="rect">
+            <a:avLst/>
+          </a:prstGeom>
+        </p:spPr>
+      </p:pic>
+      <p:pic>
+        <p:nvPicPr>
+          <p:cNvPr id="19" name="Picture 18" descr="Shape&#10;&#10;Description automatically generated with low confidence">
+            <a:extLst>
+              <a:ext uri="{FF2B5EF4-FFF2-40B4-BE49-F238E27FC236}">
+                <a16:creationId xmlns:a16="http://schemas.microsoft.com/office/drawing/2014/main" id="{BC597733-6C98-489B-A3AD-A47883AA836E}"/>
+              </a:ext>
+            </a:extLst>
+          </p:cNvPr>
+          <p:cNvPicPr>
+            <a:picLocks noChangeAspect="1"/>
+          </p:cNvPicPr>
+          <p:nvPr/>
+        </p:nvPicPr>
+        <p:blipFill>
+          <a:blip r:embed="rId8"/>
+          <a:stretch>
+            <a:fillRect/>
+          </a:stretch>
+        </p:blipFill>
+        <p:spPr>
+          <a:xfrm>
+            <a:off x="3009706" y="5320061"/>
+            <a:ext cx="533400" cy="533400"/>
+          </a:xfrm>
+          <a:prstGeom prst="rect">
+            <a:avLst/>
+          </a:prstGeom>
+        </p:spPr>
+      </p:pic>
+      <p:pic>
+        <p:nvPicPr>
+          <p:cNvPr id="20" name="Picture 19" descr="A picture containing text, businesscard&#10;&#10;Description automatically generated">
+            <a:extLst>
+              <a:ext uri="{FF2B5EF4-FFF2-40B4-BE49-F238E27FC236}">
+                <a16:creationId xmlns:a16="http://schemas.microsoft.com/office/drawing/2014/main" id="{3261CBEF-7530-4741-B879-05E3BE8433FA}"/>
+              </a:ext>
+            </a:extLst>
+          </p:cNvPr>
+          <p:cNvPicPr>
+            <a:picLocks noChangeAspect="1"/>
+          </p:cNvPicPr>
+          <p:nvPr/>
+        </p:nvPicPr>
+        <p:blipFill>
+          <a:blip r:embed="rId9">
+            <a:extLst>
+              <a:ext uri="{BEBA8EAE-BF5A-486C-A8C5-ECC9F3942E4B}">
+                <a14:imgProps xmlns:a14="http://schemas.microsoft.com/office/drawing/2010/main">
+                  <a14:imgLayer r:embed="rId10">
+                    <a14:imgEffect>
+                      <a14:backgroundRemoval t="10000" b="90000" l="10000" r="90000">
+                        <a14:foregroundMark x1="42391" y1="50087" x2="62935" y2="50435"/>
+                        <a14:foregroundMark x1="22065" y1="54000" x2="20761" y2="58609"/>
+                        <a14:foregroundMark x1="60217" y1="23913" x2="60000" y2="29913"/>
+                        <a14:foregroundMark x1="79130" y1="23391" x2="86413" y2="24087"/>
+                      </a14:backgroundRemoval>
+                    </a14:imgEffect>
+                  </a14:imgLayer>
+                </a14:imgProps>
+              </a:ext>
+            </a:extLst>
+          </a:blip>
+          <a:stretch>
+            <a:fillRect/>
+          </a:stretch>
+        </p:blipFill>
+        <p:spPr>
+          <a:xfrm>
+            <a:off x="775346" y="3396450"/>
+            <a:ext cx="672399" cy="840498"/>
+          </a:xfrm>
+          <a:prstGeom prst="rect">
+            <a:avLst/>
+          </a:prstGeom>
+        </p:spPr>
+      </p:pic>
+      <p:cxnSp>
+        <p:nvCxnSpPr>
+          <p:cNvPr id="22" name="Straight Connector 21">
+            <a:extLst>
+              <a:ext uri="{FF2B5EF4-FFF2-40B4-BE49-F238E27FC236}">
+                <a16:creationId xmlns:a16="http://schemas.microsoft.com/office/drawing/2014/main" id="{FBAB904A-27FA-47A3-9A79-2A7D0B8174EB}"/>
+              </a:ext>
+            </a:extLst>
+          </p:cNvPr>
+          <p:cNvCxnSpPr/>
+          <p:nvPr/>
+        </p:nvCxnSpPr>
+        <p:spPr>
+          <a:xfrm>
+            <a:off x="738352" y="2819400"/>
+            <a:ext cx="2855842" cy="0"/>
+          </a:xfrm>
+          <a:prstGeom prst="line">
+            <a:avLst/>
+          </a:prstGeom>
+          <a:ln w="6350">
+            <a:solidFill>
+              <a:schemeClr val="bg1">
+                <a:lumMod val="85000"/>
+              </a:schemeClr>
+            </a:solidFill>
+          </a:ln>
+          <a:effectLst/>
+        </p:spPr>
+        <p:style>
+          <a:lnRef idx="2">
+            <a:schemeClr val="accent1"/>
+          </a:lnRef>
+          <a:fillRef idx="0">
+            <a:schemeClr val="accent1"/>
+          </a:fillRef>
+          <a:effectRef idx="1">
+            <a:schemeClr val="accent1"/>
+          </a:effectRef>
+          <a:fontRef idx="minor">
+            <a:schemeClr val="tx1"/>
+          </a:fontRef>
+        </p:style>
+      </p:cxnSp>
+      <p:cxnSp>
+        <p:nvCxnSpPr>
+          <p:cNvPr id="23" name="Straight Connector 22">
+            <a:extLst>
+              <a:ext uri="{FF2B5EF4-FFF2-40B4-BE49-F238E27FC236}">
+                <a16:creationId xmlns:a16="http://schemas.microsoft.com/office/drawing/2014/main" id="{9B745CFA-D3D2-4F58-B9F2-6A7A9145457F}"/>
+              </a:ext>
+            </a:extLst>
+          </p:cNvPr>
+          <p:cNvCxnSpPr/>
+          <p:nvPr/>
+        </p:nvCxnSpPr>
+        <p:spPr>
+          <a:xfrm>
+            <a:off x="801758" y="4572000"/>
+            <a:ext cx="2855842" cy="0"/>
+          </a:xfrm>
+          <a:prstGeom prst="line">
+            <a:avLst/>
+          </a:prstGeom>
+          <a:ln w="6350">
+            <a:solidFill>
+              <a:schemeClr val="bg1">
+                <a:lumMod val="85000"/>
+              </a:schemeClr>
+            </a:solidFill>
+          </a:ln>
+          <a:effectLst/>
+        </p:spPr>
+        <p:style>
+          <a:lnRef idx="2">
+            <a:schemeClr val="accent1"/>
+          </a:lnRef>
+          <a:fillRef idx="0">
+            <a:schemeClr val="accent1"/>
+          </a:fillRef>
+          <a:effectRef idx="1">
+            <a:schemeClr val="accent1"/>
+          </a:effectRef>
+          <a:fontRef idx="minor">
+            <a:schemeClr val="tx1"/>
+          </a:fontRef>
+        </p:style>
+      </p:cxnSp>
     </p:spTree>
     <p:extLst>
       <p:ext uri="{BB962C8B-B14F-4D97-AF65-F5344CB8AC3E}">
@@ -10798,141 +8684,6 @@
       </p:grpSpPr>
       <p:sp>
         <p:nvSpPr>
-          <p:cNvPr id="3" name="Title 2">
-            <a:extLst>
-              <a:ext uri="{FF2B5EF4-FFF2-40B4-BE49-F238E27FC236}">
-                <a16:creationId xmlns:a16="http://schemas.microsoft.com/office/drawing/2014/main" id="{1024C6D2-1032-1347-B6E4-B230C49C9D3E}"/>
-              </a:ext>
-            </a:extLst>
-          </p:cNvPr>
-          <p:cNvSpPr>
-            <a:spLocks noGrp="1"/>
-          </p:cNvSpPr>
-          <p:nvPr>
-            <p:ph type="ctrTitle"/>
-          </p:nvPr>
-        </p:nvSpPr>
-        <p:spPr>
-          <a:xfrm>
-            <a:off x="457200" y="838201"/>
-            <a:ext cx="8229600" cy="762000"/>
-          </a:xfrm>
-        </p:spPr>
-        <p:txBody>
-          <a:bodyPr wrap="square" anchor="t">
-            <a:normAutofit/>
-          </a:bodyPr>
-          <a:lstStyle/>
-          <a:p>
-            <a:r>
-              <a:rPr lang="en-US" dirty="0"/>
-              <a:t>Analytical Methods (1</a:t>
-            </a:r>
-            <a:r>
-              <a:rPr lang="en-US" baseline="30000" dirty="0"/>
-              <a:t>st</a:t>
-            </a:r>
-            <a:r>
-              <a:rPr lang="en-US" dirty="0"/>
-              <a:t> Question)</a:t>
-            </a:r>
-          </a:p>
-        </p:txBody>
-      </p:sp>
-      <p:graphicFrame>
-        <p:nvGraphicFramePr>
-          <p:cNvPr id="8" name="Content Placeholder 7">
-            <a:extLst>
-              <a:ext uri="{FF2B5EF4-FFF2-40B4-BE49-F238E27FC236}">
-                <a16:creationId xmlns:a16="http://schemas.microsoft.com/office/drawing/2014/main" id="{7CF91319-326C-7A4D-805B-10C20AB8FB82}"/>
-              </a:ext>
-            </a:extLst>
-          </p:cNvPr>
-          <p:cNvGraphicFramePr>
-            <a:graphicFrameLocks noGrp="1"/>
-          </p:cNvGraphicFramePr>
-          <p:nvPr>
-            <p:ph idx="1"/>
-          </p:nvPr>
-        </p:nvGraphicFramePr>
-        <p:xfrm>
-          <a:off x="457200" y="1600200"/>
-          <a:ext cx="8229600" cy="4525963"/>
-        </p:xfrm>
-        <a:graphic>
-          <a:graphicData uri="http://schemas.openxmlformats.org/drawingml/2006/diagram">
-            <dgm:relIds xmlns:dgm="http://schemas.openxmlformats.org/drawingml/2006/diagram" xmlns:r="http://schemas.openxmlformats.org/officeDocument/2006/relationships" r:dm="rId2" r:lo="rId3" r:qs="rId4" r:cs="rId5"/>
-          </a:graphicData>
-        </a:graphic>
-      </p:graphicFrame>
-    </p:spTree>
-    <p:extLst>
-      <p:ext uri="{BB962C8B-B14F-4D97-AF65-F5344CB8AC3E}">
-        <p14:creationId xmlns:p14="http://schemas.microsoft.com/office/powerpoint/2010/main" val="3501034588"/>
-      </p:ext>
-    </p:extLst>
-  </p:cSld>
-  <p:clrMapOvr>
-    <a:masterClrMapping/>
-  </p:clrMapOvr>
-</p:sld>
-</file>
-
-<file path=ppt/slides/slide12.xml><?xml version="1.0" encoding="utf-8"?>
-<p:sld xmlns:a="http://schemas.openxmlformats.org/drawingml/2006/main" xmlns:r="http://schemas.openxmlformats.org/officeDocument/2006/relationships" xmlns:p="http://schemas.openxmlformats.org/presentationml/2006/main">
-  <p:cSld>
-    <p:spTree>
-      <p:nvGrpSpPr>
-        <p:cNvPr id="1" name=""/>
-        <p:cNvGrpSpPr/>
-        <p:nvPr/>
-      </p:nvGrpSpPr>
-      <p:grpSpPr>
-        <a:xfrm>
-          <a:off x="0" y="0"/>
-          <a:ext cx="0" cy="0"/>
-          <a:chOff x="0" y="0"/>
-          <a:chExt cx="0" cy="0"/>
-        </a:xfrm>
-      </p:grpSpPr>
-      <p:sp>
-        <p:nvSpPr>
-          <p:cNvPr id="2" name="Title 1">
-            <a:extLst>
-              <a:ext uri="{FF2B5EF4-FFF2-40B4-BE49-F238E27FC236}">
-                <a16:creationId xmlns:a16="http://schemas.microsoft.com/office/drawing/2014/main" id="{135623CD-BB19-2141-8334-EBE8D5ED4BF8}"/>
-              </a:ext>
-            </a:extLst>
-          </p:cNvPr>
-          <p:cNvSpPr>
-            <a:spLocks noGrp="1"/>
-          </p:cNvSpPr>
-          <p:nvPr>
-            <p:ph type="ctrTitle"/>
-          </p:nvPr>
-        </p:nvSpPr>
-        <p:spPr/>
-        <p:txBody>
-          <a:bodyPr/>
-          <a:lstStyle/>
-          <a:p>
-            <a:r>
-              <a:rPr lang="en-US" dirty="0"/>
-              <a:t>Analytical Methods (1</a:t>
-            </a:r>
-            <a:r>
-              <a:rPr lang="en-US" baseline="30000" dirty="0"/>
-              <a:t>st</a:t>
-            </a:r>
-            <a:r>
-              <a:rPr lang="en-US" dirty="0"/>
-              <a:t> Question)</a:t>
-            </a:r>
-          </a:p>
-        </p:txBody>
-      </p:sp>
-      <p:sp>
-        <p:nvSpPr>
           <p:cNvPr id="7" name="Content Placeholder 1">
             <a:extLst>
               <a:ext uri="{FF2B5EF4-FFF2-40B4-BE49-F238E27FC236}">
@@ -11155,6 +8906,41 @@
           </a:p>
         </p:txBody>
       </p:sp>
+      <p:sp>
+        <p:nvSpPr>
+          <p:cNvPr id="5" name="Title 2">
+            <a:extLst>
+              <a:ext uri="{FF2B5EF4-FFF2-40B4-BE49-F238E27FC236}">
+                <a16:creationId xmlns:a16="http://schemas.microsoft.com/office/drawing/2014/main" id="{C7B3E1ED-D462-4459-B5B0-03807F84ABE3}"/>
+              </a:ext>
+            </a:extLst>
+          </p:cNvPr>
+          <p:cNvSpPr>
+            <a:spLocks noGrp="1"/>
+          </p:cNvSpPr>
+          <p:nvPr>
+            <p:ph type="ctrTitle"/>
+          </p:nvPr>
+        </p:nvSpPr>
+        <p:spPr>
+          <a:xfrm>
+            <a:off x="457200" y="685800"/>
+            <a:ext cx="8229600" cy="762000"/>
+          </a:xfrm>
+        </p:spPr>
+        <p:txBody>
+          <a:bodyPr wrap="square" anchor="t">
+            <a:normAutofit/>
+          </a:bodyPr>
+          <a:lstStyle/>
+          <a:p>
+            <a:r>
+              <a:rPr lang="en-US" dirty="0"/>
+              <a:t>Stepwise and Linear Regression</a:t>
+            </a:r>
+          </a:p>
+        </p:txBody>
+      </p:sp>
     </p:spTree>
     <p:extLst>
       <p:ext uri="{BB962C8B-B14F-4D97-AF65-F5344CB8AC3E}">
@@ -11168,7 +8954,7 @@
 </p:sld>
 </file>
 
-<file path=ppt/slides/slide13.xml><?xml version="1.0" encoding="utf-8"?>
+<file path=ppt/slides/slide12.xml><?xml version="1.0" encoding="utf-8"?>
 <p:sld xmlns:a="http://schemas.openxmlformats.org/drawingml/2006/main" xmlns:r="http://schemas.openxmlformats.org/officeDocument/2006/relationships" xmlns:p="http://schemas.openxmlformats.org/presentationml/2006/main">
   <p:cSld>
     <p:spTree>
@@ -11278,15 +9064,7 @@
           <a:p>
             <a:r>
               <a:rPr lang="en-US" dirty="0"/>
-              <a:t>Analytical Methods (2</a:t>
-            </a:r>
-            <a:r>
-              <a:rPr lang="en-US" baseline="30000" dirty="0"/>
-              <a:t>nd</a:t>
-            </a:r>
-            <a:r>
-              <a:rPr lang="en-US" dirty="0"/>
-              <a:t> Question)</a:t>
+              <a:t>Lasso Regression</a:t>
             </a:r>
           </a:p>
         </p:txBody>
@@ -11304,7 +9082,7 @@
 </p:sld>
 </file>
 
-<file path=ppt/slides/slide14.xml><?xml version="1.0" encoding="utf-8"?>
+<file path=ppt/slides/slide13.xml><?xml version="1.0" encoding="utf-8"?>
 <p:sld xmlns:a="http://schemas.openxmlformats.org/drawingml/2006/main" xmlns:r="http://schemas.openxmlformats.org/officeDocument/2006/relationships" xmlns:p="http://schemas.openxmlformats.org/presentationml/2006/main">
   <p:cSld>
     <p:spTree>
@@ -11600,7 +9378,7 @@
 </p:sld>
 </file>
 
-<file path=ppt/slides/slide15.xml><?xml version="1.0" encoding="utf-8"?>
+<file path=ppt/slides/slide14.xml><?xml version="1.0" encoding="utf-8"?>
 <p:sld xmlns:a="http://schemas.openxmlformats.org/drawingml/2006/main" xmlns:r="http://schemas.openxmlformats.org/officeDocument/2006/relationships" xmlns:p="http://schemas.openxmlformats.org/presentationml/2006/main">
   <p:cSld>
     <p:spTree>
@@ -16950,58 +14728,23 @@
             </a:bodyPr>
             <a:lstStyle/>
             <a:p>
-              <a:pPr marL="0" marR="0" lvl="0" indent="0" defTabSz="914400" eaLnBrk="1" fontAlgn="auto" latinLnBrk="0" hangingPunct="1">
-                <a:lnSpc>
-                  <a:spcPct val="100000"/>
-                </a:lnSpc>
-                <a:spcBef>
-                  <a:spcPts val="0"/>
-                </a:spcBef>
-                <a:spcAft>
-                  <a:spcPts val="0"/>
-                </a:spcAft>
+              <a:pPr>
                 <a:buClr>
                   <a:srgbClr val="000000"/>
                 </a:buClr>
-                <a:buSzTx/>
-                <a:buFont typeface="Arial"/>
-                <a:buNone/>
-                <a:tabLst/>
-                <a:defRPr/>
               </a:pPr>
               <a:r>
-                <a:rPr kumimoji="0" lang="en" sz="1200" b="0" i="0" u="none" strike="noStrike" kern="0" cap="none" spc="0" normalizeH="0" baseline="0" noProof="0">
-                  <a:ln>
-                    <a:noFill/>
-                  </a:ln>
+                <a:rPr lang="en-US" sz="1200" kern="0" dirty="0">
                   <a:solidFill>
                     <a:srgbClr val="434343"/>
                   </a:solidFill>
-                  <a:effectLst/>
-                  <a:uLnTx/>
-                  <a:uFillTx/>
                   <a:latin typeface="Roboto"/>
                   <a:ea typeface="Roboto"/>
                   <a:cs typeface="Roboto"/>
                   <a:sym typeface="Roboto"/>
                 </a:rPr>
-                <a:t>Mercury is the closest planet to the Sun and the smallest one</a:t>
+                <a:t>Study the strength of relationships between variables</a:t>
               </a:r>
-              <a:endParaRPr kumimoji="0" sz="1200" b="0" i="0" u="none" strike="noStrike" kern="0" cap="none" spc="0" normalizeH="0" baseline="0" noProof="0">
-                <a:ln>
-                  <a:noFill/>
-                </a:ln>
-                <a:solidFill>
-                  <a:srgbClr val="434343"/>
-                </a:solidFill>
-                <a:effectLst/>
-                <a:uLnTx/>
-                <a:uFillTx/>
-                <a:latin typeface="Roboto"/>
-                <a:ea typeface="Roboto"/>
-                <a:cs typeface="Roboto"/>
-                <a:sym typeface="Roboto"/>
-              </a:endParaRPr>
             </a:p>
           </p:txBody>
         </p:sp>
@@ -17110,9 +14853,9 @@
         <p:grpSpPr>
           <a:xfrm>
             <a:off x="5715000" y="3138616"/>
-            <a:ext cx="2328600" cy="784362"/>
+            <a:ext cx="2590800" cy="784362"/>
             <a:chOff x="5500850" y="1655600"/>
-            <a:chExt cx="2328600" cy="784362"/>
+            <a:chExt cx="2590800" cy="784362"/>
           </a:xfrm>
         </p:grpSpPr>
         <p:sp>
@@ -17130,7 +14873,7 @@
           <p:spPr>
             <a:xfrm>
               <a:off x="5500850" y="1907162"/>
-              <a:ext cx="2328600" cy="532800"/>
+              <a:ext cx="2590800" cy="532800"/>
             </a:xfrm>
             <a:prstGeom prst="rect">
               <a:avLst/>
@@ -17146,58 +14889,23 @@
             </a:bodyPr>
             <a:lstStyle/>
             <a:p>
-              <a:pPr marL="0" marR="0" lvl="0" indent="0" defTabSz="914400" eaLnBrk="1" fontAlgn="auto" latinLnBrk="0" hangingPunct="1">
-                <a:lnSpc>
-                  <a:spcPct val="100000"/>
-                </a:lnSpc>
-                <a:spcBef>
-                  <a:spcPts val="0"/>
-                </a:spcBef>
-                <a:spcAft>
-                  <a:spcPts val="0"/>
-                </a:spcAft>
+              <a:pPr>
                 <a:buClr>
                   <a:srgbClr val="000000"/>
                 </a:buClr>
-                <a:buSzTx/>
-                <a:buFont typeface="Arial"/>
-                <a:buNone/>
-                <a:tabLst/>
-                <a:defRPr/>
               </a:pPr>
               <a:r>
-                <a:rPr kumimoji="0" lang="en" sz="1200" b="0" i="0" u="none" strike="noStrike" kern="0" cap="none" spc="0" normalizeH="0" baseline="0" noProof="0">
-                  <a:ln>
-                    <a:noFill/>
-                  </a:ln>
+                <a:rPr lang="en-US" sz="1200" kern="0" dirty="0">
                   <a:solidFill>
                     <a:srgbClr val="434343"/>
                   </a:solidFill>
-                  <a:effectLst/>
-                  <a:uLnTx/>
-                  <a:uFillTx/>
                   <a:latin typeface="Roboto"/>
                   <a:ea typeface="Roboto"/>
                   <a:cs typeface="Roboto"/>
                   <a:sym typeface="Roboto"/>
                 </a:rPr>
-                <a:t>Despite being red, Mars is actually a cold place</a:t>
+                <a:t>Selection of statistically significant features for predictive modeling</a:t>
               </a:r>
-              <a:endParaRPr kumimoji="0" sz="1200" b="0" i="0" u="none" strike="noStrike" kern="0" cap="none" spc="0" normalizeH="0" baseline="0" noProof="0">
-                <a:ln>
-                  <a:noFill/>
-                </a:ln>
-                <a:solidFill>
-                  <a:srgbClr val="434343"/>
-                </a:solidFill>
-                <a:effectLst/>
-                <a:uLnTx/>
-                <a:uFillTx/>
-                <a:latin typeface="Roboto"/>
-                <a:ea typeface="Roboto"/>
-                <a:cs typeface="Roboto"/>
-                <a:sym typeface="Roboto"/>
-              </a:endParaRPr>
             </a:p>
           </p:txBody>
         </p:sp>
@@ -17306,9 +15014,9 @@
         <p:grpSpPr>
           <a:xfrm>
             <a:off x="5715000" y="4122008"/>
-            <a:ext cx="2328600" cy="784362"/>
+            <a:ext cx="2590800" cy="784362"/>
             <a:chOff x="5500850" y="2564550"/>
-            <a:chExt cx="2328600" cy="784362"/>
+            <a:chExt cx="2590800" cy="784362"/>
           </a:xfrm>
         </p:grpSpPr>
         <p:sp>
@@ -17326,7 +15034,7 @@
           <p:spPr>
             <a:xfrm>
               <a:off x="5500850" y="2816112"/>
-              <a:ext cx="2328600" cy="532800"/>
+              <a:ext cx="2590800" cy="532800"/>
             </a:xfrm>
             <a:prstGeom prst="rect">
               <a:avLst/>
@@ -17342,21 +15050,13 @@
             </a:bodyPr>
             <a:lstStyle/>
             <a:p>
-              <a:pPr defTabSz="914400" fontAlgn="auto">
-                <a:spcBef>
-                  <a:spcPts val="0"/>
-                </a:spcBef>
-                <a:spcAft>
-                  <a:spcPts val="0"/>
-                </a:spcAft>
+              <a:pPr>
                 <a:buClr>
                   <a:srgbClr val="000000"/>
                 </a:buClr>
-                <a:buFont typeface="Arial"/>
-                <a:buNone/>
               </a:pPr>
               <a:r>
-                <a:rPr lang="en" sz="1200" kern="0">
+                <a:rPr lang="en-US" sz="1200" kern="0" dirty="0">
                   <a:solidFill>
                     <a:srgbClr val="434343"/>
                   </a:solidFill>
@@ -17365,17 +15065,8 @@
                   <a:cs typeface="Roboto"/>
                   <a:sym typeface="Roboto"/>
                 </a:rPr>
-                <a:t>Earth, where we live on, is the third planet from the Sun</a:t>
+                <a:t>Reduces model complexity and prevents over-fitting of the model</a:t>
               </a:r>
-              <a:endParaRPr sz="1200" kern="0">
-                <a:solidFill>
-                  <a:srgbClr val="434343"/>
-                </a:solidFill>
-                <a:latin typeface="Roboto"/>
-                <a:ea typeface="Roboto"/>
-                <a:cs typeface="Roboto"/>
-                <a:sym typeface="Roboto"/>
-              </a:endParaRPr>
             </a:p>
           </p:txBody>
         </p:sp>
@@ -17466,9 +15157,9 @@
         <p:grpSpPr>
           <a:xfrm>
             <a:off x="5715000" y="5105400"/>
-            <a:ext cx="2328600" cy="784362"/>
+            <a:ext cx="2590800" cy="784362"/>
             <a:chOff x="5500850" y="3501425"/>
-            <a:chExt cx="2328600" cy="784362"/>
+            <a:chExt cx="2590800" cy="784362"/>
           </a:xfrm>
         </p:grpSpPr>
         <p:sp>
@@ -17486,7 +15177,7 @@
           <p:spPr>
             <a:xfrm>
               <a:off x="5500850" y="3752987"/>
-              <a:ext cx="2328600" cy="532800"/>
+              <a:ext cx="2590800" cy="532800"/>
             </a:xfrm>
             <a:prstGeom prst="rect">
               <a:avLst/>
@@ -17502,58 +15193,23 @@
             </a:bodyPr>
             <a:lstStyle/>
             <a:p>
-              <a:pPr marL="0" marR="0" lvl="0" indent="0" defTabSz="914400" eaLnBrk="1" fontAlgn="auto" latinLnBrk="0" hangingPunct="1">
-                <a:lnSpc>
-                  <a:spcPct val="100000"/>
-                </a:lnSpc>
-                <a:spcBef>
-                  <a:spcPts val="0"/>
-                </a:spcBef>
-                <a:spcAft>
-                  <a:spcPts val="0"/>
-                </a:spcAft>
+              <a:pPr>
                 <a:buClr>
                   <a:srgbClr val="000000"/>
                 </a:buClr>
-                <a:buSzTx/>
-                <a:buFont typeface="Arial"/>
-                <a:buNone/>
-                <a:tabLst/>
-                <a:defRPr/>
               </a:pPr>
               <a:r>
-                <a:rPr kumimoji="0" lang="en" sz="1200" b="0" i="0" u="none" strike="noStrike" kern="0" cap="none" spc="0" normalizeH="0" baseline="0" noProof="0">
-                  <a:ln>
-                    <a:noFill/>
-                  </a:ln>
+                <a:rPr lang="en-US" sz="1200" kern="0" dirty="0">
                   <a:solidFill>
                     <a:srgbClr val="434343"/>
                   </a:solidFill>
-                  <a:effectLst/>
-                  <a:uLnTx/>
-                  <a:uFillTx/>
                   <a:latin typeface="Roboto"/>
                   <a:ea typeface="Roboto"/>
                   <a:cs typeface="Roboto"/>
                   <a:sym typeface="Roboto"/>
                 </a:rPr>
-                <a:t>Jupiter is a gas giant and the biggest planet of them all</a:t>
+                <a:t>Linear modeling technique of a scalar outcome variable with one or more exploratory variables</a:t>
               </a:r>
-              <a:endParaRPr kumimoji="0" sz="1200" b="0" i="0" u="none" strike="noStrike" kern="0" cap="none" spc="0" normalizeH="0" baseline="0" noProof="0">
-                <a:ln>
-                  <a:noFill/>
-                </a:ln>
-                <a:solidFill>
-                  <a:srgbClr val="434343"/>
-                </a:solidFill>
-                <a:effectLst/>
-                <a:uLnTx/>
-                <a:uFillTx/>
-                <a:latin typeface="Roboto"/>
-                <a:ea typeface="Roboto"/>
-                <a:cs typeface="Roboto"/>
-                <a:sym typeface="Roboto"/>
-              </a:endParaRPr>
             </a:p>
           </p:txBody>
         </p:sp>

--- a/Final Submission/Presidential Election Analysis_Final.pptx
+++ b/Final Submission/Presidential Election Analysis_Final.pptx
@@ -5,7 +5,7 @@
     <p:sldMasterId id="2147483661" r:id="rId1"/>
   </p:sldMasterIdLst>
   <p:notesMasterIdLst>
-    <p:notesMasterId r:id="rId16"/>
+    <p:notesMasterId r:id="rId17"/>
   </p:notesMasterIdLst>
   <p:sldIdLst>
     <p:sldId id="257" r:id="rId2"/>
@@ -22,6 +22,7 @@
     <p:sldId id="295" r:id="rId13"/>
     <p:sldId id="284" r:id="rId14"/>
     <p:sldId id="296" r:id="rId15"/>
+    <p:sldId id="301" r:id="rId16"/>
   </p:sldIdLst>
   <p:sldSz cx="9144000" cy="6858000" type="screen4x3"/>
   <p:notesSz cx="6858000" cy="9144000"/>
@@ -169,6 +170,7 @@
             <p14:sldId id="295"/>
             <p14:sldId id="284"/>
             <p14:sldId id="296"/>
+            <p14:sldId id="301"/>
           </p14:sldIdLst>
         </p14:section>
         <p14:section name="Appendix" id="{A4AAB954-8FEE-4714-9544-CAC247C59A44}">
@@ -3928,14 +3930,14 @@
           </a:ln>
           <a:extLst>
             <a:ext uri="{909E8E84-426E-40dd-AFC4-6F175D3DCCD1}">
-              <a14:hiddenFill xmlns="" xmlns:a14="http://schemas.microsoft.com/office/drawing/2010/main">
+              <a14:hiddenFill xmlns:a14="http://schemas.microsoft.com/office/drawing/2010/main" xmlns="">
                 <a:solidFill>
                   <a:srgbClr val="FFFFFF"/>
                 </a:solidFill>
               </a14:hiddenFill>
             </a:ext>
             <a:ext uri="{91240B29-F687-4f45-9708-019B960494DF}">
-              <a14:hiddenLine xmlns="" xmlns:a14="http://schemas.microsoft.com/office/drawing/2010/main" w="9525">
+              <a14:hiddenLine xmlns:a14="http://schemas.microsoft.com/office/drawing/2010/main" xmlns="" w="9525">
                 <a:solidFill>
                   <a:srgbClr val="000000"/>
                 </a:solidFill>
@@ -4153,14 +4155,14 @@
           </a:ln>
           <a:extLst>
             <a:ext uri="{909E8E84-426E-40dd-AFC4-6F175D3DCCD1}">
-              <a14:hiddenFill xmlns="" xmlns:a14="http://schemas.microsoft.com/office/drawing/2010/main">
+              <a14:hiddenFill xmlns:a14="http://schemas.microsoft.com/office/drawing/2010/main" xmlns="">
                 <a:solidFill>
                   <a:srgbClr val="FFFFFF"/>
                 </a:solidFill>
               </a14:hiddenFill>
             </a:ext>
             <a:ext uri="{91240B29-F687-4f45-9708-019B960494DF}">
-              <a14:hiddenLine xmlns="" xmlns:a14="http://schemas.microsoft.com/office/drawing/2010/main" w="9525">
+              <a14:hiddenLine xmlns:a14="http://schemas.microsoft.com/office/drawing/2010/main" xmlns="" w="9525">
                 <a:solidFill>
                   <a:srgbClr val="000000"/>
                 </a:solidFill>
@@ -9043,10 +9045,10 @@
       </p:sp>
       <p:sp>
         <p:nvSpPr>
-          <p:cNvPr id="3" name="Title 2">
+          <p:cNvPr id="5" name="Title 2">
             <a:extLst>
               <a:ext uri="{FF2B5EF4-FFF2-40B4-BE49-F238E27FC236}">
-                <a16:creationId xmlns:a16="http://schemas.microsoft.com/office/drawing/2014/main" id="{7FB84903-A9B1-1C4A-9ECB-B390DD7DC7A3}"/>
+                <a16:creationId xmlns:a16="http://schemas.microsoft.com/office/drawing/2014/main" id="{2AEFDFD8-CEE9-41D2-9F89-54296340D420}"/>
               </a:ext>
             </a:extLst>
           </p:cNvPr>
@@ -9057,14 +9059,21 @@
             <p:ph type="ctrTitle"/>
           </p:nvPr>
         </p:nvSpPr>
-        <p:spPr/>
+        <p:spPr>
+          <a:xfrm>
+            <a:off x="457200" y="685800"/>
+            <a:ext cx="8229600" cy="762000"/>
+          </a:xfrm>
+        </p:spPr>
         <p:txBody>
-          <a:bodyPr/>
+          <a:bodyPr wrap="square" anchor="t">
+            <a:normAutofit/>
+          </a:bodyPr>
           <a:lstStyle/>
           <a:p>
             <a:r>
               <a:rPr lang="en-US" dirty="0"/>
-              <a:t>Lasso Regression</a:t>
+              <a:t>Lasso Regularization</a:t>
             </a:r>
           </a:p>
         </p:txBody>
@@ -9101,248 +9110,10 @@
       </p:grpSpPr>
       <p:sp>
         <p:nvSpPr>
-          <p:cNvPr id="5" name="Content Placeholder 1">
+          <p:cNvPr id="6" name="Title 2">
             <a:extLst>
               <a:ext uri="{FF2B5EF4-FFF2-40B4-BE49-F238E27FC236}">
-                <a16:creationId xmlns:a16="http://schemas.microsoft.com/office/drawing/2014/main" id="{500581A0-6AB4-4AB8-A1A3-1AC7BDEA079C}"/>
-              </a:ext>
-            </a:extLst>
-          </p:cNvPr>
-          <p:cNvSpPr txBox="1">
-            <a:spLocks/>
-          </p:cNvSpPr>
-          <p:nvPr/>
-        </p:nvSpPr>
-        <p:spPr bwMode="auto">
-          <a:xfrm>
-            <a:off x="609600" y="1752600"/>
-            <a:ext cx="8229600" cy="4525963"/>
-          </a:xfrm>
-          <a:prstGeom prst="rect">
-            <a:avLst/>
-          </a:prstGeom>
-          <a:noFill/>
-          <a:ln>
-            <a:noFill/>
-          </a:ln>
-          <a:extLst>
-            <a:ext uri="{909E8E84-426E-40DD-AFC4-6F175D3DCCD1}">
-              <a14:hiddenFill xmlns:a14="http://schemas.microsoft.com/office/drawing/2010/main">
-                <a:solidFill>
-                  <a:srgbClr val="FFFFFF"/>
-                </a:solidFill>
-              </a14:hiddenFill>
-            </a:ext>
-            <a:ext uri="{91240B29-F687-4F45-9708-019B960494DF}">
-              <a14:hiddenLine xmlns:a14="http://schemas.microsoft.com/office/drawing/2010/main" w="9525">
-                <a:solidFill>
-                  <a:srgbClr val="000000"/>
-                </a:solidFill>
-                <a:miter lim="800000"/>
-                <a:headEnd/>
-                <a:tailEnd/>
-              </a14:hiddenLine>
-            </a:ext>
-          </a:extLst>
-        </p:spPr>
-        <p:txBody>
-          <a:bodyPr vert="horz" wrap="square" lIns="91440" tIns="45720" rIns="91440" bIns="45720" numCol="1" anchor="t" anchorCtr="0" compatLnSpc="1">
-            <a:prstTxWarp prst="textNoShape">
-              <a:avLst/>
-            </a:prstTxWarp>
-          </a:bodyPr>
-          <a:lstStyle>
-            <a:lvl1pPr marL="342900" indent="-342900" algn="l" defTabSz="457200" rtl="0" eaLnBrk="0" fontAlgn="base" hangingPunct="0">
-              <a:spcBef>
-                <a:spcPct val="20000"/>
-              </a:spcBef>
-              <a:spcAft>
-                <a:spcPct val="0"/>
-              </a:spcAft>
-              <a:buFont typeface="Arial" panose="020B0604020202020204" pitchFamily="34" charset="0"/>
-              <a:buChar char="•"/>
-              <a:defRPr sz="3200" kern="1200">
-                <a:solidFill>
-                  <a:schemeClr val="tx1"/>
-                </a:solidFill>
-                <a:latin typeface="Helvetica"/>
-                <a:ea typeface="ＭＳ Ｐゴシック" charset="0"/>
-                <a:cs typeface="ＭＳ Ｐゴシック" charset="0"/>
-              </a:defRPr>
-            </a:lvl1pPr>
-            <a:lvl2pPr marL="742950" indent="-285750" algn="l" defTabSz="457200" rtl="0" eaLnBrk="0" fontAlgn="base" hangingPunct="0">
-              <a:spcBef>
-                <a:spcPct val="20000"/>
-              </a:spcBef>
-              <a:spcAft>
-                <a:spcPct val="0"/>
-              </a:spcAft>
-              <a:buFont typeface="Arial" panose="020B0604020202020204" pitchFamily="34" charset="0"/>
-              <a:buChar char="–"/>
-              <a:defRPr sz="2800" kern="1200">
-                <a:solidFill>
-                  <a:schemeClr val="tx1"/>
-                </a:solidFill>
-                <a:latin typeface="Helvetica"/>
-                <a:ea typeface="ＭＳ Ｐゴシック" charset="0"/>
-                <a:cs typeface="+mn-cs"/>
-              </a:defRPr>
-            </a:lvl2pPr>
-            <a:lvl3pPr marL="1143000" indent="-228600" algn="l" defTabSz="457200" rtl="0" eaLnBrk="0" fontAlgn="base" hangingPunct="0">
-              <a:spcBef>
-                <a:spcPct val="20000"/>
-              </a:spcBef>
-              <a:spcAft>
-                <a:spcPct val="0"/>
-              </a:spcAft>
-              <a:buFont typeface="Arial" panose="020B0604020202020204" pitchFamily="34" charset="0"/>
-              <a:buChar char="•"/>
-              <a:defRPr sz="2400" kern="1200">
-                <a:solidFill>
-                  <a:schemeClr val="tx1"/>
-                </a:solidFill>
-                <a:latin typeface="Helvetica"/>
-                <a:ea typeface="ＭＳ Ｐゴシック" charset="0"/>
-                <a:cs typeface="+mn-cs"/>
-              </a:defRPr>
-            </a:lvl3pPr>
-            <a:lvl4pPr marL="1600200" indent="-228600" algn="l" defTabSz="457200" rtl="0" eaLnBrk="0" fontAlgn="base" hangingPunct="0">
-              <a:spcBef>
-                <a:spcPct val="20000"/>
-              </a:spcBef>
-              <a:spcAft>
-                <a:spcPct val="0"/>
-              </a:spcAft>
-              <a:buFont typeface="Arial" panose="020B0604020202020204" pitchFamily="34" charset="0"/>
-              <a:buChar char="–"/>
-              <a:defRPr sz="2000" kern="1200">
-                <a:solidFill>
-                  <a:schemeClr val="tx1"/>
-                </a:solidFill>
-                <a:latin typeface="Helvetica"/>
-                <a:ea typeface="ＭＳ Ｐゴシック" charset="0"/>
-                <a:cs typeface="+mn-cs"/>
-              </a:defRPr>
-            </a:lvl4pPr>
-            <a:lvl5pPr marL="2057400" indent="-228600" algn="l" defTabSz="457200" rtl="0" eaLnBrk="0" fontAlgn="base" hangingPunct="0">
-              <a:spcBef>
-                <a:spcPct val="20000"/>
-              </a:spcBef>
-              <a:spcAft>
-                <a:spcPct val="0"/>
-              </a:spcAft>
-              <a:buFont typeface="Arial" panose="020B0604020202020204" pitchFamily="34" charset="0"/>
-              <a:buChar char="»"/>
-              <a:defRPr sz="2000" kern="1200">
-                <a:solidFill>
-                  <a:schemeClr val="tx1"/>
-                </a:solidFill>
-                <a:latin typeface="Helvetica"/>
-                <a:ea typeface="ＭＳ Ｐゴシック" charset="0"/>
-                <a:cs typeface="+mn-cs"/>
-              </a:defRPr>
-            </a:lvl5pPr>
-            <a:lvl6pPr marL="2514600" indent="-228600" algn="l" defTabSz="457200" rtl="0" eaLnBrk="1" latinLnBrk="0" hangingPunct="1">
-              <a:spcBef>
-                <a:spcPct val="20000"/>
-              </a:spcBef>
-              <a:buFont typeface="Arial"/>
-              <a:buChar char="•"/>
-              <a:defRPr sz="2000" kern="1200">
-                <a:solidFill>
-                  <a:schemeClr val="tx1"/>
-                </a:solidFill>
-                <a:latin typeface="+mn-lt"/>
-                <a:ea typeface="+mn-ea"/>
-                <a:cs typeface="+mn-cs"/>
-              </a:defRPr>
-            </a:lvl6pPr>
-            <a:lvl7pPr marL="2971800" indent="-228600" algn="l" defTabSz="457200" rtl="0" eaLnBrk="1" latinLnBrk="0" hangingPunct="1">
-              <a:spcBef>
-                <a:spcPct val="20000"/>
-              </a:spcBef>
-              <a:buFont typeface="Arial"/>
-              <a:buChar char="•"/>
-              <a:defRPr sz="2000" kern="1200">
-                <a:solidFill>
-                  <a:schemeClr val="tx1"/>
-                </a:solidFill>
-                <a:latin typeface="+mn-lt"/>
-                <a:ea typeface="+mn-ea"/>
-                <a:cs typeface="+mn-cs"/>
-              </a:defRPr>
-            </a:lvl7pPr>
-            <a:lvl8pPr marL="3429000" indent="-228600" algn="l" defTabSz="457200" rtl="0" eaLnBrk="1" latinLnBrk="0" hangingPunct="1">
-              <a:spcBef>
-                <a:spcPct val="20000"/>
-              </a:spcBef>
-              <a:buFont typeface="Arial"/>
-              <a:buChar char="•"/>
-              <a:defRPr sz="2000" kern="1200">
-                <a:solidFill>
-                  <a:schemeClr val="tx1"/>
-                </a:solidFill>
-                <a:latin typeface="+mn-lt"/>
-                <a:ea typeface="+mn-ea"/>
-                <a:cs typeface="+mn-cs"/>
-              </a:defRPr>
-            </a:lvl8pPr>
-            <a:lvl9pPr marL="3886200" indent="-228600" algn="l" defTabSz="457200" rtl="0" eaLnBrk="1" latinLnBrk="0" hangingPunct="1">
-              <a:spcBef>
-                <a:spcPct val="20000"/>
-              </a:spcBef>
-              <a:buFont typeface="Arial"/>
-              <a:buChar char="•"/>
-              <a:defRPr sz="2000" kern="1200">
-                <a:solidFill>
-                  <a:schemeClr val="tx1"/>
-                </a:solidFill>
-                <a:latin typeface="+mn-lt"/>
-                <a:ea typeface="+mn-ea"/>
-                <a:cs typeface="+mn-cs"/>
-              </a:defRPr>
-            </a:lvl9pPr>
-          </a:lstStyle>
-          <a:p>
-            <a:r>
-              <a:rPr lang="en-US" sz="2000" dirty="0"/>
-              <a:t>The number of cars sold from 1983 till 2000 were very less and most of them were manual cars.</a:t>
-            </a:r>
-          </a:p>
-          <a:p>
-            <a:r>
-              <a:rPr lang="en-US" sz="2000" dirty="0"/>
-              <a:t>After 2005, the demand of automatic cars increased.</a:t>
-            </a:r>
-          </a:p>
-          <a:p>
-            <a:r>
-              <a:rPr lang="en-US" sz="2000" dirty="0"/>
-              <a:t>Linear Regression is a good choice to model the selling price variable as it is linearly depended on some of the other independent variables.</a:t>
-            </a:r>
-          </a:p>
-          <a:p>
-            <a:r>
-              <a:rPr lang="en-US" sz="2000" dirty="0"/>
-              <a:t>The Coefficient of Determination (r</a:t>
-            </a:r>
-            <a:r>
-              <a:rPr lang="en-US" sz="2000" baseline="30000" dirty="0"/>
-              <a:t>2</a:t>
-            </a:r>
-            <a:r>
-              <a:rPr lang="en-US" sz="2000" dirty="0"/>
-              <a:t>) is around 91%, which means that 91% variance of price variable is explained by independent variables.</a:t>
-            </a:r>
-          </a:p>
-        </p:txBody>
-      </p:sp>
-      <p:sp>
-        <p:nvSpPr>
-          <p:cNvPr id="2" name="Title 1">
-            <a:extLst>
-              <a:ext uri="{FF2B5EF4-FFF2-40B4-BE49-F238E27FC236}">
-                <a16:creationId xmlns:a16="http://schemas.microsoft.com/office/drawing/2014/main" id="{28BEB936-80C7-1B46-9BEC-5B3D10E85DCB}"/>
+                <a16:creationId xmlns:a16="http://schemas.microsoft.com/office/drawing/2014/main" id="{2EDE6439-EA2D-4642-8138-8935529E1636}"/>
               </a:ext>
             </a:extLst>
           </p:cNvPr>
@@ -9353,14 +9124,21 @@
             <p:ph type="ctrTitle"/>
           </p:nvPr>
         </p:nvSpPr>
-        <p:spPr/>
+        <p:spPr>
+          <a:xfrm>
+            <a:off x="457200" y="685800"/>
+            <a:ext cx="8229600" cy="762000"/>
+          </a:xfrm>
+        </p:spPr>
         <p:txBody>
-          <a:bodyPr/>
+          <a:bodyPr wrap="square" anchor="t">
+            <a:normAutofit/>
+          </a:bodyPr>
           <a:lstStyle/>
           <a:p>
             <a:r>
               <a:rPr lang="en-US" dirty="0"/>
-              <a:t>Conclusion</a:t>
+              <a:t>Recommendation</a:t>
             </a:r>
           </a:p>
         </p:txBody>
@@ -9397,248 +9175,10 @@
       </p:grpSpPr>
       <p:sp>
         <p:nvSpPr>
-          <p:cNvPr id="5" name="Content Placeholder 1">
+          <p:cNvPr id="6" name="Title 2">
             <a:extLst>
               <a:ext uri="{FF2B5EF4-FFF2-40B4-BE49-F238E27FC236}">
-                <a16:creationId xmlns:a16="http://schemas.microsoft.com/office/drawing/2014/main" id="{500581A0-6AB4-4AB8-A1A3-1AC7BDEA079C}"/>
-              </a:ext>
-            </a:extLst>
-          </p:cNvPr>
-          <p:cNvSpPr txBox="1">
-            <a:spLocks/>
-          </p:cNvSpPr>
-          <p:nvPr/>
-        </p:nvSpPr>
-        <p:spPr bwMode="auto">
-          <a:xfrm>
-            <a:off x="609600" y="1752600"/>
-            <a:ext cx="8229600" cy="4525963"/>
-          </a:xfrm>
-          <a:prstGeom prst="rect">
-            <a:avLst/>
-          </a:prstGeom>
-          <a:noFill/>
-          <a:ln>
-            <a:noFill/>
-          </a:ln>
-          <a:extLst>
-            <a:ext uri="{909E8E84-426E-40DD-AFC4-6F175D3DCCD1}">
-              <a14:hiddenFill xmlns:a14="http://schemas.microsoft.com/office/drawing/2010/main">
-                <a:solidFill>
-                  <a:srgbClr val="FFFFFF"/>
-                </a:solidFill>
-              </a14:hiddenFill>
-            </a:ext>
-            <a:ext uri="{91240B29-F687-4F45-9708-019B960494DF}">
-              <a14:hiddenLine xmlns:a14="http://schemas.microsoft.com/office/drawing/2010/main" w="9525">
-                <a:solidFill>
-                  <a:srgbClr val="000000"/>
-                </a:solidFill>
-                <a:miter lim="800000"/>
-                <a:headEnd/>
-                <a:tailEnd/>
-              </a14:hiddenLine>
-            </a:ext>
-          </a:extLst>
-        </p:spPr>
-        <p:txBody>
-          <a:bodyPr vert="horz" wrap="square" lIns="91440" tIns="45720" rIns="91440" bIns="45720" numCol="1" anchor="t" anchorCtr="0" compatLnSpc="1">
-            <a:prstTxWarp prst="textNoShape">
-              <a:avLst/>
-            </a:prstTxWarp>
-          </a:bodyPr>
-          <a:lstStyle>
-            <a:lvl1pPr marL="342900" indent="-342900" algn="l" defTabSz="457200" rtl="0" eaLnBrk="0" fontAlgn="base" hangingPunct="0">
-              <a:spcBef>
-                <a:spcPct val="20000"/>
-              </a:spcBef>
-              <a:spcAft>
-                <a:spcPct val="0"/>
-              </a:spcAft>
-              <a:buFont typeface="Arial" panose="020B0604020202020204" pitchFamily="34" charset="0"/>
-              <a:buChar char="•"/>
-              <a:defRPr sz="3200" kern="1200">
-                <a:solidFill>
-                  <a:schemeClr val="tx1"/>
-                </a:solidFill>
-                <a:latin typeface="Helvetica"/>
-                <a:ea typeface="ＭＳ Ｐゴシック" charset="0"/>
-                <a:cs typeface="ＭＳ Ｐゴシック" charset="0"/>
-              </a:defRPr>
-            </a:lvl1pPr>
-            <a:lvl2pPr marL="742950" indent="-285750" algn="l" defTabSz="457200" rtl="0" eaLnBrk="0" fontAlgn="base" hangingPunct="0">
-              <a:spcBef>
-                <a:spcPct val="20000"/>
-              </a:spcBef>
-              <a:spcAft>
-                <a:spcPct val="0"/>
-              </a:spcAft>
-              <a:buFont typeface="Arial" panose="020B0604020202020204" pitchFamily="34" charset="0"/>
-              <a:buChar char="–"/>
-              <a:defRPr sz="2800" kern="1200">
-                <a:solidFill>
-                  <a:schemeClr val="tx1"/>
-                </a:solidFill>
-                <a:latin typeface="Helvetica"/>
-                <a:ea typeface="ＭＳ Ｐゴシック" charset="0"/>
-                <a:cs typeface="+mn-cs"/>
-              </a:defRPr>
-            </a:lvl2pPr>
-            <a:lvl3pPr marL="1143000" indent="-228600" algn="l" defTabSz="457200" rtl="0" eaLnBrk="0" fontAlgn="base" hangingPunct="0">
-              <a:spcBef>
-                <a:spcPct val="20000"/>
-              </a:spcBef>
-              <a:spcAft>
-                <a:spcPct val="0"/>
-              </a:spcAft>
-              <a:buFont typeface="Arial" panose="020B0604020202020204" pitchFamily="34" charset="0"/>
-              <a:buChar char="•"/>
-              <a:defRPr sz="2400" kern="1200">
-                <a:solidFill>
-                  <a:schemeClr val="tx1"/>
-                </a:solidFill>
-                <a:latin typeface="Helvetica"/>
-                <a:ea typeface="ＭＳ Ｐゴシック" charset="0"/>
-                <a:cs typeface="+mn-cs"/>
-              </a:defRPr>
-            </a:lvl3pPr>
-            <a:lvl4pPr marL="1600200" indent="-228600" algn="l" defTabSz="457200" rtl="0" eaLnBrk="0" fontAlgn="base" hangingPunct="0">
-              <a:spcBef>
-                <a:spcPct val="20000"/>
-              </a:spcBef>
-              <a:spcAft>
-                <a:spcPct val="0"/>
-              </a:spcAft>
-              <a:buFont typeface="Arial" panose="020B0604020202020204" pitchFamily="34" charset="0"/>
-              <a:buChar char="–"/>
-              <a:defRPr sz="2000" kern="1200">
-                <a:solidFill>
-                  <a:schemeClr val="tx1"/>
-                </a:solidFill>
-                <a:latin typeface="Helvetica"/>
-                <a:ea typeface="ＭＳ Ｐゴシック" charset="0"/>
-                <a:cs typeface="+mn-cs"/>
-              </a:defRPr>
-            </a:lvl4pPr>
-            <a:lvl5pPr marL="2057400" indent="-228600" algn="l" defTabSz="457200" rtl="0" eaLnBrk="0" fontAlgn="base" hangingPunct="0">
-              <a:spcBef>
-                <a:spcPct val="20000"/>
-              </a:spcBef>
-              <a:spcAft>
-                <a:spcPct val="0"/>
-              </a:spcAft>
-              <a:buFont typeface="Arial" panose="020B0604020202020204" pitchFamily="34" charset="0"/>
-              <a:buChar char="»"/>
-              <a:defRPr sz="2000" kern="1200">
-                <a:solidFill>
-                  <a:schemeClr val="tx1"/>
-                </a:solidFill>
-                <a:latin typeface="Helvetica"/>
-                <a:ea typeface="ＭＳ Ｐゴシック" charset="0"/>
-                <a:cs typeface="+mn-cs"/>
-              </a:defRPr>
-            </a:lvl5pPr>
-            <a:lvl6pPr marL="2514600" indent="-228600" algn="l" defTabSz="457200" rtl="0" eaLnBrk="1" latinLnBrk="0" hangingPunct="1">
-              <a:spcBef>
-                <a:spcPct val="20000"/>
-              </a:spcBef>
-              <a:buFont typeface="Arial"/>
-              <a:buChar char="•"/>
-              <a:defRPr sz="2000" kern="1200">
-                <a:solidFill>
-                  <a:schemeClr val="tx1"/>
-                </a:solidFill>
-                <a:latin typeface="+mn-lt"/>
-                <a:ea typeface="+mn-ea"/>
-                <a:cs typeface="+mn-cs"/>
-              </a:defRPr>
-            </a:lvl6pPr>
-            <a:lvl7pPr marL="2971800" indent="-228600" algn="l" defTabSz="457200" rtl="0" eaLnBrk="1" latinLnBrk="0" hangingPunct="1">
-              <a:spcBef>
-                <a:spcPct val="20000"/>
-              </a:spcBef>
-              <a:buFont typeface="Arial"/>
-              <a:buChar char="•"/>
-              <a:defRPr sz="2000" kern="1200">
-                <a:solidFill>
-                  <a:schemeClr val="tx1"/>
-                </a:solidFill>
-                <a:latin typeface="+mn-lt"/>
-                <a:ea typeface="+mn-ea"/>
-                <a:cs typeface="+mn-cs"/>
-              </a:defRPr>
-            </a:lvl7pPr>
-            <a:lvl8pPr marL="3429000" indent="-228600" algn="l" defTabSz="457200" rtl="0" eaLnBrk="1" latinLnBrk="0" hangingPunct="1">
-              <a:spcBef>
-                <a:spcPct val="20000"/>
-              </a:spcBef>
-              <a:buFont typeface="Arial"/>
-              <a:buChar char="•"/>
-              <a:defRPr sz="2000" kern="1200">
-                <a:solidFill>
-                  <a:schemeClr val="tx1"/>
-                </a:solidFill>
-                <a:latin typeface="+mn-lt"/>
-                <a:ea typeface="+mn-ea"/>
-                <a:cs typeface="+mn-cs"/>
-              </a:defRPr>
-            </a:lvl8pPr>
-            <a:lvl9pPr marL="3886200" indent="-228600" algn="l" defTabSz="457200" rtl="0" eaLnBrk="1" latinLnBrk="0" hangingPunct="1">
-              <a:spcBef>
-                <a:spcPct val="20000"/>
-              </a:spcBef>
-              <a:buFont typeface="Arial"/>
-              <a:buChar char="•"/>
-              <a:defRPr sz="2000" kern="1200">
-                <a:solidFill>
-                  <a:schemeClr val="tx1"/>
-                </a:solidFill>
-                <a:latin typeface="+mn-lt"/>
-                <a:ea typeface="+mn-ea"/>
-                <a:cs typeface="+mn-cs"/>
-              </a:defRPr>
-            </a:lvl9pPr>
-          </a:lstStyle>
-          <a:p>
-            <a:r>
-              <a:rPr lang="en-US" sz="2000" dirty="0"/>
-              <a:t>The number of cars sold from 1983 till 2000 were very less and most of them were manual cars.</a:t>
-            </a:r>
-          </a:p>
-          <a:p>
-            <a:r>
-              <a:rPr lang="en-US" sz="2000" dirty="0"/>
-              <a:t>After 2005, the demand of automatic cars increased.</a:t>
-            </a:r>
-          </a:p>
-          <a:p>
-            <a:r>
-              <a:rPr lang="en-US" sz="2000" dirty="0"/>
-              <a:t>Linear Regression is a good choice to model the selling price variable as it is linearly depended on some of the other independent variables.</a:t>
-            </a:r>
-          </a:p>
-          <a:p>
-            <a:r>
-              <a:rPr lang="en-US" sz="2000" dirty="0"/>
-              <a:t>The Coefficient of Determination (r</a:t>
-            </a:r>
-            <a:r>
-              <a:rPr lang="en-US" sz="2000" baseline="30000" dirty="0"/>
-              <a:t>2</a:t>
-            </a:r>
-            <a:r>
-              <a:rPr lang="en-US" sz="2000" dirty="0"/>
-              <a:t>) is around 91%, which means that 91% variance of price variable is explained by independent variables.</a:t>
-            </a:r>
-          </a:p>
-        </p:txBody>
-      </p:sp>
-      <p:sp>
-        <p:nvSpPr>
-          <p:cNvPr id="2" name="Title 1">
-            <a:extLst>
-              <a:ext uri="{FF2B5EF4-FFF2-40B4-BE49-F238E27FC236}">
-                <a16:creationId xmlns:a16="http://schemas.microsoft.com/office/drawing/2014/main" id="{28BEB936-80C7-1B46-9BEC-5B3D10E85DCB}"/>
+                <a16:creationId xmlns:a16="http://schemas.microsoft.com/office/drawing/2014/main" id="{47FFD90C-7D91-4613-8229-E8555B2E7070}"/>
               </a:ext>
             </a:extLst>
           </p:cNvPr>
@@ -9649,14 +9189,132 @@
             <p:ph type="ctrTitle"/>
           </p:nvPr>
         </p:nvSpPr>
-        <p:spPr/>
+        <p:spPr>
+          <a:xfrm>
+            <a:off x="457200" y="685800"/>
+            <a:ext cx="8229600" cy="762000"/>
+          </a:xfrm>
+        </p:spPr>
         <p:txBody>
-          <a:bodyPr/>
+          <a:bodyPr wrap="square" anchor="t">
+            <a:normAutofit/>
+          </a:bodyPr>
           <a:lstStyle/>
           <a:p>
             <a:r>
               <a:rPr lang="en-US" dirty="0"/>
               <a:t>Further Improvements</a:t>
+            </a:r>
+          </a:p>
+        </p:txBody>
+      </p:sp>
+      <p:sp>
+        <p:nvSpPr>
+          <p:cNvPr id="4" name="TextBox 3">
+            <a:extLst>
+              <a:ext uri="{FF2B5EF4-FFF2-40B4-BE49-F238E27FC236}">
+                <a16:creationId xmlns:a16="http://schemas.microsoft.com/office/drawing/2014/main" id="{76358F44-F47E-4C14-8C11-5F40739E31DA}"/>
+              </a:ext>
+            </a:extLst>
+          </p:cNvPr>
+          <p:cNvSpPr txBox="1"/>
+          <p:nvPr/>
+        </p:nvSpPr>
+        <p:spPr>
+          <a:xfrm>
+            <a:off x="1905000" y="1828800"/>
+            <a:ext cx="6781800" cy="830997"/>
+          </a:xfrm>
+          <a:prstGeom prst="rect">
+            <a:avLst/>
+          </a:prstGeom>
+          <a:noFill/>
+        </p:spPr>
+        <p:txBody>
+          <a:bodyPr wrap="square" rtlCol="0">
+            <a:spAutoFit/>
+          </a:bodyPr>
+          <a:lstStyle/>
+          <a:p>
+            <a:r>
+              <a:rPr lang="en-US" sz="1600" dirty="0">
+                <a:latin typeface="+mn-lt"/>
+              </a:rPr>
+              <a:t>The variables included in the model are not sufficient to explain the dependent variables. Other variables would be required to improve the model, like macro and micro economic variables, policy making, approval rating etc.</a:t>
+            </a:r>
+          </a:p>
+        </p:txBody>
+      </p:sp>
+      <p:sp>
+        <p:nvSpPr>
+          <p:cNvPr id="7" name="TextBox 6">
+            <a:extLst>
+              <a:ext uri="{FF2B5EF4-FFF2-40B4-BE49-F238E27FC236}">
+                <a16:creationId xmlns:a16="http://schemas.microsoft.com/office/drawing/2014/main" id="{9E46E372-F5C9-4283-945B-65955C85FD8C}"/>
+              </a:ext>
+            </a:extLst>
+          </p:cNvPr>
+          <p:cNvSpPr txBox="1"/>
+          <p:nvPr/>
+        </p:nvSpPr>
+        <p:spPr>
+          <a:xfrm>
+            <a:off x="1877008" y="3040797"/>
+            <a:ext cx="6781800" cy="830997"/>
+          </a:xfrm>
+          <a:prstGeom prst="rect">
+            <a:avLst/>
+          </a:prstGeom>
+          <a:noFill/>
+        </p:spPr>
+        <p:txBody>
+          <a:bodyPr wrap="square" rtlCol="0">
+            <a:spAutoFit/>
+          </a:bodyPr>
+          <a:lstStyle/>
+          <a:p>
+            <a:r>
+              <a:rPr lang="en-US" sz="1600" dirty="0">
+                <a:latin typeface="+mn-lt"/>
+              </a:rPr>
+              <a:t>The dependent variable did not have linear relationship with some independent variables. A non-linear tree-based regression model like Random Forest or Gradient Boosting might work better.</a:t>
+            </a:r>
+          </a:p>
+        </p:txBody>
+      </p:sp>
+      <p:sp>
+        <p:nvSpPr>
+          <p:cNvPr id="8" name="TextBox 7">
+            <a:extLst>
+              <a:ext uri="{FF2B5EF4-FFF2-40B4-BE49-F238E27FC236}">
+                <a16:creationId xmlns:a16="http://schemas.microsoft.com/office/drawing/2014/main" id="{2A08E0EC-FE9F-42C8-A34E-C020BE6D37D6}"/>
+              </a:ext>
+            </a:extLst>
+          </p:cNvPr>
+          <p:cNvSpPr txBox="1"/>
+          <p:nvPr/>
+        </p:nvSpPr>
+        <p:spPr>
+          <a:xfrm>
+            <a:off x="1877008" y="4252794"/>
+            <a:ext cx="6781800" cy="830997"/>
+          </a:xfrm>
+          <a:prstGeom prst="rect">
+            <a:avLst/>
+          </a:prstGeom>
+          <a:noFill/>
+        </p:spPr>
+        <p:txBody>
+          <a:bodyPr wrap="square" rtlCol="0">
+            <a:spAutoFit/>
+          </a:bodyPr>
+          <a:lstStyle/>
+          <a:p>
+            <a:r>
+              <a:rPr lang="en-US" sz="1600" dirty="0">
+                <a:latin typeface="+mn-lt"/>
+              </a:rPr>
+              <a:t>The dependent variable did not have linear relationship with some independent variables. A non-linear tree-based regression model like Random Forest or Gradient Boosting might work better.</a:t>
             </a:r>
           </a:p>
         </p:txBody>
@@ -9665,6 +9323,66 @@
     <p:extLst>
       <p:ext uri="{BB962C8B-B14F-4D97-AF65-F5344CB8AC3E}">
         <p14:creationId xmlns:p14="http://schemas.microsoft.com/office/powerpoint/2010/main" val="402406314"/>
+      </p:ext>
+    </p:extLst>
+  </p:cSld>
+  <p:clrMapOvr>
+    <a:masterClrMapping/>
+  </p:clrMapOvr>
+</p:sld>
+</file>
+
+<file path=ppt/slides/slide15.xml><?xml version="1.0" encoding="utf-8"?>
+<p:sld xmlns:a="http://schemas.openxmlformats.org/drawingml/2006/main" xmlns:r="http://schemas.openxmlformats.org/officeDocument/2006/relationships" xmlns:p="http://schemas.openxmlformats.org/presentationml/2006/main">
+  <p:cSld>
+    <p:spTree>
+      <p:nvGrpSpPr>
+        <p:cNvPr id="1" name=""/>
+        <p:cNvGrpSpPr/>
+        <p:nvPr/>
+      </p:nvGrpSpPr>
+      <p:grpSpPr>
+        <a:xfrm>
+          <a:off x="0" y="0"/>
+          <a:ext cx="0" cy="0"/>
+          <a:chOff x="0" y="0"/>
+          <a:chExt cx="0" cy="0"/>
+        </a:xfrm>
+      </p:grpSpPr>
+      <p:pic>
+        <p:nvPicPr>
+          <p:cNvPr id="4" name="Picture 3" descr="A picture containing chart&#10;&#10;Description automatically generated">
+            <a:extLst>
+              <a:ext uri="{FF2B5EF4-FFF2-40B4-BE49-F238E27FC236}">
+                <a16:creationId xmlns:a16="http://schemas.microsoft.com/office/drawing/2014/main" id="{69CF1080-1631-4E69-99FF-0ECF427ED22B}"/>
+              </a:ext>
+            </a:extLst>
+          </p:cNvPr>
+          <p:cNvPicPr>
+            <a:picLocks noChangeAspect="1"/>
+          </p:cNvPicPr>
+          <p:nvPr/>
+        </p:nvPicPr>
+        <p:blipFill>
+          <a:blip r:embed="rId2"/>
+          <a:stretch>
+            <a:fillRect/>
+          </a:stretch>
+        </p:blipFill>
+        <p:spPr>
+          <a:xfrm>
+            <a:off x="1524000" y="1295400"/>
+            <a:ext cx="5689600" cy="4267200"/>
+          </a:xfrm>
+          <a:prstGeom prst="rect">
+            <a:avLst/>
+          </a:prstGeom>
+        </p:spPr>
+      </p:pic>
+    </p:spTree>
+    <p:extLst>
+      <p:ext uri="{BB962C8B-B14F-4D97-AF65-F5344CB8AC3E}">
+        <p14:creationId xmlns:p14="http://schemas.microsoft.com/office/powerpoint/2010/main" val="3170060798"/>
       </p:ext>
     </p:extLst>
   </p:cSld>
@@ -10552,8 +10270,8 @@
         </p:nvSpPr>
         <p:spPr>
           <a:xfrm>
-            <a:off x="2368350" y="4684188"/>
-            <a:ext cx="2047272" cy="307777"/>
+            <a:off x="2368350" y="4572000"/>
+            <a:ext cx="2047272" cy="523220"/>
           </a:xfrm>
           <a:prstGeom prst="rect">
             <a:avLst/>
@@ -10570,7 +10288,7 @@
               <a:rPr lang="en-US" sz="1400" dirty="0">
                 <a:latin typeface="+mj-lt"/>
               </a:rPr>
-              <a:t>Employment estimators</a:t>
+              <a:t>Education and employment estimators</a:t>
             </a:r>
           </a:p>
         </p:txBody>

--- a/Final Submission/Presidential Election Analysis_Final.pptx
+++ b/Final Submission/Presidential Election Analysis_Final.pptx
@@ -19,7 +19,7 @@
     <p:sldId id="294" r:id="rId10"/>
     <p:sldId id="291" r:id="rId11"/>
     <p:sldId id="292" r:id="rId12"/>
-    <p:sldId id="295" r:id="rId13"/>
+    <p:sldId id="302" r:id="rId13"/>
     <p:sldId id="284" r:id="rId14"/>
     <p:sldId id="296" r:id="rId15"/>
     <p:sldId id="301" r:id="rId16"/>
@@ -167,7 +167,7 @@
             <p14:sldId id="294"/>
             <p14:sldId id="291"/>
             <p14:sldId id="292"/>
-            <p14:sldId id="295"/>
+            <p14:sldId id="302"/>
             <p14:sldId id="284"/>
             <p14:sldId id="296"/>
             <p14:sldId id="301"/>
@@ -7957,7 +7957,7 @@
       </p:grpSpPr>
       <p:sp>
         <p:nvSpPr>
-          <p:cNvPr id="25" name="Rectangle: Rounded Corners 24">
+          <p:cNvPr id="25" name="Rectangle 24">
             <a:extLst>
               <a:ext uri="{FF2B5EF4-FFF2-40B4-BE49-F238E27FC236}">
                 <a16:creationId xmlns:a16="http://schemas.microsoft.com/office/drawing/2014/main" id="{182AF2A2-2D86-42E6-83FF-C772A0A50C4A}"/>
@@ -7972,7 +7972,7 @@
             <a:off x="411481" y="1546995"/>
             <a:ext cx="3474719" cy="4885964"/>
           </a:xfrm>
-          <a:prstGeom prst="roundRect">
+          <a:prstGeom prst="rect">
             <a:avLst/>
           </a:prstGeom>
           <a:noFill/>
@@ -8686,6 +8686,59 @@
       </p:grpSpPr>
       <p:sp>
         <p:nvSpPr>
+          <p:cNvPr id="12" name="Rectangle: Diagonal Corners Rounded 11">
+            <a:extLst>
+              <a:ext uri="{FF2B5EF4-FFF2-40B4-BE49-F238E27FC236}">
+                <a16:creationId xmlns:a16="http://schemas.microsoft.com/office/drawing/2014/main" id="{67EC419A-46E8-41F0-8033-0EBE0310D1ED}"/>
+              </a:ext>
+            </a:extLst>
+          </p:cNvPr>
+          <p:cNvSpPr/>
+          <p:nvPr/>
+        </p:nvSpPr>
+        <p:spPr>
+          <a:xfrm>
+            <a:off x="5125617" y="2809740"/>
+            <a:ext cx="3789782" cy="2886150"/>
+          </a:xfrm>
+          <a:prstGeom prst="round2DiagRect">
+            <a:avLst/>
+          </a:prstGeom>
+          <a:solidFill>
+            <a:schemeClr val="bg1">
+              <a:lumMod val="95000"/>
+            </a:schemeClr>
+          </a:solidFill>
+          <a:ln>
+            <a:noFill/>
+          </a:ln>
+          <a:effectLst/>
+        </p:spPr>
+        <p:style>
+          <a:lnRef idx="1">
+            <a:schemeClr val="accent1"/>
+          </a:lnRef>
+          <a:fillRef idx="3">
+            <a:schemeClr val="accent1"/>
+          </a:fillRef>
+          <a:effectRef idx="2">
+            <a:schemeClr val="accent1"/>
+          </a:effectRef>
+          <a:fontRef idx="minor">
+            <a:schemeClr val="lt1"/>
+          </a:fontRef>
+        </p:style>
+        <p:txBody>
+          <a:bodyPr rtlCol="0" anchor="ctr"/>
+          <a:lstStyle/>
+          <a:p>
+            <a:pPr algn="ctr"/>
+            <a:endParaRPr lang="en-US"/>
+          </a:p>
+        </p:txBody>
+      </p:sp>
+      <p:sp>
+        <p:nvSpPr>
           <p:cNvPr id="7" name="Content Placeholder 1">
             <a:extLst>
               <a:ext uri="{FF2B5EF4-FFF2-40B4-BE49-F238E27FC236}">
@@ -8943,6 +8996,435 @@
           </a:p>
         </p:txBody>
       </p:sp>
+      <p:pic>
+        <p:nvPicPr>
+          <p:cNvPr id="4" name="Picture 3" descr="Text&#10;&#10;Description automatically generated">
+            <a:extLst>
+              <a:ext uri="{FF2B5EF4-FFF2-40B4-BE49-F238E27FC236}">
+                <a16:creationId xmlns:a16="http://schemas.microsoft.com/office/drawing/2014/main" id="{DA764B60-903E-476E-B56D-AC31A1DD280E}"/>
+              </a:ext>
+            </a:extLst>
+          </p:cNvPr>
+          <p:cNvPicPr>
+            <a:picLocks noChangeAspect="1"/>
+          </p:cNvPicPr>
+          <p:nvPr/>
+        </p:nvPicPr>
+        <p:blipFill rotWithShape="1">
+          <a:blip r:embed="rId2"/>
+          <a:srcRect l="18881" t="15063" r="19004" b="14892"/>
+          <a:stretch/>
+        </p:blipFill>
+        <p:spPr>
+          <a:xfrm>
+            <a:off x="597556" y="1524001"/>
+            <a:ext cx="894914" cy="1009159"/>
+          </a:xfrm>
+          <a:prstGeom prst="rect">
+            <a:avLst/>
+          </a:prstGeom>
+        </p:spPr>
+      </p:pic>
+      <p:sp>
+        <p:nvSpPr>
+          <p:cNvPr id="6" name="TextBox 5">
+            <a:extLst>
+              <a:ext uri="{FF2B5EF4-FFF2-40B4-BE49-F238E27FC236}">
+                <a16:creationId xmlns:a16="http://schemas.microsoft.com/office/drawing/2014/main" id="{5A03712A-621C-4C7D-B2BF-63121A91D93D}"/>
+              </a:ext>
+            </a:extLst>
+          </p:cNvPr>
+          <p:cNvSpPr txBox="1"/>
+          <p:nvPr/>
+        </p:nvSpPr>
+        <p:spPr>
+          <a:xfrm>
+            <a:off x="1752599" y="1524001"/>
+            <a:ext cx="7162800" cy="1056700"/>
+          </a:xfrm>
+          <a:prstGeom prst="rect">
+            <a:avLst/>
+          </a:prstGeom>
+          <a:noFill/>
+        </p:spPr>
+        <p:txBody>
+          <a:bodyPr wrap="square" numCol="2" rtlCol="0">
+            <a:spAutoFit/>
+          </a:bodyPr>
+          <a:lstStyle/>
+          <a:p>
+            <a:pPr marL="285750" indent="-285750">
+              <a:spcAft>
+                <a:spcPts val="400"/>
+              </a:spcAft>
+              <a:buFont typeface="Wingdings" pitchFamily="2" charset="2"/>
+              <a:buChar char="§"/>
+            </a:pPr>
+            <a:r>
+              <a:rPr lang="en-US" sz="1300" dirty="0">
+                <a:latin typeface="+mn-lt"/>
+              </a:rPr>
+              <a:t>Unemployment Rate</a:t>
+            </a:r>
+          </a:p>
+          <a:p>
+            <a:pPr marL="285750" indent="-285750">
+              <a:spcAft>
+                <a:spcPts val="400"/>
+              </a:spcAft>
+              <a:buFont typeface="Wingdings" pitchFamily="2" charset="2"/>
+              <a:buChar char="§"/>
+            </a:pPr>
+            <a:r>
+              <a:rPr lang="en-US" sz="1300" dirty="0">
+                <a:latin typeface="+mn-lt"/>
+              </a:rPr>
+              <a:t>Race (African American, American Indian, Asian, White)</a:t>
+            </a:r>
+          </a:p>
+          <a:p>
+            <a:pPr marL="285750" indent="-285750">
+              <a:spcAft>
+                <a:spcPts val="400"/>
+              </a:spcAft>
+              <a:buFont typeface="Wingdings" pitchFamily="2" charset="2"/>
+              <a:buChar char="§"/>
+            </a:pPr>
+            <a:r>
+              <a:rPr lang="en-US" sz="1300" dirty="0">
+                <a:latin typeface="+mn-lt"/>
+              </a:rPr>
+              <a:t>Median Household Income</a:t>
+            </a:r>
+          </a:p>
+          <a:p>
+            <a:pPr marL="285750" indent="-285750">
+              <a:spcAft>
+                <a:spcPts val="400"/>
+              </a:spcAft>
+              <a:buFont typeface="Wingdings" pitchFamily="2" charset="2"/>
+              <a:buChar char="§"/>
+            </a:pPr>
+            <a:r>
+              <a:rPr lang="en-US" sz="1300" dirty="0">
+                <a:latin typeface="+mn-lt"/>
+              </a:rPr>
+              <a:t>Poverty Estimators</a:t>
+            </a:r>
+          </a:p>
+          <a:p>
+            <a:pPr marL="285750" indent="-285750">
+              <a:spcAft>
+                <a:spcPts val="400"/>
+              </a:spcAft>
+              <a:buFont typeface="Wingdings" pitchFamily="2" charset="2"/>
+              <a:buChar char="§"/>
+            </a:pPr>
+            <a:r>
+              <a:rPr lang="en-US" sz="1300" dirty="0">
+                <a:latin typeface="+mn-lt"/>
+              </a:rPr>
+              <a:t>Educational Attainments (Diploma, Bachelor, Masters, PhD.)</a:t>
+            </a:r>
+          </a:p>
+          <a:p>
+            <a:pPr marL="285750" indent="-285750">
+              <a:spcAft>
+                <a:spcPts val="400"/>
+              </a:spcAft>
+              <a:buFont typeface="Wingdings" pitchFamily="2" charset="2"/>
+              <a:buChar char="§"/>
+            </a:pPr>
+            <a:r>
+              <a:rPr lang="en-US" sz="1300" dirty="0">
+                <a:latin typeface="+mn-lt"/>
+              </a:rPr>
+              <a:t>Migration Rates</a:t>
+            </a:r>
+          </a:p>
+        </p:txBody>
+      </p:sp>
+      <p:pic>
+        <p:nvPicPr>
+          <p:cNvPr id="8" name="Picture 7" descr="Table&#10;&#10;Description automatically generated">
+            <a:extLst>
+              <a:ext uri="{FF2B5EF4-FFF2-40B4-BE49-F238E27FC236}">
+                <a16:creationId xmlns:a16="http://schemas.microsoft.com/office/drawing/2014/main" id="{5EEEAF10-CEE6-4CC1-A2FD-E09B6039C29A}"/>
+              </a:ext>
+            </a:extLst>
+          </p:cNvPr>
+          <p:cNvPicPr>
+            <a:picLocks noChangeAspect="1"/>
+          </p:cNvPicPr>
+          <p:nvPr/>
+        </p:nvPicPr>
+        <p:blipFill rotWithShape="1">
+          <a:blip r:embed="rId3"/>
+          <a:srcRect l="1342" r="6040"/>
+          <a:stretch/>
+        </p:blipFill>
+        <p:spPr>
+          <a:xfrm>
+            <a:off x="489081" y="2809740"/>
+            <a:ext cx="4267200" cy="2824186"/>
+          </a:xfrm>
+          <a:prstGeom prst="rect">
+            <a:avLst/>
+          </a:prstGeom>
+        </p:spPr>
+      </p:pic>
+      <p:sp>
+        <p:nvSpPr>
+          <p:cNvPr id="9" name="TextBox 8">
+            <a:extLst>
+              <a:ext uri="{FF2B5EF4-FFF2-40B4-BE49-F238E27FC236}">
+                <a16:creationId xmlns:a16="http://schemas.microsoft.com/office/drawing/2014/main" id="{A982735A-D940-4B8C-B1B1-61052106992D}"/>
+              </a:ext>
+            </a:extLst>
+          </p:cNvPr>
+          <p:cNvSpPr txBox="1"/>
+          <p:nvPr/>
+        </p:nvSpPr>
+        <p:spPr>
+          <a:xfrm>
+            <a:off x="5125617" y="3162845"/>
+            <a:ext cx="3785117" cy="2513509"/>
+          </a:xfrm>
+          <a:prstGeom prst="rect">
+            <a:avLst/>
+          </a:prstGeom>
+          <a:noFill/>
+        </p:spPr>
+        <p:txBody>
+          <a:bodyPr wrap="square" numCol="1" rtlCol="0">
+            <a:spAutoFit/>
+          </a:bodyPr>
+          <a:lstStyle/>
+          <a:p>
+            <a:pPr marL="285750" indent="-285750">
+              <a:spcAft>
+                <a:spcPts val="400"/>
+              </a:spcAft>
+              <a:buFont typeface="Wingdings" pitchFamily="2" charset="2"/>
+              <a:buChar char="Ø"/>
+            </a:pPr>
+            <a:r>
+              <a:rPr lang="en-US" sz="1200" dirty="0">
+                <a:latin typeface="+mn-lt"/>
+              </a:rPr>
+              <a:t>For every percentage of increase in African American population, 0.8 percent of democratic votes should increase</a:t>
+            </a:r>
+            <a:br>
+              <a:rPr lang="en-US" sz="1200" dirty="0">
+                <a:latin typeface="+mn-lt"/>
+              </a:rPr>
+            </a:br>
+            <a:endParaRPr lang="en-US" sz="1200" dirty="0">
+              <a:latin typeface="+mn-lt"/>
+            </a:endParaRPr>
+          </a:p>
+          <a:p>
+            <a:pPr marL="285750" indent="-285750">
+              <a:spcAft>
+                <a:spcPts val="400"/>
+              </a:spcAft>
+              <a:buFont typeface="Wingdings" pitchFamily="2" charset="2"/>
+              <a:buChar char="Ø"/>
+            </a:pPr>
+            <a:endParaRPr lang="en-US" sz="1200" dirty="0">
+              <a:latin typeface="+mn-lt"/>
+            </a:endParaRPr>
+          </a:p>
+          <a:p>
+            <a:pPr marL="285750" indent="-285750">
+              <a:spcAft>
+                <a:spcPts val="400"/>
+              </a:spcAft>
+              <a:buFont typeface="Wingdings" pitchFamily="2" charset="2"/>
+              <a:buChar char="Ø"/>
+            </a:pPr>
+            <a:r>
+              <a:rPr lang="en-US" sz="1200" dirty="0">
+                <a:latin typeface="+mn-lt"/>
+              </a:rPr>
+              <a:t>For every percentage of decrease in unemployment rate, 0.02 percent of democratic should increase.</a:t>
+            </a:r>
+            <a:br>
+              <a:rPr lang="en-US" sz="1200" dirty="0">
+                <a:latin typeface="+mn-lt"/>
+              </a:rPr>
+            </a:br>
+            <a:endParaRPr lang="en-US" sz="1200" dirty="0">
+              <a:latin typeface="+mn-lt"/>
+            </a:endParaRPr>
+          </a:p>
+          <a:p>
+            <a:pPr>
+              <a:spcAft>
+                <a:spcPts val="400"/>
+              </a:spcAft>
+            </a:pPr>
+            <a:endParaRPr lang="en-US" sz="1200" dirty="0">
+              <a:latin typeface="+mn-lt"/>
+            </a:endParaRPr>
+          </a:p>
+          <a:p>
+            <a:pPr marL="285750" indent="-285750">
+              <a:spcAft>
+                <a:spcPts val="400"/>
+              </a:spcAft>
+              <a:buFont typeface="Wingdings" pitchFamily="2" charset="2"/>
+              <a:buChar char="Ø"/>
+            </a:pPr>
+            <a:r>
+              <a:rPr lang="en-US" sz="1200" dirty="0">
+                <a:latin typeface="+mn-lt"/>
+              </a:rPr>
+              <a:t>For educational attainment increase in the country, around 0.05 percent increase should be in democrat votes</a:t>
+            </a:r>
+          </a:p>
+        </p:txBody>
+      </p:sp>
+      <p:sp>
+        <p:nvSpPr>
+          <p:cNvPr id="10" name="TextBox 9">
+            <a:extLst>
+              <a:ext uri="{FF2B5EF4-FFF2-40B4-BE49-F238E27FC236}">
+                <a16:creationId xmlns:a16="http://schemas.microsoft.com/office/drawing/2014/main" id="{FB1F0A7D-5430-4D04-9496-1C27B940D7CB}"/>
+              </a:ext>
+            </a:extLst>
+          </p:cNvPr>
+          <p:cNvSpPr txBox="1"/>
+          <p:nvPr/>
+        </p:nvSpPr>
+        <p:spPr>
+          <a:xfrm>
+            <a:off x="2089281" y="6060388"/>
+            <a:ext cx="5334000" cy="400110"/>
+          </a:xfrm>
+          <a:prstGeom prst="rect">
+            <a:avLst/>
+          </a:prstGeom>
+          <a:noFill/>
+        </p:spPr>
+        <p:txBody>
+          <a:bodyPr wrap="square" rtlCol="0">
+            <a:spAutoFit/>
+          </a:bodyPr>
+          <a:lstStyle/>
+          <a:p>
+            <a:r>
+              <a:rPr lang="en-US" sz="2000" b="1" dirty="0">
+                <a:solidFill>
+                  <a:srgbClr val="C1202F"/>
+                </a:solidFill>
+                <a:latin typeface="+mn-lt"/>
+              </a:rPr>
+              <a:t>R-Square: 0.6851  	Adjusted R-Square: 0.7038</a:t>
+            </a:r>
+          </a:p>
+        </p:txBody>
+      </p:sp>
+      <p:pic>
+        <p:nvPicPr>
+          <p:cNvPr id="3" name="Picture 2" descr="Icon&#10;&#10;Description automatically generated">
+            <a:extLst>
+              <a:ext uri="{FF2B5EF4-FFF2-40B4-BE49-F238E27FC236}">
+                <a16:creationId xmlns:a16="http://schemas.microsoft.com/office/drawing/2014/main" id="{450DD9BB-B42A-4AA7-8685-1D575B9F4788}"/>
+              </a:ext>
+            </a:extLst>
+          </p:cNvPr>
+          <p:cNvPicPr>
+            <a:picLocks noChangeAspect="1"/>
+          </p:cNvPicPr>
+          <p:nvPr/>
+        </p:nvPicPr>
+        <p:blipFill>
+          <a:blip r:embed="rId4">
+            <a:extLst>
+              <a:ext uri="{BEBA8EAE-BF5A-486C-A8C5-ECC9F3942E4B}">
+                <a14:imgProps xmlns:a14="http://schemas.microsoft.com/office/drawing/2010/main">
+                  <a14:imgLayer r:embed="rId5">
+                    <a14:imgEffect>
+                      <a14:backgroundRemoval t="5290" b="91598" l="6628" r="94070">
+                        <a14:foregroundMark x1="6628" y1="19813" x2="8837" y2="25622"/>
+                        <a14:foregroundMark x1="28837" y1="14212" x2="54186" y2="40560"/>
+                        <a14:foregroundMark x1="54186" y1="40560" x2="54186" y2="40249"/>
+                        <a14:foregroundMark x1="51628" y1="19295" x2="73837" y2="8714"/>
+                        <a14:foregroundMark x1="94070" y1="14834" x2="93488" y2="21577"/>
+                        <a14:foregroundMark x1="42558" y1="91701" x2="50698" y2="91701"/>
+                        <a14:foregroundMark x1="21628" y1="5290" x2="23837" y2="5290"/>
+                      </a14:backgroundRemoval>
+                    </a14:imgEffect>
+                  </a14:imgLayer>
+                </a14:imgProps>
+              </a:ext>
+            </a:extLst>
+          </a:blip>
+          <a:stretch>
+            <a:fillRect/>
+          </a:stretch>
+        </p:blipFill>
+        <p:spPr>
+          <a:xfrm>
+            <a:off x="1492470" y="5968857"/>
+            <a:ext cx="520257" cy="583172"/>
+          </a:xfrm>
+          <a:prstGeom prst="rect">
+            <a:avLst/>
+          </a:prstGeom>
+        </p:spPr>
+      </p:pic>
+      <p:pic>
+        <p:nvPicPr>
+          <p:cNvPr id="11" name="Picture 10" descr="Icon&#10;&#10;Description automatically generated">
+            <a:extLst>
+              <a:ext uri="{FF2B5EF4-FFF2-40B4-BE49-F238E27FC236}">
+                <a16:creationId xmlns:a16="http://schemas.microsoft.com/office/drawing/2014/main" id="{6A28C97D-AF2A-4505-8C79-3A469418DDE9}"/>
+              </a:ext>
+            </a:extLst>
+          </p:cNvPr>
+          <p:cNvPicPr>
+            <a:picLocks noChangeAspect="1"/>
+          </p:cNvPicPr>
+          <p:nvPr/>
+        </p:nvPicPr>
+        <p:blipFill>
+          <a:blip r:embed="rId4">
+            <a:extLst>
+              <a:ext uri="{BEBA8EAE-BF5A-486C-A8C5-ECC9F3942E4B}">
+                <a14:imgProps xmlns:a14="http://schemas.microsoft.com/office/drawing/2010/main">
+                  <a14:imgLayer r:embed="rId5">
+                    <a14:imgEffect>
+                      <a14:backgroundRemoval t="5290" b="91598" l="6628" r="94070">
+                        <a14:foregroundMark x1="6628" y1="19813" x2="8837" y2="25622"/>
+                        <a14:foregroundMark x1="28837" y1="14212" x2="54186" y2="40560"/>
+                        <a14:foregroundMark x1="54186" y1="40560" x2="54186" y2="40249"/>
+                        <a14:foregroundMark x1="51628" y1="19295" x2="73837" y2="8714"/>
+                        <a14:foregroundMark x1="94070" y1="14834" x2="93488" y2="21577"/>
+                        <a14:foregroundMark x1="42558" y1="91701" x2="50698" y2="91701"/>
+                        <a14:foregroundMark x1="21628" y1="5290" x2="23837" y2="5290"/>
+                      </a14:backgroundRemoval>
+                    </a14:imgEffect>
+                  </a14:imgLayer>
+                </a14:imgProps>
+              </a:ext>
+            </a:extLst>
+          </a:blip>
+          <a:stretch>
+            <a:fillRect/>
+          </a:stretch>
+        </p:blipFill>
+        <p:spPr>
+          <a:xfrm>
+            <a:off x="7423281" y="5968857"/>
+            <a:ext cx="520257" cy="583172"/>
+          </a:xfrm>
+          <a:prstGeom prst="rect">
+            <a:avLst/>
+          </a:prstGeom>
+        </p:spPr>
+      </p:pic>
     </p:spTree>
     <p:extLst>
       <p:ext uri="{BB962C8B-B14F-4D97-AF65-F5344CB8AC3E}">
@@ -8975,71 +9457,278 @@
       </p:grpSpPr>
       <p:sp>
         <p:nvSpPr>
-          <p:cNvPr id="2" name="Content Placeholder 1">
+          <p:cNvPr id="12" name="Rectangle: Diagonal Corners Rounded 11">
             <a:extLst>
               <a:ext uri="{FF2B5EF4-FFF2-40B4-BE49-F238E27FC236}">
-                <a16:creationId xmlns:a16="http://schemas.microsoft.com/office/drawing/2014/main" id="{9DA68DEC-C01D-F84E-A131-FCFD04704A6E}"/>
+                <a16:creationId xmlns:a16="http://schemas.microsoft.com/office/drawing/2014/main" id="{67EC419A-46E8-41F0-8033-0EBE0310D1ED}"/>
               </a:ext>
             </a:extLst>
           </p:cNvPr>
-          <p:cNvSpPr>
-            <a:spLocks noGrp="1"/>
+          <p:cNvSpPr/>
+          <p:nvPr/>
+        </p:nvSpPr>
+        <p:spPr>
+          <a:xfrm>
+            <a:off x="5125617" y="2809740"/>
+            <a:ext cx="3789782" cy="2886150"/>
+          </a:xfrm>
+          <a:prstGeom prst="round2DiagRect">
+            <a:avLst/>
+          </a:prstGeom>
+          <a:solidFill>
+            <a:schemeClr val="bg1">
+              <a:lumMod val="95000"/>
+            </a:schemeClr>
+          </a:solidFill>
+          <a:ln>
+            <a:noFill/>
+          </a:ln>
+          <a:effectLst/>
+        </p:spPr>
+        <p:style>
+          <a:lnRef idx="1">
+            <a:schemeClr val="accent1"/>
+          </a:lnRef>
+          <a:fillRef idx="3">
+            <a:schemeClr val="accent1"/>
+          </a:fillRef>
+          <a:effectRef idx="2">
+            <a:schemeClr val="accent1"/>
+          </a:effectRef>
+          <a:fontRef idx="minor">
+            <a:schemeClr val="lt1"/>
+          </a:fontRef>
+        </p:style>
+        <p:txBody>
+          <a:bodyPr rtlCol="0" anchor="ctr"/>
+          <a:lstStyle/>
+          <a:p>
+            <a:pPr algn="ctr"/>
+            <a:endParaRPr lang="en-US"/>
+          </a:p>
+        </p:txBody>
+      </p:sp>
+      <p:sp>
+        <p:nvSpPr>
+          <p:cNvPr id="7" name="Content Placeholder 1">
+            <a:extLst>
+              <a:ext uri="{FF2B5EF4-FFF2-40B4-BE49-F238E27FC236}">
+                <a16:creationId xmlns:a16="http://schemas.microsoft.com/office/drawing/2014/main" id="{D7792D65-0D51-0742-BB11-BE4EEF40D16B}"/>
+              </a:ext>
+            </a:extLst>
+          </p:cNvPr>
+          <p:cNvSpPr txBox="1">
+            <a:spLocks/>
           </p:cNvSpPr>
-          <p:nvPr>
-            <p:ph idx="1"/>
-          </p:nvPr>
+          <p:nvPr/>
         </p:nvSpPr>
-        <p:spPr/>
+        <p:spPr bwMode="auto">
+          <a:xfrm>
+            <a:off x="533400" y="4419600"/>
+            <a:ext cx="8229600" cy="1676400"/>
+          </a:xfrm>
+          <a:prstGeom prst="rect">
+            <a:avLst/>
+          </a:prstGeom>
+          <a:noFill/>
+          <a:ln>
+            <a:noFill/>
+          </a:ln>
+          <a:extLst>
+            <a:ext uri="{909E8E84-426E-40DD-AFC4-6F175D3DCCD1}">
+              <a14:hiddenFill xmlns:a14="http://schemas.microsoft.com/office/drawing/2010/main">
+                <a:solidFill>
+                  <a:srgbClr val="FFFFFF"/>
+                </a:solidFill>
+              </a14:hiddenFill>
+            </a:ext>
+            <a:ext uri="{91240B29-F687-4F45-9708-019B960494DF}">
+              <a14:hiddenLine xmlns:a14="http://schemas.microsoft.com/office/drawing/2010/main" w="9525">
+                <a:solidFill>
+                  <a:srgbClr val="000000"/>
+                </a:solidFill>
+                <a:miter lim="800000"/>
+                <a:headEnd/>
+                <a:tailEnd/>
+              </a14:hiddenLine>
+            </a:ext>
+          </a:extLst>
+        </p:spPr>
         <p:txBody>
-          <a:bodyPr/>
-          <a:lstStyle/>
-          <a:p>
-            <a:r>
-              <a:rPr lang="en-US" dirty="0" err="1"/>
-              <a:t>rmse</a:t>
-            </a:r>
-            <a:r>
-              <a:rPr lang="en-US" dirty="0"/>
-              <a:t>(</a:t>
-            </a:r>
-            <a:r>
-              <a:rPr lang="en-US" dirty="0" err="1"/>
-              <a:t>test_y</a:t>
-            </a:r>
-            <a:r>
-              <a:rPr lang="en-US" dirty="0"/>
-              <a:t>, predict.lasso.1se)</a:t>
-            </a:r>
-          </a:p>
-          <a:p>
-            <a:r>
-              <a:rPr lang="en-US" dirty="0"/>
-              <a:t>0.1251411</a:t>
-            </a:r>
-          </a:p>
-          <a:p>
-            <a:r>
-              <a:rPr lang="en-US" dirty="0" err="1"/>
-              <a:t>mape</a:t>
-            </a:r>
-            <a:r>
-              <a:rPr lang="en-US" dirty="0"/>
-              <a:t>(</a:t>
-            </a:r>
-            <a:r>
-              <a:rPr lang="en-US" dirty="0" err="1"/>
-              <a:t>test_y</a:t>
-            </a:r>
-            <a:r>
-              <a:rPr lang="en-US" dirty="0"/>
-              <a:t>, predict.lasso.1se)</a:t>
-            </a:r>
-          </a:p>
-          <a:p>
-            <a:r>
-              <a:rPr lang="en-US" dirty="0"/>
-              <a:t>0.4979245</a:t>
-            </a:r>
+          <a:bodyPr vert="horz" wrap="square" lIns="91440" tIns="45720" rIns="91440" bIns="45720" numCol="1" anchor="t" anchorCtr="0" compatLnSpc="1">
+            <a:prstTxWarp prst="textNoShape">
+              <a:avLst/>
+            </a:prstTxWarp>
+          </a:bodyPr>
+          <a:lstStyle>
+            <a:lvl1pPr marL="342900" indent="-342900" algn="l" defTabSz="457200" rtl="0" eaLnBrk="0" fontAlgn="base" hangingPunct="0">
+              <a:spcBef>
+                <a:spcPct val="20000"/>
+              </a:spcBef>
+              <a:spcAft>
+                <a:spcPct val="0"/>
+              </a:spcAft>
+              <a:buFont typeface="Arial" panose="020B0604020202020204" pitchFamily="34" charset="0"/>
+              <a:buChar char="•"/>
+              <a:defRPr sz="3200" kern="1200">
+                <a:solidFill>
+                  <a:schemeClr val="tx1"/>
+                </a:solidFill>
+                <a:latin typeface="Helvetica"/>
+                <a:ea typeface="ＭＳ Ｐゴシック" charset="0"/>
+                <a:cs typeface="ＭＳ Ｐゴシック" charset="0"/>
+              </a:defRPr>
+            </a:lvl1pPr>
+            <a:lvl2pPr marL="742950" indent="-285750" algn="l" defTabSz="457200" rtl="0" eaLnBrk="0" fontAlgn="base" hangingPunct="0">
+              <a:spcBef>
+                <a:spcPct val="20000"/>
+              </a:spcBef>
+              <a:spcAft>
+                <a:spcPct val="0"/>
+              </a:spcAft>
+              <a:buFont typeface="Arial" panose="020B0604020202020204" pitchFamily="34" charset="0"/>
+              <a:buChar char="–"/>
+              <a:defRPr sz="2800" kern="1200">
+                <a:solidFill>
+                  <a:schemeClr val="tx1"/>
+                </a:solidFill>
+                <a:latin typeface="Helvetica"/>
+                <a:ea typeface="ＭＳ Ｐゴシック" charset="0"/>
+                <a:cs typeface="+mn-cs"/>
+              </a:defRPr>
+            </a:lvl2pPr>
+            <a:lvl3pPr marL="1143000" indent="-228600" algn="l" defTabSz="457200" rtl="0" eaLnBrk="0" fontAlgn="base" hangingPunct="0">
+              <a:spcBef>
+                <a:spcPct val="20000"/>
+              </a:spcBef>
+              <a:spcAft>
+                <a:spcPct val="0"/>
+              </a:spcAft>
+              <a:buFont typeface="Arial" panose="020B0604020202020204" pitchFamily="34" charset="0"/>
+              <a:buChar char="•"/>
+              <a:defRPr sz="2400" kern="1200">
+                <a:solidFill>
+                  <a:schemeClr val="tx1"/>
+                </a:solidFill>
+                <a:latin typeface="Helvetica"/>
+                <a:ea typeface="ＭＳ Ｐゴシック" charset="0"/>
+                <a:cs typeface="+mn-cs"/>
+              </a:defRPr>
+            </a:lvl3pPr>
+            <a:lvl4pPr marL="1600200" indent="-228600" algn="l" defTabSz="457200" rtl="0" eaLnBrk="0" fontAlgn="base" hangingPunct="0">
+              <a:spcBef>
+                <a:spcPct val="20000"/>
+              </a:spcBef>
+              <a:spcAft>
+                <a:spcPct val="0"/>
+              </a:spcAft>
+              <a:buFont typeface="Arial" panose="020B0604020202020204" pitchFamily="34" charset="0"/>
+              <a:buChar char="–"/>
+              <a:defRPr sz="2000" kern="1200">
+                <a:solidFill>
+                  <a:schemeClr val="tx1"/>
+                </a:solidFill>
+                <a:latin typeface="Helvetica"/>
+                <a:ea typeface="ＭＳ Ｐゴシック" charset="0"/>
+                <a:cs typeface="+mn-cs"/>
+              </a:defRPr>
+            </a:lvl4pPr>
+            <a:lvl5pPr marL="2057400" indent="-228600" algn="l" defTabSz="457200" rtl="0" eaLnBrk="0" fontAlgn="base" hangingPunct="0">
+              <a:spcBef>
+                <a:spcPct val="20000"/>
+              </a:spcBef>
+              <a:spcAft>
+                <a:spcPct val="0"/>
+              </a:spcAft>
+              <a:buFont typeface="Arial" panose="020B0604020202020204" pitchFamily="34" charset="0"/>
+              <a:buChar char="»"/>
+              <a:defRPr sz="2000" kern="1200">
+                <a:solidFill>
+                  <a:schemeClr val="tx1"/>
+                </a:solidFill>
+                <a:latin typeface="Helvetica"/>
+                <a:ea typeface="ＭＳ Ｐゴシック" charset="0"/>
+                <a:cs typeface="+mn-cs"/>
+              </a:defRPr>
+            </a:lvl5pPr>
+            <a:lvl6pPr marL="2514600" indent="-228600" algn="l" defTabSz="457200" rtl="0" eaLnBrk="1" latinLnBrk="0" hangingPunct="1">
+              <a:spcBef>
+                <a:spcPct val="20000"/>
+              </a:spcBef>
+              <a:buFont typeface="Arial"/>
+              <a:buChar char="•"/>
+              <a:defRPr sz="2000" kern="1200">
+                <a:solidFill>
+                  <a:schemeClr val="tx1"/>
+                </a:solidFill>
+                <a:latin typeface="+mn-lt"/>
+                <a:ea typeface="+mn-ea"/>
+                <a:cs typeface="+mn-cs"/>
+              </a:defRPr>
+            </a:lvl6pPr>
+            <a:lvl7pPr marL="2971800" indent="-228600" algn="l" defTabSz="457200" rtl="0" eaLnBrk="1" latinLnBrk="0" hangingPunct="1">
+              <a:spcBef>
+                <a:spcPct val="20000"/>
+              </a:spcBef>
+              <a:buFont typeface="Arial"/>
+              <a:buChar char="•"/>
+              <a:defRPr sz="2000" kern="1200">
+                <a:solidFill>
+                  <a:schemeClr val="tx1"/>
+                </a:solidFill>
+                <a:latin typeface="+mn-lt"/>
+                <a:ea typeface="+mn-ea"/>
+                <a:cs typeface="+mn-cs"/>
+              </a:defRPr>
+            </a:lvl7pPr>
+            <a:lvl8pPr marL="3429000" indent="-228600" algn="l" defTabSz="457200" rtl="0" eaLnBrk="1" latinLnBrk="0" hangingPunct="1">
+              <a:spcBef>
+                <a:spcPct val="20000"/>
+              </a:spcBef>
+              <a:buFont typeface="Arial"/>
+              <a:buChar char="•"/>
+              <a:defRPr sz="2000" kern="1200">
+                <a:solidFill>
+                  <a:schemeClr val="tx1"/>
+                </a:solidFill>
+                <a:latin typeface="+mn-lt"/>
+                <a:ea typeface="+mn-ea"/>
+                <a:cs typeface="+mn-cs"/>
+              </a:defRPr>
+            </a:lvl8pPr>
+            <a:lvl9pPr marL="3886200" indent="-228600" algn="l" defTabSz="457200" rtl="0" eaLnBrk="1" latinLnBrk="0" hangingPunct="1">
+              <a:spcBef>
+                <a:spcPct val="20000"/>
+              </a:spcBef>
+              <a:buFont typeface="Arial"/>
+              <a:buChar char="•"/>
+              <a:defRPr sz="2000" kern="1200">
+                <a:solidFill>
+                  <a:schemeClr val="tx1"/>
+                </a:solidFill>
+                <a:latin typeface="+mn-lt"/>
+                <a:ea typeface="+mn-ea"/>
+                <a:cs typeface="+mn-cs"/>
+              </a:defRPr>
+            </a:lvl9pPr>
+          </a:lstStyle>
+          <a:p>
+            <a:pPr marL="0" indent="0">
+              <a:buFont typeface="Arial" panose="020B0604020202020204" pitchFamily="34" charset="0"/>
+              <a:buNone/>
+            </a:pPr>
+            <a:endParaRPr lang="en-US" sz="1100" dirty="0">
+              <a:latin typeface="+mn-lt"/>
+            </a:endParaRPr>
+          </a:p>
+          <a:p>
+            <a:pPr marL="0" indent="0">
+              <a:buFont typeface="Arial" panose="020B0604020202020204" pitchFamily="34" charset="0"/>
+              <a:buNone/>
+            </a:pPr>
+            <a:endParaRPr lang="en-US" sz="1100" dirty="0">
+              <a:latin typeface="+mn-lt"/>
+            </a:endParaRPr>
           </a:p>
         </p:txBody>
       </p:sp>
@@ -9048,7 +9737,7 @@
           <p:cNvPr id="5" name="Title 2">
             <a:extLst>
               <a:ext uri="{FF2B5EF4-FFF2-40B4-BE49-F238E27FC236}">
-                <a16:creationId xmlns:a16="http://schemas.microsoft.com/office/drawing/2014/main" id="{2AEFDFD8-CEE9-41D2-9F89-54296340D420}"/>
+                <a16:creationId xmlns:a16="http://schemas.microsoft.com/office/drawing/2014/main" id="{C7B3E1ED-D462-4459-B5B0-03807F84ABE3}"/>
               </a:ext>
             </a:extLst>
           </p:cNvPr>
@@ -9078,10 +9767,445 @@
           </a:p>
         </p:txBody>
       </p:sp>
+      <p:pic>
+        <p:nvPicPr>
+          <p:cNvPr id="4" name="Picture 3" descr="Text&#10;&#10;Description automatically generated">
+            <a:extLst>
+              <a:ext uri="{FF2B5EF4-FFF2-40B4-BE49-F238E27FC236}">
+                <a16:creationId xmlns:a16="http://schemas.microsoft.com/office/drawing/2014/main" id="{DA764B60-903E-476E-B56D-AC31A1DD280E}"/>
+              </a:ext>
+            </a:extLst>
+          </p:cNvPr>
+          <p:cNvPicPr>
+            <a:picLocks noChangeAspect="1"/>
+          </p:cNvPicPr>
+          <p:nvPr/>
+        </p:nvPicPr>
+        <p:blipFill rotWithShape="1">
+          <a:blip r:embed="rId2"/>
+          <a:srcRect l="18881" t="15063" r="19004" b="14892"/>
+          <a:stretch/>
+        </p:blipFill>
+        <p:spPr>
+          <a:xfrm>
+            <a:off x="597556" y="1524001"/>
+            <a:ext cx="894914" cy="1009159"/>
+          </a:xfrm>
+          <a:prstGeom prst="rect">
+            <a:avLst/>
+          </a:prstGeom>
+        </p:spPr>
+      </p:pic>
+      <p:sp>
+        <p:nvSpPr>
+          <p:cNvPr id="6" name="TextBox 5">
+            <a:extLst>
+              <a:ext uri="{FF2B5EF4-FFF2-40B4-BE49-F238E27FC236}">
+                <a16:creationId xmlns:a16="http://schemas.microsoft.com/office/drawing/2014/main" id="{5A03712A-621C-4C7D-B2BF-63121A91D93D}"/>
+              </a:ext>
+            </a:extLst>
+          </p:cNvPr>
+          <p:cNvSpPr txBox="1"/>
+          <p:nvPr/>
+        </p:nvSpPr>
+        <p:spPr>
+          <a:xfrm>
+            <a:off x="1752599" y="1524001"/>
+            <a:ext cx="7162800" cy="1056700"/>
+          </a:xfrm>
+          <a:prstGeom prst="rect">
+            <a:avLst/>
+          </a:prstGeom>
+          <a:noFill/>
+        </p:spPr>
+        <p:txBody>
+          <a:bodyPr wrap="square" numCol="2" rtlCol="0">
+            <a:spAutoFit/>
+          </a:bodyPr>
+          <a:lstStyle/>
+          <a:p>
+            <a:pPr marL="285750" indent="-285750">
+              <a:spcAft>
+                <a:spcPts val="400"/>
+              </a:spcAft>
+              <a:buFont typeface="Wingdings" pitchFamily="2" charset="2"/>
+              <a:buChar char="§"/>
+            </a:pPr>
+            <a:r>
+              <a:rPr lang="en-US" sz="1300" dirty="0">
+                <a:solidFill>
+                  <a:srgbClr val="FF0000"/>
+                </a:solidFill>
+                <a:latin typeface="+mn-lt"/>
+              </a:rPr>
+              <a:t>Unemployment Rate</a:t>
+            </a:r>
+          </a:p>
+          <a:p>
+            <a:pPr marL="285750" indent="-285750">
+              <a:spcAft>
+                <a:spcPts val="400"/>
+              </a:spcAft>
+              <a:buFont typeface="Wingdings" pitchFamily="2" charset="2"/>
+              <a:buChar char="§"/>
+            </a:pPr>
+            <a:r>
+              <a:rPr lang="en-US" sz="1300" dirty="0">
+                <a:solidFill>
+                  <a:srgbClr val="FF0000"/>
+                </a:solidFill>
+                <a:latin typeface="+mn-lt"/>
+              </a:rPr>
+              <a:t>Race (African American, American Indian, Asian, White)</a:t>
+            </a:r>
+          </a:p>
+          <a:p>
+            <a:pPr marL="285750" indent="-285750">
+              <a:spcAft>
+                <a:spcPts val="400"/>
+              </a:spcAft>
+              <a:buFont typeface="Wingdings" pitchFamily="2" charset="2"/>
+              <a:buChar char="§"/>
+            </a:pPr>
+            <a:r>
+              <a:rPr lang="en-US" sz="1300" dirty="0">
+                <a:solidFill>
+                  <a:srgbClr val="FF0000"/>
+                </a:solidFill>
+                <a:latin typeface="+mn-lt"/>
+              </a:rPr>
+              <a:t>Median Household Income</a:t>
+            </a:r>
+          </a:p>
+          <a:p>
+            <a:pPr marL="285750" indent="-285750">
+              <a:spcAft>
+                <a:spcPts val="400"/>
+              </a:spcAft>
+              <a:buFont typeface="Wingdings" pitchFamily="2" charset="2"/>
+              <a:buChar char="§"/>
+            </a:pPr>
+            <a:r>
+              <a:rPr lang="en-US" sz="1300" dirty="0">
+                <a:solidFill>
+                  <a:srgbClr val="FF0000"/>
+                </a:solidFill>
+                <a:latin typeface="+mn-lt"/>
+              </a:rPr>
+              <a:t>Poverty Estimators</a:t>
+            </a:r>
+          </a:p>
+          <a:p>
+            <a:pPr marL="285750" indent="-285750">
+              <a:spcAft>
+                <a:spcPts val="400"/>
+              </a:spcAft>
+              <a:buFont typeface="Wingdings" pitchFamily="2" charset="2"/>
+              <a:buChar char="§"/>
+            </a:pPr>
+            <a:r>
+              <a:rPr lang="en-US" sz="1300" dirty="0">
+                <a:solidFill>
+                  <a:srgbClr val="FF0000"/>
+                </a:solidFill>
+                <a:latin typeface="+mn-lt"/>
+              </a:rPr>
+              <a:t>Educational Attainments (Diploma, Bachelor, Masters, PhD.)</a:t>
+            </a:r>
+          </a:p>
+          <a:p>
+            <a:pPr marL="285750" indent="-285750">
+              <a:spcAft>
+                <a:spcPts val="400"/>
+              </a:spcAft>
+              <a:buFont typeface="Wingdings" pitchFamily="2" charset="2"/>
+              <a:buChar char="§"/>
+            </a:pPr>
+            <a:r>
+              <a:rPr lang="en-US" sz="1300" dirty="0">
+                <a:solidFill>
+                  <a:srgbClr val="FF0000"/>
+                </a:solidFill>
+                <a:latin typeface="+mn-lt"/>
+              </a:rPr>
+              <a:t>Migration Rates</a:t>
+            </a:r>
+          </a:p>
+        </p:txBody>
+      </p:sp>
+      <p:sp>
+        <p:nvSpPr>
+          <p:cNvPr id="9" name="TextBox 8">
+            <a:extLst>
+              <a:ext uri="{FF2B5EF4-FFF2-40B4-BE49-F238E27FC236}">
+                <a16:creationId xmlns:a16="http://schemas.microsoft.com/office/drawing/2014/main" id="{A982735A-D940-4B8C-B1B1-61052106992D}"/>
+              </a:ext>
+            </a:extLst>
+          </p:cNvPr>
+          <p:cNvSpPr txBox="1"/>
+          <p:nvPr/>
+        </p:nvSpPr>
+        <p:spPr>
+          <a:xfrm>
+            <a:off x="5125617" y="3162845"/>
+            <a:ext cx="3785117" cy="2513509"/>
+          </a:xfrm>
+          <a:prstGeom prst="rect">
+            <a:avLst/>
+          </a:prstGeom>
+          <a:noFill/>
+        </p:spPr>
+        <p:txBody>
+          <a:bodyPr wrap="square" numCol="1" rtlCol="0">
+            <a:spAutoFit/>
+          </a:bodyPr>
+          <a:lstStyle/>
+          <a:p>
+            <a:pPr marL="285750" indent="-285750">
+              <a:spcAft>
+                <a:spcPts val="400"/>
+              </a:spcAft>
+              <a:buFont typeface="Wingdings" pitchFamily="2" charset="2"/>
+              <a:buChar char="Ø"/>
+            </a:pPr>
+            <a:r>
+              <a:rPr lang="en-US" sz="1200" dirty="0">
+                <a:solidFill>
+                  <a:srgbClr val="FF0000"/>
+                </a:solidFill>
+                <a:latin typeface="+mn-lt"/>
+              </a:rPr>
+              <a:t>For every percentage of increase in African American population, 0.8 percent of democratic votes should increase</a:t>
+            </a:r>
+            <a:br>
+              <a:rPr lang="en-US" sz="1200" dirty="0">
+                <a:latin typeface="+mn-lt"/>
+              </a:rPr>
+            </a:br>
+            <a:endParaRPr lang="en-US" sz="1200" dirty="0">
+              <a:latin typeface="+mn-lt"/>
+            </a:endParaRPr>
+          </a:p>
+          <a:p>
+            <a:pPr marL="285750" indent="-285750">
+              <a:spcAft>
+                <a:spcPts val="400"/>
+              </a:spcAft>
+              <a:buFont typeface="Wingdings" pitchFamily="2" charset="2"/>
+              <a:buChar char="Ø"/>
+            </a:pPr>
+            <a:endParaRPr lang="en-US" sz="1200" dirty="0">
+              <a:latin typeface="+mn-lt"/>
+            </a:endParaRPr>
+          </a:p>
+          <a:p>
+            <a:pPr marL="285750" indent="-285750">
+              <a:spcAft>
+                <a:spcPts val="400"/>
+              </a:spcAft>
+              <a:buFont typeface="Wingdings" pitchFamily="2" charset="2"/>
+              <a:buChar char="Ø"/>
+            </a:pPr>
+            <a:r>
+              <a:rPr lang="en-US" sz="1200" dirty="0">
+                <a:solidFill>
+                  <a:srgbClr val="FF0000"/>
+                </a:solidFill>
+                <a:latin typeface="+mn-lt"/>
+              </a:rPr>
+              <a:t>For every percentage of decrease in unemployment rate, 0.02 percent of democratic should increase.</a:t>
+            </a:r>
+            <a:br>
+              <a:rPr lang="en-US" sz="1200" dirty="0">
+                <a:solidFill>
+                  <a:srgbClr val="FF0000"/>
+                </a:solidFill>
+                <a:latin typeface="+mn-lt"/>
+              </a:rPr>
+            </a:br>
+            <a:endParaRPr lang="en-US" sz="1200" dirty="0">
+              <a:solidFill>
+                <a:srgbClr val="FF0000"/>
+              </a:solidFill>
+              <a:latin typeface="+mn-lt"/>
+            </a:endParaRPr>
+          </a:p>
+          <a:p>
+            <a:pPr>
+              <a:spcAft>
+                <a:spcPts val="400"/>
+              </a:spcAft>
+            </a:pPr>
+            <a:endParaRPr lang="en-US" sz="1200" dirty="0">
+              <a:solidFill>
+                <a:srgbClr val="FF0000"/>
+              </a:solidFill>
+              <a:latin typeface="+mn-lt"/>
+            </a:endParaRPr>
+          </a:p>
+          <a:p>
+            <a:pPr marL="285750" indent="-285750">
+              <a:spcAft>
+                <a:spcPts val="400"/>
+              </a:spcAft>
+              <a:buFont typeface="Wingdings" pitchFamily="2" charset="2"/>
+              <a:buChar char="Ø"/>
+            </a:pPr>
+            <a:r>
+              <a:rPr lang="en-US" sz="1200" dirty="0">
+                <a:solidFill>
+                  <a:srgbClr val="FF0000"/>
+                </a:solidFill>
+                <a:latin typeface="+mn-lt"/>
+              </a:rPr>
+              <a:t>For educational attainment increase in the country, around 0.05 percent increase should be in democrat votes</a:t>
+            </a:r>
+          </a:p>
+        </p:txBody>
+      </p:sp>
+      <p:sp>
+        <p:nvSpPr>
+          <p:cNvPr id="10" name="TextBox 9">
+            <a:extLst>
+              <a:ext uri="{FF2B5EF4-FFF2-40B4-BE49-F238E27FC236}">
+                <a16:creationId xmlns:a16="http://schemas.microsoft.com/office/drawing/2014/main" id="{FB1F0A7D-5430-4D04-9496-1C27B940D7CB}"/>
+              </a:ext>
+            </a:extLst>
+          </p:cNvPr>
+          <p:cNvSpPr txBox="1"/>
+          <p:nvPr/>
+        </p:nvSpPr>
+        <p:spPr>
+          <a:xfrm>
+            <a:off x="2089281" y="6060388"/>
+            <a:ext cx="5334000" cy="400110"/>
+          </a:xfrm>
+          <a:prstGeom prst="rect">
+            <a:avLst/>
+          </a:prstGeom>
+          <a:noFill/>
+        </p:spPr>
+        <p:txBody>
+          <a:bodyPr wrap="square" rtlCol="0">
+            <a:spAutoFit/>
+          </a:bodyPr>
+          <a:lstStyle/>
+          <a:p>
+            <a:r>
+              <a:rPr lang="en-US" sz="2000" b="1" dirty="0">
+                <a:solidFill>
+                  <a:srgbClr val="C1202F"/>
+                </a:solidFill>
+              </a:rPr>
+              <a:t>Test RMSE: 0.08     	      Test MAPE: 68%</a:t>
+            </a:r>
+          </a:p>
+        </p:txBody>
+      </p:sp>
+      <p:pic>
+        <p:nvPicPr>
+          <p:cNvPr id="3" name="Picture 2" descr="Icon&#10;&#10;Description automatically generated">
+            <a:extLst>
+              <a:ext uri="{FF2B5EF4-FFF2-40B4-BE49-F238E27FC236}">
+                <a16:creationId xmlns:a16="http://schemas.microsoft.com/office/drawing/2014/main" id="{450DD9BB-B42A-4AA7-8685-1D575B9F4788}"/>
+              </a:ext>
+            </a:extLst>
+          </p:cNvPr>
+          <p:cNvPicPr>
+            <a:picLocks noChangeAspect="1"/>
+          </p:cNvPicPr>
+          <p:nvPr/>
+        </p:nvPicPr>
+        <p:blipFill>
+          <a:blip r:embed="rId3">
+            <a:extLst>
+              <a:ext uri="{BEBA8EAE-BF5A-486C-A8C5-ECC9F3942E4B}">
+                <a14:imgProps xmlns:a14="http://schemas.microsoft.com/office/drawing/2010/main">
+                  <a14:imgLayer r:embed="rId4">
+                    <a14:imgEffect>
+                      <a14:backgroundRemoval t="5290" b="91598" l="6628" r="94070">
+                        <a14:foregroundMark x1="6628" y1="19813" x2="8837" y2="25622"/>
+                        <a14:foregroundMark x1="28837" y1="14212" x2="54186" y2="40560"/>
+                        <a14:foregroundMark x1="54186" y1="40560" x2="54186" y2="40249"/>
+                        <a14:foregroundMark x1="51628" y1="19295" x2="73837" y2="8714"/>
+                        <a14:foregroundMark x1="94070" y1="14834" x2="93488" y2="21577"/>
+                        <a14:foregroundMark x1="42558" y1="91701" x2="50698" y2="91701"/>
+                        <a14:foregroundMark x1="21628" y1="5290" x2="23837" y2="5290"/>
+                      </a14:backgroundRemoval>
+                    </a14:imgEffect>
+                  </a14:imgLayer>
+                </a14:imgProps>
+              </a:ext>
+            </a:extLst>
+          </a:blip>
+          <a:stretch>
+            <a:fillRect/>
+          </a:stretch>
+        </p:blipFill>
+        <p:spPr>
+          <a:xfrm>
+            <a:off x="1492470" y="5968857"/>
+            <a:ext cx="520257" cy="583172"/>
+          </a:xfrm>
+          <a:prstGeom prst="rect">
+            <a:avLst/>
+          </a:prstGeom>
+        </p:spPr>
+      </p:pic>
+      <p:pic>
+        <p:nvPicPr>
+          <p:cNvPr id="11" name="Picture 10" descr="Icon&#10;&#10;Description automatically generated">
+            <a:extLst>
+              <a:ext uri="{FF2B5EF4-FFF2-40B4-BE49-F238E27FC236}">
+                <a16:creationId xmlns:a16="http://schemas.microsoft.com/office/drawing/2014/main" id="{6A28C97D-AF2A-4505-8C79-3A469418DDE9}"/>
+              </a:ext>
+            </a:extLst>
+          </p:cNvPr>
+          <p:cNvPicPr>
+            <a:picLocks noChangeAspect="1"/>
+          </p:cNvPicPr>
+          <p:nvPr/>
+        </p:nvPicPr>
+        <p:blipFill>
+          <a:blip r:embed="rId3">
+            <a:extLst>
+              <a:ext uri="{BEBA8EAE-BF5A-486C-A8C5-ECC9F3942E4B}">
+                <a14:imgProps xmlns:a14="http://schemas.microsoft.com/office/drawing/2010/main">
+                  <a14:imgLayer r:embed="rId4">
+                    <a14:imgEffect>
+                      <a14:backgroundRemoval t="5290" b="91598" l="6628" r="94070">
+                        <a14:foregroundMark x1="6628" y1="19813" x2="8837" y2="25622"/>
+                        <a14:foregroundMark x1="28837" y1="14212" x2="54186" y2="40560"/>
+                        <a14:foregroundMark x1="54186" y1="40560" x2="54186" y2="40249"/>
+                        <a14:foregroundMark x1="51628" y1="19295" x2="73837" y2="8714"/>
+                        <a14:foregroundMark x1="94070" y1="14834" x2="93488" y2="21577"/>
+                        <a14:foregroundMark x1="42558" y1="91701" x2="50698" y2="91701"/>
+                        <a14:foregroundMark x1="21628" y1="5290" x2="23837" y2="5290"/>
+                      </a14:backgroundRemoval>
+                    </a14:imgEffect>
+                  </a14:imgLayer>
+                </a14:imgProps>
+              </a:ext>
+            </a:extLst>
+          </a:blip>
+          <a:stretch>
+            <a:fillRect/>
+          </a:stretch>
+        </p:blipFill>
+        <p:spPr>
+          <a:xfrm>
+            <a:off x="7423281" y="5968857"/>
+            <a:ext cx="520257" cy="583172"/>
+          </a:xfrm>
+          <a:prstGeom prst="rect">
+            <a:avLst/>
+          </a:prstGeom>
+        </p:spPr>
+      </p:pic>
     </p:spTree>
     <p:extLst>
       <p:ext uri="{BB962C8B-B14F-4D97-AF65-F5344CB8AC3E}">
-        <p14:creationId xmlns:p14="http://schemas.microsoft.com/office/powerpoint/2010/main" val="1433147583"/>
+        <p14:creationId xmlns:p14="http://schemas.microsoft.com/office/powerpoint/2010/main" val="468046518"/>
       </p:ext>
     </p:extLst>
   </p:cSld>
@@ -9222,7 +10346,7 @@
         </p:nvSpPr>
         <p:spPr>
           <a:xfrm>
-            <a:off x="1905000" y="1828800"/>
+            <a:off x="1905000" y="1905000"/>
             <a:ext cx="6781800" cy="830997"/>
           </a:xfrm>
           <a:prstGeom prst="rect">
@@ -9259,7 +10383,7 @@
         </p:nvSpPr>
         <p:spPr>
           <a:xfrm>
-            <a:off x="1877008" y="3040797"/>
+            <a:off x="1877008" y="3443406"/>
             <a:ext cx="6781800" cy="830997"/>
           </a:xfrm>
           <a:prstGeom prst="rect">
@@ -9277,7 +10401,7 @@
               <a:rPr lang="en-US" sz="1600" dirty="0">
                 <a:latin typeface="+mn-lt"/>
               </a:rPr>
-              <a:t>The dependent variable did not have linear relationship with some independent variables. A non-linear tree-based regression model like Random Forest or Gradient Boosting might work better.</a:t>
+              <a:t>The dependent variable didn’t have linear relationship with some independent variables. Further exploration and feature engineering, like creating composite variables and variable transformation would improve the model.</a:t>
             </a:r>
           </a:p>
         </p:txBody>
@@ -9296,7 +10420,7 @@
         </p:nvSpPr>
         <p:spPr>
           <a:xfrm>
-            <a:off x="1877008" y="4252794"/>
+            <a:off x="1877008" y="5036403"/>
             <a:ext cx="6781800" cy="830997"/>
           </a:xfrm>
           <a:prstGeom prst="rect">
@@ -9319,6 +10443,118 @@
           </a:p>
         </p:txBody>
       </p:sp>
+      <p:pic>
+        <p:nvPicPr>
+          <p:cNvPr id="11" name="Picture 10" descr="Icon&#10;&#10;Description automatically generated">
+            <a:extLst>
+              <a:ext uri="{FF2B5EF4-FFF2-40B4-BE49-F238E27FC236}">
+                <a16:creationId xmlns:a16="http://schemas.microsoft.com/office/drawing/2014/main" id="{CBC781B2-F747-472D-BB73-2B4C03C11FDE}"/>
+              </a:ext>
+            </a:extLst>
+          </p:cNvPr>
+          <p:cNvPicPr>
+            <a:picLocks noChangeAspect="1"/>
+          </p:cNvPicPr>
+          <p:nvPr/>
+        </p:nvPicPr>
+        <p:blipFill>
+          <a:blip r:embed="rId2">
+            <a:extLst>
+              <a:ext uri="{BEBA8EAE-BF5A-486C-A8C5-ECC9F3942E4B}">
+                <a14:imgProps xmlns:a14="http://schemas.microsoft.com/office/drawing/2010/main">
+                  <a14:imgLayer r:embed="rId3">
+                    <a14:imgEffect>
+                      <a14:backgroundRemoval t="4231" b="96026" l="5000" r="93778">
+                        <a14:foregroundMark x1="9333" y1="57821" x2="10333" y2="74359"/>
+                        <a14:foregroundMark x1="10333" y1="74359" x2="10333" y2="74359"/>
+                        <a14:foregroundMark x1="5222" y1="76538" x2="13333" y2="88846"/>
+                        <a14:foregroundMark x1="13333" y1="88846" x2="13333" y2="88846"/>
+                        <a14:foregroundMark x1="19556" y1="92692" x2="23333" y2="94615"/>
+                        <a14:foregroundMark x1="33667" y1="22949" x2="48556" y2="8590"/>
+                        <a14:foregroundMark x1="53000" y1="4231" x2="55444" y2="7308"/>
+                        <a14:foregroundMark x1="93778" y1="47821" x2="89111" y2="44615"/>
+                        <a14:foregroundMark x1="70333" y1="96026" x2="77222" y2="95000"/>
+                      </a14:backgroundRemoval>
+                    </a14:imgEffect>
+                  </a14:imgLayer>
+                </a14:imgProps>
+              </a:ext>
+            </a:extLst>
+          </a:blip>
+          <a:stretch>
+            <a:fillRect/>
+          </a:stretch>
+        </p:blipFill>
+        <p:spPr>
+          <a:xfrm>
+            <a:off x="762000" y="1851270"/>
+            <a:ext cx="990600" cy="858520"/>
+          </a:xfrm>
+          <a:prstGeom prst="rect">
+            <a:avLst/>
+          </a:prstGeom>
+        </p:spPr>
+      </p:pic>
+      <p:pic>
+        <p:nvPicPr>
+          <p:cNvPr id="13" name="Picture 12" descr="Icon&#10;&#10;Description automatically generated">
+            <a:extLst>
+              <a:ext uri="{FF2B5EF4-FFF2-40B4-BE49-F238E27FC236}">
+                <a16:creationId xmlns:a16="http://schemas.microsoft.com/office/drawing/2014/main" id="{3DEDCD9C-D3F4-4A2E-B94C-3BDC5BD819E2}"/>
+              </a:ext>
+            </a:extLst>
+          </p:cNvPr>
+          <p:cNvPicPr>
+            <a:picLocks noChangeAspect="1"/>
+          </p:cNvPicPr>
+          <p:nvPr/>
+        </p:nvPicPr>
+        <p:blipFill>
+          <a:blip r:embed="rId4"/>
+          <a:stretch>
+            <a:fillRect/>
+          </a:stretch>
+        </p:blipFill>
+        <p:spPr>
+          <a:xfrm>
+            <a:off x="762000" y="3294689"/>
+            <a:ext cx="990600" cy="990600"/>
+          </a:xfrm>
+          <a:prstGeom prst="rect">
+            <a:avLst/>
+          </a:prstGeom>
+        </p:spPr>
+      </p:pic>
+      <p:pic>
+        <p:nvPicPr>
+          <p:cNvPr id="15" name="Picture 14" descr="Shape&#10;&#10;Description automatically generated with low confidence">
+            <a:extLst>
+              <a:ext uri="{FF2B5EF4-FFF2-40B4-BE49-F238E27FC236}">
+                <a16:creationId xmlns:a16="http://schemas.microsoft.com/office/drawing/2014/main" id="{456C2C4A-A00C-46FC-B038-D469918DE7E8}"/>
+              </a:ext>
+            </a:extLst>
+          </p:cNvPr>
+          <p:cNvPicPr>
+            <a:picLocks noChangeAspect="1"/>
+          </p:cNvPicPr>
+          <p:nvPr/>
+        </p:nvPicPr>
+        <p:blipFill>
+          <a:blip r:embed="rId5"/>
+          <a:stretch>
+            <a:fillRect/>
+          </a:stretch>
+        </p:blipFill>
+        <p:spPr>
+          <a:xfrm>
+            <a:off x="723081" y="4870188"/>
+            <a:ext cx="1070396" cy="1070396"/>
+          </a:xfrm>
+          <a:prstGeom prst="rect">
+            <a:avLst/>
+          </a:prstGeom>
+        </p:spPr>
+      </p:pic>
     </p:spTree>
     <p:extLst>
       <p:ext uri="{BB962C8B-B14F-4D97-AF65-F5344CB8AC3E}">
@@ -9822,8 +11058,8 @@
         </p:blipFill>
         <p:spPr>
           <a:xfrm>
-            <a:off x="723900" y="1666467"/>
-            <a:ext cx="647700" cy="390933"/>
+            <a:off x="454944" y="1656533"/>
+            <a:ext cx="916656" cy="553267"/>
           </a:xfrm>
           <a:prstGeom prst="rect">
             <a:avLst/>
@@ -9864,8 +11100,8 @@
         </p:blipFill>
         <p:spPr>
           <a:xfrm>
-            <a:off x="723900" y="2504667"/>
-            <a:ext cx="647700" cy="390933"/>
+            <a:off x="471403" y="2580867"/>
+            <a:ext cx="900197" cy="543333"/>
           </a:xfrm>
           <a:prstGeom prst="rect">
             <a:avLst/>
@@ -12844,11 +14080,110 @@
           <a:p>
             <a:r>
               <a:rPr lang="en-US" dirty="0"/>
-              <a:t>Exploratory Data Analysis Plot 1</a:t>
+              <a:t>Exploratory Data Analysis</a:t>
             </a:r>
           </a:p>
         </p:txBody>
       </p:sp>
+      <p:sp>
+        <p:nvSpPr>
+          <p:cNvPr id="3" name="TextBox 2">
+            <a:extLst>
+              <a:ext uri="{FF2B5EF4-FFF2-40B4-BE49-F238E27FC236}">
+                <a16:creationId xmlns:a16="http://schemas.microsoft.com/office/drawing/2014/main" id="{453D179F-AB5C-44ED-A6F0-41D9741C1505}"/>
+              </a:ext>
+            </a:extLst>
+          </p:cNvPr>
+          <p:cNvSpPr txBox="1"/>
+          <p:nvPr/>
+        </p:nvSpPr>
+        <p:spPr>
+          <a:xfrm>
+            <a:off x="685800" y="1752600"/>
+            <a:ext cx="7848600" cy="769441"/>
+          </a:xfrm>
+          <a:prstGeom prst="rect">
+            <a:avLst/>
+          </a:prstGeom>
+          <a:noFill/>
+        </p:spPr>
+        <p:txBody>
+          <a:bodyPr wrap="square" rtlCol="0">
+            <a:spAutoFit/>
+          </a:bodyPr>
+          <a:lstStyle/>
+          <a:p>
+            <a:r>
+              <a:rPr lang="en-US" sz="4400" dirty="0">
+                <a:solidFill>
+                  <a:srgbClr val="FF0000"/>
+                </a:solidFill>
+              </a:rPr>
+              <a:t>Lorem Ipsum</a:t>
+            </a:r>
+          </a:p>
+        </p:txBody>
+      </p:sp>
+      <p:pic>
+        <p:nvPicPr>
+          <p:cNvPr id="4" name="Picture 3" descr="Chart, bar chart&#10;&#10;Description automatically generated">
+            <a:extLst>
+              <a:ext uri="{FF2B5EF4-FFF2-40B4-BE49-F238E27FC236}">
+                <a16:creationId xmlns:a16="http://schemas.microsoft.com/office/drawing/2014/main" id="{DFA73F9E-A3C8-4B41-B221-733E00A88E3F}"/>
+              </a:ext>
+            </a:extLst>
+          </p:cNvPr>
+          <p:cNvPicPr>
+            <a:picLocks noChangeAspect="1"/>
+          </p:cNvPicPr>
+          <p:nvPr/>
+        </p:nvPicPr>
+        <p:blipFill>
+          <a:blip r:embed="rId2"/>
+          <a:stretch>
+            <a:fillRect/>
+          </a:stretch>
+        </p:blipFill>
+        <p:spPr>
+          <a:xfrm>
+            <a:off x="665399" y="2667000"/>
+            <a:ext cx="4105770" cy="2867308"/>
+          </a:xfrm>
+          <a:prstGeom prst="rect">
+            <a:avLst/>
+          </a:prstGeom>
+        </p:spPr>
+      </p:pic>
+      <p:pic>
+        <p:nvPicPr>
+          <p:cNvPr id="6" name="Picture 5" descr="Chart, bar chart&#10;&#10;Description automatically generated">
+            <a:extLst>
+              <a:ext uri="{FF2B5EF4-FFF2-40B4-BE49-F238E27FC236}">
+                <a16:creationId xmlns:a16="http://schemas.microsoft.com/office/drawing/2014/main" id="{EC7FE9A3-1C2B-4130-9AAD-63ED42B832FC}"/>
+              </a:ext>
+            </a:extLst>
+          </p:cNvPr>
+          <p:cNvPicPr>
+            <a:picLocks noChangeAspect="1"/>
+          </p:cNvPicPr>
+          <p:nvPr/>
+        </p:nvPicPr>
+        <p:blipFill>
+          <a:blip r:embed="rId3"/>
+          <a:stretch>
+            <a:fillRect/>
+          </a:stretch>
+        </p:blipFill>
+        <p:spPr>
+          <a:xfrm>
+            <a:off x="4771169" y="2667000"/>
+            <a:ext cx="3767896" cy="2867309"/>
+          </a:xfrm>
+          <a:prstGeom prst="rect">
+            <a:avLst/>
+          </a:prstGeom>
+        </p:spPr>
+      </p:pic>
     </p:spTree>
     <p:extLst>
       <p:ext uri="{BB962C8B-B14F-4D97-AF65-F5344CB8AC3E}">
@@ -12909,7 +14244,160 @@
           <a:p>
             <a:r>
               <a:rPr lang="en-US" dirty="0"/>
-              <a:t>Exploratory Data Analysis Plot 2</a:t>
+              <a:t>Exploratory Data Analysis</a:t>
+            </a:r>
+          </a:p>
+        </p:txBody>
+      </p:sp>
+      <p:pic>
+        <p:nvPicPr>
+          <p:cNvPr id="3" name="Picture 2" descr="Chart, scatter chart&#10;&#10;Description automatically generated">
+            <a:extLst>
+              <a:ext uri="{FF2B5EF4-FFF2-40B4-BE49-F238E27FC236}">
+                <a16:creationId xmlns:a16="http://schemas.microsoft.com/office/drawing/2014/main" id="{FF5758B1-2110-483C-B00F-8F62B380531B}"/>
+              </a:ext>
+            </a:extLst>
+          </p:cNvPr>
+          <p:cNvPicPr>
+            <a:picLocks noChangeAspect="1"/>
+          </p:cNvPicPr>
+          <p:nvPr/>
+        </p:nvPicPr>
+        <p:blipFill>
+          <a:blip r:embed="rId2"/>
+          <a:stretch>
+            <a:fillRect/>
+          </a:stretch>
+        </p:blipFill>
+        <p:spPr>
+          <a:xfrm>
+            <a:off x="597616" y="2819400"/>
+            <a:ext cx="3889174" cy="2716046"/>
+          </a:xfrm>
+          <a:prstGeom prst="rect">
+            <a:avLst/>
+          </a:prstGeom>
+        </p:spPr>
+      </p:pic>
+      <p:pic>
+        <p:nvPicPr>
+          <p:cNvPr id="7" name="Picture 6" descr="Chart, scatter chart&#10;&#10;Description automatically generated">
+            <a:extLst>
+              <a:ext uri="{FF2B5EF4-FFF2-40B4-BE49-F238E27FC236}">
+                <a16:creationId xmlns:a16="http://schemas.microsoft.com/office/drawing/2014/main" id="{8ACCC1B5-C69D-4736-BDE8-15EF43B4505F}"/>
+              </a:ext>
+            </a:extLst>
+          </p:cNvPr>
+          <p:cNvPicPr>
+            <a:picLocks noChangeAspect="1"/>
+          </p:cNvPicPr>
+          <p:nvPr/>
+        </p:nvPicPr>
+        <p:blipFill>
+          <a:blip r:embed="rId3"/>
+          <a:stretch>
+            <a:fillRect/>
+          </a:stretch>
+        </p:blipFill>
+        <p:spPr>
+          <a:xfrm>
+            <a:off x="5029200" y="2819400"/>
+            <a:ext cx="3867130" cy="2716046"/>
+          </a:xfrm>
+          <a:prstGeom prst="rect">
+            <a:avLst/>
+          </a:prstGeom>
+        </p:spPr>
+      </p:pic>
+      <p:sp>
+        <p:nvSpPr>
+          <p:cNvPr id="8" name="Isosceles Triangle 7">
+            <a:extLst>
+              <a:ext uri="{FF2B5EF4-FFF2-40B4-BE49-F238E27FC236}">
+                <a16:creationId xmlns:a16="http://schemas.microsoft.com/office/drawing/2014/main" id="{7692993C-514B-440D-B003-0D2479841912}"/>
+              </a:ext>
+            </a:extLst>
+          </p:cNvPr>
+          <p:cNvSpPr/>
+          <p:nvPr/>
+        </p:nvSpPr>
+        <p:spPr>
+          <a:xfrm rot="5400000">
+            <a:off x="3603944" y="4067523"/>
+            <a:ext cx="2277000" cy="345046"/>
+          </a:xfrm>
+          <a:prstGeom prst="triangle">
+            <a:avLst/>
+          </a:prstGeom>
+          <a:solidFill>
+            <a:schemeClr val="tx2">
+              <a:lumMod val="20000"/>
+              <a:lumOff val="80000"/>
+            </a:schemeClr>
+          </a:solidFill>
+          <a:ln>
+            <a:noFill/>
+          </a:ln>
+          <a:effectLst/>
+        </p:spPr>
+        <p:style>
+          <a:lnRef idx="1">
+            <a:schemeClr val="accent1"/>
+          </a:lnRef>
+          <a:fillRef idx="3">
+            <a:schemeClr val="accent1"/>
+          </a:fillRef>
+          <a:effectRef idx="2">
+            <a:schemeClr val="accent1"/>
+          </a:effectRef>
+          <a:fontRef idx="minor">
+            <a:schemeClr val="lt1"/>
+          </a:fontRef>
+        </p:style>
+        <p:txBody>
+          <a:bodyPr rtlCol="0" anchor="ctr"/>
+          <a:lstStyle/>
+          <a:p>
+            <a:pPr algn="ctr"/>
+            <a:endParaRPr lang="en-US"/>
+          </a:p>
+        </p:txBody>
+      </p:sp>
+      <p:sp>
+        <p:nvSpPr>
+          <p:cNvPr id="9" name="TextBox 8">
+            <a:extLst>
+              <a:ext uri="{FF2B5EF4-FFF2-40B4-BE49-F238E27FC236}">
+                <a16:creationId xmlns:a16="http://schemas.microsoft.com/office/drawing/2014/main" id="{4EB6B96B-1484-4DF1-A51B-08920DCA174E}"/>
+              </a:ext>
+            </a:extLst>
+          </p:cNvPr>
+          <p:cNvSpPr txBox="1"/>
+          <p:nvPr/>
+        </p:nvSpPr>
+        <p:spPr>
+          <a:xfrm>
+            <a:off x="685800" y="1752600"/>
+            <a:ext cx="7848600" cy="707886"/>
+          </a:xfrm>
+          <a:prstGeom prst="rect">
+            <a:avLst/>
+          </a:prstGeom>
+          <a:noFill/>
+        </p:spPr>
+        <p:txBody>
+          <a:bodyPr wrap="square" rtlCol="0">
+            <a:spAutoFit/>
+          </a:bodyPr>
+          <a:lstStyle/>
+          <a:p>
+            <a:r>
+              <a:rPr lang="en-US" sz="4000" dirty="0">
+                <a:solidFill>
+                  <a:srgbClr val="FF0000"/>
+                </a:solidFill>
+              </a:rPr>
+              <a:t>Lorem Ipsum</a:t>
             </a:r>
           </a:p>
         </p:txBody>

--- a/Final Submission/Presidential Election Analysis_Final.pptx
+++ b/Final Submission/Presidential Election Analysis_Final.pptx
@@ -5,7 +5,7 @@
     <p:sldMasterId id="2147483661" r:id="rId1"/>
   </p:sldMasterIdLst>
   <p:notesMasterIdLst>
-    <p:notesMasterId r:id="rId17"/>
+    <p:notesMasterId r:id="rId18"/>
   </p:notesMasterIdLst>
   <p:sldIdLst>
     <p:sldId id="257" r:id="rId2"/>
@@ -22,7 +22,8 @@
     <p:sldId id="302" r:id="rId13"/>
     <p:sldId id="284" r:id="rId14"/>
     <p:sldId id="296" r:id="rId15"/>
-    <p:sldId id="301" r:id="rId16"/>
+    <p:sldId id="303" r:id="rId16"/>
+    <p:sldId id="301" r:id="rId17"/>
   </p:sldIdLst>
   <p:sldSz cx="9144000" cy="6858000" type="screen4x3"/>
   <p:notesSz cx="6858000" cy="9144000"/>
@@ -170,6 +171,7 @@
             <p14:sldId id="302"/>
             <p14:sldId id="284"/>
             <p14:sldId id="296"/>
+            <p14:sldId id="303"/>
             <p14:sldId id="301"/>
           </p14:sldIdLst>
         </p14:section>
@@ -3930,14 +3932,14 @@
           </a:ln>
           <a:extLst>
             <a:ext uri="{909E8E84-426E-40dd-AFC4-6F175D3DCCD1}">
-              <a14:hiddenFill xmlns:a14="http://schemas.microsoft.com/office/drawing/2010/main" xmlns="">
+              <a14:hiddenFill xmlns="" xmlns:a14="http://schemas.microsoft.com/office/drawing/2010/main">
                 <a:solidFill>
                   <a:srgbClr val="FFFFFF"/>
                 </a:solidFill>
               </a14:hiddenFill>
             </a:ext>
             <a:ext uri="{91240B29-F687-4f45-9708-019B960494DF}">
-              <a14:hiddenLine xmlns:a14="http://schemas.microsoft.com/office/drawing/2010/main" xmlns="" w="9525">
+              <a14:hiddenLine xmlns="" xmlns:a14="http://schemas.microsoft.com/office/drawing/2010/main" w="9525">
                 <a:solidFill>
                   <a:srgbClr val="000000"/>
                 </a:solidFill>
@@ -4155,14 +4157,14 @@
           </a:ln>
           <a:extLst>
             <a:ext uri="{909E8E84-426E-40dd-AFC4-6F175D3DCCD1}">
-              <a14:hiddenFill xmlns:a14="http://schemas.microsoft.com/office/drawing/2010/main" xmlns="">
+              <a14:hiddenFill xmlns="" xmlns:a14="http://schemas.microsoft.com/office/drawing/2010/main">
                 <a:solidFill>
                   <a:srgbClr val="FFFFFF"/>
                 </a:solidFill>
               </a14:hiddenFill>
             </a:ext>
             <a:ext uri="{91240B29-F687-4f45-9708-019B960494DF}">
-              <a14:hiddenLine xmlns:a14="http://schemas.microsoft.com/office/drawing/2010/main" xmlns="" w="9525">
+              <a14:hiddenLine xmlns="" xmlns:a14="http://schemas.microsoft.com/office/drawing/2010/main" w="9525">
                 <a:solidFill>
                   <a:srgbClr val="000000"/>
                 </a:solidFill>
@@ -9455,12 +9457,350 @@
           <a:chExt cx="0" cy="0"/>
         </a:xfrm>
       </p:grpSpPr>
+      <p:pic>
+        <p:nvPicPr>
+          <p:cNvPr id="8" name="Picture 7">
+            <a:extLst>
+              <a:ext uri="{FF2B5EF4-FFF2-40B4-BE49-F238E27FC236}">
+                <a16:creationId xmlns:a16="http://schemas.microsoft.com/office/drawing/2014/main" id="{4B26A688-3B5B-4F41-B1D9-6EC47628CA8D}"/>
+              </a:ext>
+            </a:extLst>
+          </p:cNvPr>
+          <p:cNvPicPr>
+            <a:picLocks noChangeAspect="1"/>
+          </p:cNvPicPr>
+          <p:nvPr/>
+        </p:nvPicPr>
+        <p:blipFill>
+          <a:blip r:embed="rId2"/>
+          <a:stretch>
+            <a:fillRect/>
+          </a:stretch>
+        </p:blipFill>
+        <p:spPr>
+          <a:xfrm>
+            <a:off x="793528" y="2854069"/>
+            <a:ext cx="2559272" cy="2885043"/>
+          </a:xfrm>
+          <a:prstGeom prst="rect">
+            <a:avLst/>
+          </a:prstGeom>
+        </p:spPr>
+      </p:pic>
       <p:sp>
         <p:nvSpPr>
-          <p:cNvPr id="12" name="Rectangle: Diagonal Corners Rounded 11">
+          <p:cNvPr id="5" name="Title 2">
             <a:extLst>
               <a:ext uri="{FF2B5EF4-FFF2-40B4-BE49-F238E27FC236}">
-                <a16:creationId xmlns:a16="http://schemas.microsoft.com/office/drawing/2014/main" id="{67EC419A-46E8-41F0-8033-0EBE0310D1ED}"/>
+                <a16:creationId xmlns:a16="http://schemas.microsoft.com/office/drawing/2014/main" id="{C7B3E1ED-D462-4459-B5B0-03807F84ABE3}"/>
+              </a:ext>
+            </a:extLst>
+          </p:cNvPr>
+          <p:cNvSpPr>
+            <a:spLocks noGrp="1"/>
+          </p:cNvSpPr>
+          <p:nvPr>
+            <p:ph type="ctrTitle"/>
+          </p:nvPr>
+        </p:nvSpPr>
+        <p:spPr>
+          <a:xfrm>
+            <a:off x="457200" y="685800"/>
+            <a:ext cx="8229600" cy="762000"/>
+          </a:xfrm>
+        </p:spPr>
+        <p:txBody>
+          <a:bodyPr wrap="square" anchor="t">
+            <a:normAutofit/>
+          </a:bodyPr>
+          <a:lstStyle/>
+          <a:p>
+            <a:r>
+              <a:rPr lang="en-US" dirty="0"/>
+              <a:t>Lasso Regularization</a:t>
+            </a:r>
+          </a:p>
+        </p:txBody>
+      </p:sp>
+      <p:pic>
+        <p:nvPicPr>
+          <p:cNvPr id="4" name="Picture 3" descr="Text&#10;&#10;Description automatically generated">
+            <a:extLst>
+              <a:ext uri="{FF2B5EF4-FFF2-40B4-BE49-F238E27FC236}">
+                <a16:creationId xmlns:a16="http://schemas.microsoft.com/office/drawing/2014/main" id="{DA764B60-903E-476E-B56D-AC31A1DD280E}"/>
+              </a:ext>
+            </a:extLst>
+          </p:cNvPr>
+          <p:cNvPicPr>
+            <a:picLocks noChangeAspect="1"/>
+          </p:cNvPicPr>
+          <p:nvPr/>
+        </p:nvPicPr>
+        <p:blipFill rotWithShape="1">
+          <a:blip r:embed="rId3"/>
+          <a:srcRect l="18881" t="15063" r="19004" b="14892"/>
+          <a:stretch/>
+        </p:blipFill>
+        <p:spPr>
+          <a:xfrm>
+            <a:off x="597556" y="1524001"/>
+            <a:ext cx="894914" cy="1009159"/>
+          </a:xfrm>
+          <a:prstGeom prst="rect">
+            <a:avLst/>
+          </a:prstGeom>
+        </p:spPr>
+      </p:pic>
+      <p:sp>
+        <p:nvSpPr>
+          <p:cNvPr id="18" name="TextBox 17">
+            <a:extLst>
+              <a:ext uri="{FF2B5EF4-FFF2-40B4-BE49-F238E27FC236}">
+                <a16:creationId xmlns:a16="http://schemas.microsoft.com/office/drawing/2014/main" id="{966E17A6-3BBF-44D5-9FC4-A62815B6BDB9}"/>
+              </a:ext>
+            </a:extLst>
+          </p:cNvPr>
+          <p:cNvSpPr txBox="1"/>
+          <p:nvPr/>
+        </p:nvSpPr>
+        <p:spPr>
+          <a:xfrm>
+            <a:off x="2089281" y="6060388"/>
+            <a:ext cx="5334000" cy="400110"/>
+          </a:xfrm>
+          <a:prstGeom prst="rect">
+            <a:avLst/>
+          </a:prstGeom>
+          <a:noFill/>
+        </p:spPr>
+        <p:txBody>
+          <a:bodyPr wrap="square" rtlCol="0">
+            <a:spAutoFit/>
+          </a:bodyPr>
+          <a:lstStyle/>
+          <a:p>
+            <a:r>
+              <a:rPr lang="en-US" sz="2000" b="1" dirty="0">
+                <a:solidFill>
+                  <a:srgbClr val="C1202F"/>
+                </a:solidFill>
+                <a:latin typeface="+mn-lt"/>
+              </a:rPr>
+              <a:t>Test RMSE: 0.08				    Test MAPE: 68%</a:t>
+            </a:r>
+          </a:p>
+        </p:txBody>
+      </p:sp>
+      <p:pic>
+        <p:nvPicPr>
+          <p:cNvPr id="19" name="Picture 18" descr="Icon&#10;&#10;Description automatically generated">
+            <a:extLst>
+              <a:ext uri="{FF2B5EF4-FFF2-40B4-BE49-F238E27FC236}">
+                <a16:creationId xmlns:a16="http://schemas.microsoft.com/office/drawing/2014/main" id="{C00274A6-1036-4E47-B115-0FA5A2A49BBD}"/>
+              </a:ext>
+            </a:extLst>
+          </p:cNvPr>
+          <p:cNvPicPr>
+            <a:picLocks noChangeAspect="1"/>
+          </p:cNvPicPr>
+          <p:nvPr/>
+        </p:nvPicPr>
+        <p:blipFill>
+          <a:blip r:embed="rId4">
+            <a:extLst>
+              <a:ext uri="{BEBA8EAE-BF5A-486C-A8C5-ECC9F3942E4B}">
+                <a14:imgProps xmlns:a14="http://schemas.microsoft.com/office/drawing/2010/main">
+                  <a14:imgLayer r:embed="rId5">
+                    <a14:imgEffect>
+                      <a14:backgroundRemoval t="5290" b="91598" l="6628" r="94070">
+                        <a14:foregroundMark x1="6628" y1="19813" x2="8837" y2="25622"/>
+                        <a14:foregroundMark x1="28837" y1="14212" x2="54186" y2="40560"/>
+                        <a14:foregroundMark x1="54186" y1="40560" x2="54186" y2="40249"/>
+                        <a14:foregroundMark x1="51628" y1="19295" x2="73837" y2="8714"/>
+                        <a14:foregroundMark x1="94070" y1="14834" x2="93488" y2="21577"/>
+                        <a14:foregroundMark x1="42558" y1="91701" x2="50698" y2="91701"/>
+                        <a14:foregroundMark x1="21628" y1="5290" x2="23837" y2="5290"/>
+                      </a14:backgroundRemoval>
+                    </a14:imgEffect>
+                  </a14:imgLayer>
+                </a14:imgProps>
+              </a:ext>
+            </a:extLst>
+          </a:blip>
+          <a:stretch>
+            <a:fillRect/>
+          </a:stretch>
+        </p:blipFill>
+        <p:spPr>
+          <a:xfrm>
+            <a:off x="1492470" y="5968857"/>
+            <a:ext cx="520257" cy="583172"/>
+          </a:xfrm>
+          <a:prstGeom prst="rect">
+            <a:avLst/>
+          </a:prstGeom>
+        </p:spPr>
+      </p:pic>
+      <p:pic>
+        <p:nvPicPr>
+          <p:cNvPr id="20" name="Picture 19" descr="Icon&#10;&#10;Description automatically generated">
+            <a:extLst>
+              <a:ext uri="{FF2B5EF4-FFF2-40B4-BE49-F238E27FC236}">
+                <a16:creationId xmlns:a16="http://schemas.microsoft.com/office/drawing/2014/main" id="{9E7C7141-878A-4FAD-B241-54796416FBB0}"/>
+              </a:ext>
+            </a:extLst>
+          </p:cNvPr>
+          <p:cNvPicPr>
+            <a:picLocks noChangeAspect="1"/>
+          </p:cNvPicPr>
+          <p:nvPr/>
+        </p:nvPicPr>
+        <p:blipFill>
+          <a:blip r:embed="rId4">
+            <a:extLst>
+              <a:ext uri="{BEBA8EAE-BF5A-486C-A8C5-ECC9F3942E4B}">
+                <a14:imgProps xmlns:a14="http://schemas.microsoft.com/office/drawing/2010/main">
+                  <a14:imgLayer r:embed="rId5">
+                    <a14:imgEffect>
+                      <a14:backgroundRemoval t="5290" b="91598" l="6628" r="94070">
+                        <a14:foregroundMark x1="6628" y1="19813" x2="8837" y2="25622"/>
+                        <a14:foregroundMark x1="28837" y1="14212" x2="54186" y2="40560"/>
+                        <a14:foregroundMark x1="54186" y1="40560" x2="54186" y2="40249"/>
+                        <a14:foregroundMark x1="51628" y1="19295" x2="73837" y2="8714"/>
+                        <a14:foregroundMark x1="94070" y1="14834" x2="93488" y2="21577"/>
+                        <a14:foregroundMark x1="42558" y1="91701" x2="50698" y2="91701"/>
+                        <a14:foregroundMark x1="21628" y1="5290" x2="23837" y2="5290"/>
+                      </a14:backgroundRemoval>
+                    </a14:imgEffect>
+                  </a14:imgLayer>
+                </a14:imgProps>
+              </a:ext>
+            </a:extLst>
+          </a:blip>
+          <a:stretch>
+            <a:fillRect/>
+          </a:stretch>
+        </p:blipFill>
+        <p:spPr>
+          <a:xfrm>
+            <a:off x="7423281" y="5968857"/>
+            <a:ext cx="520257" cy="583172"/>
+          </a:xfrm>
+          <a:prstGeom prst="rect">
+            <a:avLst/>
+          </a:prstGeom>
+        </p:spPr>
+      </p:pic>
+      <p:sp>
+        <p:nvSpPr>
+          <p:cNvPr id="21" name="TextBox 20">
+            <a:extLst>
+              <a:ext uri="{FF2B5EF4-FFF2-40B4-BE49-F238E27FC236}">
+                <a16:creationId xmlns:a16="http://schemas.microsoft.com/office/drawing/2014/main" id="{C5FD75A7-99B1-4F0D-AD22-253D00148A03}"/>
+              </a:ext>
+            </a:extLst>
+          </p:cNvPr>
+          <p:cNvSpPr txBox="1"/>
+          <p:nvPr/>
+        </p:nvSpPr>
+        <p:spPr>
+          <a:xfrm>
+            <a:off x="1752599" y="1524001"/>
+            <a:ext cx="7162800" cy="1056700"/>
+          </a:xfrm>
+          <a:prstGeom prst="rect">
+            <a:avLst/>
+          </a:prstGeom>
+          <a:noFill/>
+        </p:spPr>
+        <p:txBody>
+          <a:bodyPr wrap="square" numCol="2" rtlCol="0">
+            <a:spAutoFit/>
+          </a:bodyPr>
+          <a:lstStyle/>
+          <a:p>
+            <a:pPr marL="285750" indent="-285750">
+              <a:spcAft>
+                <a:spcPts val="400"/>
+              </a:spcAft>
+              <a:buFont typeface="Wingdings" pitchFamily="2" charset="2"/>
+              <a:buChar char="§"/>
+            </a:pPr>
+            <a:r>
+              <a:rPr lang="en-US" sz="1300" dirty="0">
+                <a:latin typeface="+mn-lt"/>
+              </a:rPr>
+              <a:t>Unemployment Rate</a:t>
+            </a:r>
+          </a:p>
+          <a:p>
+            <a:pPr marL="285750" indent="-285750">
+              <a:spcAft>
+                <a:spcPts val="400"/>
+              </a:spcAft>
+              <a:buFont typeface="Wingdings" pitchFamily="2" charset="2"/>
+              <a:buChar char="§"/>
+            </a:pPr>
+            <a:r>
+              <a:rPr lang="en-US" sz="1300" dirty="0">
+                <a:latin typeface="+mn-lt"/>
+              </a:rPr>
+              <a:t>Race (African American, American Indian, Asian, White)</a:t>
+            </a:r>
+          </a:p>
+          <a:p>
+            <a:pPr marL="285750" indent="-285750">
+              <a:spcAft>
+                <a:spcPts val="400"/>
+              </a:spcAft>
+              <a:buFont typeface="Wingdings" pitchFamily="2" charset="2"/>
+              <a:buChar char="§"/>
+            </a:pPr>
+            <a:r>
+              <a:rPr lang="en-US" sz="1300" dirty="0">
+                <a:latin typeface="+mn-lt"/>
+              </a:rPr>
+              <a:t>Criminal Activity Estimators</a:t>
+            </a:r>
+          </a:p>
+          <a:p>
+            <a:pPr marL="285750" indent="-285750">
+              <a:spcAft>
+                <a:spcPts val="400"/>
+              </a:spcAft>
+              <a:buFont typeface="Wingdings" pitchFamily="2" charset="2"/>
+              <a:buChar char="§"/>
+            </a:pPr>
+            <a:r>
+              <a:rPr lang="en-US" sz="1300" dirty="0">
+                <a:latin typeface="+mn-lt"/>
+              </a:rPr>
+              <a:t>Population Demography</a:t>
+            </a:r>
+          </a:p>
+          <a:p>
+            <a:pPr marL="285750" indent="-285750">
+              <a:spcAft>
+                <a:spcPts val="400"/>
+              </a:spcAft>
+              <a:buFont typeface="Wingdings" pitchFamily="2" charset="2"/>
+              <a:buChar char="§"/>
+            </a:pPr>
+            <a:r>
+              <a:rPr lang="en-US" sz="1300" dirty="0">
+                <a:latin typeface="+mn-lt"/>
+              </a:rPr>
+              <a:t>Migration Rates</a:t>
+            </a:r>
+          </a:p>
+        </p:txBody>
+      </p:sp>
+      <p:sp>
+        <p:nvSpPr>
+          <p:cNvPr id="22" name="Rectangle: Diagonal Corners Rounded 21">
+            <a:extLst>
+              <a:ext uri="{FF2B5EF4-FFF2-40B4-BE49-F238E27FC236}">
+                <a16:creationId xmlns:a16="http://schemas.microsoft.com/office/drawing/2014/main" id="{8FE4083C-F52D-4890-A20D-12F88C10C610}"/>
               </a:ext>
             </a:extLst>
           </p:cNvPr>
@@ -9510,435 +9850,10 @@
       </p:sp>
       <p:sp>
         <p:nvSpPr>
-          <p:cNvPr id="7" name="Content Placeholder 1">
+          <p:cNvPr id="23" name="TextBox 22">
             <a:extLst>
               <a:ext uri="{FF2B5EF4-FFF2-40B4-BE49-F238E27FC236}">
-                <a16:creationId xmlns:a16="http://schemas.microsoft.com/office/drawing/2014/main" id="{D7792D65-0D51-0742-BB11-BE4EEF40D16B}"/>
-              </a:ext>
-            </a:extLst>
-          </p:cNvPr>
-          <p:cNvSpPr txBox="1">
-            <a:spLocks/>
-          </p:cNvSpPr>
-          <p:nvPr/>
-        </p:nvSpPr>
-        <p:spPr bwMode="auto">
-          <a:xfrm>
-            <a:off x="533400" y="4419600"/>
-            <a:ext cx="8229600" cy="1676400"/>
-          </a:xfrm>
-          <a:prstGeom prst="rect">
-            <a:avLst/>
-          </a:prstGeom>
-          <a:noFill/>
-          <a:ln>
-            <a:noFill/>
-          </a:ln>
-          <a:extLst>
-            <a:ext uri="{909E8E84-426E-40DD-AFC4-6F175D3DCCD1}">
-              <a14:hiddenFill xmlns:a14="http://schemas.microsoft.com/office/drawing/2010/main">
-                <a:solidFill>
-                  <a:srgbClr val="FFFFFF"/>
-                </a:solidFill>
-              </a14:hiddenFill>
-            </a:ext>
-            <a:ext uri="{91240B29-F687-4F45-9708-019B960494DF}">
-              <a14:hiddenLine xmlns:a14="http://schemas.microsoft.com/office/drawing/2010/main" w="9525">
-                <a:solidFill>
-                  <a:srgbClr val="000000"/>
-                </a:solidFill>
-                <a:miter lim="800000"/>
-                <a:headEnd/>
-                <a:tailEnd/>
-              </a14:hiddenLine>
-            </a:ext>
-          </a:extLst>
-        </p:spPr>
-        <p:txBody>
-          <a:bodyPr vert="horz" wrap="square" lIns="91440" tIns="45720" rIns="91440" bIns="45720" numCol="1" anchor="t" anchorCtr="0" compatLnSpc="1">
-            <a:prstTxWarp prst="textNoShape">
-              <a:avLst/>
-            </a:prstTxWarp>
-          </a:bodyPr>
-          <a:lstStyle>
-            <a:lvl1pPr marL="342900" indent="-342900" algn="l" defTabSz="457200" rtl="0" eaLnBrk="0" fontAlgn="base" hangingPunct="0">
-              <a:spcBef>
-                <a:spcPct val="20000"/>
-              </a:spcBef>
-              <a:spcAft>
-                <a:spcPct val="0"/>
-              </a:spcAft>
-              <a:buFont typeface="Arial" panose="020B0604020202020204" pitchFamily="34" charset="0"/>
-              <a:buChar char="•"/>
-              <a:defRPr sz="3200" kern="1200">
-                <a:solidFill>
-                  <a:schemeClr val="tx1"/>
-                </a:solidFill>
-                <a:latin typeface="Helvetica"/>
-                <a:ea typeface="ＭＳ Ｐゴシック" charset="0"/>
-                <a:cs typeface="ＭＳ Ｐゴシック" charset="0"/>
-              </a:defRPr>
-            </a:lvl1pPr>
-            <a:lvl2pPr marL="742950" indent="-285750" algn="l" defTabSz="457200" rtl="0" eaLnBrk="0" fontAlgn="base" hangingPunct="0">
-              <a:spcBef>
-                <a:spcPct val="20000"/>
-              </a:spcBef>
-              <a:spcAft>
-                <a:spcPct val="0"/>
-              </a:spcAft>
-              <a:buFont typeface="Arial" panose="020B0604020202020204" pitchFamily="34" charset="0"/>
-              <a:buChar char="–"/>
-              <a:defRPr sz="2800" kern="1200">
-                <a:solidFill>
-                  <a:schemeClr val="tx1"/>
-                </a:solidFill>
-                <a:latin typeface="Helvetica"/>
-                <a:ea typeface="ＭＳ Ｐゴシック" charset="0"/>
-                <a:cs typeface="+mn-cs"/>
-              </a:defRPr>
-            </a:lvl2pPr>
-            <a:lvl3pPr marL="1143000" indent="-228600" algn="l" defTabSz="457200" rtl="0" eaLnBrk="0" fontAlgn="base" hangingPunct="0">
-              <a:spcBef>
-                <a:spcPct val="20000"/>
-              </a:spcBef>
-              <a:spcAft>
-                <a:spcPct val="0"/>
-              </a:spcAft>
-              <a:buFont typeface="Arial" panose="020B0604020202020204" pitchFamily="34" charset="0"/>
-              <a:buChar char="•"/>
-              <a:defRPr sz="2400" kern="1200">
-                <a:solidFill>
-                  <a:schemeClr val="tx1"/>
-                </a:solidFill>
-                <a:latin typeface="Helvetica"/>
-                <a:ea typeface="ＭＳ Ｐゴシック" charset="0"/>
-                <a:cs typeface="+mn-cs"/>
-              </a:defRPr>
-            </a:lvl3pPr>
-            <a:lvl4pPr marL="1600200" indent="-228600" algn="l" defTabSz="457200" rtl="0" eaLnBrk="0" fontAlgn="base" hangingPunct="0">
-              <a:spcBef>
-                <a:spcPct val="20000"/>
-              </a:spcBef>
-              <a:spcAft>
-                <a:spcPct val="0"/>
-              </a:spcAft>
-              <a:buFont typeface="Arial" panose="020B0604020202020204" pitchFamily="34" charset="0"/>
-              <a:buChar char="–"/>
-              <a:defRPr sz="2000" kern="1200">
-                <a:solidFill>
-                  <a:schemeClr val="tx1"/>
-                </a:solidFill>
-                <a:latin typeface="Helvetica"/>
-                <a:ea typeface="ＭＳ Ｐゴシック" charset="0"/>
-                <a:cs typeface="+mn-cs"/>
-              </a:defRPr>
-            </a:lvl4pPr>
-            <a:lvl5pPr marL="2057400" indent="-228600" algn="l" defTabSz="457200" rtl="0" eaLnBrk="0" fontAlgn="base" hangingPunct="0">
-              <a:spcBef>
-                <a:spcPct val="20000"/>
-              </a:spcBef>
-              <a:spcAft>
-                <a:spcPct val="0"/>
-              </a:spcAft>
-              <a:buFont typeface="Arial" panose="020B0604020202020204" pitchFamily="34" charset="0"/>
-              <a:buChar char="»"/>
-              <a:defRPr sz="2000" kern="1200">
-                <a:solidFill>
-                  <a:schemeClr val="tx1"/>
-                </a:solidFill>
-                <a:latin typeface="Helvetica"/>
-                <a:ea typeface="ＭＳ Ｐゴシック" charset="0"/>
-                <a:cs typeface="+mn-cs"/>
-              </a:defRPr>
-            </a:lvl5pPr>
-            <a:lvl6pPr marL="2514600" indent="-228600" algn="l" defTabSz="457200" rtl="0" eaLnBrk="1" latinLnBrk="0" hangingPunct="1">
-              <a:spcBef>
-                <a:spcPct val="20000"/>
-              </a:spcBef>
-              <a:buFont typeface="Arial"/>
-              <a:buChar char="•"/>
-              <a:defRPr sz="2000" kern="1200">
-                <a:solidFill>
-                  <a:schemeClr val="tx1"/>
-                </a:solidFill>
-                <a:latin typeface="+mn-lt"/>
-                <a:ea typeface="+mn-ea"/>
-                <a:cs typeface="+mn-cs"/>
-              </a:defRPr>
-            </a:lvl6pPr>
-            <a:lvl7pPr marL="2971800" indent="-228600" algn="l" defTabSz="457200" rtl="0" eaLnBrk="1" latinLnBrk="0" hangingPunct="1">
-              <a:spcBef>
-                <a:spcPct val="20000"/>
-              </a:spcBef>
-              <a:buFont typeface="Arial"/>
-              <a:buChar char="•"/>
-              <a:defRPr sz="2000" kern="1200">
-                <a:solidFill>
-                  <a:schemeClr val="tx1"/>
-                </a:solidFill>
-                <a:latin typeface="+mn-lt"/>
-                <a:ea typeface="+mn-ea"/>
-                <a:cs typeface="+mn-cs"/>
-              </a:defRPr>
-            </a:lvl7pPr>
-            <a:lvl8pPr marL="3429000" indent="-228600" algn="l" defTabSz="457200" rtl="0" eaLnBrk="1" latinLnBrk="0" hangingPunct="1">
-              <a:spcBef>
-                <a:spcPct val="20000"/>
-              </a:spcBef>
-              <a:buFont typeface="Arial"/>
-              <a:buChar char="•"/>
-              <a:defRPr sz="2000" kern="1200">
-                <a:solidFill>
-                  <a:schemeClr val="tx1"/>
-                </a:solidFill>
-                <a:latin typeface="+mn-lt"/>
-                <a:ea typeface="+mn-ea"/>
-                <a:cs typeface="+mn-cs"/>
-              </a:defRPr>
-            </a:lvl8pPr>
-            <a:lvl9pPr marL="3886200" indent="-228600" algn="l" defTabSz="457200" rtl="0" eaLnBrk="1" latinLnBrk="0" hangingPunct="1">
-              <a:spcBef>
-                <a:spcPct val="20000"/>
-              </a:spcBef>
-              <a:buFont typeface="Arial"/>
-              <a:buChar char="•"/>
-              <a:defRPr sz="2000" kern="1200">
-                <a:solidFill>
-                  <a:schemeClr val="tx1"/>
-                </a:solidFill>
-                <a:latin typeface="+mn-lt"/>
-                <a:ea typeface="+mn-ea"/>
-                <a:cs typeface="+mn-cs"/>
-              </a:defRPr>
-            </a:lvl9pPr>
-          </a:lstStyle>
-          <a:p>
-            <a:pPr marL="0" indent="0">
-              <a:buFont typeface="Arial" panose="020B0604020202020204" pitchFamily="34" charset="0"/>
-              <a:buNone/>
-            </a:pPr>
-            <a:endParaRPr lang="en-US" sz="1100" dirty="0">
-              <a:latin typeface="+mn-lt"/>
-            </a:endParaRPr>
-          </a:p>
-          <a:p>
-            <a:pPr marL="0" indent="0">
-              <a:buFont typeface="Arial" panose="020B0604020202020204" pitchFamily="34" charset="0"/>
-              <a:buNone/>
-            </a:pPr>
-            <a:endParaRPr lang="en-US" sz="1100" dirty="0">
-              <a:latin typeface="+mn-lt"/>
-            </a:endParaRPr>
-          </a:p>
-        </p:txBody>
-      </p:sp>
-      <p:sp>
-        <p:nvSpPr>
-          <p:cNvPr id="5" name="Title 2">
-            <a:extLst>
-              <a:ext uri="{FF2B5EF4-FFF2-40B4-BE49-F238E27FC236}">
-                <a16:creationId xmlns:a16="http://schemas.microsoft.com/office/drawing/2014/main" id="{C7B3E1ED-D462-4459-B5B0-03807F84ABE3}"/>
-              </a:ext>
-            </a:extLst>
-          </p:cNvPr>
-          <p:cNvSpPr>
-            <a:spLocks noGrp="1"/>
-          </p:cNvSpPr>
-          <p:nvPr>
-            <p:ph type="ctrTitle"/>
-          </p:nvPr>
-        </p:nvSpPr>
-        <p:spPr>
-          <a:xfrm>
-            <a:off x="457200" y="685800"/>
-            <a:ext cx="8229600" cy="762000"/>
-          </a:xfrm>
-        </p:spPr>
-        <p:txBody>
-          <a:bodyPr wrap="square" anchor="t">
-            <a:normAutofit/>
-          </a:bodyPr>
-          <a:lstStyle/>
-          <a:p>
-            <a:r>
-              <a:rPr lang="en-US" dirty="0"/>
-              <a:t>Lasso Regularization</a:t>
-            </a:r>
-          </a:p>
-        </p:txBody>
-      </p:sp>
-      <p:pic>
-        <p:nvPicPr>
-          <p:cNvPr id="4" name="Picture 3" descr="Text&#10;&#10;Description automatically generated">
-            <a:extLst>
-              <a:ext uri="{FF2B5EF4-FFF2-40B4-BE49-F238E27FC236}">
-                <a16:creationId xmlns:a16="http://schemas.microsoft.com/office/drawing/2014/main" id="{DA764B60-903E-476E-B56D-AC31A1DD280E}"/>
-              </a:ext>
-            </a:extLst>
-          </p:cNvPr>
-          <p:cNvPicPr>
-            <a:picLocks noChangeAspect="1"/>
-          </p:cNvPicPr>
-          <p:nvPr/>
-        </p:nvPicPr>
-        <p:blipFill rotWithShape="1">
-          <a:blip r:embed="rId2"/>
-          <a:srcRect l="18881" t="15063" r="19004" b="14892"/>
-          <a:stretch/>
-        </p:blipFill>
-        <p:spPr>
-          <a:xfrm>
-            <a:off x="597556" y="1524001"/>
-            <a:ext cx="894914" cy="1009159"/>
-          </a:xfrm>
-          <a:prstGeom prst="rect">
-            <a:avLst/>
-          </a:prstGeom>
-        </p:spPr>
-      </p:pic>
-      <p:sp>
-        <p:nvSpPr>
-          <p:cNvPr id="6" name="TextBox 5">
-            <a:extLst>
-              <a:ext uri="{FF2B5EF4-FFF2-40B4-BE49-F238E27FC236}">
-                <a16:creationId xmlns:a16="http://schemas.microsoft.com/office/drawing/2014/main" id="{5A03712A-621C-4C7D-B2BF-63121A91D93D}"/>
-              </a:ext>
-            </a:extLst>
-          </p:cNvPr>
-          <p:cNvSpPr txBox="1"/>
-          <p:nvPr/>
-        </p:nvSpPr>
-        <p:spPr>
-          <a:xfrm>
-            <a:off x="1752599" y="1524001"/>
-            <a:ext cx="7162800" cy="1056700"/>
-          </a:xfrm>
-          <a:prstGeom prst="rect">
-            <a:avLst/>
-          </a:prstGeom>
-          <a:noFill/>
-        </p:spPr>
-        <p:txBody>
-          <a:bodyPr wrap="square" numCol="2" rtlCol="0">
-            <a:spAutoFit/>
-          </a:bodyPr>
-          <a:lstStyle/>
-          <a:p>
-            <a:pPr marL="285750" indent="-285750">
-              <a:spcAft>
-                <a:spcPts val="400"/>
-              </a:spcAft>
-              <a:buFont typeface="Wingdings" pitchFamily="2" charset="2"/>
-              <a:buChar char="§"/>
-            </a:pPr>
-            <a:r>
-              <a:rPr lang="en-US" sz="1300" dirty="0">
-                <a:solidFill>
-                  <a:srgbClr val="FF0000"/>
-                </a:solidFill>
-                <a:latin typeface="+mn-lt"/>
-              </a:rPr>
-              <a:t>Unemployment Rate</a:t>
-            </a:r>
-          </a:p>
-          <a:p>
-            <a:pPr marL="285750" indent="-285750">
-              <a:spcAft>
-                <a:spcPts val="400"/>
-              </a:spcAft>
-              <a:buFont typeface="Wingdings" pitchFamily="2" charset="2"/>
-              <a:buChar char="§"/>
-            </a:pPr>
-            <a:r>
-              <a:rPr lang="en-US" sz="1300" dirty="0">
-                <a:solidFill>
-                  <a:srgbClr val="FF0000"/>
-                </a:solidFill>
-                <a:latin typeface="+mn-lt"/>
-              </a:rPr>
-              <a:t>Race (African American, American Indian, Asian, White)</a:t>
-            </a:r>
-          </a:p>
-          <a:p>
-            <a:pPr marL="285750" indent="-285750">
-              <a:spcAft>
-                <a:spcPts val="400"/>
-              </a:spcAft>
-              <a:buFont typeface="Wingdings" pitchFamily="2" charset="2"/>
-              <a:buChar char="§"/>
-            </a:pPr>
-            <a:r>
-              <a:rPr lang="en-US" sz="1300" dirty="0">
-                <a:solidFill>
-                  <a:srgbClr val="FF0000"/>
-                </a:solidFill>
-                <a:latin typeface="+mn-lt"/>
-              </a:rPr>
-              <a:t>Median Household Income</a:t>
-            </a:r>
-          </a:p>
-          <a:p>
-            <a:pPr marL="285750" indent="-285750">
-              <a:spcAft>
-                <a:spcPts val="400"/>
-              </a:spcAft>
-              <a:buFont typeface="Wingdings" pitchFamily="2" charset="2"/>
-              <a:buChar char="§"/>
-            </a:pPr>
-            <a:r>
-              <a:rPr lang="en-US" sz="1300" dirty="0">
-                <a:solidFill>
-                  <a:srgbClr val="FF0000"/>
-                </a:solidFill>
-                <a:latin typeface="+mn-lt"/>
-              </a:rPr>
-              <a:t>Poverty Estimators</a:t>
-            </a:r>
-          </a:p>
-          <a:p>
-            <a:pPr marL="285750" indent="-285750">
-              <a:spcAft>
-                <a:spcPts val="400"/>
-              </a:spcAft>
-              <a:buFont typeface="Wingdings" pitchFamily="2" charset="2"/>
-              <a:buChar char="§"/>
-            </a:pPr>
-            <a:r>
-              <a:rPr lang="en-US" sz="1300" dirty="0">
-                <a:solidFill>
-                  <a:srgbClr val="FF0000"/>
-                </a:solidFill>
-                <a:latin typeface="+mn-lt"/>
-              </a:rPr>
-              <a:t>Educational Attainments (Diploma, Bachelor, Masters, PhD.)</a:t>
-            </a:r>
-          </a:p>
-          <a:p>
-            <a:pPr marL="285750" indent="-285750">
-              <a:spcAft>
-                <a:spcPts val="400"/>
-              </a:spcAft>
-              <a:buFont typeface="Wingdings" pitchFamily="2" charset="2"/>
-              <a:buChar char="§"/>
-            </a:pPr>
-            <a:r>
-              <a:rPr lang="en-US" sz="1300" dirty="0">
-                <a:solidFill>
-                  <a:srgbClr val="FF0000"/>
-                </a:solidFill>
-                <a:latin typeface="+mn-lt"/>
-              </a:rPr>
-              <a:t>Migration Rates</a:t>
-            </a:r>
-          </a:p>
-        </p:txBody>
-      </p:sp>
-      <p:sp>
-        <p:nvSpPr>
-          <p:cNvPr id="9" name="TextBox 8">
-            <a:extLst>
-              <a:ext uri="{FF2B5EF4-FFF2-40B4-BE49-F238E27FC236}">
-                <a16:creationId xmlns:a16="http://schemas.microsoft.com/office/drawing/2014/main" id="{A982735A-D940-4B8C-B1B1-61052106992D}"/>
+                <a16:creationId xmlns:a16="http://schemas.microsoft.com/office/drawing/2014/main" id="{D073BDA8-DE9D-41A9-92B5-E7D648B4EB66}"/>
               </a:ext>
             </a:extLst>
           </p:cNvPr>
@@ -9948,7 +9863,7 @@
         <p:spPr>
           <a:xfrm>
             <a:off x="5125617" y="3162845"/>
-            <a:ext cx="3785117" cy="2513509"/>
+            <a:ext cx="3785117" cy="2144177"/>
           </a:xfrm>
           <a:prstGeom prst="rect">
             <a:avLst/>
@@ -9970,12 +9885,9 @@
             </a:pPr>
             <a:r>
               <a:rPr lang="en-US" sz="1200" dirty="0">
-                <a:solidFill>
-                  <a:srgbClr val="FF0000"/>
-                </a:solidFill>
                 <a:latin typeface="+mn-lt"/>
               </a:rPr>
-              <a:t>For every percentage of increase in African American population, 0.8 percent of democratic votes should increase</a:t>
+              <a:t>Lasso regression penalized some features which contributed to over-fitting of the models.</a:t>
             </a:r>
             <a:br>
               <a:rPr lang="en-US" sz="1200" dirty="0">
@@ -10008,25 +9920,16 @@
             </a:pPr>
             <a:r>
               <a:rPr lang="en-US" sz="1200" dirty="0">
-                <a:solidFill>
-                  <a:srgbClr val="FF0000"/>
-                </a:solidFill>
                 <a:latin typeface="+mn-lt"/>
               </a:rPr>
-              <a:t>For every percentage of decrease in unemployment rate, 0.02 percent of democratic should increase.</a:t>
+              <a:t>Features related to crime (murder, violent crime, robbery, etc.) were deemed to over-fit and add complexity to the model. </a:t>
             </a:r>
             <a:br>
               <a:rPr lang="en-US" sz="1200" dirty="0">
-                <a:solidFill>
-                  <a:srgbClr val="FF0000"/>
-                </a:solidFill>
                 <a:latin typeface="+mn-lt"/>
               </a:rPr>
             </a:br>
             <a:endParaRPr lang="en-US" sz="1200" dirty="0">
-              <a:solidFill>
-                <a:srgbClr val="FF0000"/>
-              </a:solidFill>
               <a:latin typeface="+mn-lt"/>
             </a:endParaRPr>
           </a:p>
@@ -10037,9 +9940,6 @@
               </a:spcAft>
             </a:pPr>
             <a:endParaRPr lang="en-US" sz="1200" dirty="0">
-              <a:solidFill>
-                <a:srgbClr val="FF0000"/>
-              </a:solidFill>
               <a:latin typeface="+mn-lt"/>
             </a:endParaRPr>
           </a:p>
@@ -10053,155 +9953,13 @@
             </a:pPr>
             <a:r>
               <a:rPr lang="en-US" sz="1200" dirty="0">
-                <a:solidFill>
-                  <a:srgbClr val="FF0000"/>
-                </a:solidFill>
                 <a:latin typeface="+mn-lt"/>
               </a:rPr>
-              <a:t>For educational attainment increase in the country, around 0.05 percent increase should be in democrat votes</a:t>
+              <a:t>Their coefficients were shrunk by the algorithm.</a:t>
             </a:r>
           </a:p>
         </p:txBody>
       </p:sp>
-      <p:sp>
-        <p:nvSpPr>
-          <p:cNvPr id="10" name="TextBox 9">
-            <a:extLst>
-              <a:ext uri="{FF2B5EF4-FFF2-40B4-BE49-F238E27FC236}">
-                <a16:creationId xmlns:a16="http://schemas.microsoft.com/office/drawing/2014/main" id="{FB1F0A7D-5430-4D04-9496-1C27B940D7CB}"/>
-              </a:ext>
-            </a:extLst>
-          </p:cNvPr>
-          <p:cNvSpPr txBox="1"/>
-          <p:nvPr/>
-        </p:nvSpPr>
-        <p:spPr>
-          <a:xfrm>
-            <a:off x="2089281" y="6060388"/>
-            <a:ext cx="5334000" cy="400110"/>
-          </a:xfrm>
-          <a:prstGeom prst="rect">
-            <a:avLst/>
-          </a:prstGeom>
-          <a:noFill/>
-        </p:spPr>
-        <p:txBody>
-          <a:bodyPr wrap="square" rtlCol="0">
-            <a:spAutoFit/>
-          </a:bodyPr>
-          <a:lstStyle/>
-          <a:p>
-            <a:r>
-              <a:rPr lang="en-US" sz="2000" b="1" dirty="0">
-                <a:solidFill>
-                  <a:srgbClr val="C1202F"/>
-                </a:solidFill>
-              </a:rPr>
-              <a:t>Test RMSE: 0.08     	      Test MAPE: 68%</a:t>
-            </a:r>
-          </a:p>
-        </p:txBody>
-      </p:sp>
-      <p:pic>
-        <p:nvPicPr>
-          <p:cNvPr id="3" name="Picture 2" descr="Icon&#10;&#10;Description automatically generated">
-            <a:extLst>
-              <a:ext uri="{FF2B5EF4-FFF2-40B4-BE49-F238E27FC236}">
-                <a16:creationId xmlns:a16="http://schemas.microsoft.com/office/drawing/2014/main" id="{450DD9BB-B42A-4AA7-8685-1D575B9F4788}"/>
-              </a:ext>
-            </a:extLst>
-          </p:cNvPr>
-          <p:cNvPicPr>
-            <a:picLocks noChangeAspect="1"/>
-          </p:cNvPicPr>
-          <p:nvPr/>
-        </p:nvPicPr>
-        <p:blipFill>
-          <a:blip r:embed="rId3">
-            <a:extLst>
-              <a:ext uri="{BEBA8EAE-BF5A-486C-A8C5-ECC9F3942E4B}">
-                <a14:imgProps xmlns:a14="http://schemas.microsoft.com/office/drawing/2010/main">
-                  <a14:imgLayer r:embed="rId4">
-                    <a14:imgEffect>
-                      <a14:backgroundRemoval t="5290" b="91598" l="6628" r="94070">
-                        <a14:foregroundMark x1="6628" y1="19813" x2="8837" y2="25622"/>
-                        <a14:foregroundMark x1="28837" y1="14212" x2="54186" y2="40560"/>
-                        <a14:foregroundMark x1="54186" y1="40560" x2="54186" y2="40249"/>
-                        <a14:foregroundMark x1="51628" y1="19295" x2="73837" y2="8714"/>
-                        <a14:foregroundMark x1="94070" y1="14834" x2="93488" y2="21577"/>
-                        <a14:foregroundMark x1="42558" y1="91701" x2="50698" y2="91701"/>
-                        <a14:foregroundMark x1="21628" y1="5290" x2="23837" y2="5290"/>
-                      </a14:backgroundRemoval>
-                    </a14:imgEffect>
-                  </a14:imgLayer>
-                </a14:imgProps>
-              </a:ext>
-            </a:extLst>
-          </a:blip>
-          <a:stretch>
-            <a:fillRect/>
-          </a:stretch>
-        </p:blipFill>
-        <p:spPr>
-          <a:xfrm>
-            <a:off x="1492470" y="5968857"/>
-            <a:ext cx="520257" cy="583172"/>
-          </a:xfrm>
-          <a:prstGeom prst="rect">
-            <a:avLst/>
-          </a:prstGeom>
-        </p:spPr>
-      </p:pic>
-      <p:pic>
-        <p:nvPicPr>
-          <p:cNvPr id="11" name="Picture 10" descr="Icon&#10;&#10;Description automatically generated">
-            <a:extLst>
-              <a:ext uri="{FF2B5EF4-FFF2-40B4-BE49-F238E27FC236}">
-                <a16:creationId xmlns:a16="http://schemas.microsoft.com/office/drawing/2014/main" id="{6A28C97D-AF2A-4505-8C79-3A469418DDE9}"/>
-              </a:ext>
-            </a:extLst>
-          </p:cNvPr>
-          <p:cNvPicPr>
-            <a:picLocks noChangeAspect="1"/>
-          </p:cNvPicPr>
-          <p:nvPr/>
-        </p:nvPicPr>
-        <p:blipFill>
-          <a:blip r:embed="rId3">
-            <a:extLst>
-              <a:ext uri="{BEBA8EAE-BF5A-486C-A8C5-ECC9F3942E4B}">
-                <a14:imgProps xmlns:a14="http://schemas.microsoft.com/office/drawing/2010/main">
-                  <a14:imgLayer r:embed="rId4">
-                    <a14:imgEffect>
-                      <a14:backgroundRemoval t="5290" b="91598" l="6628" r="94070">
-                        <a14:foregroundMark x1="6628" y1="19813" x2="8837" y2="25622"/>
-                        <a14:foregroundMark x1="28837" y1="14212" x2="54186" y2="40560"/>
-                        <a14:foregroundMark x1="54186" y1="40560" x2="54186" y2="40249"/>
-                        <a14:foregroundMark x1="51628" y1="19295" x2="73837" y2="8714"/>
-                        <a14:foregroundMark x1="94070" y1="14834" x2="93488" y2="21577"/>
-                        <a14:foregroundMark x1="42558" y1="91701" x2="50698" y2="91701"/>
-                        <a14:foregroundMark x1="21628" y1="5290" x2="23837" y2="5290"/>
-                      </a14:backgroundRemoval>
-                    </a14:imgEffect>
-                  </a14:imgLayer>
-                </a14:imgProps>
-              </a:ext>
-            </a:extLst>
-          </a:blip>
-          <a:stretch>
-            <a:fillRect/>
-          </a:stretch>
-        </p:blipFill>
-        <p:spPr>
-          <a:xfrm>
-            <a:off x="7423281" y="5968857"/>
-            <a:ext cx="520257" cy="583172"/>
-          </a:xfrm>
-          <a:prstGeom prst="rect">
-            <a:avLst/>
-          </a:prstGeom>
-        </p:spPr>
-      </p:pic>
     </p:spTree>
     <p:extLst>
       <p:ext uri="{BB962C8B-B14F-4D97-AF65-F5344CB8AC3E}">
@@ -10569,6 +10327,235 @@
 </file>
 
 <file path=ppt/slides/slide15.xml><?xml version="1.0" encoding="utf-8"?>
+<p:sld xmlns:a="http://schemas.openxmlformats.org/drawingml/2006/main" xmlns:r="http://schemas.openxmlformats.org/officeDocument/2006/relationships" xmlns:p="http://schemas.openxmlformats.org/presentationml/2006/main">
+  <p:cSld>
+    <p:spTree>
+      <p:nvGrpSpPr>
+        <p:cNvPr id="1" name=""/>
+        <p:cNvGrpSpPr/>
+        <p:nvPr/>
+      </p:nvGrpSpPr>
+      <p:grpSpPr>
+        <a:xfrm>
+          <a:off x="0" y="0"/>
+          <a:ext cx="0" cy="0"/>
+          <a:chOff x="0" y="0"/>
+          <a:chExt cx="0" cy="0"/>
+        </a:xfrm>
+      </p:grpSpPr>
+      <p:sp>
+        <p:nvSpPr>
+          <p:cNvPr id="6" name="Title 2">
+            <a:extLst>
+              <a:ext uri="{FF2B5EF4-FFF2-40B4-BE49-F238E27FC236}">
+                <a16:creationId xmlns:a16="http://schemas.microsoft.com/office/drawing/2014/main" id="{47FFD90C-7D91-4613-8229-E8555B2E7070}"/>
+              </a:ext>
+            </a:extLst>
+          </p:cNvPr>
+          <p:cNvSpPr>
+            <a:spLocks noGrp="1"/>
+          </p:cNvSpPr>
+          <p:nvPr>
+            <p:ph type="ctrTitle"/>
+          </p:nvPr>
+        </p:nvSpPr>
+        <p:spPr>
+          <a:xfrm>
+            <a:off x="457200" y="685800"/>
+            <a:ext cx="8229600" cy="762000"/>
+          </a:xfrm>
+        </p:spPr>
+        <p:txBody>
+          <a:bodyPr wrap="square" anchor="t">
+            <a:normAutofit/>
+          </a:bodyPr>
+          <a:lstStyle/>
+          <a:p>
+            <a:r>
+              <a:rPr lang="en-US" dirty="0"/>
+              <a:t>References</a:t>
+            </a:r>
+          </a:p>
+        </p:txBody>
+      </p:sp>
+      <p:sp>
+        <p:nvSpPr>
+          <p:cNvPr id="2" name="TextBox 1">
+            <a:extLst>
+              <a:ext uri="{FF2B5EF4-FFF2-40B4-BE49-F238E27FC236}">
+                <a16:creationId xmlns:a16="http://schemas.microsoft.com/office/drawing/2014/main" id="{D4A80605-2048-4EBD-BB74-B2C6BB91876E}"/>
+              </a:ext>
+            </a:extLst>
+          </p:cNvPr>
+          <p:cNvSpPr txBox="1"/>
+          <p:nvPr/>
+        </p:nvSpPr>
+        <p:spPr>
+          <a:xfrm>
+            <a:off x="461864" y="1752600"/>
+            <a:ext cx="8224935" cy="1855893"/>
+          </a:xfrm>
+          <a:prstGeom prst="rect">
+            <a:avLst/>
+          </a:prstGeom>
+          <a:noFill/>
+        </p:spPr>
+        <p:txBody>
+          <a:bodyPr wrap="square" rtlCol="0">
+            <a:spAutoFit/>
+          </a:bodyPr>
+          <a:lstStyle/>
+          <a:p>
+            <a:pPr marL="0" marR="0">
+              <a:lnSpc>
+                <a:spcPct val="115000"/>
+              </a:lnSpc>
+              <a:spcBef>
+                <a:spcPts val="0"/>
+              </a:spcBef>
+              <a:spcAft>
+                <a:spcPts val="600"/>
+              </a:spcAft>
+            </a:pPr>
+            <a:r>
+              <a:rPr lang="en-IN" sz="1600" i="1" dirty="0">
+                <a:effectLst/>
+                <a:latin typeface="Times New Roman" panose="02020603050405020304" pitchFamily="18" charset="0"/>
+                <a:ea typeface="Times New Roman" panose="02020603050405020304" pitchFamily="18" charset="0"/>
+              </a:rPr>
+              <a:t>Downloadable Data – DASIL</a:t>
+            </a:r>
+            <a:r>
+              <a:rPr lang="en-IN" sz="1600" dirty="0">
+                <a:effectLst/>
+                <a:latin typeface="Times New Roman" panose="02020603050405020304" pitchFamily="18" charset="0"/>
+                <a:ea typeface="Times New Roman" panose="02020603050405020304" pitchFamily="18" charset="0"/>
+              </a:rPr>
+              <a:t>. (2017). County-Level Presidential Election Data 2008 – 2016. </a:t>
+            </a:r>
+            <a:r>
+              <a:rPr lang="en-IN" sz="1600" dirty="0">
+                <a:solidFill>
+                  <a:srgbClr val="4F81BD"/>
+                </a:solidFill>
+                <a:effectLst/>
+                <a:latin typeface="Times New Roman" panose="02020603050405020304" pitchFamily="18" charset="0"/>
+                <a:ea typeface="Times New Roman" panose="02020603050405020304" pitchFamily="18" charset="0"/>
+                <a:hlinkClick r:id="rId2"/>
+              </a:rPr>
+              <a:t>https://dasil.sites.grinnell.edu/downloadable-data/</a:t>
+            </a:r>
+            <a:endParaRPr lang="en-US" sz="1600" dirty="0">
+              <a:effectLst/>
+              <a:latin typeface="Times New Roman" panose="02020603050405020304" pitchFamily="18" charset="0"/>
+              <a:ea typeface="Times New Roman" panose="02020603050405020304" pitchFamily="18" charset="0"/>
+            </a:endParaRPr>
+          </a:p>
+          <a:p>
+            <a:pPr marL="0" marR="0">
+              <a:lnSpc>
+                <a:spcPct val="115000"/>
+              </a:lnSpc>
+              <a:spcBef>
+                <a:spcPts val="900"/>
+              </a:spcBef>
+              <a:spcAft>
+                <a:spcPts val="600"/>
+              </a:spcAft>
+            </a:pPr>
+            <a:r>
+              <a:rPr lang="en-US" sz="1600" i="1" dirty="0" err="1">
+                <a:effectLst/>
+                <a:latin typeface="Times New Roman" panose="02020603050405020304" pitchFamily="18" charset="0"/>
+                <a:ea typeface="Cambria" panose="02040503050406030204" pitchFamily="18" charset="0"/>
+                <a:cs typeface="Times New Roman" panose="02020603050405020304" pitchFamily="18" charset="0"/>
+              </a:rPr>
+              <a:t>Bluman</a:t>
+            </a:r>
+            <a:r>
+              <a:rPr lang="en-US" sz="1600" i="1" dirty="0">
+                <a:effectLst/>
+                <a:latin typeface="Times New Roman" panose="02020603050405020304" pitchFamily="18" charset="0"/>
+                <a:ea typeface="Cambria" panose="02040503050406030204" pitchFamily="18" charset="0"/>
+                <a:cs typeface="Times New Roman" panose="02020603050405020304" pitchFamily="18" charset="0"/>
+              </a:rPr>
+              <a:t>, A.</a:t>
+            </a:r>
+            <a:r>
+              <a:rPr lang="en-US" sz="1600" dirty="0">
+                <a:effectLst/>
+                <a:latin typeface="Times New Roman" panose="02020603050405020304" pitchFamily="18" charset="0"/>
+                <a:ea typeface="Cambria" panose="02040503050406030204" pitchFamily="18" charset="0"/>
+                <a:cs typeface="Times New Roman" panose="02020603050405020304" pitchFamily="18" charset="0"/>
+              </a:rPr>
+              <a:t> (2017). Elementary Statistics: A Step By Step Approach (10th ed.). McGraw-Hill Education.</a:t>
+            </a:r>
+            <a:endParaRPr lang="en-US" sz="1600" dirty="0">
+              <a:effectLst/>
+              <a:latin typeface="Cambria" panose="02040503050406030204" pitchFamily="18" charset="0"/>
+              <a:ea typeface="Cambria" panose="02040503050406030204" pitchFamily="18" charset="0"/>
+              <a:cs typeface="Times New Roman" panose="02020603050405020304" pitchFamily="18" charset="0"/>
+            </a:endParaRPr>
+          </a:p>
+          <a:p>
+            <a:pPr marL="0" marR="0">
+              <a:spcBef>
+                <a:spcPts val="900"/>
+              </a:spcBef>
+              <a:spcAft>
+                <a:spcPts val="900"/>
+              </a:spcAft>
+            </a:pPr>
+            <a:r>
+              <a:rPr lang="en-US" sz="1600" i="1" dirty="0" err="1">
+                <a:effectLst/>
+                <a:latin typeface="Times New Roman" panose="02020603050405020304" pitchFamily="18" charset="0"/>
+                <a:ea typeface="Cambria" panose="02040503050406030204" pitchFamily="18" charset="0"/>
+                <a:cs typeface="Times New Roman" panose="02020603050405020304" pitchFamily="18" charset="0"/>
+              </a:rPr>
+              <a:t>Kabacoff</a:t>
+            </a:r>
+            <a:r>
+              <a:rPr lang="en-US" sz="1600" i="1" dirty="0">
+                <a:effectLst/>
+                <a:latin typeface="Times New Roman" panose="02020603050405020304" pitchFamily="18" charset="0"/>
+                <a:ea typeface="Cambria" panose="02040503050406030204" pitchFamily="18" charset="0"/>
+                <a:cs typeface="Times New Roman" panose="02020603050405020304" pitchFamily="18" charset="0"/>
+              </a:rPr>
+              <a:t>, R., I.</a:t>
+            </a:r>
+            <a:r>
+              <a:rPr lang="en-US" sz="1600" dirty="0">
+                <a:effectLst/>
+                <a:latin typeface="Times New Roman" panose="02020603050405020304" pitchFamily="18" charset="0"/>
+                <a:ea typeface="Cambria" panose="02040503050406030204" pitchFamily="18" charset="0"/>
+                <a:cs typeface="Times New Roman" panose="02020603050405020304" pitchFamily="18" charset="0"/>
+              </a:rPr>
+              <a:t> (2022). R in Action, Third Edition. Manning.</a:t>
+            </a:r>
+            <a:endParaRPr lang="en-US" sz="1600" dirty="0">
+              <a:effectLst/>
+              <a:latin typeface="Cambria" panose="02040503050406030204" pitchFamily="18" charset="0"/>
+              <a:ea typeface="Cambria" panose="02040503050406030204" pitchFamily="18" charset="0"/>
+              <a:cs typeface="Times New Roman" panose="02020603050405020304" pitchFamily="18" charset="0"/>
+            </a:endParaRPr>
+          </a:p>
+        </p:txBody>
+      </p:sp>
+    </p:spTree>
+    <p:extLst>
+      <p:ext uri="{BB962C8B-B14F-4D97-AF65-F5344CB8AC3E}">
+        <p14:creationId xmlns:p14="http://schemas.microsoft.com/office/powerpoint/2010/main" val="3966257636"/>
+      </p:ext>
+    </p:extLst>
+  </p:cSld>
+  <p:clrMapOvr>
+    <a:masterClrMapping/>
+  </p:clrMapOvr>
+</p:sld>
+</file>
+
+<file path=ppt/slides/slide16.xml><?xml version="1.0" encoding="utf-8"?>
 <p:sld xmlns:a="http://schemas.openxmlformats.org/drawingml/2006/main" xmlns:r="http://schemas.openxmlformats.org/officeDocument/2006/relationships" xmlns:p="http://schemas.openxmlformats.org/presentationml/2006/main">
   <p:cSld>
     <p:spTree>
@@ -14085,45 +14072,6 @@
           </a:p>
         </p:txBody>
       </p:sp>
-      <p:sp>
-        <p:nvSpPr>
-          <p:cNvPr id="3" name="TextBox 2">
-            <a:extLst>
-              <a:ext uri="{FF2B5EF4-FFF2-40B4-BE49-F238E27FC236}">
-                <a16:creationId xmlns:a16="http://schemas.microsoft.com/office/drawing/2014/main" id="{453D179F-AB5C-44ED-A6F0-41D9741C1505}"/>
-              </a:ext>
-            </a:extLst>
-          </p:cNvPr>
-          <p:cNvSpPr txBox="1"/>
-          <p:nvPr/>
-        </p:nvSpPr>
-        <p:spPr>
-          <a:xfrm>
-            <a:off x="685800" y="1752600"/>
-            <a:ext cx="7848600" cy="769441"/>
-          </a:xfrm>
-          <a:prstGeom prst="rect">
-            <a:avLst/>
-          </a:prstGeom>
-          <a:noFill/>
-        </p:spPr>
-        <p:txBody>
-          <a:bodyPr wrap="square" rtlCol="0">
-            <a:spAutoFit/>
-          </a:bodyPr>
-          <a:lstStyle/>
-          <a:p>
-            <a:r>
-              <a:rPr lang="en-US" sz="4400" dirty="0">
-                <a:solidFill>
-                  <a:srgbClr val="FF0000"/>
-                </a:solidFill>
-              </a:rPr>
-              <a:t>Lorem Ipsum</a:t>
-            </a:r>
-          </a:p>
-        </p:txBody>
-      </p:sp>
       <p:pic>
         <p:nvPicPr>
           <p:cNvPr id="4" name="Picture 3" descr="Chart, bar chart&#10;&#10;Description automatically generated">
@@ -14184,6 +14132,43 @@
           </a:prstGeom>
         </p:spPr>
       </p:pic>
+      <p:sp>
+        <p:nvSpPr>
+          <p:cNvPr id="2" name="TextBox 1">
+            <a:extLst>
+              <a:ext uri="{FF2B5EF4-FFF2-40B4-BE49-F238E27FC236}">
+                <a16:creationId xmlns:a16="http://schemas.microsoft.com/office/drawing/2014/main" id="{DD61E2E4-D739-447B-95D3-94B851EB5C13}"/>
+              </a:ext>
+            </a:extLst>
+          </p:cNvPr>
+          <p:cNvSpPr txBox="1"/>
+          <p:nvPr/>
+        </p:nvSpPr>
+        <p:spPr>
+          <a:xfrm>
+            <a:off x="656369" y="1676400"/>
+            <a:ext cx="8229600" cy="646331"/>
+          </a:xfrm>
+          <a:prstGeom prst="rect">
+            <a:avLst/>
+          </a:prstGeom>
+          <a:noFill/>
+        </p:spPr>
+        <p:txBody>
+          <a:bodyPr wrap="square" rtlCol="0">
+            <a:spAutoFit/>
+          </a:bodyPr>
+          <a:lstStyle/>
+          <a:p>
+            <a:r>
+              <a:rPr lang="en-US" dirty="0">
+                <a:latin typeface="+mn-lt"/>
+              </a:rPr>
+              <a:t>The % Democrat votes has decreased over the over the years, whereas the % Republican votes have increased</a:t>
+            </a:r>
+          </a:p>
+        </p:txBody>
+      </p:sp>
     </p:spTree>
     <p:extLst>
       <p:ext uri="{BB962C8B-B14F-4D97-AF65-F5344CB8AC3E}">
@@ -14365,10 +14350,10 @@
       </p:sp>
       <p:sp>
         <p:nvSpPr>
-          <p:cNvPr id="9" name="TextBox 8">
+          <p:cNvPr id="10" name="TextBox 9">
             <a:extLst>
               <a:ext uri="{FF2B5EF4-FFF2-40B4-BE49-F238E27FC236}">
-                <a16:creationId xmlns:a16="http://schemas.microsoft.com/office/drawing/2014/main" id="{4EB6B96B-1484-4DF1-A51B-08920DCA174E}"/>
+                <a16:creationId xmlns:a16="http://schemas.microsoft.com/office/drawing/2014/main" id="{57D6905B-CA11-4730-9E4B-49AE2C926784}"/>
               </a:ext>
             </a:extLst>
           </p:cNvPr>
@@ -14377,8 +14362,8 @@
         </p:nvSpPr>
         <p:spPr>
           <a:xfrm>
-            <a:off x="685800" y="1752600"/>
-            <a:ext cx="7848600" cy="707886"/>
+            <a:off x="656369" y="1676400"/>
+            <a:ext cx="8229600" cy="646331"/>
           </a:xfrm>
           <a:prstGeom prst="rect">
             <a:avLst/>
@@ -14392,12 +14377,10 @@
           <a:lstStyle/>
           <a:p>
             <a:r>
-              <a:rPr lang="en-US" sz="4000" dirty="0">
-                <a:solidFill>
-                  <a:srgbClr val="FF0000"/>
-                </a:solidFill>
+              <a:rPr lang="en-US" dirty="0">
+                <a:latin typeface="+mn-lt"/>
               </a:rPr>
-              <a:t>Lorem Ipsum</a:t>
+              <a:t>There’s no linear relationship between the dependent variable % democrats votes and employment rate; Variable transformation was performed on these variables</a:t>
             </a:r>
           </a:p>
         </p:txBody>

--- a/Final Submission/Presidential Election Analysis_Final.pptx
+++ b/Final Submission/Presidential Election Analysis_Final.pptx
@@ -3620,7 +3620,7 @@
           <a:p>
             <a:fld id="{7BEA590F-A513-42B1-89D4-B7C08C22AC93}" type="datetimeFigureOut">
               <a:rPr lang="en-US" smtClean="0"/>
-              <a:t>3/29/2022</a:t>
+              <a:t>3/29/22</a:t>
             </a:fld>
             <a:endParaRPr lang="en-US"/>
           </a:p>
@@ -3932,14 +3932,14 @@
           </a:ln>
           <a:extLst>
             <a:ext uri="{909E8E84-426E-40dd-AFC4-6F175D3DCCD1}">
-              <a14:hiddenFill xmlns="" xmlns:a14="http://schemas.microsoft.com/office/drawing/2010/main">
+              <a14:hiddenFill xmlns:a14="http://schemas.microsoft.com/office/drawing/2010/main" xmlns="">
                 <a:solidFill>
                   <a:srgbClr val="FFFFFF"/>
                 </a:solidFill>
               </a14:hiddenFill>
             </a:ext>
             <a:ext uri="{91240B29-F687-4f45-9708-019B960494DF}">
-              <a14:hiddenLine xmlns="" xmlns:a14="http://schemas.microsoft.com/office/drawing/2010/main" w="9525">
+              <a14:hiddenLine xmlns:a14="http://schemas.microsoft.com/office/drawing/2010/main" xmlns="" w="9525">
                 <a:solidFill>
                   <a:srgbClr val="000000"/>
                 </a:solidFill>
@@ -4157,14 +4157,14 @@
           </a:ln>
           <a:extLst>
             <a:ext uri="{909E8E84-426E-40dd-AFC4-6F175D3DCCD1}">
-              <a14:hiddenFill xmlns="" xmlns:a14="http://schemas.microsoft.com/office/drawing/2010/main">
+              <a14:hiddenFill xmlns:a14="http://schemas.microsoft.com/office/drawing/2010/main" xmlns="">
                 <a:solidFill>
                   <a:srgbClr val="FFFFFF"/>
                 </a:solidFill>
               </a14:hiddenFill>
             </a:ext>
             <a:ext uri="{91240B29-F687-4f45-9708-019B960494DF}">
-              <a14:hiddenLine xmlns="" xmlns:a14="http://schemas.microsoft.com/office/drawing/2010/main" w="9525">
+              <a14:hiddenLine xmlns:a14="http://schemas.microsoft.com/office/drawing/2010/main" xmlns="" w="9525">
                 <a:solidFill>
                   <a:srgbClr val="000000"/>
                 </a:solidFill>
@@ -4328,7 +4328,7 @@
             <a:fld id="{1210D201-B81E-470F-A152-87DB35E113A8}" type="datetimeFigureOut">
               <a:rPr lang="en-US" altLang="en-US"/>
               <a:pPr/>
-              <a:t>3/29/2022</a:t>
+              <a:t>3/29/22</a:t>
             </a:fld>
             <a:endParaRPr lang="en-US" altLang="en-US"/>
           </a:p>
@@ -4692,7 +4692,7 @@
             <a:fld id="{065B2143-4885-47E3-A9EB-607A302E185E}" type="datetimeFigureOut">
               <a:rPr lang="en-US" altLang="en-US"/>
               <a:pPr/>
-              <a:t>3/29/2022</a:t>
+              <a:t>3/29/22</a:t>
             </a:fld>
             <a:endParaRPr lang="en-US" altLang="en-US"/>
           </a:p>
@@ -4975,7 +4975,7 @@
             <a:fld id="{FE7ACBF5-1757-4FA1-8770-7D42E8AB3403}" type="datetimeFigureOut">
               <a:rPr lang="en-US" altLang="en-US"/>
               <a:pPr/>
-              <a:t>3/29/2022</a:t>
+              <a:t>3/29/22</a:t>
             </a:fld>
             <a:endParaRPr lang="en-US" altLang="en-US"/>
           </a:p>
@@ -5306,7 +5306,7 @@
             <a:fld id="{31EC4CDC-1D50-43D9-92DD-EC1F6918FC5E}" type="datetimeFigureOut">
               <a:rPr lang="en-US" altLang="en-US"/>
               <a:pPr/>
-              <a:t>3/29/2022</a:t>
+              <a:t>3/29/22</a:t>
             </a:fld>
             <a:endParaRPr lang="en-US" altLang="en-US"/>
           </a:p>
@@ -5768,7 +5768,7 @@
             <a:fld id="{B29945B5-1676-4A4A-9769-87262D092169}" type="datetimeFigureOut">
               <a:rPr lang="en-US" altLang="en-US"/>
               <a:pPr/>
-              <a:t>3/29/2022</a:t>
+              <a:t>3/29/22</a:t>
             </a:fld>
             <a:endParaRPr lang="en-US" altLang="en-US"/>
           </a:p>
@@ -5934,7 +5934,7 @@
             <a:fld id="{15EA8BE1-029F-4049-94C0-3048ABCECBF1}" type="datetimeFigureOut">
               <a:rPr lang="en-US" altLang="en-US"/>
               <a:pPr/>
-              <a:t>3/29/2022</a:t>
+              <a:t>3/29/22</a:t>
             </a:fld>
             <a:endParaRPr lang="en-US" altLang="en-US"/>
           </a:p>
@@ -6064,7 +6064,7 @@
             <a:fld id="{AE94213C-83F6-4CB9-84A6-5E06AF59783F}" type="datetimeFigureOut">
               <a:rPr lang="en-US" altLang="en-US"/>
               <a:pPr/>
-              <a:t>3/29/2022</a:t>
+              <a:t>3/29/22</a:t>
             </a:fld>
             <a:endParaRPr lang="en-US" altLang="en-US"/>
           </a:p>
@@ -6377,7 +6377,7 @@
             <a:fld id="{923DF63F-B3A0-44E6-BDF4-2B9B8EC924BB}" type="datetimeFigureOut">
               <a:rPr lang="en-US" altLang="en-US"/>
               <a:pPr/>
-              <a:t>3/29/2022</a:t>
+              <a:t>3/29/22</a:t>
             </a:fld>
             <a:endParaRPr lang="en-US" altLang="en-US"/>
           </a:p>
@@ -6673,7 +6673,7 @@
             <a:fld id="{B151E1F3-2510-46B4-B4CA-F46EB747AB32}" type="datetimeFigureOut">
               <a:rPr lang="en-US" altLang="en-US"/>
               <a:pPr/>
-              <a:t>3/29/2022</a:t>
+              <a:t>3/29/22</a:t>
             </a:fld>
             <a:endParaRPr lang="en-US" altLang="en-US"/>
           </a:p>
@@ -6920,7 +6920,7 @@
             <a:fld id="{C11C1CF1-2F3A-4423-90F7-0EB150F19318}" type="datetimeFigureOut">
               <a:rPr lang="en-US" altLang="en-US"/>
               <a:pPr/>
-              <a:t>3/29/2022</a:t>
+              <a:t>3/29/22</a:t>
             </a:fld>
             <a:endParaRPr lang="en-US" altLang="en-US"/>
           </a:p>
@@ -9322,7 +9322,7 @@
                 </a:solidFill>
                 <a:latin typeface="+mn-lt"/>
               </a:rPr>
-              <a:t>R-Square: 0.6851  	Adjusted R-Square: 0.7038</a:t>
+              <a:t>R-Square: 0.5851  	Adjusted R-Square: 0.6038</a:t>
             </a:r>
           </a:p>
         </p:txBody>
@@ -10022,6 +10022,1256 @@
               <a:rPr lang="en-US" dirty="0"/>
               <a:t>Recommendation</a:t>
             </a:r>
+          </a:p>
+        </p:txBody>
+      </p:sp>
+      <p:sp>
+        <p:nvSpPr>
+          <p:cNvPr id="3" name="Content Placeholder 2">
+            <a:extLst>
+              <a:ext uri="{FF2B5EF4-FFF2-40B4-BE49-F238E27FC236}">
+                <a16:creationId xmlns:a16="http://schemas.microsoft.com/office/drawing/2014/main" id="{1C2A4226-BEF0-9146-A6A5-7CD1123FE4DF}"/>
+              </a:ext>
+            </a:extLst>
+          </p:cNvPr>
+          <p:cNvSpPr>
+            <a:spLocks noGrp="1"/>
+          </p:cNvSpPr>
+          <p:nvPr>
+            <p:ph idx="1"/>
+          </p:nvPr>
+        </p:nvSpPr>
+        <p:spPr>
+          <a:xfrm>
+            <a:off x="1373856" y="1516039"/>
+            <a:ext cx="7315200" cy="609600"/>
+          </a:xfrm>
+        </p:spPr>
+        <p:txBody>
+          <a:bodyPr/>
+          <a:lstStyle/>
+          <a:p>
+            <a:pPr marL="0" indent="0">
+              <a:buNone/>
+            </a:pPr>
+            <a:r>
+              <a:rPr lang="en-US" sz="1800" dirty="0"/>
+              <a:t>What factors and attributes of a county influence the results of presidential election?</a:t>
+            </a:r>
+          </a:p>
+        </p:txBody>
+      </p:sp>
+      <p:pic>
+        <p:nvPicPr>
+          <p:cNvPr id="4" name="Picture 3" descr="Icon&#10;&#10;Description automatically generated">
+            <a:extLst>
+              <a:ext uri="{FF2B5EF4-FFF2-40B4-BE49-F238E27FC236}">
+                <a16:creationId xmlns:a16="http://schemas.microsoft.com/office/drawing/2014/main" id="{59C6F3D5-7987-F147-9660-197A2C310A50}"/>
+              </a:ext>
+            </a:extLst>
+          </p:cNvPr>
+          <p:cNvPicPr>
+            <a:picLocks noChangeAspect="1"/>
+          </p:cNvPicPr>
+          <p:nvPr/>
+        </p:nvPicPr>
+        <p:blipFill>
+          <a:blip r:embed="rId2">
+            <a:extLst>
+              <a:ext uri="{BEBA8EAE-BF5A-486C-A8C5-ECC9F3942E4B}">
+                <a14:imgProps xmlns:a14="http://schemas.microsoft.com/office/drawing/2010/main">
+                  <a14:imgLayer r:embed="rId3">
+                    <a14:imgEffect>
+                      <a14:backgroundRemoval t="10000" b="90000" l="10000" r="90000"/>
+                    </a14:imgEffect>
+                  </a14:imgLayer>
+                </a14:imgProps>
+              </a:ext>
+            </a:extLst>
+          </a:blip>
+          <a:stretch>
+            <a:fillRect/>
+          </a:stretch>
+        </p:blipFill>
+        <p:spPr>
+          <a:xfrm>
+            <a:off x="457200" y="1572371"/>
+            <a:ext cx="916656" cy="553267"/>
+          </a:xfrm>
+          <a:prstGeom prst="rect">
+            <a:avLst/>
+          </a:prstGeom>
+        </p:spPr>
+      </p:pic>
+      <p:pic>
+        <p:nvPicPr>
+          <p:cNvPr id="5" name="Picture 4" descr="Icon&#10;&#10;Description automatically generated">
+            <a:extLst>
+              <a:ext uri="{FF2B5EF4-FFF2-40B4-BE49-F238E27FC236}">
+                <a16:creationId xmlns:a16="http://schemas.microsoft.com/office/drawing/2014/main" id="{0FE4492F-2DC9-8743-B451-4F0D69FE4353}"/>
+              </a:ext>
+            </a:extLst>
+          </p:cNvPr>
+          <p:cNvPicPr>
+            <a:picLocks noChangeAspect="1"/>
+          </p:cNvPicPr>
+          <p:nvPr/>
+        </p:nvPicPr>
+        <p:blipFill>
+          <a:blip r:embed="rId2">
+            <a:extLst>
+              <a:ext uri="{BEBA8EAE-BF5A-486C-A8C5-ECC9F3942E4B}">
+                <a14:imgProps xmlns:a14="http://schemas.microsoft.com/office/drawing/2010/main">
+                  <a14:imgLayer r:embed="rId3">
+                    <a14:imgEffect>
+                      <a14:backgroundRemoval t="10000" b="90000" l="10000" r="90000"/>
+                    </a14:imgEffect>
+                  </a14:imgLayer>
+                </a14:imgProps>
+              </a:ext>
+            </a:extLst>
+          </a:blip>
+          <a:stretch>
+            <a:fillRect/>
+          </a:stretch>
+        </p:blipFill>
+        <p:spPr>
+          <a:xfrm>
+            <a:off x="473660" y="3989997"/>
+            <a:ext cx="900197" cy="543333"/>
+          </a:xfrm>
+          <a:prstGeom prst="rect">
+            <a:avLst/>
+          </a:prstGeom>
+        </p:spPr>
+      </p:pic>
+      <p:sp>
+        <p:nvSpPr>
+          <p:cNvPr id="7" name="Content Placeholder 2">
+            <a:extLst>
+              <a:ext uri="{FF2B5EF4-FFF2-40B4-BE49-F238E27FC236}">
+                <a16:creationId xmlns:a16="http://schemas.microsoft.com/office/drawing/2014/main" id="{6CA22251-7BA4-054B-9B21-152C7E484829}"/>
+              </a:ext>
+            </a:extLst>
+          </p:cNvPr>
+          <p:cNvSpPr txBox="1">
+            <a:spLocks/>
+          </p:cNvSpPr>
+          <p:nvPr/>
+        </p:nvSpPr>
+        <p:spPr>
+          <a:xfrm>
+            <a:off x="1373856" y="3991136"/>
+            <a:ext cx="7315200" cy="609600"/>
+          </a:xfrm>
+          <a:prstGeom prst="rect">
+            <a:avLst/>
+          </a:prstGeom>
+        </p:spPr>
+        <p:txBody>
+          <a:bodyPr vert="horz" lIns="91440" tIns="45720" rIns="91440" bIns="45720" rtlCol="0">
+            <a:normAutofit/>
+          </a:bodyPr>
+          <a:lstStyle>
+            <a:lvl1pPr marL="228600" indent="-228600" algn="l" defTabSz="914400" rtl="0" eaLnBrk="1" latinLnBrk="0" hangingPunct="1">
+              <a:lnSpc>
+                <a:spcPct val="90000"/>
+              </a:lnSpc>
+              <a:spcBef>
+                <a:spcPts val="1000"/>
+              </a:spcBef>
+              <a:buFont typeface="Arial" panose="020B0604020202020204" pitchFamily="34" charset="0"/>
+              <a:buChar char="•"/>
+              <a:defRPr sz="2800" kern="1200">
+                <a:solidFill>
+                  <a:schemeClr val="tx1"/>
+                </a:solidFill>
+                <a:latin typeface="+mn-lt"/>
+                <a:ea typeface="+mn-ea"/>
+                <a:cs typeface="+mn-cs"/>
+              </a:defRPr>
+            </a:lvl1pPr>
+            <a:lvl2pPr marL="685800" indent="-228600" algn="l" defTabSz="914400" rtl="0" eaLnBrk="1" latinLnBrk="0" hangingPunct="1">
+              <a:lnSpc>
+                <a:spcPct val="90000"/>
+              </a:lnSpc>
+              <a:spcBef>
+                <a:spcPts val="500"/>
+              </a:spcBef>
+              <a:buFont typeface="Arial" panose="020B0604020202020204" pitchFamily="34" charset="0"/>
+              <a:buChar char="•"/>
+              <a:defRPr sz="2400" kern="1200">
+                <a:solidFill>
+                  <a:schemeClr val="tx1"/>
+                </a:solidFill>
+                <a:latin typeface="+mn-lt"/>
+                <a:ea typeface="+mn-ea"/>
+                <a:cs typeface="+mn-cs"/>
+              </a:defRPr>
+            </a:lvl2pPr>
+            <a:lvl3pPr marL="1143000" indent="-228600" algn="l" defTabSz="914400" rtl="0" eaLnBrk="1" latinLnBrk="0" hangingPunct="1">
+              <a:lnSpc>
+                <a:spcPct val="90000"/>
+              </a:lnSpc>
+              <a:spcBef>
+                <a:spcPts val="500"/>
+              </a:spcBef>
+              <a:buFont typeface="Arial" panose="020B0604020202020204" pitchFamily="34" charset="0"/>
+              <a:buChar char="•"/>
+              <a:defRPr sz="2000" kern="1200">
+                <a:solidFill>
+                  <a:schemeClr val="tx1"/>
+                </a:solidFill>
+                <a:latin typeface="+mn-lt"/>
+                <a:ea typeface="+mn-ea"/>
+                <a:cs typeface="+mn-cs"/>
+              </a:defRPr>
+            </a:lvl3pPr>
+            <a:lvl4pPr marL="1600200" indent="-228600" algn="l" defTabSz="914400" rtl="0" eaLnBrk="1" latinLnBrk="0" hangingPunct="1">
+              <a:lnSpc>
+                <a:spcPct val="90000"/>
+              </a:lnSpc>
+              <a:spcBef>
+                <a:spcPts val="500"/>
+              </a:spcBef>
+              <a:buFont typeface="Arial" panose="020B0604020202020204" pitchFamily="34" charset="0"/>
+              <a:buChar char="•"/>
+              <a:defRPr sz="1800" kern="1200">
+                <a:solidFill>
+                  <a:schemeClr val="tx1"/>
+                </a:solidFill>
+                <a:latin typeface="+mn-lt"/>
+                <a:ea typeface="+mn-ea"/>
+                <a:cs typeface="+mn-cs"/>
+              </a:defRPr>
+            </a:lvl4pPr>
+            <a:lvl5pPr marL="2057400" indent="-228600" algn="l" defTabSz="914400" rtl="0" eaLnBrk="1" latinLnBrk="0" hangingPunct="1">
+              <a:lnSpc>
+                <a:spcPct val="90000"/>
+              </a:lnSpc>
+              <a:spcBef>
+                <a:spcPts val="500"/>
+              </a:spcBef>
+              <a:buFont typeface="Arial" panose="020B0604020202020204" pitchFamily="34" charset="0"/>
+              <a:buChar char="•"/>
+              <a:defRPr sz="1800" kern="1200">
+                <a:solidFill>
+                  <a:schemeClr val="tx1"/>
+                </a:solidFill>
+                <a:latin typeface="+mn-lt"/>
+                <a:ea typeface="+mn-ea"/>
+                <a:cs typeface="+mn-cs"/>
+              </a:defRPr>
+            </a:lvl5pPr>
+            <a:lvl6pPr marL="2514600" indent="-228600" algn="l" defTabSz="914400" rtl="0" eaLnBrk="1" latinLnBrk="0" hangingPunct="1">
+              <a:lnSpc>
+                <a:spcPct val="90000"/>
+              </a:lnSpc>
+              <a:spcBef>
+                <a:spcPts val="500"/>
+              </a:spcBef>
+              <a:buFont typeface="Arial" panose="020B0604020202020204" pitchFamily="34" charset="0"/>
+              <a:buChar char="•"/>
+              <a:defRPr sz="1800" kern="1200">
+                <a:solidFill>
+                  <a:schemeClr val="tx1"/>
+                </a:solidFill>
+                <a:latin typeface="+mn-lt"/>
+                <a:ea typeface="+mn-ea"/>
+                <a:cs typeface="+mn-cs"/>
+              </a:defRPr>
+            </a:lvl6pPr>
+            <a:lvl7pPr marL="2971800" indent="-228600" algn="l" defTabSz="914400" rtl="0" eaLnBrk="1" latinLnBrk="0" hangingPunct="1">
+              <a:lnSpc>
+                <a:spcPct val="90000"/>
+              </a:lnSpc>
+              <a:spcBef>
+                <a:spcPts val="500"/>
+              </a:spcBef>
+              <a:buFont typeface="Arial" panose="020B0604020202020204" pitchFamily="34" charset="0"/>
+              <a:buChar char="•"/>
+              <a:defRPr sz="1800" kern="1200">
+                <a:solidFill>
+                  <a:schemeClr val="tx1"/>
+                </a:solidFill>
+                <a:latin typeface="+mn-lt"/>
+                <a:ea typeface="+mn-ea"/>
+                <a:cs typeface="+mn-cs"/>
+              </a:defRPr>
+            </a:lvl7pPr>
+            <a:lvl8pPr marL="3429000" indent="-228600" algn="l" defTabSz="914400" rtl="0" eaLnBrk="1" latinLnBrk="0" hangingPunct="1">
+              <a:lnSpc>
+                <a:spcPct val="90000"/>
+              </a:lnSpc>
+              <a:spcBef>
+                <a:spcPts val="500"/>
+              </a:spcBef>
+              <a:buFont typeface="Arial" panose="020B0604020202020204" pitchFamily="34" charset="0"/>
+              <a:buChar char="•"/>
+              <a:defRPr sz="1800" kern="1200">
+                <a:solidFill>
+                  <a:schemeClr val="tx1"/>
+                </a:solidFill>
+                <a:latin typeface="+mn-lt"/>
+                <a:ea typeface="+mn-ea"/>
+                <a:cs typeface="+mn-cs"/>
+              </a:defRPr>
+            </a:lvl8pPr>
+            <a:lvl9pPr marL="3886200" indent="-228600" algn="l" defTabSz="914400" rtl="0" eaLnBrk="1" latinLnBrk="0" hangingPunct="1">
+              <a:lnSpc>
+                <a:spcPct val="90000"/>
+              </a:lnSpc>
+              <a:spcBef>
+                <a:spcPts val="500"/>
+              </a:spcBef>
+              <a:buFont typeface="Arial" panose="020B0604020202020204" pitchFamily="34" charset="0"/>
+              <a:buChar char="•"/>
+              <a:defRPr sz="1800" kern="1200">
+                <a:solidFill>
+                  <a:schemeClr val="tx1"/>
+                </a:solidFill>
+                <a:latin typeface="+mn-lt"/>
+                <a:ea typeface="+mn-ea"/>
+                <a:cs typeface="+mn-cs"/>
+              </a:defRPr>
+            </a:lvl9pPr>
+          </a:lstStyle>
+          <a:p>
+            <a:pPr marL="0" indent="0">
+              <a:buNone/>
+            </a:pPr>
+            <a:r>
+              <a:rPr lang="en-US" sz="1800" dirty="0"/>
+              <a:t>Can we predict which party will win the 2016 presidential election in each county?</a:t>
+            </a:r>
+          </a:p>
+        </p:txBody>
+      </p:sp>
+      <p:sp>
+        <p:nvSpPr>
+          <p:cNvPr id="8" name="Content Placeholder 2">
+            <a:extLst>
+              <a:ext uri="{FF2B5EF4-FFF2-40B4-BE49-F238E27FC236}">
+                <a16:creationId xmlns:a16="http://schemas.microsoft.com/office/drawing/2014/main" id="{C6010EF2-B1E4-0A4F-9F48-5639EEA13DE6}"/>
+              </a:ext>
+            </a:extLst>
+          </p:cNvPr>
+          <p:cNvSpPr txBox="1">
+            <a:spLocks/>
+          </p:cNvSpPr>
+          <p:nvPr/>
+        </p:nvSpPr>
+        <p:spPr>
+          <a:xfrm>
+            <a:off x="1373856" y="2383119"/>
+            <a:ext cx="7312944" cy="1299500"/>
+          </a:xfrm>
+          <a:prstGeom prst="rect">
+            <a:avLst/>
+          </a:prstGeom>
+        </p:spPr>
+        <p:txBody>
+          <a:bodyPr vert="horz" lIns="91440" tIns="45720" rIns="91440" bIns="45720" numCol="2" rtlCol="0">
+            <a:noAutofit/>
+          </a:bodyPr>
+          <a:lstStyle>
+            <a:lvl1pPr marL="228600" indent="-228600" algn="l" defTabSz="914400" rtl="0" eaLnBrk="1" latinLnBrk="0" hangingPunct="1">
+              <a:lnSpc>
+                <a:spcPct val="90000"/>
+              </a:lnSpc>
+              <a:spcBef>
+                <a:spcPts val="1000"/>
+              </a:spcBef>
+              <a:buFont typeface="Arial" panose="020B0604020202020204" pitchFamily="34" charset="0"/>
+              <a:buChar char="•"/>
+              <a:defRPr sz="2800" kern="1200">
+                <a:solidFill>
+                  <a:schemeClr val="tx1"/>
+                </a:solidFill>
+                <a:latin typeface="+mn-lt"/>
+                <a:ea typeface="+mn-ea"/>
+                <a:cs typeface="+mn-cs"/>
+              </a:defRPr>
+            </a:lvl1pPr>
+            <a:lvl2pPr marL="685800" indent="-228600" algn="l" defTabSz="914400" rtl="0" eaLnBrk="1" latinLnBrk="0" hangingPunct="1">
+              <a:lnSpc>
+                <a:spcPct val="90000"/>
+              </a:lnSpc>
+              <a:spcBef>
+                <a:spcPts val="500"/>
+              </a:spcBef>
+              <a:buFont typeface="Arial" panose="020B0604020202020204" pitchFamily="34" charset="0"/>
+              <a:buChar char="•"/>
+              <a:defRPr sz="2400" kern="1200">
+                <a:solidFill>
+                  <a:schemeClr val="tx1"/>
+                </a:solidFill>
+                <a:latin typeface="+mn-lt"/>
+                <a:ea typeface="+mn-ea"/>
+                <a:cs typeface="+mn-cs"/>
+              </a:defRPr>
+            </a:lvl2pPr>
+            <a:lvl3pPr marL="1143000" indent="-228600" algn="l" defTabSz="914400" rtl="0" eaLnBrk="1" latinLnBrk="0" hangingPunct="1">
+              <a:lnSpc>
+                <a:spcPct val="90000"/>
+              </a:lnSpc>
+              <a:spcBef>
+                <a:spcPts val="500"/>
+              </a:spcBef>
+              <a:buFont typeface="Arial" panose="020B0604020202020204" pitchFamily="34" charset="0"/>
+              <a:buChar char="•"/>
+              <a:defRPr sz="2000" kern="1200">
+                <a:solidFill>
+                  <a:schemeClr val="tx1"/>
+                </a:solidFill>
+                <a:latin typeface="+mn-lt"/>
+                <a:ea typeface="+mn-ea"/>
+                <a:cs typeface="+mn-cs"/>
+              </a:defRPr>
+            </a:lvl3pPr>
+            <a:lvl4pPr marL="1600200" indent="-228600" algn="l" defTabSz="914400" rtl="0" eaLnBrk="1" latinLnBrk="0" hangingPunct="1">
+              <a:lnSpc>
+                <a:spcPct val="90000"/>
+              </a:lnSpc>
+              <a:spcBef>
+                <a:spcPts val="500"/>
+              </a:spcBef>
+              <a:buFont typeface="Arial" panose="020B0604020202020204" pitchFamily="34" charset="0"/>
+              <a:buChar char="•"/>
+              <a:defRPr sz="1800" kern="1200">
+                <a:solidFill>
+                  <a:schemeClr val="tx1"/>
+                </a:solidFill>
+                <a:latin typeface="+mn-lt"/>
+                <a:ea typeface="+mn-ea"/>
+                <a:cs typeface="+mn-cs"/>
+              </a:defRPr>
+            </a:lvl4pPr>
+            <a:lvl5pPr marL="2057400" indent="-228600" algn="l" defTabSz="914400" rtl="0" eaLnBrk="1" latinLnBrk="0" hangingPunct="1">
+              <a:lnSpc>
+                <a:spcPct val="90000"/>
+              </a:lnSpc>
+              <a:spcBef>
+                <a:spcPts val="500"/>
+              </a:spcBef>
+              <a:buFont typeface="Arial" panose="020B0604020202020204" pitchFamily="34" charset="0"/>
+              <a:buChar char="•"/>
+              <a:defRPr sz="1800" kern="1200">
+                <a:solidFill>
+                  <a:schemeClr val="tx1"/>
+                </a:solidFill>
+                <a:latin typeface="+mn-lt"/>
+                <a:ea typeface="+mn-ea"/>
+                <a:cs typeface="+mn-cs"/>
+              </a:defRPr>
+            </a:lvl5pPr>
+            <a:lvl6pPr marL="2514600" indent="-228600" algn="l" defTabSz="914400" rtl="0" eaLnBrk="1" latinLnBrk="0" hangingPunct="1">
+              <a:lnSpc>
+                <a:spcPct val="90000"/>
+              </a:lnSpc>
+              <a:spcBef>
+                <a:spcPts val="500"/>
+              </a:spcBef>
+              <a:buFont typeface="Arial" panose="020B0604020202020204" pitchFamily="34" charset="0"/>
+              <a:buChar char="•"/>
+              <a:defRPr sz="1800" kern="1200">
+                <a:solidFill>
+                  <a:schemeClr val="tx1"/>
+                </a:solidFill>
+                <a:latin typeface="+mn-lt"/>
+                <a:ea typeface="+mn-ea"/>
+                <a:cs typeface="+mn-cs"/>
+              </a:defRPr>
+            </a:lvl6pPr>
+            <a:lvl7pPr marL="2971800" indent="-228600" algn="l" defTabSz="914400" rtl="0" eaLnBrk="1" latinLnBrk="0" hangingPunct="1">
+              <a:lnSpc>
+                <a:spcPct val="90000"/>
+              </a:lnSpc>
+              <a:spcBef>
+                <a:spcPts val="500"/>
+              </a:spcBef>
+              <a:buFont typeface="Arial" panose="020B0604020202020204" pitchFamily="34" charset="0"/>
+              <a:buChar char="•"/>
+              <a:defRPr sz="1800" kern="1200">
+                <a:solidFill>
+                  <a:schemeClr val="tx1"/>
+                </a:solidFill>
+                <a:latin typeface="+mn-lt"/>
+                <a:ea typeface="+mn-ea"/>
+                <a:cs typeface="+mn-cs"/>
+              </a:defRPr>
+            </a:lvl7pPr>
+            <a:lvl8pPr marL="3429000" indent="-228600" algn="l" defTabSz="914400" rtl="0" eaLnBrk="1" latinLnBrk="0" hangingPunct="1">
+              <a:lnSpc>
+                <a:spcPct val="90000"/>
+              </a:lnSpc>
+              <a:spcBef>
+                <a:spcPts val="500"/>
+              </a:spcBef>
+              <a:buFont typeface="Arial" panose="020B0604020202020204" pitchFamily="34" charset="0"/>
+              <a:buChar char="•"/>
+              <a:defRPr sz="1800" kern="1200">
+                <a:solidFill>
+                  <a:schemeClr val="tx1"/>
+                </a:solidFill>
+                <a:latin typeface="+mn-lt"/>
+                <a:ea typeface="+mn-ea"/>
+                <a:cs typeface="+mn-cs"/>
+              </a:defRPr>
+            </a:lvl8pPr>
+            <a:lvl9pPr marL="3886200" indent="-228600" algn="l" defTabSz="914400" rtl="0" eaLnBrk="1" latinLnBrk="0" hangingPunct="1">
+              <a:lnSpc>
+                <a:spcPct val="90000"/>
+              </a:lnSpc>
+              <a:spcBef>
+                <a:spcPts val="500"/>
+              </a:spcBef>
+              <a:buFont typeface="Arial" panose="020B0604020202020204" pitchFamily="34" charset="0"/>
+              <a:buChar char="•"/>
+              <a:defRPr sz="1800" kern="1200">
+                <a:solidFill>
+                  <a:schemeClr val="tx1"/>
+                </a:solidFill>
+                <a:latin typeface="+mn-lt"/>
+                <a:ea typeface="+mn-ea"/>
+                <a:cs typeface="+mn-cs"/>
+              </a:defRPr>
+            </a:lvl9pPr>
+          </a:lstStyle>
+          <a:p>
+            <a:pPr marL="285750" indent="-285750">
+              <a:spcAft>
+                <a:spcPts val="400"/>
+              </a:spcAft>
+              <a:buFont typeface="Wingdings" pitchFamily="2" charset="2"/>
+              <a:buChar char="§"/>
+            </a:pPr>
+            <a:r>
+              <a:rPr lang="en-US" sz="1400" dirty="0">
+                <a:latin typeface="+mn-lt"/>
+              </a:rPr>
+              <a:t>Unemployment Rate</a:t>
+            </a:r>
+          </a:p>
+          <a:p>
+            <a:pPr marL="285750" indent="-285750">
+              <a:spcAft>
+                <a:spcPts val="400"/>
+              </a:spcAft>
+              <a:buFont typeface="Wingdings" pitchFamily="2" charset="2"/>
+              <a:buChar char="§"/>
+            </a:pPr>
+            <a:r>
+              <a:rPr lang="en-US" sz="1400" dirty="0">
+                <a:latin typeface="+mn-lt"/>
+              </a:rPr>
+              <a:t>Race (African American, American Indian, Asian, White)</a:t>
+            </a:r>
+          </a:p>
+          <a:p>
+            <a:pPr marL="285750" indent="-285750">
+              <a:spcAft>
+                <a:spcPts val="400"/>
+              </a:spcAft>
+              <a:buFont typeface="Wingdings" pitchFamily="2" charset="2"/>
+              <a:buChar char="§"/>
+            </a:pPr>
+            <a:r>
+              <a:rPr lang="en-US" sz="1400" dirty="0">
+                <a:latin typeface="+mn-lt"/>
+              </a:rPr>
+              <a:t>Median Household Income</a:t>
+            </a:r>
+          </a:p>
+          <a:p>
+            <a:pPr marL="285750" indent="-285750">
+              <a:spcAft>
+                <a:spcPts val="400"/>
+              </a:spcAft>
+              <a:buFont typeface="Wingdings" pitchFamily="2" charset="2"/>
+              <a:buChar char="§"/>
+            </a:pPr>
+            <a:r>
+              <a:rPr lang="en-US" sz="1400" dirty="0">
+                <a:latin typeface="+mn-lt"/>
+              </a:rPr>
+              <a:t>Poverty Estimators</a:t>
+            </a:r>
+          </a:p>
+          <a:p>
+            <a:pPr marL="285750" indent="-285750">
+              <a:spcAft>
+                <a:spcPts val="400"/>
+              </a:spcAft>
+              <a:buFont typeface="Wingdings" pitchFamily="2" charset="2"/>
+              <a:buChar char="§"/>
+            </a:pPr>
+            <a:r>
+              <a:rPr lang="en-US" sz="1400" dirty="0">
+                <a:latin typeface="+mn-lt"/>
+              </a:rPr>
+              <a:t>Educational Attainments (Diploma, Bachelor, Masters, PhD.)</a:t>
+            </a:r>
+          </a:p>
+          <a:p>
+            <a:pPr marL="285750" indent="-285750">
+              <a:spcAft>
+                <a:spcPts val="400"/>
+              </a:spcAft>
+              <a:buFont typeface="Wingdings" pitchFamily="2" charset="2"/>
+              <a:buChar char="§"/>
+            </a:pPr>
+            <a:r>
+              <a:rPr lang="en-US" sz="1400" dirty="0">
+                <a:latin typeface="+mn-lt"/>
+              </a:rPr>
+              <a:t>Migration Rates</a:t>
+            </a:r>
+          </a:p>
+        </p:txBody>
+      </p:sp>
+      <p:pic>
+        <p:nvPicPr>
+          <p:cNvPr id="9" name="Picture 8" descr="Text&#10;&#10;Description automatically generated with medium confidence">
+            <a:extLst>
+              <a:ext uri="{FF2B5EF4-FFF2-40B4-BE49-F238E27FC236}">
+                <a16:creationId xmlns:a16="http://schemas.microsoft.com/office/drawing/2014/main" id="{AC0097EB-C55D-0645-A7B4-98B1A2537EEE}"/>
+              </a:ext>
+            </a:extLst>
+          </p:cNvPr>
+          <p:cNvPicPr>
+            <a:picLocks noChangeAspect="1"/>
+          </p:cNvPicPr>
+          <p:nvPr/>
+        </p:nvPicPr>
+        <p:blipFill rotWithShape="1">
+          <a:blip r:embed="rId4"/>
+          <a:srcRect l="27069" t="23333" r="20691" b="32223"/>
+          <a:stretch/>
+        </p:blipFill>
+        <p:spPr>
+          <a:xfrm>
+            <a:off x="539077" y="2334372"/>
+            <a:ext cx="769362" cy="707094"/>
+          </a:xfrm>
+          <a:prstGeom prst="rect">
+            <a:avLst/>
+          </a:prstGeom>
+        </p:spPr>
+      </p:pic>
+      <p:sp>
+        <p:nvSpPr>
+          <p:cNvPr id="10" name="Content Placeholder 2">
+            <a:extLst>
+              <a:ext uri="{FF2B5EF4-FFF2-40B4-BE49-F238E27FC236}">
+                <a16:creationId xmlns:a16="http://schemas.microsoft.com/office/drawing/2014/main" id="{13026294-34D8-6649-90CD-44D80C7F7C9D}"/>
+              </a:ext>
+            </a:extLst>
+          </p:cNvPr>
+          <p:cNvSpPr txBox="1">
+            <a:spLocks/>
+          </p:cNvSpPr>
+          <p:nvPr/>
+        </p:nvSpPr>
+        <p:spPr>
+          <a:xfrm>
+            <a:off x="1373856" y="4768143"/>
+            <a:ext cx="7312944" cy="1299500"/>
+          </a:xfrm>
+          <a:prstGeom prst="rect">
+            <a:avLst/>
+          </a:prstGeom>
+        </p:spPr>
+        <p:txBody>
+          <a:bodyPr vert="horz" lIns="91440" tIns="45720" rIns="91440" bIns="45720" numCol="1" rtlCol="0">
+            <a:noAutofit/>
+          </a:bodyPr>
+          <a:lstStyle>
+            <a:lvl1pPr marL="228600" indent="-228600" algn="l" defTabSz="914400" rtl="0" eaLnBrk="1" latinLnBrk="0" hangingPunct="1">
+              <a:lnSpc>
+                <a:spcPct val="90000"/>
+              </a:lnSpc>
+              <a:spcBef>
+                <a:spcPts val="1000"/>
+              </a:spcBef>
+              <a:buFont typeface="Arial" panose="020B0604020202020204" pitchFamily="34" charset="0"/>
+              <a:buChar char="•"/>
+              <a:defRPr sz="2800" kern="1200">
+                <a:solidFill>
+                  <a:schemeClr val="tx1"/>
+                </a:solidFill>
+                <a:latin typeface="+mn-lt"/>
+                <a:ea typeface="+mn-ea"/>
+                <a:cs typeface="+mn-cs"/>
+              </a:defRPr>
+            </a:lvl1pPr>
+            <a:lvl2pPr marL="685800" indent="-228600" algn="l" defTabSz="914400" rtl="0" eaLnBrk="1" latinLnBrk="0" hangingPunct="1">
+              <a:lnSpc>
+                <a:spcPct val="90000"/>
+              </a:lnSpc>
+              <a:spcBef>
+                <a:spcPts val="500"/>
+              </a:spcBef>
+              <a:buFont typeface="Arial" panose="020B0604020202020204" pitchFamily="34" charset="0"/>
+              <a:buChar char="•"/>
+              <a:defRPr sz="2400" kern="1200">
+                <a:solidFill>
+                  <a:schemeClr val="tx1"/>
+                </a:solidFill>
+                <a:latin typeface="+mn-lt"/>
+                <a:ea typeface="+mn-ea"/>
+                <a:cs typeface="+mn-cs"/>
+              </a:defRPr>
+            </a:lvl2pPr>
+            <a:lvl3pPr marL="1143000" indent="-228600" algn="l" defTabSz="914400" rtl="0" eaLnBrk="1" latinLnBrk="0" hangingPunct="1">
+              <a:lnSpc>
+                <a:spcPct val="90000"/>
+              </a:lnSpc>
+              <a:spcBef>
+                <a:spcPts val="500"/>
+              </a:spcBef>
+              <a:buFont typeface="Arial" panose="020B0604020202020204" pitchFamily="34" charset="0"/>
+              <a:buChar char="•"/>
+              <a:defRPr sz="2000" kern="1200">
+                <a:solidFill>
+                  <a:schemeClr val="tx1"/>
+                </a:solidFill>
+                <a:latin typeface="+mn-lt"/>
+                <a:ea typeface="+mn-ea"/>
+                <a:cs typeface="+mn-cs"/>
+              </a:defRPr>
+            </a:lvl3pPr>
+            <a:lvl4pPr marL="1600200" indent="-228600" algn="l" defTabSz="914400" rtl="0" eaLnBrk="1" latinLnBrk="0" hangingPunct="1">
+              <a:lnSpc>
+                <a:spcPct val="90000"/>
+              </a:lnSpc>
+              <a:spcBef>
+                <a:spcPts val="500"/>
+              </a:spcBef>
+              <a:buFont typeface="Arial" panose="020B0604020202020204" pitchFamily="34" charset="0"/>
+              <a:buChar char="•"/>
+              <a:defRPr sz="1800" kern="1200">
+                <a:solidFill>
+                  <a:schemeClr val="tx1"/>
+                </a:solidFill>
+                <a:latin typeface="+mn-lt"/>
+                <a:ea typeface="+mn-ea"/>
+                <a:cs typeface="+mn-cs"/>
+              </a:defRPr>
+            </a:lvl4pPr>
+            <a:lvl5pPr marL="2057400" indent="-228600" algn="l" defTabSz="914400" rtl="0" eaLnBrk="1" latinLnBrk="0" hangingPunct="1">
+              <a:lnSpc>
+                <a:spcPct val="90000"/>
+              </a:lnSpc>
+              <a:spcBef>
+                <a:spcPts val="500"/>
+              </a:spcBef>
+              <a:buFont typeface="Arial" panose="020B0604020202020204" pitchFamily="34" charset="0"/>
+              <a:buChar char="•"/>
+              <a:defRPr sz="1800" kern="1200">
+                <a:solidFill>
+                  <a:schemeClr val="tx1"/>
+                </a:solidFill>
+                <a:latin typeface="+mn-lt"/>
+                <a:ea typeface="+mn-ea"/>
+                <a:cs typeface="+mn-cs"/>
+              </a:defRPr>
+            </a:lvl5pPr>
+            <a:lvl6pPr marL="2514600" indent="-228600" algn="l" defTabSz="914400" rtl="0" eaLnBrk="1" latinLnBrk="0" hangingPunct="1">
+              <a:lnSpc>
+                <a:spcPct val="90000"/>
+              </a:lnSpc>
+              <a:spcBef>
+                <a:spcPts val="500"/>
+              </a:spcBef>
+              <a:buFont typeface="Arial" panose="020B0604020202020204" pitchFamily="34" charset="0"/>
+              <a:buChar char="•"/>
+              <a:defRPr sz="1800" kern="1200">
+                <a:solidFill>
+                  <a:schemeClr val="tx1"/>
+                </a:solidFill>
+                <a:latin typeface="+mn-lt"/>
+                <a:ea typeface="+mn-ea"/>
+                <a:cs typeface="+mn-cs"/>
+              </a:defRPr>
+            </a:lvl6pPr>
+            <a:lvl7pPr marL="2971800" indent="-228600" algn="l" defTabSz="914400" rtl="0" eaLnBrk="1" latinLnBrk="0" hangingPunct="1">
+              <a:lnSpc>
+                <a:spcPct val="90000"/>
+              </a:lnSpc>
+              <a:spcBef>
+                <a:spcPts val="500"/>
+              </a:spcBef>
+              <a:buFont typeface="Arial" panose="020B0604020202020204" pitchFamily="34" charset="0"/>
+              <a:buChar char="•"/>
+              <a:defRPr sz="1800" kern="1200">
+                <a:solidFill>
+                  <a:schemeClr val="tx1"/>
+                </a:solidFill>
+                <a:latin typeface="+mn-lt"/>
+                <a:ea typeface="+mn-ea"/>
+                <a:cs typeface="+mn-cs"/>
+              </a:defRPr>
+            </a:lvl7pPr>
+            <a:lvl8pPr marL="3429000" indent="-228600" algn="l" defTabSz="914400" rtl="0" eaLnBrk="1" latinLnBrk="0" hangingPunct="1">
+              <a:lnSpc>
+                <a:spcPct val="90000"/>
+              </a:lnSpc>
+              <a:spcBef>
+                <a:spcPts val="500"/>
+              </a:spcBef>
+              <a:buFont typeface="Arial" panose="020B0604020202020204" pitchFamily="34" charset="0"/>
+              <a:buChar char="•"/>
+              <a:defRPr sz="1800" kern="1200">
+                <a:solidFill>
+                  <a:schemeClr val="tx1"/>
+                </a:solidFill>
+                <a:latin typeface="+mn-lt"/>
+                <a:ea typeface="+mn-ea"/>
+                <a:cs typeface="+mn-cs"/>
+              </a:defRPr>
+            </a:lvl8pPr>
+            <a:lvl9pPr marL="3886200" indent="-228600" algn="l" defTabSz="914400" rtl="0" eaLnBrk="1" latinLnBrk="0" hangingPunct="1">
+              <a:lnSpc>
+                <a:spcPct val="90000"/>
+              </a:lnSpc>
+              <a:spcBef>
+                <a:spcPts val="500"/>
+              </a:spcBef>
+              <a:buFont typeface="Arial" panose="020B0604020202020204" pitchFamily="34" charset="0"/>
+              <a:buChar char="•"/>
+              <a:defRPr sz="1800" kern="1200">
+                <a:solidFill>
+                  <a:schemeClr val="tx1"/>
+                </a:solidFill>
+                <a:latin typeface="+mn-lt"/>
+                <a:ea typeface="+mn-ea"/>
+                <a:cs typeface="+mn-cs"/>
+              </a:defRPr>
+            </a:lvl9pPr>
+          </a:lstStyle>
+          <a:p>
+            <a:pPr marL="0" indent="0">
+              <a:spcAft>
+                <a:spcPts val="400"/>
+              </a:spcAft>
+              <a:buNone/>
+            </a:pPr>
+            <a:r>
+              <a:rPr lang="en-US" sz="1400" dirty="0">
+                <a:latin typeface="+mn-lt"/>
+              </a:rPr>
+              <a:t>Accuracy of around 60% which suggests that we were able to </a:t>
+            </a:r>
+            <a:r>
+              <a:rPr lang="en-US" sz="1400" dirty="0"/>
+              <a:t>predict the winning party of the US Presidential election in 60% of the counties correctly along with the usage of external data. For now, we can say that democrats have solid base in counties having </a:t>
+            </a:r>
+          </a:p>
+          <a:p>
+            <a:pPr marL="0" indent="0">
+              <a:spcAft>
+                <a:spcPts val="400"/>
+              </a:spcAft>
+              <a:buNone/>
+            </a:pPr>
+            <a:endParaRPr lang="en-US" sz="1400" dirty="0">
+              <a:latin typeface="+mn-lt"/>
+            </a:endParaRPr>
+          </a:p>
+          <a:p>
+            <a:pPr marL="0" indent="0">
+              <a:spcAft>
+                <a:spcPts val="400"/>
+              </a:spcAft>
+              <a:buNone/>
+            </a:pPr>
+            <a:endParaRPr lang="en-US" sz="1400" dirty="0"/>
+          </a:p>
+          <a:p>
+            <a:pPr marL="0" indent="0">
+              <a:spcAft>
+                <a:spcPts val="400"/>
+              </a:spcAft>
+              <a:buNone/>
+            </a:pPr>
+            <a:r>
+              <a:rPr lang="en-US" sz="1400" dirty="0">
+                <a:latin typeface="+mn-lt"/>
+              </a:rPr>
+              <a:t>However, we also need more dimensionality to the </a:t>
+            </a:r>
+            <a:r>
+              <a:rPr lang="en-US" sz="1400" dirty="0"/>
+              <a:t>analysis data to achieve more accuracy.</a:t>
+            </a:r>
+            <a:endParaRPr lang="en-US" sz="1400" dirty="0">
+              <a:latin typeface="+mn-lt"/>
+            </a:endParaRPr>
+          </a:p>
+        </p:txBody>
+      </p:sp>
+      <p:sp>
+        <p:nvSpPr>
+          <p:cNvPr id="13" name="Round Diagonal Corner of Rectangle 12">
+            <a:extLst>
+              <a:ext uri="{FF2B5EF4-FFF2-40B4-BE49-F238E27FC236}">
+                <a16:creationId xmlns:a16="http://schemas.microsoft.com/office/drawing/2014/main" id="{14DE65E5-7139-6345-92D9-563F859E35F2}"/>
+              </a:ext>
+            </a:extLst>
+          </p:cNvPr>
+          <p:cNvSpPr/>
+          <p:nvPr/>
+        </p:nvSpPr>
+        <p:spPr>
+          <a:xfrm>
+            <a:off x="304800" y="1371600"/>
+            <a:ext cx="8534400" cy="2311019"/>
+          </a:xfrm>
+          <a:prstGeom prst="round2DiagRect">
+            <a:avLst/>
+          </a:prstGeom>
+          <a:noFill/>
+        </p:spPr>
+        <p:style>
+          <a:lnRef idx="1">
+            <a:schemeClr val="accent1"/>
+          </a:lnRef>
+          <a:fillRef idx="3">
+            <a:schemeClr val="accent1"/>
+          </a:fillRef>
+          <a:effectRef idx="2">
+            <a:schemeClr val="accent1"/>
+          </a:effectRef>
+          <a:fontRef idx="minor">
+            <a:schemeClr val="lt1"/>
+          </a:fontRef>
+        </p:style>
+        <p:txBody>
+          <a:bodyPr rtlCol="0" anchor="ctr"/>
+          <a:lstStyle/>
+          <a:p>
+            <a:pPr algn="ctr"/>
+            <a:endParaRPr lang="en-US"/>
+          </a:p>
+        </p:txBody>
+      </p:sp>
+      <p:pic>
+        <p:nvPicPr>
+          <p:cNvPr id="11" name="Picture 10" descr="Text&#10;&#10;Description automatically generated with medium confidence">
+            <a:extLst>
+              <a:ext uri="{FF2B5EF4-FFF2-40B4-BE49-F238E27FC236}">
+                <a16:creationId xmlns:a16="http://schemas.microsoft.com/office/drawing/2014/main" id="{A8D9B826-4684-D149-A3A0-37F21C2A486F}"/>
+              </a:ext>
+            </a:extLst>
+          </p:cNvPr>
+          <p:cNvPicPr>
+            <a:picLocks noChangeAspect="1"/>
+          </p:cNvPicPr>
+          <p:nvPr/>
+        </p:nvPicPr>
+        <p:blipFill rotWithShape="1">
+          <a:blip r:embed="rId4"/>
+          <a:srcRect l="27069" t="23333" r="20691" b="32223"/>
+          <a:stretch/>
+        </p:blipFill>
+        <p:spPr>
+          <a:xfrm>
+            <a:off x="539077" y="4719396"/>
+            <a:ext cx="769362" cy="707094"/>
+          </a:xfrm>
+          <a:prstGeom prst="rect">
+            <a:avLst/>
+          </a:prstGeom>
+        </p:spPr>
+      </p:pic>
+      <p:sp>
+        <p:nvSpPr>
+          <p:cNvPr id="12" name="Content Placeholder 2">
+            <a:extLst>
+              <a:ext uri="{FF2B5EF4-FFF2-40B4-BE49-F238E27FC236}">
+                <a16:creationId xmlns:a16="http://schemas.microsoft.com/office/drawing/2014/main" id="{374703A5-0EAF-1746-9C7A-432893AA009A}"/>
+              </a:ext>
+            </a:extLst>
+          </p:cNvPr>
+          <p:cNvSpPr txBox="1">
+            <a:spLocks/>
+          </p:cNvSpPr>
+          <p:nvPr/>
+        </p:nvSpPr>
+        <p:spPr>
+          <a:xfrm>
+            <a:off x="1526256" y="5493751"/>
+            <a:ext cx="8229600" cy="678449"/>
+          </a:xfrm>
+          <a:prstGeom prst="rect">
+            <a:avLst/>
+          </a:prstGeom>
+        </p:spPr>
+        <p:txBody>
+          <a:bodyPr vert="horz" lIns="91440" tIns="45720" rIns="91440" bIns="45720" numCol="2" rtlCol="0">
+            <a:noAutofit/>
+          </a:bodyPr>
+          <a:lstStyle>
+            <a:lvl1pPr marL="228600" indent="-228600" algn="l" defTabSz="914400" rtl="0" eaLnBrk="1" latinLnBrk="0" hangingPunct="1">
+              <a:lnSpc>
+                <a:spcPct val="90000"/>
+              </a:lnSpc>
+              <a:spcBef>
+                <a:spcPts val="1000"/>
+              </a:spcBef>
+              <a:buFont typeface="Arial" panose="020B0604020202020204" pitchFamily="34" charset="0"/>
+              <a:buChar char="•"/>
+              <a:defRPr sz="2800" kern="1200">
+                <a:solidFill>
+                  <a:schemeClr val="tx1"/>
+                </a:solidFill>
+                <a:latin typeface="+mn-lt"/>
+                <a:ea typeface="+mn-ea"/>
+                <a:cs typeface="+mn-cs"/>
+              </a:defRPr>
+            </a:lvl1pPr>
+            <a:lvl2pPr marL="685800" indent="-228600" algn="l" defTabSz="914400" rtl="0" eaLnBrk="1" latinLnBrk="0" hangingPunct="1">
+              <a:lnSpc>
+                <a:spcPct val="90000"/>
+              </a:lnSpc>
+              <a:spcBef>
+                <a:spcPts val="500"/>
+              </a:spcBef>
+              <a:buFont typeface="Arial" panose="020B0604020202020204" pitchFamily="34" charset="0"/>
+              <a:buChar char="•"/>
+              <a:defRPr sz="2400" kern="1200">
+                <a:solidFill>
+                  <a:schemeClr val="tx1"/>
+                </a:solidFill>
+                <a:latin typeface="+mn-lt"/>
+                <a:ea typeface="+mn-ea"/>
+                <a:cs typeface="+mn-cs"/>
+              </a:defRPr>
+            </a:lvl2pPr>
+            <a:lvl3pPr marL="1143000" indent="-228600" algn="l" defTabSz="914400" rtl="0" eaLnBrk="1" latinLnBrk="0" hangingPunct="1">
+              <a:lnSpc>
+                <a:spcPct val="90000"/>
+              </a:lnSpc>
+              <a:spcBef>
+                <a:spcPts val="500"/>
+              </a:spcBef>
+              <a:buFont typeface="Arial" panose="020B0604020202020204" pitchFamily="34" charset="0"/>
+              <a:buChar char="•"/>
+              <a:defRPr sz="2000" kern="1200">
+                <a:solidFill>
+                  <a:schemeClr val="tx1"/>
+                </a:solidFill>
+                <a:latin typeface="+mn-lt"/>
+                <a:ea typeface="+mn-ea"/>
+                <a:cs typeface="+mn-cs"/>
+              </a:defRPr>
+            </a:lvl3pPr>
+            <a:lvl4pPr marL="1600200" indent="-228600" algn="l" defTabSz="914400" rtl="0" eaLnBrk="1" latinLnBrk="0" hangingPunct="1">
+              <a:lnSpc>
+                <a:spcPct val="90000"/>
+              </a:lnSpc>
+              <a:spcBef>
+                <a:spcPts val="500"/>
+              </a:spcBef>
+              <a:buFont typeface="Arial" panose="020B0604020202020204" pitchFamily="34" charset="0"/>
+              <a:buChar char="•"/>
+              <a:defRPr sz="1800" kern="1200">
+                <a:solidFill>
+                  <a:schemeClr val="tx1"/>
+                </a:solidFill>
+                <a:latin typeface="+mn-lt"/>
+                <a:ea typeface="+mn-ea"/>
+                <a:cs typeface="+mn-cs"/>
+              </a:defRPr>
+            </a:lvl4pPr>
+            <a:lvl5pPr marL="2057400" indent="-228600" algn="l" defTabSz="914400" rtl="0" eaLnBrk="1" latinLnBrk="0" hangingPunct="1">
+              <a:lnSpc>
+                <a:spcPct val="90000"/>
+              </a:lnSpc>
+              <a:spcBef>
+                <a:spcPts val="500"/>
+              </a:spcBef>
+              <a:buFont typeface="Arial" panose="020B0604020202020204" pitchFamily="34" charset="0"/>
+              <a:buChar char="•"/>
+              <a:defRPr sz="1800" kern="1200">
+                <a:solidFill>
+                  <a:schemeClr val="tx1"/>
+                </a:solidFill>
+                <a:latin typeface="+mn-lt"/>
+                <a:ea typeface="+mn-ea"/>
+                <a:cs typeface="+mn-cs"/>
+              </a:defRPr>
+            </a:lvl5pPr>
+            <a:lvl6pPr marL="2514600" indent="-228600" algn="l" defTabSz="914400" rtl="0" eaLnBrk="1" latinLnBrk="0" hangingPunct="1">
+              <a:lnSpc>
+                <a:spcPct val="90000"/>
+              </a:lnSpc>
+              <a:spcBef>
+                <a:spcPts val="500"/>
+              </a:spcBef>
+              <a:buFont typeface="Arial" panose="020B0604020202020204" pitchFamily="34" charset="0"/>
+              <a:buChar char="•"/>
+              <a:defRPr sz="1800" kern="1200">
+                <a:solidFill>
+                  <a:schemeClr val="tx1"/>
+                </a:solidFill>
+                <a:latin typeface="+mn-lt"/>
+                <a:ea typeface="+mn-ea"/>
+                <a:cs typeface="+mn-cs"/>
+              </a:defRPr>
+            </a:lvl6pPr>
+            <a:lvl7pPr marL="2971800" indent="-228600" algn="l" defTabSz="914400" rtl="0" eaLnBrk="1" latinLnBrk="0" hangingPunct="1">
+              <a:lnSpc>
+                <a:spcPct val="90000"/>
+              </a:lnSpc>
+              <a:spcBef>
+                <a:spcPts val="500"/>
+              </a:spcBef>
+              <a:buFont typeface="Arial" panose="020B0604020202020204" pitchFamily="34" charset="0"/>
+              <a:buChar char="•"/>
+              <a:defRPr sz="1800" kern="1200">
+                <a:solidFill>
+                  <a:schemeClr val="tx1"/>
+                </a:solidFill>
+                <a:latin typeface="+mn-lt"/>
+                <a:ea typeface="+mn-ea"/>
+                <a:cs typeface="+mn-cs"/>
+              </a:defRPr>
+            </a:lvl7pPr>
+            <a:lvl8pPr marL="3429000" indent="-228600" algn="l" defTabSz="914400" rtl="0" eaLnBrk="1" latinLnBrk="0" hangingPunct="1">
+              <a:lnSpc>
+                <a:spcPct val="90000"/>
+              </a:lnSpc>
+              <a:spcBef>
+                <a:spcPts val="500"/>
+              </a:spcBef>
+              <a:buFont typeface="Arial" panose="020B0604020202020204" pitchFamily="34" charset="0"/>
+              <a:buChar char="•"/>
+              <a:defRPr sz="1800" kern="1200">
+                <a:solidFill>
+                  <a:schemeClr val="tx1"/>
+                </a:solidFill>
+                <a:latin typeface="+mn-lt"/>
+                <a:ea typeface="+mn-ea"/>
+                <a:cs typeface="+mn-cs"/>
+              </a:defRPr>
+            </a:lvl8pPr>
+            <a:lvl9pPr marL="3886200" indent="-228600" algn="l" defTabSz="914400" rtl="0" eaLnBrk="1" latinLnBrk="0" hangingPunct="1">
+              <a:lnSpc>
+                <a:spcPct val="90000"/>
+              </a:lnSpc>
+              <a:spcBef>
+                <a:spcPts val="500"/>
+              </a:spcBef>
+              <a:buFont typeface="Arial" panose="020B0604020202020204" pitchFamily="34" charset="0"/>
+              <a:buChar char="•"/>
+              <a:defRPr sz="1800" kern="1200">
+                <a:solidFill>
+                  <a:schemeClr val="tx1"/>
+                </a:solidFill>
+                <a:latin typeface="+mn-lt"/>
+                <a:ea typeface="+mn-ea"/>
+                <a:cs typeface="+mn-cs"/>
+              </a:defRPr>
+            </a:lvl9pPr>
+          </a:lstStyle>
+          <a:p>
+            <a:pPr>
+              <a:spcAft>
+                <a:spcPts val="400"/>
+              </a:spcAft>
+              <a:buFont typeface="Wingdings" pitchFamily="2" charset="2"/>
+              <a:buChar char="Ø"/>
+            </a:pPr>
+            <a:r>
+              <a:rPr lang="en-US" sz="1400" dirty="0"/>
+              <a:t>Citizens with High Educational Attainment</a:t>
+            </a:r>
+          </a:p>
+          <a:p>
+            <a:pPr>
+              <a:spcAft>
+                <a:spcPts val="400"/>
+              </a:spcAft>
+              <a:buFont typeface="Wingdings" pitchFamily="2" charset="2"/>
+              <a:buChar char="Ø"/>
+            </a:pPr>
+            <a:r>
+              <a:rPr lang="en-US" sz="1400" dirty="0"/>
+              <a:t>Less Crime Rate</a:t>
+            </a:r>
+          </a:p>
+          <a:p>
+            <a:pPr>
+              <a:spcAft>
+                <a:spcPts val="400"/>
+              </a:spcAft>
+              <a:buFont typeface="Wingdings" pitchFamily="2" charset="2"/>
+              <a:buChar char="Ø"/>
+            </a:pPr>
+            <a:r>
+              <a:rPr lang="en-US" sz="1400" dirty="0"/>
+              <a:t>High African American population</a:t>
+            </a:r>
+          </a:p>
+          <a:p>
+            <a:pPr>
+              <a:spcAft>
+                <a:spcPts val="400"/>
+              </a:spcAft>
+              <a:buFont typeface="Wingdings" pitchFamily="2" charset="2"/>
+              <a:buChar char="Ø"/>
+            </a:pPr>
+            <a:r>
+              <a:rPr lang="en-US" sz="1400" dirty="0"/>
+              <a:t>Less Unemployment rate</a:t>
+            </a:r>
+          </a:p>
+        </p:txBody>
+      </p:sp>
+      <p:sp>
+        <p:nvSpPr>
+          <p:cNvPr id="14" name="Round Diagonal Corner of Rectangle 13">
+            <a:extLst>
+              <a:ext uri="{FF2B5EF4-FFF2-40B4-BE49-F238E27FC236}">
+                <a16:creationId xmlns:a16="http://schemas.microsoft.com/office/drawing/2014/main" id="{29EC5E6E-933E-F24F-BB2F-596817D50DD5}"/>
+              </a:ext>
+            </a:extLst>
+          </p:cNvPr>
+          <p:cNvSpPr/>
+          <p:nvPr/>
+        </p:nvSpPr>
+        <p:spPr>
+          <a:xfrm>
+            <a:off x="304800" y="3827059"/>
+            <a:ext cx="8534400" cy="2726142"/>
+          </a:xfrm>
+          <a:prstGeom prst="round2DiagRect">
+            <a:avLst/>
+          </a:prstGeom>
+          <a:noFill/>
+        </p:spPr>
+        <p:style>
+          <a:lnRef idx="1">
+            <a:schemeClr val="accent1"/>
+          </a:lnRef>
+          <a:fillRef idx="3">
+            <a:schemeClr val="accent1"/>
+          </a:fillRef>
+          <a:effectRef idx="2">
+            <a:schemeClr val="accent1"/>
+          </a:effectRef>
+          <a:fontRef idx="minor">
+            <a:schemeClr val="lt1"/>
+          </a:fontRef>
+        </p:style>
+        <p:txBody>
+          <a:bodyPr rtlCol="0" anchor="ctr"/>
+          <a:lstStyle/>
+          <a:p>
+            <a:pPr algn="ctr"/>
+            <a:endParaRPr lang="en-US"/>
           </a:p>
         </p:txBody>
       </p:sp>
